--- a/AD_project_proposal_PT.pptx
+++ b/AD_project_proposal_PT.pptx
@@ -6,6 +6,27 @@
   </p:sldMasterIdLst>
   <p:sldIdLst>
     <p:sldId id="256" r:id="rId2"/>
+    <p:sldId id="262" r:id="rId3"/>
+    <p:sldId id="274" r:id="rId4"/>
+    <p:sldId id="263" r:id="rId5"/>
+    <p:sldId id="264" r:id="rId6"/>
+    <p:sldId id="265" r:id="rId7"/>
+    <p:sldId id="266" r:id="rId8"/>
+    <p:sldId id="282" r:id="rId9"/>
+    <p:sldId id="279" r:id="rId10"/>
+    <p:sldId id="269" r:id="rId11"/>
+    <p:sldId id="281" r:id="rId12"/>
+    <p:sldId id="267" r:id="rId13"/>
+    <p:sldId id="268" r:id="rId14"/>
+    <p:sldId id="270" r:id="rId15"/>
+    <p:sldId id="283" r:id="rId16"/>
+    <p:sldId id="271" r:id="rId17"/>
+    <p:sldId id="272" r:id="rId18"/>
+    <p:sldId id="275" r:id="rId19"/>
+    <p:sldId id="273" r:id="rId20"/>
+    <p:sldId id="277" r:id="rId21"/>
+    <p:sldId id="278" r:id="rId22"/>
+    <p:sldId id="280" r:id="rId23"/>
   </p:sldIdLst>
   <p:sldSz cx="12192000" cy="6858000"/>
   <p:notesSz cx="6858000" cy="9144000"/>
@@ -104,6 +125,11 @@
       </a:defRPr>
     </a:lvl9pPr>
   </p:defaultTextStyle>
+  <p:extLst>
+    <p:ext uri="{EFAFB233-063F-42B5-8137-9DF3F51BA10A}">
+      <p15:sldGuideLst xmlns:p15="http://schemas.microsoft.com/office/powerpoint/2012/main"/>
+    </p:ext>
+  </p:extLst>
 </p:presentation>
 </file>
 
@@ -254,7 +280,7 @@
           <a:p>
             <a:fld id="{877A101C-329B-4D6D-B565-699C6EAC95AD}" type="datetimeFigureOut">
               <a:rPr lang="ko-KR" altLang="en-US" smtClean="0"/>
-              <a:t>2019-11-23</a:t>
+              <a:t>2019-11-24</a:t>
             </a:fld>
             <a:endParaRPr lang="ko-KR" altLang="en-US"/>
           </a:p>
@@ -452,7 +478,7 @@
           <a:p>
             <a:fld id="{877A101C-329B-4D6D-B565-699C6EAC95AD}" type="datetimeFigureOut">
               <a:rPr lang="ko-KR" altLang="en-US" smtClean="0"/>
-              <a:t>2019-11-23</a:t>
+              <a:t>2019-11-24</a:t>
             </a:fld>
             <a:endParaRPr lang="ko-KR" altLang="en-US"/>
           </a:p>
@@ -660,7 +686,7 @@
           <a:p>
             <a:fld id="{877A101C-329B-4D6D-B565-699C6EAC95AD}" type="datetimeFigureOut">
               <a:rPr lang="ko-KR" altLang="en-US" smtClean="0"/>
-              <a:t>2019-11-23</a:t>
+              <a:t>2019-11-24</a:t>
             </a:fld>
             <a:endParaRPr lang="ko-KR" altLang="en-US"/>
           </a:p>
@@ -858,7 +884,7 @@
           <a:p>
             <a:fld id="{877A101C-329B-4D6D-B565-699C6EAC95AD}" type="datetimeFigureOut">
               <a:rPr lang="ko-KR" altLang="en-US" smtClean="0"/>
-              <a:t>2019-11-23</a:t>
+              <a:t>2019-11-24</a:t>
             </a:fld>
             <a:endParaRPr lang="ko-KR" altLang="en-US"/>
           </a:p>
@@ -1133,7 +1159,7 @@
           <a:p>
             <a:fld id="{877A101C-329B-4D6D-B565-699C6EAC95AD}" type="datetimeFigureOut">
               <a:rPr lang="ko-KR" altLang="en-US" smtClean="0"/>
-              <a:t>2019-11-23</a:t>
+              <a:t>2019-11-24</a:t>
             </a:fld>
             <a:endParaRPr lang="ko-KR" altLang="en-US"/>
           </a:p>
@@ -1398,7 +1424,7 @@
           <a:p>
             <a:fld id="{877A101C-329B-4D6D-B565-699C6EAC95AD}" type="datetimeFigureOut">
               <a:rPr lang="ko-KR" altLang="en-US" smtClean="0"/>
-              <a:t>2019-11-23</a:t>
+              <a:t>2019-11-24</a:t>
             </a:fld>
             <a:endParaRPr lang="ko-KR" altLang="en-US"/>
           </a:p>
@@ -1810,7 +1836,7 @@
           <a:p>
             <a:fld id="{877A101C-329B-4D6D-B565-699C6EAC95AD}" type="datetimeFigureOut">
               <a:rPr lang="ko-KR" altLang="en-US" smtClean="0"/>
-              <a:t>2019-11-23</a:t>
+              <a:t>2019-11-24</a:t>
             </a:fld>
             <a:endParaRPr lang="ko-KR" altLang="en-US"/>
           </a:p>
@@ -1951,7 +1977,7 @@
           <a:p>
             <a:fld id="{877A101C-329B-4D6D-B565-699C6EAC95AD}" type="datetimeFigureOut">
               <a:rPr lang="ko-KR" altLang="en-US" smtClean="0"/>
-              <a:t>2019-11-23</a:t>
+              <a:t>2019-11-24</a:t>
             </a:fld>
             <a:endParaRPr lang="ko-KR" altLang="en-US"/>
           </a:p>
@@ -2064,7 +2090,7 @@
           <a:p>
             <a:fld id="{877A101C-329B-4D6D-B565-699C6EAC95AD}" type="datetimeFigureOut">
               <a:rPr lang="ko-KR" altLang="en-US" smtClean="0"/>
-              <a:t>2019-11-23</a:t>
+              <a:t>2019-11-24</a:t>
             </a:fld>
             <a:endParaRPr lang="ko-KR" altLang="en-US"/>
           </a:p>
@@ -2375,7 +2401,7 @@
           <a:p>
             <a:fld id="{877A101C-329B-4D6D-B565-699C6EAC95AD}" type="datetimeFigureOut">
               <a:rPr lang="ko-KR" altLang="en-US" smtClean="0"/>
-              <a:t>2019-11-23</a:t>
+              <a:t>2019-11-24</a:t>
             </a:fld>
             <a:endParaRPr lang="ko-KR" altLang="en-US"/>
           </a:p>
@@ -2663,7 +2689,7 @@
           <a:p>
             <a:fld id="{877A101C-329B-4D6D-B565-699C6EAC95AD}" type="datetimeFigureOut">
               <a:rPr lang="ko-KR" altLang="en-US" smtClean="0"/>
-              <a:t>2019-11-23</a:t>
+              <a:t>2019-11-24</a:t>
             </a:fld>
             <a:endParaRPr lang="ko-KR" altLang="en-US"/>
           </a:p>
@@ -2904,7 +2930,7 @@
           <a:p>
             <a:fld id="{877A101C-329B-4D6D-B565-699C6EAC95AD}" type="datetimeFigureOut">
               <a:rPr lang="ko-KR" altLang="en-US" smtClean="0"/>
-              <a:t>2019-11-23</a:t>
+              <a:t>2019-11-24</a:t>
             </a:fld>
             <a:endParaRPr lang="ko-KR" altLang="en-US"/>
           </a:p>
@@ -3371,6 +3397,192 @@
           </a:p>
         </p:txBody>
       </p:sp>
+      <p:sp>
+        <p:nvSpPr>
+          <p:cNvPr id="4" name="직사각형 3">
+            <a:extLst>
+              <a:ext uri="{FF2B5EF4-FFF2-40B4-BE49-F238E27FC236}">
+                <a16:creationId xmlns:a16="http://schemas.microsoft.com/office/drawing/2014/main" id="{027812B0-4CDC-4E7E-B119-C1647F42E6C6}"/>
+              </a:ext>
+            </a:extLst>
+          </p:cNvPr>
+          <p:cNvSpPr/>
+          <p:nvPr/>
+        </p:nvSpPr>
+        <p:spPr>
+          <a:xfrm>
+            <a:off x="0" y="0"/>
+            <a:ext cx="12192000" cy="6858000"/>
+          </a:xfrm>
+          <a:prstGeom prst="rect">
+            <a:avLst/>
+          </a:prstGeom>
+          <a:solidFill>
+            <a:srgbClr val="3ED7C4"/>
+          </a:solidFill>
+          <a:ln>
+            <a:noFill/>
+          </a:ln>
+        </p:spPr>
+        <p:style>
+          <a:lnRef idx="2">
+            <a:schemeClr val="accent1">
+              <a:shade val="50000"/>
+            </a:schemeClr>
+          </a:lnRef>
+          <a:fillRef idx="1">
+            <a:schemeClr val="accent1"/>
+          </a:fillRef>
+          <a:effectRef idx="0">
+            <a:schemeClr val="accent1"/>
+          </a:effectRef>
+          <a:fontRef idx="minor">
+            <a:schemeClr val="lt1"/>
+          </a:fontRef>
+        </p:style>
+        <p:txBody>
+          <a:bodyPr rtlCol="0" anchor="ctr"/>
+          <a:lstStyle/>
+          <a:p>
+            <a:pPr algn="ctr"/>
+            <a:endParaRPr kumimoji="1" lang="ko-KR" altLang="en-US" dirty="0"/>
+          </a:p>
+        </p:txBody>
+      </p:sp>
+      <p:sp>
+        <p:nvSpPr>
+          <p:cNvPr id="5" name="직사각형 4">
+            <a:extLst>
+              <a:ext uri="{FF2B5EF4-FFF2-40B4-BE49-F238E27FC236}">
+                <a16:creationId xmlns:a16="http://schemas.microsoft.com/office/drawing/2014/main" id="{98044BE6-F6AD-4EF9-8C58-6ED39CE33C3F}"/>
+              </a:ext>
+            </a:extLst>
+          </p:cNvPr>
+          <p:cNvSpPr/>
+          <p:nvPr/>
+        </p:nvSpPr>
+        <p:spPr>
+          <a:xfrm>
+            <a:off x="847725" y="2547418"/>
+            <a:ext cx="10496550" cy="974794"/>
+          </a:xfrm>
+          <a:prstGeom prst="rect">
+            <a:avLst/>
+          </a:prstGeom>
+          <a:noFill/>
+          <a:ln>
+            <a:noFill/>
+          </a:ln>
+        </p:spPr>
+        <p:style>
+          <a:lnRef idx="2">
+            <a:schemeClr val="accent1">
+              <a:shade val="50000"/>
+            </a:schemeClr>
+          </a:lnRef>
+          <a:fillRef idx="1">
+            <a:schemeClr val="accent1"/>
+          </a:fillRef>
+          <a:effectRef idx="0">
+            <a:schemeClr val="accent1"/>
+          </a:effectRef>
+          <a:fontRef idx="minor">
+            <a:schemeClr val="lt1"/>
+          </a:fontRef>
+        </p:style>
+        <p:txBody>
+          <a:bodyPr rtlCol="0" anchor="ctr"/>
+          <a:lstStyle/>
+          <a:p>
+            <a:pPr algn="ctr"/>
+            <a:r>
+              <a:rPr kumimoji="1" lang="en-US" altLang="ko-KR" sz="8800" b="1" spc="-100" dirty="0">
+                <a:latin typeface="NanumSquare ExtraBold" panose="020B0600000101010101" pitchFamily="34" charset="-127"/>
+                <a:ea typeface="NanumSquare ExtraBold" panose="020B0600000101010101" pitchFamily="34" charset="-127"/>
+              </a:rPr>
+              <a:t>AD project</a:t>
+            </a:r>
+            <a:endParaRPr kumimoji="1" lang="ko-KR" altLang="en-US" sz="8800" b="1" spc="-100" dirty="0">
+              <a:latin typeface="NanumSquare ExtraBold" panose="020B0600000101010101" pitchFamily="34" charset="-127"/>
+              <a:ea typeface="NanumSquare ExtraBold" panose="020B0600000101010101" pitchFamily="34" charset="-127"/>
+            </a:endParaRPr>
+          </a:p>
+        </p:txBody>
+      </p:sp>
+      <p:sp>
+        <p:nvSpPr>
+          <p:cNvPr id="6" name="직사각형 5">
+            <a:extLst>
+              <a:ext uri="{FF2B5EF4-FFF2-40B4-BE49-F238E27FC236}">
+                <a16:creationId xmlns:a16="http://schemas.microsoft.com/office/drawing/2014/main" id="{0B584D30-B03E-4EFB-8868-C01BC7451148}"/>
+              </a:ext>
+            </a:extLst>
+          </p:cNvPr>
+          <p:cNvSpPr/>
+          <p:nvPr/>
+        </p:nvSpPr>
+        <p:spPr>
+          <a:xfrm>
+            <a:off x="4444753" y="4065931"/>
+            <a:ext cx="3302493" cy="762740"/>
+          </a:xfrm>
+          <a:prstGeom prst="rect">
+            <a:avLst/>
+          </a:prstGeom>
+          <a:noFill/>
+          <a:ln>
+            <a:noFill/>
+          </a:ln>
+        </p:spPr>
+        <p:style>
+          <a:lnRef idx="2">
+            <a:schemeClr val="accent1">
+              <a:shade val="50000"/>
+            </a:schemeClr>
+          </a:lnRef>
+          <a:fillRef idx="1">
+            <a:schemeClr val="accent1"/>
+          </a:fillRef>
+          <a:effectRef idx="0">
+            <a:schemeClr val="accent1"/>
+          </a:effectRef>
+          <a:fontRef idx="minor">
+            <a:schemeClr val="lt1"/>
+          </a:fontRef>
+        </p:style>
+        <p:txBody>
+          <a:bodyPr rtlCol="0" anchor="ctr"/>
+          <a:lstStyle/>
+          <a:p>
+            <a:pPr algn="ctr"/>
+            <a:r>
+              <a:rPr kumimoji="1" lang="en-US" altLang="ko-KR" sz="4400" b="1" spc="-100" dirty="0">
+                <a:latin typeface="NanumSquare ExtraBold" panose="020B0600000101010101" pitchFamily="34" charset="-127"/>
+                <a:ea typeface="NanumSquare ExtraBold" panose="020B0600000101010101" pitchFamily="34" charset="-127"/>
+              </a:rPr>
+              <a:t>- </a:t>
+            </a:r>
+            <a:r>
+              <a:rPr kumimoji="1" lang="ko-KR" altLang="en-US" sz="4400" b="1" spc="-100" dirty="0">
+                <a:latin typeface="NanumSquare ExtraBold" panose="020B0600000101010101" pitchFamily="34" charset="-127"/>
+                <a:ea typeface="NanumSquare ExtraBold" panose="020B0600000101010101" pitchFamily="34" charset="-127"/>
+              </a:rPr>
+              <a:t>제안발표 </a:t>
+            </a:r>
+            <a:r>
+              <a:rPr kumimoji="1" lang="en-US" altLang="ko-KR" sz="4400" b="1" spc="-100" dirty="0">
+                <a:latin typeface="NanumSquare ExtraBold" panose="020B0600000101010101" pitchFamily="34" charset="-127"/>
+                <a:ea typeface="NanumSquare ExtraBold" panose="020B0600000101010101" pitchFamily="34" charset="-127"/>
+              </a:rPr>
+              <a:t>-</a:t>
+            </a:r>
+            <a:endParaRPr kumimoji="1" lang="ko-KR" altLang="en-US" sz="4400" b="1" spc="-100" dirty="0">
+              <a:latin typeface="NanumSquare ExtraBold" panose="020B0600000101010101" pitchFamily="34" charset="-127"/>
+              <a:ea typeface="NanumSquare ExtraBold" panose="020B0600000101010101" pitchFamily="34" charset="-127"/>
+            </a:endParaRPr>
+          </a:p>
+        </p:txBody>
+      </p:sp>
     </p:spTree>
     <p:extLst>
       <p:ext uri="{BB962C8B-B14F-4D97-AF65-F5344CB8AC3E}">
@@ -3381,6 +3593,9273 @@
   <p:clrMapOvr>
     <a:masterClrMapping/>
   </p:clrMapOvr>
+  <mc:AlternateContent xmlns:mc="http://schemas.openxmlformats.org/markup-compatibility/2006">
+    <mc:Choice xmlns:p159="http://schemas.microsoft.com/office/powerpoint/2015/09/main" Requires="p159">
+      <p:transition xmlns:p14="http://schemas.microsoft.com/office/powerpoint/2010/main" spd="slow" p14:dur="2000">
+        <p159:morph option="byObject"/>
+      </p:transition>
+    </mc:Choice>
+    <mc:Fallback>
+      <p:transition spd="slow">
+        <p:fade/>
+      </p:transition>
+    </mc:Fallback>
+  </mc:AlternateContent>
+</p:sld>
+</file>
+
+<file path=ppt/slides/slide10.xml><?xml version="1.0" encoding="utf-8"?>
+<p:sld xmlns:a="http://schemas.openxmlformats.org/drawingml/2006/main" xmlns:r="http://schemas.openxmlformats.org/officeDocument/2006/relationships" xmlns:p="http://schemas.openxmlformats.org/presentationml/2006/main">
+  <p:cSld>
+    <p:spTree>
+      <p:nvGrpSpPr>
+        <p:cNvPr id="1" name=""/>
+        <p:cNvGrpSpPr/>
+        <p:nvPr/>
+      </p:nvGrpSpPr>
+      <p:grpSpPr>
+        <a:xfrm>
+          <a:off x="0" y="0"/>
+          <a:ext cx="0" cy="0"/>
+          <a:chOff x="0" y="0"/>
+          <a:chExt cx="0" cy="0"/>
+        </a:xfrm>
+      </p:grpSpPr>
+      <p:sp>
+        <p:nvSpPr>
+          <p:cNvPr id="4" name="직사각형 3">
+            <a:extLst>
+              <a:ext uri="{FF2B5EF4-FFF2-40B4-BE49-F238E27FC236}">
+                <a16:creationId xmlns:a16="http://schemas.microsoft.com/office/drawing/2014/main" id="{027812B0-4CDC-4E7E-B119-C1647F42E6C6}"/>
+              </a:ext>
+            </a:extLst>
+          </p:cNvPr>
+          <p:cNvSpPr/>
+          <p:nvPr/>
+        </p:nvSpPr>
+        <p:spPr>
+          <a:xfrm>
+            <a:off x="-2867" y="6036816"/>
+            <a:ext cx="12192000" cy="585926"/>
+          </a:xfrm>
+          <a:prstGeom prst="rect">
+            <a:avLst/>
+          </a:prstGeom>
+          <a:solidFill>
+            <a:srgbClr val="3ED7C4"/>
+          </a:solidFill>
+          <a:ln>
+            <a:noFill/>
+          </a:ln>
+        </p:spPr>
+        <p:style>
+          <a:lnRef idx="2">
+            <a:schemeClr val="accent1">
+              <a:shade val="50000"/>
+            </a:schemeClr>
+          </a:lnRef>
+          <a:fillRef idx="1">
+            <a:schemeClr val="accent1"/>
+          </a:fillRef>
+          <a:effectRef idx="0">
+            <a:schemeClr val="accent1"/>
+          </a:effectRef>
+          <a:fontRef idx="minor">
+            <a:schemeClr val="lt1"/>
+          </a:fontRef>
+        </p:style>
+        <p:txBody>
+          <a:bodyPr rtlCol="0" anchor="ctr"/>
+          <a:lstStyle/>
+          <a:p>
+            <a:pPr algn="ctr"/>
+            <a:endParaRPr kumimoji="1" lang="ko-KR" altLang="en-US" dirty="0"/>
+          </a:p>
+        </p:txBody>
+      </p:sp>
+      <p:sp>
+        <p:nvSpPr>
+          <p:cNvPr id="6" name="직사각형 5">
+            <a:extLst>
+              <a:ext uri="{FF2B5EF4-FFF2-40B4-BE49-F238E27FC236}">
+                <a16:creationId xmlns:a16="http://schemas.microsoft.com/office/drawing/2014/main" id="{9607AE92-47E0-4023-9729-7FCAC3FF8059}"/>
+              </a:ext>
+            </a:extLst>
+          </p:cNvPr>
+          <p:cNvSpPr/>
+          <p:nvPr/>
+        </p:nvSpPr>
+        <p:spPr>
+          <a:xfrm>
+            <a:off x="9436553" y="5974672"/>
+            <a:ext cx="2707689" cy="710213"/>
+          </a:xfrm>
+          <a:prstGeom prst="rect">
+            <a:avLst/>
+          </a:prstGeom>
+          <a:noFill/>
+          <a:ln>
+            <a:noFill/>
+          </a:ln>
+        </p:spPr>
+        <p:style>
+          <a:lnRef idx="2">
+            <a:schemeClr val="accent1">
+              <a:shade val="50000"/>
+            </a:schemeClr>
+          </a:lnRef>
+          <a:fillRef idx="1">
+            <a:schemeClr val="accent1"/>
+          </a:fillRef>
+          <a:effectRef idx="0">
+            <a:schemeClr val="accent1"/>
+          </a:effectRef>
+          <a:fontRef idx="minor">
+            <a:schemeClr val="lt1"/>
+          </a:fontRef>
+        </p:style>
+        <p:txBody>
+          <a:bodyPr rtlCol="0" anchor="ctr"/>
+          <a:lstStyle/>
+          <a:p>
+            <a:pPr algn="ctr"/>
+            <a:r>
+              <a:rPr kumimoji="1" lang="en-US" altLang="ko-KR" sz="3600" b="1" spc="-100" dirty="0">
+                <a:latin typeface="NanumSquare ExtraBold" panose="020B0600000101010101" pitchFamily="34" charset="-127"/>
+                <a:ea typeface="NanumSquare ExtraBold" panose="020B0600000101010101" pitchFamily="34" charset="-127"/>
+              </a:rPr>
+              <a:t>Develop</a:t>
+            </a:r>
+            <a:endParaRPr kumimoji="1" lang="ko-KR" altLang="en-US" sz="3600" b="1" spc="-100" dirty="0">
+              <a:latin typeface="NanumSquare ExtraBold" panose="020B0600000101010101" pitchFamily="34" charset="-127"/>
+              <a:ea typeface="NanumSquare ExtraBold" panose="020B0600000101010101" pitchFamily="34" charset="-127"/>
+            </a:endParaRPr>
+          </a:p>
+        </p:txBody>
+      </p:sp>
+      <p:sp>
+        <p:nvSpPr>
+          <p:cNvPr id="27" name="직사각형 26">
+            <a:extLst>
+              <a:ext uri="{FF2B5EF4-FFF2-40B4-BE49-F238E27FC236}">
+                <a16:creationId xmlns:a16="http://schemas.microsoft.com/office/drawing/2014/main" id="{2E416199-7732-4B12-8863-9642FE3203FB}"/>
+              </a:ext>
+            </a:extLst>
+          </p:cNvPr>
+          <p:cNvSpPr/>
+          <p:nvPr/>
+        </p:nvSpPr>
+        <p:spPr>
+          <a:xfrm>
+            <a:off x="425397" y="395674"/>
+            <a:ext cx="2502998" cy="710213"/>
+          </a:xfrm>
+          <a:prstGeom prst="rect">
+            <a:avLst/>
+          </a:prstGeom>
+          <a:noFill/>
+          <a:ln>
+            <a:noFill/>
+          </a:ln>
+        </p:spPr>
+        <p:style>
+          <a:lnRef idx="2">
+            <a:schemeClr val="accent1">
+              <a:shade val="50000"/>
+            </a:schemeClr>
+          </a:lnRef>
+          <a:fillRef idx="1">
+            <a:schemeClr val="accent1"/>
+          </a:fillRef>
+          <a:effectRef idx="0">
+            <a:schemeClr val="accent1"/>
+          </a:effectRef>
+          <a:fontRef idx="minor">
+            <a:schemeClr val="lt1"/>
+          </a:fontRef>
+        </p:style>
+        <p:txBody>
+          <a:bodyPr rtlCol="0" anchor="ctr"/>
+          <a:lstStyle/>
+          <a:p>
+            <a:pPr algn="ctr"/>
+            <a:r>
+              <a:rPr kumimoji="1" lang="ko-KR" altLang="en-US" sz="3600" b="1" spc="-100" dirty="0">
+                <a:solidFill>
+                  <a:srgbClr val="3ED7C4"/>
+                </a:solidFill>
+                <a:latin typeface="NanumSquare ExtraBold" panose="020B0600000101010101" pitchFamily="34" charset="-127"/>
+                <a:ea typeface="NanumSquare ExtraBold" panose="020B0600000101010101" pitchFamily="34" charset="-127"/>
+              </a:rPr>
+              <a:t>개발 순서</a:t>
+            </a:r>
+          </a:p>
+        </p:txBody>
+      </p:sp>
+      <p:pic>
+        <p:nvPicPr>
+          <p:cNvPr id="3" name="그림 2">
+            <a:extLst>
+              <a:ext uri="{FF2B5EF4-FFF2-40B4-BE49-F238E27FC236}">
+                <a16:creationId xmlns:a16="http://schemas.microsoft.com/office/drawing/2014/main" id="{B037A320-7754-4AD1-846E-03536FBBE889}"/>
+              </a:ext>
+            </a:extLst>
+          </p:cNvPr>
+          <p:cNvPicPr>
+            <a:picLocks noChangeAspect="1"/>
+          </p:cNvPicPr>
+          <p:nvPr/>
+        </p:nvPicPr>
+        <p:blipFill>
+          <a:blip r:embed="rId2">
+            <a:extLst>
+              <a:ext uri="{28A0092B-C50C-407E-A947-70E740481C1C}">
+                <a14:useLocalDpi xmlns:a14="http://schemas.microsoft.com/office/drawing/2010/main" val="0"/>
+              </a:ext>
+            </a:extLst>
+          </a:blip>
+          <a:stretch>
+            <a:fillRect/>
+          </a:stretch>
+        </p:blipFill>
+        <p:spPr>
+          <a:xfrm rot="11322843">
+            <a:off x="518202" y="2743200"/>
+            <a:ext cx="2524638" cy="1433447"/>
+          </a:xfrm>
+          <a:prstGeom prst="rect">
+            <a:avLst/>
+          </a:prstGeom>
+        </p:spPr>
+      </p:pic>
+      <p:pic>
+        <p:nvPicPr>
+          <p:cNvPr id="10" name="Picture 2" descr="openCV에 대한 이미지 검색결과">
+            <a:extLst>
+              <a:ext uri="{FF2B5EF4-FFF2-40B4-BE49-F238E27FC236}">
+                <a16:creationId xmlns:a16="http://schemas.microsoft.com/office/drawing/2014/main" id="{F1C46ADA-059A-4F0C-B188-1CF3021AED5A}"/>
+              </a:ext>
+            </a:extLst>
+          </p:cNvPr>
+          <p:cNvPicPr>
+            <a:picLocks noChangeAspect="1" noChangeArrowheads="1"/>
+          </p:cNvPicPr>
+          <p:nvPr/>
+        </p:nvPicPr>
+        <p:blipFill>
+          <a:blip r:embed="rId3">
+            <a:extLst>
+              <a:ext uri="{28A0092B-C50C-407E-A947-70E740481C1C}">
+                <a14:useLocalDpi xmlns:a14="http://schemas.microsoft.com/office/drawing/2010/main" val="0"/>
+              </a:ext>
+            </a:extLst>
+          </a:blip>
+          <a:srcRect/>
+          <a:stretch>
+            <a:fillRect/>
+          </a:stretch>
+        </p:blipFill>
+        <p:spPr bwMode="auto">
+          <a:xfrm>
+            <a:off x="4579717" y="552845"/>
+            <a:ext cx="1670612" cy="2059319"/>
+          </a:xfrm>
+          <a:prstGeom prst="rect">
+            <a:avLst/>
+          </a:prstGeom>
+          <a:noFill/>
+          <a:extLst>
+            <a:ext uri="{909E8E84-426E-40DD-AFC4-6F175D3DCCD1}">
+              <a14:hiddenFill xmlns:a14="http://schemas.microsoft.com/office/drawing/2010/main">
+                <a:solidFill>
+                  <a:srgbClr val="FFFFFF"/>
+                </a:solidFill>
+              </a14:hiddenFill>
+            </a:ext>
+          </a:extLst>
+        </p:spPr>
+      </p:pic>
+      <p:cxnSp>
+        <p:nvCxnSpPr>
+          <p:cNvPr id="11" name="직선 연결선 10">
+            <a:extLst>
+              <a:ext uri="{FF2B5EF4-FFF2-40B4-BE49-F238E27FC236}">
+                <a16:creationId xmlns:a16="http://schemas.microsoft.com/office/drawing/2014/main" id="{44BA1A41-15E5-4047-A3E4-8D80A82697DD}"/>
+              </a:ext>
+            </a:extLst>
+          </p:cNvPr>
+          <p:cNvCxnSpPr>
+            <a:cxnSpLocks/>
+            <a:endCxn id="10" idx="1"/>
+          </p:cNvCxnSpPr>
+          <p:nvPr/>
+        </p:nvCxnSpPr>
+        <p:spPr>
+          <a:xfrm flipV="1">
+            <a:off x="2928395" y="1582505"/>
+            <a:ext cx="1651322" cy="1507936"/>
+          </a:xfrm>
+          <a:prstGeom prst="line">
+            <a:avLst/>
+          </a:prstGeom>
+          <a:ln w="57150">
+            <a:solidFill>
+              <a:srgbClr val="3ED7C4"/>
+            </a:solidFill>
+            <a:headEnd type="none" w="med" len="med"/>
+            <a:tailEnd type="triangle" w="med" len="med"/>
+          </a:ln>
+        </p:spPr>
+        <p:style>
+          <a:lnRef idx="1">
+            <a:schemeClr val="accent1"/>
+          </a:lnRef>
+          <a:fillRef idx="0">
+            <a:schemeClr val="accent1"/>
+          </a:fillRef>
+          <a:effectRef idx="0">
+            <a:schemeClr val="accent1"/>
+          </a:effectRef>
+          <a:fontRef idx="minor">
+            <a:schemeClr val="tx1"/>
+          </a:fontRef>
+        </p:style>
+      </p:cxnSp>
+      <p:sp>
+        <p:nvSpPr>
+          <p:cNvPr id="18" name="직사각형 17">
+            <a:extLst>
+              <a:ext uri="{FF2B5EF4-FFF2-40B4-BE49-F238E27FC236}">
+                <a16:creationId xmlns:a16="http://schemas.microsoft.com/office/drawing/2014/main" id="{0F4FA7EC-D78E-4EF9-8557-46164875E938}"/>
+              </a:ext>
+            </a:extLst>
+          </p:cNvPr>
+          <p:cNvSpPr/>
+          <p:nvPr/>
+        </p:nvSpPr>
+        <p:spPr>
+          <a:xfrm>
+            <a:off x="6551271" y="1175340"/>
+            <a:ext cx="5617579" cy="3830202"/>
+          </a:xfrm>
+          <a:prstGeom prst="rect">
+            <a:avLst/>
+          </a:prstGeom>
+          <a:noFill/>
+          <a:ln>
+            <a:noFill/>
+          </a:ln>
+        </p:spPr>
+        <p:style>
+          <a:lnRef idx="2">
+            <a:schemeClr val="accent1">
+              <a:shade val="50000"/>
+            </a:schemeClr>
+          </a:lnRef>
+          <a:fillRef idx="1">
+            <a:schemeClr val="accent1"/>
+          </a:fillRef>
+          <a:effectRef idx="0">
+            <a:schemeClr val="accent1"/>
+          </a:effectRef>
+          <a:fontRef idx="minor">
+            <a:schemeClr val="lt1"/>
+          </a:fontRef>
+        </p:style>
+        <p:txBody>
+          <a:bodyPr rtlCol="0" anchor="ctr"/>
+          <a:lstStyle/>
+          <a:p>
+            <a:pPr marL="457200" indent="-457200">
+              <a:lnSpc>
+                <a:spcPct val="200000"/>
+              </a:lnSpc>
+              <a:buAutoNum type="arabicPeriod"/>
+            </a:pPr>
+            <a:r>
+              <a:rPr kumimoji="1" lang="ko-KR" altLang="en-US" sz="2400" b="1" spc="-100" dirty="0">
+                <a:solidFill>
+                  <a:srgbClr val="3ED7C4"/>
+                </a:solidFill>
+                <a:latin typeface="NanumSquare ExtraBold" panose="020B0600000101010101" pitchFamily="34" charset="-127"/>
+                <a:ea typeface="NanumSquare ExtraBold" panose="020B0600000101010101" pitchFamily="34" charset="-127"/>
+              </a:rPr>
+              <a:t>영상 대조도와 동적 범위 증가</a:t>
+            </a:r>
+            <a:endParaRPr kumimoji="1" lang="en-US" altLang="ko-KR" sz="2400" b="1" spc="-100" dirty="0">
+              <a:solidFill>
+                <a:srgbClr val="3ED7C4"/>
+              </a:solidFill>
+              <a:latin typeface="NanumSquare ExtraBold" panose="020B0600000101010101" pitchFamily="34" charset="-127"/>
+              <a:ea typeface="NanumSquare ExtraBold" panose="020B0600000101010101" pitchFamily="34" charset="-127"/>
+            </a:endParaRPr>
+          </a:p>
+          <a:p>
+            <a:pPr marL="457200" indent="-457200">
+              <a:lnSpc>
+                <a:spcPct val="200000"/>
+              </a:lnSpc>
+              <a:buFontTx/>
+              <a:buAutoNum type="arabicPeriod"/>
+            </a:pPr>
+            <a:r>
+              <a:rPr kumimoji="1" lang="en-US" altLang="ko-KR" sz="2400" b="1" spc="-100" dirty="0">
+                <a:solidFill>
+                  <a:srgbClr val="3ED7C4"/>
+                </a:solidFill>
+                <a:latin typeface="NanumSquare ExtraBold" panose="020B0600000101010101" pitchFamily="34" charset="-127"/>
+                <a:ea typeface="NanumSquare ExtraBold" panose="020B0600000101010101" pitchFamily="34" charset="-127"/>
+              </a:rPr>
+              <a:t>HSV</a:t>
+            </a:r>
+            <a:r>
+              <a:rPr kumimoji="1" lang="ko-KR" altLang="en-US" sz="2400" b="1" spc="-100" dirty="0">
+                <a:solidFill>
+                  <a:srgbClr val="3ED7C4"/>
+                </a:solidFill>
+                <a:latin typeface="NanumSquare ExtraBold" panose="020B0600000101010101" pitchFamily="34" charset="-127"/>
+                <a:ea typeface="NanumSquare ExtraBold" panose="020B0600000101010101" pitchFamily="34" charset="-127"/>
+              </a:rPr>
+              <a:t> 색상범위에서 불필요한 색 제거</a:t>
+            </a:r>
+            <a:endParaRPr kumimoji="1" lang="en-US" altLang="ko-KR" sz="2400" b="1" spc="-100" dirty="0">
+              <a:solidFill>
+                <a:srgbClr val="3ED7C4"/>
+              </a:solidFill>
+              <a:latin typeface="NanumSquare ExtraBold" panose="020B0600000101010101" pitchFamily="34" charset="-127"/>
+              <a:ea typeface="NanumSquare ExtraBold" panose="020B0600000101010101" pitchFamily="34" charset="-127"/>
+            </a:endParaRPr>
+          </a:p>
+          <a:p>
+            <a:pPr marL="457200" indent="-457200">
+              <a:lnSpc>
+                <a:spcPct val="200000"/>
+              </a:lnSpc>
+              <a:buFontTx/>
+              <a:buAutoNum type="arabicPeriod"/>
+            </a:pPr>
+            <a:r>
+              <a:rPr kumimoji="1" lang="en-US" altLang="ko-KR" sz="2400" b="1" spc="-100" dirty="0" err="1">
+                <a:solidFill>
+                  <a:srgbClr val="3ED7C4"/>
+                </a:solidFill>
+                <a:latin typeface="NanumSquare ExtraBold" panose="020B0600000101010101" pitchFamily="34" charset="-127"/>
+                <a:ea typeface="NanumSquare ExtraBold" panose="020B0600000101010101" pitchFamily="34" charset="-127"/>
+              </a:rPr>
+              <a:t>Gausian</a:t>
+            </a:r>
+            <a:r>
+              <a:rPr kumimoji="1" lang="en-US" altLang="ko-KR" sz="2400" b="1" spc="-100" dirty="0">
+                <a:solidFill>
+                  <a:srgbClr val="3ED7C4"/>
+                </a:solidFill>
+                <a:latin typeface="NanumSquare ExtraBold" panose="020B0600000101010101" pitchFamily="34" charset="-127"/>
+                <a:ea typeface="NanumSquare ExtraBold" panose="020B0600000101010101" pitchFamily="34" charset="-127"/>
+              </a:rPr>
+              <a:t> &amp; Laplacian filter</a:t>
+            </a:r>
+          </a:p>
+          <a:p>
+            <a:pPr marL="457200" indent="-457200">
+              <a:lnSpc>
+                <a:spcPct val="200000"/>
+              </a:lnSpc>
+              <a:buFontTx/>
+              <a:buAutoNum type="arabicPeriod"/>
+            </a:pPr>
+            <a:r>
+              <a:rPr kumimoji="1" lang="ko-KR" altLang="en-US" sz="2400" b="1" spc="-100" dirty="0">
+                <a:solidFill>
+                  <a:srgbClr val="3ED7C4"/>
+                </a:solidFill>
+                <a:latin typeface="NanumSquare ExtraBold" panose="020B0600000101010101" pitchFamily="34" charset="-127"/>
+                <a:ea typeface="NanumSquare ExtraBold" panose="020B0600000101010101" pitchFamily="34" charset="-127"/>
+              </a:rPr>
+              <a:t>이진화를 통해 윤곽선을 </a:t>
+            </a:r>
+            <a:r>
+              <a:rPr kumimoji="1" lang="ko-KR" altLang="en-US" sz="2400" b="1" spc="-100" dirty="0" err="1">
+                <a:solidFill>
+                  <a:srgbClr val="3ED7C4"/>
+                </a:solidFill>
+                <a:latin typeface="NanumSquare ExtraBold" panose="020B0600000101010101" pitchFamily="34" charset="-127"/>
+                <a:ea typeface="NanumSquare ExtraBold" panose="020B0600000101010101" pitchFamily="34" charset="-127"/>
+              </a:rPr>
+              <a:t>만듬</a:t>
+            </a:r>
+            <a:endParaRPr kumimoji="1" lang="en-US" altLang="ko-KR" sz="2400" b="1" spc="-100" dirty="0">
+              <a:solidFill>
+                <a:srgbClr val="3ED7C4"/>
+              </a:solidFill>
+              <a:latin typeface="NanumSquare ExtraBold" panose="020B0600000101010101" pitchFamily="34" charset="-127"/>
+              <a:ea typeface="NanumSquare ExtraBold" panose="020B0600000101010101" pitchFamily="34" charset="-127"/>
+            </a:endParaRPr>
+          </a:p>
+          <a:p>
+            <a:pPr marL="457200" indent="-457200">
+              <a:lnSpc>
+                <a:spcPct val="200000"/>
+              </a:lnSpc>
+              <a:buFontTx/>
+              <a:buAutoNum type="arabicPeriod"/>
+            </a:pPr>
+            <a:r>
+              <a:rPr kumimoji="1" lang="ko-KR" altLang="en-US" sz="2400" b="1" spc="-100" dirty="0">
+                <a:solidFill>
+                  <a:srgbClr val="3ED7C4"/>
+                </a:solidFill>
+                <a:latin typeface="NanumSquare ExtraBold" panose="020B0600000101010101" pitchFamily="34" charset="-127"/>
+                <a:ea typeface="NanumSquare ExtraBold" panose="020B0600000101010101" pitchFamily="34" charset="-127"/>
+              </a:rPr>
+              <a:t>타원형과 원형 윤곽선을 탐지</a:t>
+            </a:r>
+          </a:p>
+          <a:p>
+            <a:pPr marL="457200" indent="-457200">
+              <a:lnSpc>
+                <a:spcPct val="200000"/>
+              </a:lnSpc>
+              <a:buAutoNum type="arabicPeriod"/>
+            </a:pPr>
+            <a:endParaRPr kumimoji="1" lang="ko-KR" altLang="en-US" sz="2400" b="1" spc="-100" dirty="0">
+              <a:solidFill>
+                <a:srgbClr val="3ED7C4"/>
+              </a:solidFill>
+              <a:latin typeface="NanumSquare ExtraBold" panose="020B0600000101010101" pitchFamily="34" charset="-127"/>
+              <a:ea typeface="NanumSquare ExtraBold" panose="020B0600000101010101" pitchFamily="34" charset="-127"/>
+            </a:endParaRPr>
+          </a:p>
+        </p:txBody>
+      </p:sp>
+      <p:sp>
+        <p:nvSpPr>
+          <p:cNvPr id="20" name="직사각형 19">
+            <a:extLst>
+              <a:ext uri="{FF2B5EF4-FFF2-40B4-BE49-F238E27FC236}">
+                <a16:creationId xmlns:a16="http://schemas.microsoft.com/office/drawing/2014/main" id="{7A1252AC-02B9-4005-9A97-5F5435B5E72D}"/>
+              </a:ext>
+            </a:extLst>
+          </p:cNvPr>
+          <p:cNvSpPr/>
+          <p:nvPr/>
+        </p:nvSpPr>
+        <p:spPr>
+          <a:xfrm>
+            <a:off x="5737071" y="490702"/>
+            <a:ext cx="1669789" cy="284802"/>
+          </a:xfrm>
+          <a:prstGeom prst="rect">
+            <a:avLst/>
+          </a:prstGeom>
+          <a:noFill/>
+          <a:ln>
+            <a:noFill/>
+          </a:ln>
+        </p:spPr>
+        <p:style>
+          <a:lnRef idx="2">
+            <a:schemeClr val="accent1">
+              <a:shade val="50000"/>
+            </a:schemeClr>
+          </a:lnRef>
+          <a:fillRef idx="1">
+            <a:schemeClr val="accent1"/>
+          </a:fillRef>
+          <a:effectRef idx="0">
+            <a:schemeClr val="accent1"/>
+          </a:effectRef>
+          <a:fontRef idx="minor">
+            <a:schemeClr val="lt1"/>
+          </a:fontRef>
+        </p:style>
+        <p:txBody>
+          <a:bodyPr rtlCol="0" anchor="ctr"/>
+          <a:lstStyle/>
+          <a:p>
+            <a:pPr algn="ctr"/>
+            <a:r>
+              <a:rPr kumimoji="1" lang="en-US" altLang="ko-KR" sz="2000" b="1" spc="-100" dirty="0">
+                <a:solidFill>
+                  <a:srgbClr val="3ED7C4"/>
+                </a:solidFill>
+                <a:latin typeface="NanumSquare ExtraBold" panose="020B0600000101010101" pitchFamily="34" charset="-127"/>
+                <a:ea typeface="NanumSquare ExtraBold" panose="020B0600000101010101" pitchFamily="34" charset="-127"/>
+              </a:rPr>
+              <a:t>(recognition)</a:t>
+            </a:r>
+            <a:endParaRPr kumimoji="1" lang="ko-KR" altLang="en-US" sz="2000" b="1" spc="-100" dirty="0">
+              <a:solidFill>
+                <a:srgbClr val="3ED7C4"/>
+              </a:solidFill>
+              <a:latin typeface="NanumSquare ExtraBold" panose="020B0600000101010101" pitchFamily="34" charset="-127"/>
+              <a:ea typeface="NanumSquare ExtraBold" panose="020B0600000101010101" pitchFamily="34" charset="-127"/>
+            </a:endParaRPr>
+          </a:p>
+        </p:txBody>
+      </p:sp>
+      <p:sp>
+        <p:nvSpPr>
+          <p:cNvPr id="24" name="직사각형 23">
+            <a:extLst>
+              <a:ext uri="{FF2B5EF4-FFF2-40B4-BE49-F238E27FC236}">
+                <a16:creationId xmlns:a16="http://schemas.microsoft.com/office/drawing/2014/main" id="{E22B33D2-6F7C-4246-968B-B656298701FC}"/>
+              </a:ext>
+            </a:extLst>
+          </p:cNvPr>
+          <p:cNvSpPr/>
+          <p:nvPr/>
+        </p:nvSpPr>
+        <p:spPr>
+          <a:xfrm>
+            <a:off x="6583540" y="2695290"/>
+            <a:ext cx="5082454" cy="788693"/>
+          </a:xfrm>
+          <a:prstGeom prst="rect">
+            <a:avLst/>
+          </a:prstGeom>
+          <a:noFill/>
+          <a:ln>
+            <a:noFill/>
+          </a:ln>
+        </p:spPr>
+        <p:style>
+          <a:lnRef idx="2">
+            <a:schemeClr val="accent1">
+              <a:shade val="50000"/>
+            </a:schemeClr>
+          </a:lnRef>
+          <a:fillRef idx="1">
+            <a:schemeClr val="accent1"/>
+          </a:fillRef>
+          <a:effectRef idx="0">
+            <a:schemeClr val="accent1"/>
+          </a:effectRef>
+          <a:fontRef idx="minor">
+            <a:schemeClr val="lt1"/>
+          </a:fontRef>
+        </p:style>
+        <p:txBody>
+          <a:bodyPr rtlCol="0" anchor="ctr"/>
+          <a:lstStyle/>
+          <a:p>
+            <a:pPr>
+              <a:lnSpc>
+                <a:spcPct val="200000"/>
+              </a:lnSpc>
+            </a:pPr>
+            <a:r>
+              <a:rPr kumimoji="1" lang="en-US" altLang="ko-KR" sz="2400" b="1" spc="-100" dirty="0">
+                <a:solidFill>
+                  <a:srgbClr val="3ED7C4"/>
+                </a:solidFill>
+                <a:latin typeface="NanumSquare ExtraBold" panose="020B0600000101010101" pitchFamily="34" charset="-127"/>
+                <a:ea typeface="NanumSquare ExtraBold" panose="020B0600000101010101" pitchFamily="34" charset="-127"/>
+              </a:rPr>
+              <a:t>3.  </a:t>
+            </a:r>
+            <a:r>
+              <a:rPr kumimoji="1" lang="en-US" altLang="ko-KR" sz="2400" b="1" spc="-100" dirty="0" err="1">
+                <a:solidFill>
+                  <a:srgbClr val="3ED7C4"/>
+                </a:solidFill>
+                <a:latin typeface="NanumSquare ExtraBold" panose="020B0600000101010101" pitchFamily="34" charset="-127"/>
+                <a:ea typeface="NanumSquare ExtraBold" panose="020B0600000101010101" pitchFamily="34" charset="-127"/>
+              </a:rPr>
+              <a:t>Gausian</a:t>
+            </a:r>
+            <a:r>
+              <a:rPr kumimoji="1" lang="en-US" altLang="ko-KR" sz="2400" b="1" spc="-100" dirty="0">
+                <a:solidFill>
+                  <a:srgbClr val="3ED7C4"/>
+                </a:solidFill>
+                <a:latin typeface="NanumSquare ExtraBold" panose="020B0600000101010101" pitchFamily="34" charset="-127"/>
+                <a:ea typeface="NanumSquare ExtraBold" panose="020B0600000101010101" pitchFamily="34" charset="-127"/>
+              </a:rPr>
+              <a:t> &amp; Laplacian filter</a:t>
+            </a:r>
+          </a:p>
+          <a:p>
+            <a:pPr marL="457200" indent="-457200">
+              <a:lnSpc>
+                <a:spcPct val="200000"/>
+              </a:lnSpc>
+              <a:buAutoNum type="arabicPeriod"/>
+            </a:pPr>
+            <a:endParaRPr kumimoji="1" lang="ko-KR" altLang="en-US" sz="2400" b="1" spc="-100" dirty="0">
+              <a:solidFill>
+                <a:srgbClr val="3ED7C4"/>
+              </a:solidFill>
+              <a:latin typeface="NanumSquare ExtraBold" panose="020B0600000101010101" pitchFamily="34" charset="-127"/>
+              <a:ea typeface="NanumSquare ExtraBold" panose="020B0600000101010101" pitchFamily="34" charset="-127"/>
+            </a:endParaRPr>
+          </a:p>
+        </p:txBody>
+      </p:sp>
+      <p:sp>
+        <p:nvSpPr>
+          <p:cNvPr id="12" name="직사각형 11">
+            <a:extLst>
+              <a:ext uri="{FF2B5EF4-FFF2-40B4-BE49-F238E27FC236}">
+                <a16:creationId xmlns:a16="http://schemas.microsoft.com/office/drawing/2014/main" id="{4A9191ED-ED84-447C-B26E-7BA52FE1F579}"/>
+              </a:ext>
+            </a:extLst>
+          </p:cNvPr>
+          <p:cNvSpPr/>
+          <p:nvPr/>
+        </p:nvSpPr>
+        <p:spPr>
+          <a:xfrm>
+            <a:off x="2627338" y="1930478"/>
+            <a:ext cx="1238605" cy="306262"/>
+          </a:xfrm>
+          <a:prstGeom prst="rect">
+            <a:avLst/>
+          </a:prstGeom>
+          <a:noFill/>
+          <a:ln>
+            <a:noFill/>
+          </a:ln>
+        </p:spPr>
+        <p:style>
+          <a:lnRef idx="2">
+            <a:schemeClr val="accent1">
+              <a:shade val="50000"/>
+            </a:schemeClr>
+          </a:lnRef>
+          <a:fillRef idx="1">
+            <a:schemeClr val="accent1"/>
+          </a:fillRef>
+          <a:effectRef idx="0">
+            <a:schemeClr val="accent1"/>
+          </a:effectRef>
+          <a:fontRef idx="minor">
+            <a:schemeClr val="lt1"/>
+          </a:fontRef>
+        </p:style>
+        <p:txBody>
+          <a:bodyPr rtlCol="0" anchor="ctr"/>
+          <a:lstStyle/>
+          <a:p>
+            <a:pPr algn="ctr"/>
+            <a:r>
+              <a:rPr kumimoji="1" lang="en-US" altLang="ko-KR" sz="2000" b="1" spc="-100" dirty="0">
+                <a:solidFill>
+                  <a:srgbClr val="3ED7C4"/>
+                </a:solidFill>
+                <a:latin typeface="NanumSquare ExtraBold" panose="020B0600000101010101" pitchFamily="34" charset="-127"/>
+                <a:ea typeface="NanumSquare ExtraBold" panose="020B0600000101010101" pitchFamily="34" charset="-127"/>
+              </a:rPr>
+              <a:t>(sensing)</a:t>
+            </a:r>
+            <a:endParaRPr kumimoji="1" lang="ko-KR" altLang="en-US" sz="2000" b="1" spc="-100" dirty="0">
+              <a:solidFill>
+                <a:srgbClr val="3ED7C4"/>
+              </a:solidFill>
+              <a:latin typeface="NanumSquare ExtraBold" panose="020B0600000101010101" pitchFamily="34" charset="-127"/>
+              <a:ea typeface="NanumSquare ExtraBold" panose="020B0600000101010101" pitchFamily="34" charset="-127"/>
+            </a:endParaRPr>
+          </a:p>
+        </p:txBody>
+      </p:sp>
+    </p:spTree>
+    <p:extLst>
+      <p:ext uri="{BB962C8B-B14F-4D97-AF65-F5344CB8AC3E}">
+        <p14:creationId xmlns:p14="http://schemas.microsoft.com/office/powerpoint/2010/main" val="2116229246"/>
+      </p:ext>
+    </p:extLst>
+  </p:cSld>
+  <p:clrMapOvr>
+    <a:masterClrMapping/>
+  </p:clrMapOvr>
+  <mc:AlternateContent xmlns:mc="http://schemas.openxmlformats.org/markup-compatibility/2006">
+    <mc:Choice xmlns:p159="http://schemas.microsoft.com/office/powerpoint/2015/09/main" Requires="p159">
+      <p:transition xmlns:p14="http://schemas.microsoft.com/office/powerpoint/2010/main" spd="slow" p14:dur="2000">
+        <p159:morph option="byObject"/>
+      </p:transition>
+    </mc:Choice>
+    <mc:Fallback>
+      <p:transition spd="slow">
+        <p:fade/>
+      </p:transition>
+    </mc:Fallback>
+  </mc:AlternateContent>
+</p:sld>
+</file>
+
+<file path=ppt/slides/slide11.xml><?xml version="1.0" encoding="utf-8"?>
+<p:sld xmlns:a="http://schemas.openxmlformats.org/drawingml/2006/main" xmlns:r="http://schemas.openxmlformats.org/officeDocument/2006/relationships" xmlns:p="http://schemas.openxmlformats.org/presentationml/2006/main">
+  <p:cSld>
+    <p:spTree>
+      <p:nvGrpSpPr>
+        <p:cNvPr id="1" name=""/>
+        <p:cNvGrpSpPr/>
+        <p:nvPr/>
+      </p:nvGrpSpPr>
+      <p:grpSpPr>
+        <a:xfrm>
+          <a:off x="0" y="0"/>
+          <a:ext cx="0" cy="0"/>
+          <a:chOff x="0" y="0"/>
+          <a:chExt cx="0" cy="0"/>
+        </a:xfrm>
+      </p:grpSpPr>
+      <p:sp>
+        <p:nvSpPr>
+          <p:cNvPr id="4" name="직사각형 3">
+            <a:extLst>
+              <a:ext uri="{FF2B5EF4-FFF2-40B4-BE49-F238E27FC236}">
+                <a16:creationId xmlns:a16="http://schemas.microsoft.com/office/drawing/2014/main" id="{027812B0-4CDC-4E7E-B119-C1647F42E6C6}"/>
+              </a:ext>
+            </a:extLst>
+          </p:cNvPr>
+          <p:cNvSpPr/>
+          <p:nvPr/>
+        </p:nvSpPr>
+        <p:spPr>
+          <a:xfrm>
+            <a:off x="-2867" y="6036816"/>
+            <a:ext cx="12192000" cy="585926"/>
+          </a:xfrm>
+          <a:prstGeom prst="rect">
+            <a:avLst/>
+          </a:prstGeom>
+          <a:solidFill>
+            <a:srgbClr val="3ED7C4"/>
+          </a:solidFill>
+          <a:ln>
+            <a:noFill/>
+          </a:ln>
+        </p:spPr>
+        <p:style>
+          <a:lnRef idx="2">
+            <a:schemeClr val="accent1">
+              <a:shade val="50000"/>
+            </a:schemeClr>
+          </a:lnRef>
+          <a:fillRef idx="1">
+            <a:schemeClr val="accent1"/>
+          </a:fillRef>
+          <a:effectRef idx="0">
+            <a:schemeClr val="accent1"/>
+          </a:effectRef>
+          <a:fontRef idx="minor">
+            <a:schemeClr val="lt1"/>
+          </a:fontRef>
+        </p:style>
+        <p:txBody>
+          <a:bodyPr rtlCol="0" anchor="ctr"/>
+          <a:lstStyle/>
+          <a:p>
+            <a:pPr algn="ctr"/>
+            <a:endParaRPr kumimoji="1" lang="ko-KR" altLang="en-US" dirty="0"/>
+          </a:p>
+        </p:txBody>
+      </p:sp>
+      <p:sp>
+        <p:nvSpPr>
+          <p:cNvPr id="6" name="직사각형 5">
+            <a:extLst>
+              <a:ext uri="{FF2B5EF4-FFF2-40B4-BE49-F238E27FC236}">
+                <a16:creationId xmlns:a16="http://schemas.microsoft.com/office/drawing/2014/main" id="{9607AE92-47E0-4023-9729-7FCAC3FF8059}"/>
+              </a:ext>
+            </a:extLst>
+          </p:cNvPr>
+          <p:cNvSpPr/>
+          <p:nvPr/>
+        </p:nvSpPr>
+        <p:spPr>
+          <a:xfrm>
+            <a:off x="9436553" y="5974672"/>
+            <a:ext cx="2707689" cy="710213"/>
+          </a:xfrm>
+          <a:prstGeom prst="rect">
+            <a:avLst/>
+          </a:prstGeom>
+          <a:noFill/>
+          <a:ln>
+            <a:noFill/>
+          </a:ln>
+        </p:spPr>
+        <p:style>
+          <a:lnRef idx="2">
+            <a:schemeClr val="accent1">
+              <a:shade val="50000"/>
+            </a:schemeClr>
+          </a:lnRef>
+          <a:fillRef idx="1">
+            <a:schemeClr val="accent1"/>
+          </a:fillRef>
+          <a:effectRef idx="0">
+            <a:schemeClr val="accent1"/>
+          </a:effectRef>
+          <a:fontRef idx="minor">
+            <a:schemeClr val="lt1"/>
+          </a:fontRef>
+        </p:style>
+        <p:txBody>
+          <a:bodyPr rtlCol="0" anchor="ctr"/>
+          <a:lstStyle/>
+          <a:p>
+            <a:pPr algn="ctr"/>
+            <a:r>
+              <a:rPr kumimoji="1" lang="en-US" altLang="ko-KR" sz="3600" b="1" spc="-100" dirty="0">
+                <a:latin typeface="NanumSquare ExtraBold" panose="020B0600000101010101" pitchFamily="34" charset="-127"/>
+                <a:ea typeface="NanumSquare ExtraBold" panose="020B0600000101010101" pitchFamily="34" charset="-127"/>
+              </a:rPr>
+              <a:t>Develop</a:t>
+            </a:r>
+            <a:endParaRPr kumimoji="1" lang="ko-KR" altLang="en-US" sz="3600" b="1" spc="-100" dirty="0">
+              <a:latin typeface="NanumSquare ExtraBold" panose="020B0600000101010101" pitchFamily="34" charset="-127"/>
+              <a:ea typeface="NanumSquare ExtraBold" panose="020B0600000101010101" pitchFamily="34" charset="-127"/>
+            </a:endParaRPr>
+          </a:p>
+        </p:txBody>
+      </p:sp>
+      <p:sp>
+        <p:nvSpPr>
+          <p:cNvPr id="27" name="직사각형 26">
+            <a:extLst>
+              <a:ext uri="{FF2B5EF4-FFF2-40B4-BE49-F238E27FC236}">
+                <a16:creationId xmlns:a16="http://schemas.microsoft.com/office/drawing/2014/main" id="{2E416199-7732-4B12-8863-9642FE3203FB}"/>
+              </a:ext>
+            </a:extLst>
+          </p:cNvPr>
+          <p:cNvSpPr/>
+          <p:nvPr/>
+        </p:nvSpPr>
+        <p:spPr>
+          <a:xfrm>
+            <a:off x="425397" y="395674"/>
+            <a:ext cx="2502998" cy="710213"/>
+          </a:xfrm>
+          <a:prstGeom prst="rect">
+            <a:avLst/>
+          </a:prstGeom>
+          <a:noFill/>
+          <a:ln>
+            <a:noFill/>
+          </a:ln>
+        </p:spPr>
+        <p:style>
+          <a:lnRef idx="2">
+            <a:schemeClr val="accent1">
+              <a:shade val="50000"/>
+            </a:schemeClr>
+          </a:lnRef>
+          <a:fillRef idx="1">
+            <a:schemeClr val="accent1"/>
+          </a:fillRef>
+          <a:effectRef idx="0">
+            <a:schemeClr val="accent1"/>
+          </a:effectRef>
+          <a:fontRef idx="minor">
+            <a:schemeClr val="lt1"/>
+          </a:fontRef>
+        </p:style>
+        <p:txBody>
+          <a:bodyPr rtlCol="0" anchor="ctr"/>
+          <a:lstStyle/>
+          <a:p>
+            <a:pPr algn="ctr"/>
+            <a:r>
+              <a:rPr kumimoji="1" lang="ko-KR" altLang="en-US" sz="3600" b="1" spc="-100" dirty="0">
+                <a:solidFill>
+                  <a:srgbClr val="3ED7C4"/>
+                </a:solidFill>
+                <a:latin typeface="NanumSquare ExtraBold" panose="020B0600000101010101" pitchFamily="34" charset="-127"/>
+                <a:ea typeface="NanumSquare ExtraBold" panose="020B0600000101010101" pitchFamily="34" charset="-127"/>
+              </a:rPr>
+              <a:t>개발 순서</a:t>
+            </a:r>
+          </a:p>
+        </p:txBody>
+      </p:sp>
+      <p:pic>
+        <p:nvPicPr>
+          <p:cNvPr id="3" name="그림 2">
+            <a:extLst>
+              <a:ext uri="{FF2B5EF4-FFF2-40B4-BE49-F238E27FC236}">
+                <a16:creationId xmlns:a16="http://schemas.microsoft.com/office/drawing/2014/main" id="{B037A320-7754-4AD1-846E-03536FBBE889}"/>
+              </a:ext>
+            </a:extLst>
+          </p:cNvPr>
+          <p:cNvPicPr>
+            <a:picLocks noChangeAspect="1"/>
+          </p:cNvPicPr>
+          <p:nvPr/>
+        </p:nvPicPr>
+        <p:blipFill>
+          <a:blip r:embed="rId2">
+            <a:extLst>
+              <a:ext uri="{28A0092B-C50C-407E-A947-70E740481C1C}">
+                <a14:useLocalDpi xmlns:a14="http://schemas.microsoft.com/office/drawing/2010/main" val="0"/>
+              </a:ext>
+            </a:extLst>
+          </a:blip>
+          <a:stretch>
+            <a:fillRect/>
+          </a:stretch>
+        </p:blipFill>
+        <p:spPr>
+          <a:xfrm rot="11322843">
+            <a:off x="518202" y="2743200"/>
+            <a:ext cx="2524638" cy="1433447"/>
+          </a:xfrm>
+          <a:prstGeom prst="rect">
+            <a:avLst/>
+          </a:prstGeom>
+        </p:spPr>
+      </p:pic>
+      <p:pic>
+        <p:nvPicPr>
+          <p:cNvPr id="10" name="Picture 2" descr="openCV에 대한 이미지 검색결과">
+            <a:extLst>
+              <a:ext uri="{FF2B5EF4-FFF2-40B4-BE49-F238E27FC236}">
+                <a16:creationId xmlns:a16="http://schemas.microsoft.com/office/drawing/2014/main" id="{F1C46ADA-059A-4F0C-B188-1CF3021AED5A}"/>
+              </a:ext>
+            </a:extLst>
+          </p:cNvPr>
+          <p:cNvPicPr>
+            <a:picLocks noChangeAspect="1" noChangeArrowheads="1"/>
+          </p:cNvPicPr>
+          <p:nvPr/>
+        </p:nvPicPr>
+        <p:blipFill>
+          <a:blip r:embed="rId3">
+            <a:extLst>
+              <a:ext uri="{28A0092B-C50C-407E-A947-70E740481C1C}">
+                <a14:useLocalDpi xmlns:a14="http://schemas.microsoft.com/office/drawing/2010/main" val="0"/>
+              </a:ext>
+            </a:extLst>
+          </a:blip>
+          <a:srcRect/>
+          <a:stretch>
+            <a:fillRect/>
+          </a:stretch>
+        </p:blipFill>
+        <p:spPr bwMode="auto">
+          <a:xfrm>
+            <a:off x="4579717" y="552845"/>
+            <a:ext cx="1670612" cy="2059319"/>
+          </a:xfrm>
+          <a:prstGeom prst="rect">
+            <a:avLst/>
+          </a:prstGeom>
+          <a:noFill/>
+          <a:extLst>
+            <a:ext uri="{909E8E84-426E-40DD-AFC4-6F175D3DCCD1}">
+              <a14:hiddenFill xmlns:a14="http://schemas.microsoft.com/office/drawing/2010/main">
+                <a:solidFill>
+                  <a:srgbClr val="FFFFFF"/>
+                </a:solidFill>
+              </a14:hiddenFill>
+            </a:ext>
+          </a:extLst>
+        </p:spPr>
+      </p:pic>
+      <p:cxnSp>
+        <p:nvCxnSpPr>
+          <p:cNvPr id="11" name="직선 연결선 10">
+            <a:extLst>
+              <a:ext uri="{FF2B5EF4-FFF2-40B4-BE49-F238E27FC236}">
+                <a16:creationId xmlns:a16="http://schemas.microsoft.com/office/drawing/2014/main" id="{44BA1A41-15E5-4047-A3E4-8D80A82697DD}"/>
+              </a:ext>
+            </a:extLst>
+          </p:cNvPr>
+          <p:cNvCxnSpPr>
+            <a:cxnSpLocks/>
+            <a:endCxn id="10" idx="1"/>
+          </p:cNvCxnSpPr>
+          <p:nvPr/>
+        </p:nvCxnSpPr>
+        <p:spPr>
+          <a:xfrm flipV="1">
+            <a:off x="2928395" y="1582505"/>
+            <a:ext cx="1651322" cy="1507936"/>
+          </a:xfrm>
+          <a:prstGeom prst="line">
+            <a:avLst/>
+          </a:prstGeom>
+          <a:ln w="57150">
+            <a:solidFill>
+              <a:srgbClr val="3ED7C4"/>
+            </a:solidFill>
+            <a:headEnd type="none" w="med" len="med"/>
+            <a:tailEnd type="triangle" w="med" len="med"/>
+          </a:ln>
+        </p:spPr>
+        <p:style>
+          <a:lnRef idx="1">
+            <a:schemeClr val="accent1"/>
+          </a:lnRef>
+          <a:fillRef idx="0">
+            <a:schemeClr val="accent1"/>
+          </a:fillRef>
+          <a:effectRef idx="0">
+            <a:schemeClr val="accent1"/>
+          </a:effectRef>
+          <a:fontRef idx="minor">
+            <a:schemeClr val="tx1"/>
+          </a:fontRef>
+        </p:style>
+      </p:cxnSp>
+      <p:sp>
+        <p:nvSpPr>
+          <p:cNvPr id="18" name="직사각형 17">
+            <a:extLst>
+              <a:ext uri="{FF2B5EF4-FFF2-40B4-BE49-F238E27FC236}">
+                <a16:creationId xmlns:a16="http://schemas.microsoft.com/office/drawing/2014/main" id="{0F4FA7EC-D78E-4EF9-8557-46164875E938}"/>
+              </a:ext>
+            </a:extLst>
+          </p:cNvPr>
+          <p:cNvSpPr/>
+          <p:nvPr/>
+        </p:nvSpPr>
+        <p:spPr>
+          <a:xfrm>
+            <a:off x="6551271" y="1175340"/>
+            <a:ext cx="5617579" cy="3830202"/>
+          </a:xfrm>
+          <a:prstGeom prst="rect">
+            <a:avLst/>
+          </a:prstGeom>
+          <a:noFill/>
+          <a:ln>
+            <a:noFill/>
+          </a:ln>
+        </p:spPr>
+        <p:style>
+          <a:lnRef idx="2">
+            <a:schemeClr val="accent1">
+              <a:shade val="50000"/>
+            </a:schemeClr>
+          </a:lnRef>
+          <a:fillRef idx="1">
+            <a:schemeClr val="accent1"/>
+          </a:fillRef>
+          <a:effectRef idx="0">
+            <a:schemeClr val="accent1"/>
+          </a:effectRef>
+          <a:fontRef idx="minor">
+            <a:schemeClr val="lt1"/>
+          </a:fontRef>
+        </p:style>
+        <p:txBody>
+          <a:bodyPr rtlCol="0" anchor="ctr"/>
+          <a:lstStyle/>
+          <a:p>
+            <a:pPr marL="457200" indent="-457200">
+              <a:lnSpc>
+                <a:spcPct val="200000"/>
+              </a:lnSpc>
+              <a:buAutoNum type="arabicPeriod"/>
+            </a:pPr>
+            <a:r>
+              <a:rPr kumimoji="1" lang="ko-KR" altLang="en-US" sz="2400" b="1" spc="-100" dirty="0">
+                <a:solidFill>
+                  <a:srgbClr val="3ED7C4"/>
+                </a:solidFill>
+                <a:latin typeface="NanumSquare ExtraBold" panose="020B0600000101010101" pitchFamily="34" charset="-127"/>
+                <a:ea typeface="NanumSquare ExtraBold" panose="020B0600000101010101" pitchFamily="34" charset="-127"/>
+              </a:rPr>
+              <a:t>영상 대조도와 동적 범위 증가</a:t>
+            </a:r>
+            <a:endParaRPr kumimoji="1" lang="en-US" altLang="ko-KR" sz="2400" b="1" spc="-100" dirty="0">
+              <a:solidFill>
+                <a:srgbClr val="3ED7C4"/>
+              </a:solidFill>
+              <a:latin typeface="NanumSquare ExtraBold" panose="020B0600000101010101" pitchFamily="34" charset="-127"/>
+              <a:ea typeface="NanumSquare ExtraBold" panose="020B0600000101010101" pitchFamily="34" charset="-127"/>
+            </a:endParaRPr>
+          </a:p>
+          <a:p>
+            <a:pPr marL="457200" indent="-457200">
+              <a:lnSpc>
+                <a:spcPct val="200000"/>
+              </a:lnSpc>
+              <a:buFontTx/>
+              <a:buAutoNum type="arabicPeriod"/>
+            </a:pPr>
+            <a:r>
+              <a:rPr kumimoji="1" lang="en-US" altLang="ko-KR" sz="2400" b="1" spc="-100" dirty="0">
+                <a:solidFill>
+                  <a:srgbClr val="3ED7C4"/>
+                </a:solidFill>
+                <a:latin typeface="NanumSquare ExtraBold" panose="020B0600000101010101" pitchFamily="34" charset="-127"/>
+                <a:ea typeface="NanumSquare ExtraBold" panose="020B0600000101010101" pitchFamily="34" charset="-127"/>
+              </a:rPr>
+              <a:t>HSV</a:t>
+            </a:r>
+            <a:r>
+              <a:rPr kumimoji="1" lang="ko-KR" altLang="en-US" sz="2400" b="1" spc="-100" dirty="0">
+                <a:solidFill>
+                  <a:srgbClr val="3ED7C4"/>
+                </a:solidFill>
+                <a:latin typeface="NanumSquare ExtraBold" panose="020B0600000101010101" pitchFamily="34" charset="-127"/>
+                <a:ea typeface="NanumSquare ExtraBold" panose="020B0600000101010101" pitchFamily="34" charset="-127"/>
+              </a:rPr>
+              <a:t> 색상범위에서 불필요한 색 제거</a:t>
+            </a:r>
+            <a:endParaRPr kumimoji="1" lang="en-US" altLang="ko-KR" sz="2400" b="1" spc="-100" dirty="0">
+              <a:solidFill>
+                <a:srgbClr val="3ED7C4"/>
+              </a:solidFill>
+              <a:latin typeface="NanumSquare ExtraBold" panose="020B0600000101010101" pitchFamily="34" charset="-127"/>
+              <a:ea typeface="NanumSquare ExtraBold" panose="020B0600000101010101" pitchFamily="34" charset="-127"/>
+            </a:endParaRPr>
+          </a:p>
+          <a:p>
+            <a:pPr marL="457200" indent="-457200">
+              <a:lnSpc>
+                <a:spcPct val="200000"/>
+              </a:lnSpc>
+              <a:buFontTx/>
+              <a:buAutoNum type="arabicPeriod"/>
+            </a:pPr>
+            <a:r>
+              <a:rPr kumimoji="1" lang="en-US" altLang="ko-KR" sz="2400" b="1" spc="-100" dirty="0" err="1">
+                <a:solidFill>
+                  <a:srgbClr val="3ED7C4"/>
+                </a:solidFill>
+                <a:latin typeface="NanumSquare ExtraBold" panose="020B0600000101010101" pitchFamily="34" charset="-127"/>
+                <a:ea typeface="NanumSquare ExtraBold" panose="020B0600000101010101" pitchFamily="34" charset="-127"/>
+              </a:rPr>
+              <a:t>Gausian</a:t>
+            </a:r>
+            <a:r>
+              <a:rPr kumimoji="1" lang="en-US" altLang="ko-KR" sz="2400" b="1" spc="-100" dirty="0">
+                <a:solidFill>
+                  <a:srgbClr val="3ED7C4"/>
+                </a:solidFill>
+                <a:latin typeface="NanumSquare ExtraBold" panose="020B0600000101010101" pitchFamily="34" charset="-127"/>
+                <a:ea typeface="NanumSquare ExtraBold" panose="020B0600000101010101" pitchFamily="34" charset="-127"/>
+              </a:rPr>
+              <a:t> &amp; Laplacian filter</a:t>
+            </a:r>
+          </a:p>
+          <a:p>
+            <a:pPr marL="457200" indent="-457200">
+              <a:lnSpc>
+                <a:spcPct val="200000"/>
+              </a:lnSpc>
+              <a:buFontTx/>
+              <a:buAutoNum type="arabicPeriod"/>
+            </a:pPr>
+            <a:r>
+              <a:rPr kumimoji="1" lang="ko-KR" altLang="en-US" sz="2400" b="1" spc="-100" dirty="0">
+                <a:solidFill>
+                  <a:srgbClr val="3ED7C4"/>
+                </a:solidFill>
+                <a:latin typeface="NanumSquare ExtraBold" panose="020B0600000101010101" pitchFamily="34" charset="-127"/>
+                <a:ea typeface="NanumSquare ExtraBold" panose="020B0600000101010101" pitchFamily="34" charset="-127"/>
+              </a:rPr>
+              <a:t>이진화를 통해 윤곽선을 </a:t>
+            </a:r>
+            <a:r>
+              <a:rPr kumimoji="1" lang="ko-KR" altLang="en-US" sz="2400" b="1" spc="-100" dirty="0" err="1">
+                <a:solidFill>
+                  <a:srgbClr val="3ED7C4"/>
+                </a:solidFill>
+                <a:latin typeface="NanumSquare ExtraBold" panose="020B0600000101010101" pitchFamily="34" charset="-127"/>
+                <a:ea typeface="NanumSquare ExtraBold" panose="020B0600000101010101" pitchFamily="34" charset="-127"/>
+              </a:rPr>
+              <a:t>만듬</a:t>
+            </a:r>
+            <a:endParaRPr kumimoji="1" lang="en-US" altLang="ko-KR" sz="2400" b="1" spc="-100" dirty="0">
+              <a:solidFill>
+                <a:srgbClr val="3ED7C4"/>
+              </a:solidFill>
+              <a:latin typeface="NanumSquare ExtraBold" panose="020B0600000101010101" pitchFamily="34" charset="-127"/>
+              <a:ea typeface="NanumSquare ExtraBold" panose="020B0600000101010101" pitchFamily="34" charset="-127"/>
+            </a:endParaRPr>
+          </a:p>
+          <a:p>
+            <a:pPr marL="457200" indent="-457200">
+              <a:lnSpc>
+                <a:spcPct val="200000"/>
+              </a:lnSpc>
+              <a:buFontTx/>
+              <a:buAutoNum type="arabicPeriod"/>
+            </a:pPr>
+            <a:r>
+              <a:rPr kumimoji="1" lang="ko-KR" altLang="en-US" sz="2400" b="1" spc="-100" dirty="0">
+                <a:solidFill>
+                  <a:srgbClr val="3ED7C4"/>
+                </a:solidFill>
+                <a:latin typeface="NanumSquare ExtraBold" panose="020B0600000101010101" pitchFamily="34" charset="-127"/>
+                <a:ea typeface="NanumSquare ExtraBold" panose="020B0600000101010101" pitchFamily="34" charset="-127"/>
+              </a:rPr>
+              <a:t>타원형과 원형 윤곽선을 탐지</a:t>
+            </a:r>
+          </a:p>
+          <a:p>
+            <a:pPr marL="457200" indent="-457200">
+              <a:lnSpc>
+                <a:spcPct val="200000"/>
+              </a:lnSpc>
+              <a:buAutoNum type="arabicPeriod"/>
+            </a:pPr>
+            <a:endParaRPr kumimoji="1" lang="ko-KR" altLang="en-US" sz="2400" b="1" spc="-100" dirty="0">
+              <a:solidFill>
+                <a:srgbClr val="3ED7C4"/>
+              </a:solidFill>
+              <a:latin typeface="NanumSquare ExtraBold" panose="020B0600000101010101" pitchFamily="34" charset="-127"/>
+              <a:ea typeface="NanumSquare ExtraBold" panose="020B0600000101010101" pitchFamily="34" charset="-127"/>
+            </a:endParaRPr>
+          </a:p>
+        </p:txBody>
+      </p:sp>
+      <p:sp>
+        <p:nvSpPr>
+          <p:cNvPr id="20" name="직사각형 19">
+            <a:extLst>
+              <a:ext uri="{FF2B5EF4-FFF2-40B4-BE49-F238E27FC236}">
+                <a16:creationId xmlns:a16="http://schemas.microsoft.com/office/drawing/2014/main" id="{7A1252AC-02B9-4005-9A97-5F5435B5E72D}"/>
+              </a:ext>
+            </a:extLst>
+          </p:cNvPr>
+          <p:cNvSpPr/>
+          <p:nvPr/>
+        </p:nvSpPr>
+        <p:spPr>
+          <a:xfrm>
+            <a:off x="5737071" y="490702"/>
+            <a:ext cx="1669789" cy="284802"/>
+          </a:xfrm>
+          <a:prstGeom prst="rect">
+            <a:avLst/>
+          </a:prstGeom>
+          <a:noFill/>
+          <a:ln>
+            <a:noFill/>
+          </a:ln>
+        </p:spPr>
+        <p:style>
+          <a:lnRef idx="2">
+            <a:schemeClr val="accent1">
+              <a:shade val="50000"/>
+            </a:schemeClr>
+          </a:lnRef>
+          <a:fillRef idx="1">
+            <a:schemeClr val="accent1"/>
+          </a:fillRef>
+          <a:effectRef idx="0">
+            <a:schemeClr val="accent1"/>
+          </a:effectRef>
+          <a:fontRef idx="minor">
+            <a:schemeClr val="lt1"/>
+          </a:fontRef>
+        </p:style>
+        <p:txBody>
+          <a:bodyPr rtlCol="0" anchor="ctr"/>
+          <a:lstStyle/>
+          <a:p>
+            <a:pPr algn="ctr"/>
+            <a:r>
+              <a:rPr kumimoji="1" lang="en-US" altLang="ko-KR" sz="2000" b="1" spc="-100" dirty="0">
+                <a:solidFill>
+                  <a:srgbClr val="3ED7C4"/>
+                </a:solidFill>
+                <a:latin typeface="NanumSquare ExtraBold" panose="020B0600000101010101" pitchFamily="34" charset="-127"/>
+                <a:ea typeface="NanumSquare ExtraBold" panose="020B0600000101010101" pitchFamily="34" charset="-127"/>
+              </a:rPr>
+              <a:t>(recognition)</a:t>
+            </a:r>
+            <a:endParaRPr kumimoji="1" lang="ko-KR" altLang="en-US" sz="2000" b="1" spc="-100" dirty="0">
+              <a:solidFill>
+                <a:srgbClr val="3ED7C4"/>
+              </a:solidFill>
+              <a:latin typeface="NanumSquare ExtraBold" panose="020B0600000101010101" pitchFamily="34" charset="-127"/>
+              <a:ea typeface="NanumSquare ExtraBold" panose="020B0600000101010101" pitchFamily="34" charset="-127"/>
+            </a:endParaRPr>
+          </a:p>
+        </p:txBody>
+      </p:sp>
+      <p:sp>
+        <p:nvSpPr>
+          <p:cNvPr id="24" name="직사각형 23">
+            <a:extLst>
+              <a:ext uri="{FF2B5EF4-FFF2-40B4-BE49-F238E27FC236}">
+                <a16:creationId xmlns:a16="http://schemas.microsoft.com/office/drawing/2014/main" id="{E22B33D2-6F7C-4246-968B-B656298701FC}"/>
+              </a:ext>
+            </a:extLst>
+          </p:cNvPr>
+          <p:cNvSpPr/>
+          <p:nvPr/>
+        </p:nvSpPr>
+        <p:spPr>
+          <a:xfrm>
+            <a:off x="6583540" y="2695290"/>
+            <a:ext cx="5082454" cy="788693"/>
+          </a:xfrm>
+          <a:prstGeom prst="rect">
+            <a:avLst/>
+          </a:prstGeom>
+          <a:noFill/>
+          <a:ln>
+            <a:noFill/>
+          </a:ln>
+        </p:spPr>
+        <p:style>
+          <a:lnRef idx="2">
+            <a:schemeClr val="accent1">
+              <a:shade val="50000"/>
+            </a:schemeClr>
+          </a:lnRef>
+          <a:fillRef idx="1">
+            <a:schemeClr val="accent1"/>
+          </a:fillRef>
+          <a:effectRef idx="0">
+            <a:schemeClr val="accent1"/>
+          </a:effectRef>
+          <a:fontRef idx="minor">
+            <a:schemeClr val="lt1"/>
+          </a:fontRef>
+        </p:style>
+        <p:txBody>
+          <a:bodyPr rtlCol="0" anchor="ctr"/>
+          <a:lstStyle/>
+          <a:p>
+            <a:pPr>
+              <a:lnSpc>
+                <a:spcPct val="200000"/>
+              </a:lnSpc>
+            </a:pPr>
+            <a:r>
+              <a:rPr kumimoji="1" lang="en-US" altLang="ko-KR" sz="2400" b="1" spc="-100" dirty="0">
+                <a:solidFill>
+                  <a:srgbClr val="3ED7C4"/>
+                </a:solidFill>
+                <a:latin typeface="NanumSquare ExtraBold" panose="020B0600000101010101" pitchFamily="34" charset="-127"/>
+                <a:ea typeface="NanumSquare ExtraBold" panose="020B0600000101010101" pitchFamily="34" charset="-127"/>
+              </a:rPr>
+              <a:t>3.  </a:t>
+            </a:r>
+            <a:r>
+              <a:rPr kumimoji="1" lang="en-US" altLang="ko-KR" sz="2400" b="1" spc="-100" dirty="0" err="1">
+                <a:solidFill>
+                  <a:srgbClr val="3ED7C4"/>
+                </a:solidFill>
+                <a:latin typeface="NanumSquare ExtraBold" panose="020B0600000101010101" pitchFamily="34" charset="-127"/>
+                <a:ea typeface="NanumSquare ExtraBold" panose="020B0600000101010101" pitchFamily="34" charset="-127"/>
+              </a:rPr>
+              <a:t>Gausian</a:t>
+            </a:r>
+            <a:r>
+              <a:rPr kumimoji="1" lang="en-US" altLang="ko-KR" sz="2400" b="1" spc="-100" dirty="0">
+                <a:solidFill>
+                  <a:srgbClr val="3ED7C4"/>
+                </a:solidFill>
+                <a:latin typeface="NanumSquare ExtraBold" panose="020B0600000101010101" pitchFamily="34" charset="-127"/>
+                <a:ea typeface="NanumSquare ExtraBold" panose="020B0600000101010101" pitchFamily="34" charset="-127"/>
+              </a:rPr>
+              <a:t> &amp; Laplacian filter</a:t>
+            </a:r>
+          </a:p>
+          <a:p>
+            <a:pPr marL="457200" indent="-457200">
+              <a:lnSpc>
+                <a:spcPct val="200000"/>
+              </a:lnSpc>
+              <a:buAutoNum type="arabicPeriod"/>
+            </a:pPr>
+            <a:endParaRPr kumimoji="1" lang="ko-KR" altLang="en-US" sz="2400" b="1" spc="-100" dirty="0">
+              <a:solidFill>
+                <a:srgbClr val="3ED7C4"/>
+              </a:solidFill>
+              <a:latin typeface="NanumSquare ExtraBold" panose="020B0600000101010101" pitchFamily="34" charset="-127"/>
+              <a:ea typeface="NanumSquare ExtraBold" panose="020B0600000101010101" pitchFamily="34" charset="-127"/>
+            </a:endParaRPr>
+          </a:p>
+        </p:txBody>
+      </p:sp>
+      <p:sp>
+        <p:nvSpPr>
+          <p:cNvPr id="12" name="직사각형 11">
+            <a:extLst>
+              <a:ext uri="{FF2B5EF4-FFF2-40B4-BE49-F238E27FC236}">
+                <a16:creationId xmlns:a16="http://schemas.microsoft.com/office/drawing/2014/main" id="{4A9191ED-ED84-447C-B26E-7BA52FE1F579}"/>
+              </a:ext>
+            </a:extLst>
+          </p:cNvPr>
+          <p:cNvSpPr/>
+          <p:nvPr/>
+        </p:nvSpPr>
+        <p:spPr>
+          <a:xfrm>
+            <a:off x="2627338" y="1930478"/>
+            <a:ext cx="1238605" cy="306262"/>
+          </a:xfrm>
+          <a:prstGeom prst="rect">
+            <a:avLst/>
+          </a:prstGeom>
+          <a:noFill/>
+          <a:ln>
+            <a:noFill/>
+          </a:ln>
+        </p:spPr>
+        <p:style>
+          <a:lnRef idx="2">
+            <a:schemeClr val="accent1">
+              <a:shade val="50000"/>
+            </a:schemeClr>
+          </a:lnRef>
+          <a:fillRef idx="1">
+            <a:schemeClr val="accent1"/>
+          </a:fillRef>
+          <a:effectRef idx="0">
+            <a:schemeClr val="accent1"/>
+          </a:effectRef>
+          <a:fontRef idx="minor">
+            <a:schemeClr val="lt1"/>
+          </a:fontRef>
+        </p:style>
+        <p:txBody>
+          <a:bodyPr rtlCol="0" anchor="ctr"/>
+          <a:lstStyle/>
+          <a:p>
+            <a:pPr algn="ctr"/>
+            <a:r>
+              <a:rPr kumimoji="1" lang="en-US" altLang="ko-KR" sz="2000" b="1" spc="-100" dirty="0">
+                <a:solidFill>
+                  <a:srgbClr val="3ED7C4"/>
+                </a:solidFill>
+                <a:latin typeface="NanumSquare ExtraBold" panose="020B0600000101010101" pitchFamily="34" charset="-127"/>
+                <a:ea typeface="NanumSquare ExtraBold" panose="020B0600000101010101" pitchFamily="34" charset="-127"/>
+              </a:rPr>
+              <a:t>(sensing)</a:t>
+            </a:r>
+            <a:endParaRPr kumimoji="1" lang="ko-KR" altLang="en-US" sz="2000" b="1" spc="-100" dirty="0">
+              <a:solidFill>
+                <a:srgbClr val="3ED7C4"/>
+              </a:solidFill>
+              <a:latin typeface="NanumSquare ExtraBold" panose="020B0600000101010101" pitchFamily="34" charset="-127"/>
+              <a:ea typeface="NanumSquare ExtraBold" panose="020B0600000101010101" pitchFamily="34" charset="-127"/>
+            </a:endParaRPr>
+          </a:p>
+        </p:txBody>
+      </p:sp>
+      <p:sp>
+        <p:nvSpPr>
+          <p:cNvPr id="2" name="직사각형 1">
+            <a:extLst>
+              <a:ext uri="{FF2B5EF4-FFF2-40B4-BE49-F238E27FC236}">
+                <a16:creationId xmlns:a16="http://schemas.microsoft.com/office/drawing/2014/main" id="{DF8352BE-A286-4E41-B6AD-A6C66FA32D0C}"/>
+              </a:ext>
+            </a:extLst>
+          </p:cNvPr>
+          <p:cNvSpPr/>
+          <p:nvPr/>
+        </p:nvSpPr>
+        <p:spPr>
+          <a:xfrm>
+            <a:off x="4579717" y="5220712"/>
+            <a:ext cx="6215606" cy="369332"/>
+          </a:xfrm>
+          <a:prstGeom prst="rect">
+            <a:avLst/>
+          </a:prstGeom>
+        </p:spPr>
+        <p:txBody>
+          <a:bodyPr wrap="square">
+            <a:spAutoFit/>
+          </a:bodyPr>
+          <a:lstStyle/>
+          <a:p>
+            <a:r>
+              <a:rPr lang="en-US" altLang="ko-KR" u="sng" dirty="0">
+                <a:solidFill>
+                  <a:srgbClr val="1155CC"/>
+                </a:solidFill>
+                <a:latin typeface="Gulim" panose="020B0600000101010101" pitchFamily="50" charset="-127"/>
+                <a:ea typeface="Gulim" panose="020B0600000101010101" pitchFamily="50" charset="-127"/>
+                <a:hlinkClick r:id="rId4"/>
+              </a:rPr>
+              <a:t>https://github.com/ghostbbbmt/Traffic-Sign-Detection</a:t>
+            </a:r>
+            <a:endParaRPr lang="ko-KR" altLang="en-US" dirty="0"/>
+          </a:p>
+        </p:txBody>
+      </p:sp>
+      <p:pic>
+        <p:nvPicPr>
+          <p:cNvPr id="5" name="그림 4">
+            <a:extLst>
+              <a:ext uri="{FF2B5EF4-FFF2-40B4-BE49-F238E27FC236}">
+                <a16:creationId xmlns:a16="http://schemas.microsoft.com/office/drawing/2014/main" id="{9F7D4FB5-62A9-4E3D-843D-FF67E423C446}"/>
+              </a:ext>
+            </a:extLst>
+          </p:cNvPr>
+          <p:cNvPicPr>
+            <a:picLocks noChangeAspect="1"/>
+          </p:cNvPicPr>
+          <p:nvPr/>
+        </p:nvPicPr>
+        <p:blipFill rotWithShape="1">
+          <a:blip r:embed="rId5"/>
+          <a:srcRect l="6135" t="58196" r="70220" b="8996"/>
+          <a:stretch/>
+        </p:blipFill>
+        <p:spPr>
+          <a:xfrm>
+            <a:off x="3660439" y="3123176"/>
+            <a:ext cx="2367248" cy="1847621"/>
+          </a:xfrm>
+          <a:prstGeom prst="rect">
+            <a:avLst/>
+          </a:prstGeom>
+        </p:spPr>
+      </p:pic>
+    </p:spTree>
+    <p:extLst>
+      <p:ext uri="{BB962C8B-B14F-4D97-AF65-F5344CB8AC3E}">
+        <p14:creationId xmlns:p14="http://schemas.microsoft.com/office/powerpoint/2010/main" val="1859797428"/>
+      </p:ext>
+    </p:extLst>
+  </p:cSld>
+  <p:clrMapOvr>
+    <a:masterClrMapping/>
+  </p:clrMapOvr>
+  <mc:AlternateContent xmlns:mc="http://schemas.openxmlformats.org/markup-compatibility/2006">
+    <mc:Choice xmlns:p159="http://schemas.microsoft.com/office/powerpoint/2015/09/main" Requires="p159">
+      <p:transition xmlns:p14="http://schemas.microsoft.com/office/powerpoint/2010/main" spd="slow" p14:dur="2000">
+        <p159:morph option="byObject"/>
+      </p:transition>
+    </mc:Choice>
+    <mc:Fallback>
+      <p:transition spd="slow">
+        <p:fade/>
+      </p:transition>
+    </mc:Fallback>
+  </mc:AlternateContent>
+</p:sld>
+</file>
+
+<file path=ppt/slides/slide12.xml><?xml version="1.0" encoding="utf-8"?>
+<p:sld xmlns:a="http://schemas.openxmlformats.org/drawingml/2006/main" xmlns:r="http://schemas.openxmlformats.org/officeDocument/2006/relationships" xmlns:p="http://schemas.openxmlformats.org/presentationml/2006/main">
+  <p:cSld>
+    <p:spTree>
+      <p:nvGrpSpPr>
+        <p:cNvPr id="1" name=""/>
+        <p:cNvGrpSpPr/>
+        <p:nvPr/>
+      </p:nvGrpSpPr>
+      <p:grpSpPr>
+        <a:xfrm>
+          <a:off x="0" y="0"/>
+          <a:ext cx="0" cy="0"/>
+          <a:chOff x="0" y="0"/>
+          <a:chExt cx="0" cy="0"/>
+        </a:xfrm>
+      </p:grpSpPr>
+      <p:sp>
+        <p:nvSpPr>
+          <p:cNvPr id="4" name="직사각형 3">
+            <a:extLst>
+              <a:ext uri="{FF2B5EF4-FFF2-40B4-BE49-F238E27FC236}">
+                <a16:creationId xmlns:a16="http://schemas.microsoft.com/office/drawing/2014/main" id="{027812B0-4CDC-4E7E-B119-C1647F42E6C6}"/>
+              </a:ext>
+            </a:extLst>
+          </p:cNvPr>
+          <p:cNvSpPr/>
+          <p:nvPr/>
+        </p:nvSpPr>
+        <p:spPr>
+          <a:xfrm>
+            <a:off x="-2867" y="6036816"/>
+            <a:ext cx="12192000" cy="585926"/>
+          </a:xfrm>
+          <a:prstGeom prst="rect">
+            <a:avLst/>
+          </a:prstGeom>
+          <a:solidFill>
+            <a:srgbClr val="3ED7C4"/>
+          </a:solidFill>
+          <a:ln>
+            <a:noFill/>
+          </a:ln>
+        </p:spPr>
+        <p:style>
+          <a:lnRef idx="2">
+            <a:schemeClr val="accent1">
+              <a:shade val="50000"/>
+            </a:schemeClr>
+          </a:lnRef>
+          <a:fillRef idx="1">
+            <a:schemeClr val="accent1"/>
+          </a:fillRef>
+          <a:effectRef idx="0">
+            <a:schemeClr val="accent1"/>
+          </a:effectRef>
+          <a:fontRef idx="minor">
+            <a:schemeClr val="lt1"/>
+          </a:fontRef>
+        </p:style>
+        <p:txBody>
+          <a:bodyPr rtlCol="0" anchor="ctr"/>
+          <a:lstStyle/>
+          <a:p>
+            <a:pPr algn="ctr"/>
+            <a:endParaRPr kumimoji="1" lang="ko-KR" altLang="en-US" dirty="0"/>
+          </a:p>
+        </p:txBody>
+      </p:sp>
+      <p:sp>
+        <p:nvSpPr>
+          <p:cNvPr id="6" name="직사각형 5">
+            <a:extLst>
+              <a:ext uri="{FF2B5EF4-FFF2-40B4-BE49-F238E27FC236}">
+                <a16:creationId xmlns:a16="http://schemas.microsoft.com/office/drawing/2014/main" id="{9607AE92-47E0-4023-9729-7FCAC3FF8059}"/>
+              </a:ext>
+            </a:extLst>
+          </p:cNvPr>
+          <p:cNvSpPr/>
+          <p:nvPr/>
+        </p:nvSpPr>
+        <p:spPr>
+          <a:xfrm>
+            <a:off x="9436553" y="5974672"/>
+            <a:ext cx="2707689" cy="710213"/>
+          </a:xfrm>
+          <a:prstGeom prst="rect">
+            <a:avLst/>
+          </a:prstGeom>
+          <a:noFill/>
+          <a:ln>
+            <a:noFill/>
+          </a:ln>
+        </p:spPr>
+        <p:style>
+          <a:lnRef idx="2">
+            <a:schemeClr val="accent1">
+              <a:shade val="50000"/>
+            </a:schemeClr>
+          </a:lnRef>
+          <a:fillRef idx="1">
+            <a:schemeClr val="accent1"/>
+          </a:fillRef>
+          <a:effectRef idx="0">
+            <a:schemeClr val="accent1"/>
+          </a:effectRef>
+          <a:fontRef idx="minor">
+            <a:schemeClr val="lt1"/>
+          </a:fontRef>
+        </p:style>
+        <p:txBody>
+          <a:bodyPr rtlCol="0" anchor="ctr"/>
+          <a:lstStyle/>
+          <a:p>
+            <a:pPr algn="ctr"/>
+            <a:r>
+              <a:rPr kumimoji="1" lang="en-US" altLang="ko-KR" sz="3600" b="1" spc="-100" dirty="0">
+                <a:latin typeface="NanumSquare ExtraBold" panose="020B0600000101010101" pitchFamily="34" charset="-127"/>
+                <a:ea typeface="NanumSquare ExtraBold" panose="020B0600000101010101" pitchFamily="34" charset="-127"/>
+              </a:rPr>
+              <a:t>Develop</a:t>
+            </a:r>
+            <a:endParaRPr kumimoji="1" lang="ko-KR" altLang="en-US" sz="3600" b="1" spc="-100" dirty="0">
+              <a:latin typeface="NanumSquare ExtraBold" panose="020B0600000101010101" pitchFamily="34" charset="-127"/>
+              <a:ea typeface="NanumSquare ExtraBold" panose="020B0600000101010101" pitchFamily="34" charset="-127"/>
+            </a:endParaRPr>
+          </a:p>
+        </p:txBody>
+      </p:sp>
+      <p:sp>
+        <p:nvSpPr>
+          <p:cNvPr id="27" name="직사각형 26">
+            <a:extLst>
+              <a:ext uri="{FF2B5EF4-FFF2-40B4-BE49-F238E27FC236}">
+                <a16:creationId xmlns:a16="http://schemas.microsoft.com/office/drawing/2014/main" id="{2E416199-7732-4B12-8863-9642FE3203FB}"/>
+              </a:ext>
+            </a:extLst>
+          </p:cNvPr>
+          <p:cNvSpPr/>
+          <p:nvPr/>
+        </p:nvSpPr>
+        <p:spPr>
+          <a:xfrm>
+            <a:off x="425397" y="395674"/>
+            <a:ext cx="2502998" cy="710213"/>
+          </a:xfrm>
+          <a:prstGeom prst="rect">
+            <a:avLst/>
+          </a:prstGeom>
+          <a:noFill/>
+          <a:ln>
+            <a:noFill/>
+          </a:ln>
+        </p:spPr>
+        <p:style>
+          <a:lnRef idx="2">
+            <a:schemeClr val="accent1">
+              <a:shade val="50000"/>
+            </a:schemeClr>
+          </a:lnRef>
+          <a:fillRef idx="1">
+            <a:schemeClr val="accent1"/>
+          </a:fillRef>
+          <a:effectRef idx="0">
+            <a:schemeClr val="accent1"/>
+          </a:effectRef>
+          <a:fontRef idx="minor">
+            <a:schemeClr val="lt1"/>
+          </a:fontRef>
+        </p:style>
+        <p:txBody>
+          <a:bodyPr rtlCol="0" anchor="ctr"/>
+          <a:lstStyle/>
+          <a:p>
+            <a:pPr algn="ctr"/>
+            <a:r>
+              <a:rPr kumimoji="1" lang="ko-KR" altLang="en-US" sz="3600" b="1" spc="-100" dirty="0">
+                <a:solidFill>
+                  <a:srgbClr val="3ED7C4"/>
+                </a:solidFill>
+                <a:latin typeface="NanumSquare ExtraBold" panose="020B0600000101010101" pitchFamily="34" charset="-127"/>
+                <a:ea typeface="NanumSquare ExtraBold" panose="020B0600000101010101" pitchFamily="34" charset="-127"/>
+              </a:rPr>
+              <a:t>개발 순서</a:t>
+            </a:r>
+          </a:p>
+        </p:txBody>
+      </p:sp>
+      <p:pic>
+        <p:nvPicPr>
+          <p:cNvPr id="3" name="그림 2">
+            <a:extLst>
+              <a:ext uri="{FF2B5EF4-FFF2-40B4-BE49-F238E27FC236}">
+                <a16:creationId xmlns:a16="http://schemas.microsoft.com/office/drawing/2014/main" id="{B037A320-7754-4AD1-846E-03536FBBE889}"/>
+              </a:ext>
+            </a:extLst>
+          </p:cNvPr>
+          <p:cNvPicPr>
+            <a:picLocks noChangeAspect="1"/>
+          </p:cNvPicPr>
+          <p:nvPr/>
+        </p:nvPicPr>
+        <p:blipFill>
+          <a:blip r:embed="rId2">
+            <a:extLst>
+              <a:ext uri="{28A0092B-C50C-407E-A947-70E740481C1C}">
+                <a14:useLocalDpi xmlns:a14="http://schemas.microsoft.com/office/drawing/2010/main" val="0"/>
+              </a:ext>
+            </a:extLst>
+          </a:blip>
+          <a:stretch>
+            <a:fillRect/>
+          </a:stretch>
+        </p:blipFill>
+        <p:spPr>
+          <a:xfrm rot="11322843">
+            <a:off x="518202" y="2743200"/>
+            <a:ext cx="2524638" cy="1433447"/>
+          </a:xfrm>
+          <a:prstGeom prst="rect">
+            <a:avLst/>
+          </a:prstGeom>
+        </p:spPr>
+      </p:pic>
+      <p:pic>
+        <p:nvPicPr>
+          <p:cNvPr id="10" name="Picture 2" descr="openCV에 대한 이미지 검색결과">
+            <a:extLst>
+              <a:ext uri="{FF2B5EF4-FFF2-40B4-BE49-F238E27FC236}">
+                <a16:creationId xmlns:a16="http://schemas.microsoft.com/office/drawing/2014/main" id="{F1C46ADA-059A-4F0C-B188-1CF3021AED5A}"/>
+              </a:ext>
+            </a:extLst>
+          </p:cNvPr>
+          <p:cNvPicPr>
+            <a:picLocks noChangeAspect="1" noChangeArrowheads="1"/>
+          </p:cNvPicPr>
+          <p:nvPr/>
+        </p:nvPicPr>
+        <p:blipFill>
+          <a:blip r:embed="rId3">
+            <a:extLst>
+              <a:ext uri="{28A0092B-C50C-407E-A947-70E740481C1C}">
+                <a14:useLocalDpi xmlns:a14="http://schemas.microsoft.com/office/drawing/2010/main" val="0"/>
+              </a:ext>
+            </a:extLst>
+          </a:blip>
+          <a:srcRect/>
+          <a:stretch>
+            <a:fillRect/>
+          </a:stretch>
+        </p:blipFill>
+        <p:spPr bwMode="auto">
+          <a:xfrm>
+            <a:off x="4579717" y="552845"/>
+            <a:ext cx="1670612" cy="2059319"/>
+          </a:xfrm>
+          <a:prstGeom prst="rect">
+            <a:avLst/>
+          </a:prstGeom>
+          <a:noFill/>
+          <a:extLst>
+            <a:ext uri="{909E8E84-426E-40DD-AFC4-6F175D3DCCD1}">
+              <a14:hiddenFill xmlns:a14="http://schemas.microsoft.com/office/drawing/2010/main">
+                <a:solidFill>
+                  <a:srgbClr val="FFFFFF"/>
+                </a:solidFill>
+              </a14:hiddenFill>
+            </a:ext>
+          </a:extLst>
+        </p:spPr>
+      </p:pic>
+      <p:cxnSp>
+        <p:nvCxnSpPr>
+          <p:cNvPr id="11" name="직선 연결선 10">
+            <a:extLst>
+              <a:ext uri="{FF2B5EF4-FFF2-40B4-BE49-F238E27FC236}">
+                <a16:creationId xmlns:a16="http://schemas.microsoft.com/office/drawing/2014/main" id="{44BA1A41-15E5-4047-A3E4-8D80A82697DD}"/>
+              </a:ext>
+            </a:extLst>
+          </p:cNvPr>
+          <p:cNvCxnSpPr>
+            <a:cxnSpLocks/>
+            <a:endCxn id="10" idx="1"/>
+          </p:cNvCxnSpPr>
+          <p:nvPr/>
+        </p:nvCxnSpPr>
+        <p:spPr>
+          <a:xfrm flipV="1">
+            <a:off x="2928395" y="1582505"/>
+            <a:ext cx="1651322" cy="1507936"/>
+          </a:xfrm>
+          <a:prstGeom prst="line">
+            <a:avLst/>
+          </a:prstGeom>
+          <a:ln w="57150">
+            <a:solidFill>
+              <a:srgbClr val="3ED7C4"/>
+            </a:solidFill>
+            <a:headEnd type="none" w="med" len="med"/>
+            <a:tailEnd type="triangle" w="med" len="med"/>
+          </a:ln>
+        </p:spPr>
+        <p:style>
+          <a:lnRef idx="1">
+            <a:schemeClr val="accent1"/>
+          </a:lnRef>
+          <a:fillRef idx="0">
+            <a:schemeClr val="accent1"/>
+          </a:fillRef>
+          <a:effectRef idx="0">
+            <a:schemeClr val="accent1"/>
+          </a:effectRef>
+          <a:fontRef idx="minor">
+            <a:schemeClr val="tx1"/>
+          </a:fontRef>
+        </p:style>
+      </p:cxnSp>
+      <p:sp>
+        <p:nvSpPr>
+          <p:cNvPr id="19" name="직사각형 18">
+            <a:extLst>
+              <a:ext uri="{FF2B5EF4-FFF2-40B4-BE49-F238E27FC236}">
+                <a16:creationId xmlns:a16="http://schemas.microsoft.com/office/drawing/2014/main" id="{8F28FD2C-8E45-4D11-840E-B22D281114F6}"/>
+              </a:ext>
+            </a:extLst>
+          </p:cNvPr>
+          <p:cNvSpPr/>
+          <p:nvPr/>
+        </p:nvSpPr>
+        <p:spPr>
+          <a:xfrm>
+            <a:off x="2627338" y="1930478"/>
+            <a:ext cx="1238605" cy="306262"/>
+          </a:xfrm>
+          <a:prstGeom prst="rect">
+            <a:avLst/>
+          </a:prstGeom>
+          <a:noFill/>
+          <a:ln>
+            <a:noFill/>
+          </a:ln>
+        </p:spPr>
+        <p:style>
+          <a:lnRef idx="2">
+            <a:schemeClr val="accent1">
+              <a:shade val="50000"/>
+            </a:schemeClr>
+          </a:lnRef>
+          <a:fillRef idx="1">
+            <a:schemeClr val="accent1"/>
+          </a:fillRef>
+          <a:effectRef idx="0">
+            <a:schemeClr val="accent1"/>
+          </a:effectRef>
+          <a:fontRef idx="minor">
+            <a:schemeClr val="lt1"/>
+          </a:fontRef>
+        </p:style>
+        <p:txBody>
+          <a:bodyPr rtlCol="0" anchor="ctr"/>
+          <a:lstStyle/>
+          <a:p>
+            <a:pPr algn="ctr"/>
+            <a:r>
+              <a:rPr kumimoji="1" lang="en-US" altLang="ko-KR" sz="2000" b="1" spc="-100" dirty="0">
+                <a:solidFill>
+                  <a:srgbClr val="3ED7C4"/>
+                </a:solidFill>
+                <a:latin typeface="NanumSquare ExtraBold" panose="020B0600000101010101" pitchFamily="34" charset="-127"/>
+                <a:ea typeface="NanumSquare ExtraBold" panose="020B0600000101010101" pitchFamily="34" charset="-127"/>
+              </a:rPr>
+              <a:t>(sensing)</a:t>
+            </a:r>
+            <a:endParaRPr kumimoji="1" lang="ko-KR" altLang="en-US" sz="2000" b="1" spc="-100" dirty="0">
+              <a:solidFill>
+                <a:srgbClr val="3ED7C4"/>
+              </a:solidFill>
+              <a:latin typeface="NanumSquare ExtraBold" panose="020B0600000101010101" pitchFamily="34" charset="-127"/>
+              <a:ea typeface="NanumSquare ExtraBold" panose="020B0600000101010101" pitchFamily="34" charset="-127"/>
+            </a:endParaRPr>
+          </a:p>
+        </p:txBody>
+      </p:sp>
+      <p:sp>
+        <p:nvSpPr>
+          <p:cNvPr id="20" name="직사각형 19">
+            <a:extLst>
+              <a:ext uri="{FF2B5EF4-FFF2-40B4-BE49-F238E27FC236}">
+                <a16:creationId xmlns:a16="http://schemas.microsoft.com/office/drawing/2014/main" id="{7A1252AC-02B9-4005-9A97-5F5435B5E72D}"/>
+              </a:ext>
+            </a:extLst>
+          </p:cNvPr>
+          <p:cNvSpPr/>
+          <p:nvPr/>
+        </p:nvSpPr>
+        <p:spPr>
+          <a:xfrm>
+            <a:off x="5737071" y="490702"/>
+            <a:ext cx="1669789" cy="284802"/>
+          </a:xfrm>
+          <a:prstGeom prst="rect">
+            <a:avLst/>
+          </a:prstGeom>
+          <a:noFill/>
+          <a:ln>
+            <a:noFill/>
+          </a:ln>
+        </p:spPr>
+        <p:style>
+          <a:lnRef idx="2">
+            <a:schemeClr val="accent1">
+              <a:shade val="50000"/>
+            </a:schemeClr>
+          </a:lnRef>
+          <a:fillRef idx="1">
+            <a:schemeClr val="accent1"/>
+          </a:fillRef>
+          <a:effectRef idx="0">
+            <a:schemeClr val="accent1"/>
+          </a:effectRef>
+          <a:fontRef idx="minor">
+            <a:schemeClr val="lt1"/>
+          </a:fontRef>
+        </p:style>
+        <p:txBody>
+          <a:bodyPr rtlCol="0" anchor="ctr"/>
+          <a:lstStyle/>
+          <a:p>
+            <a:pPr algn="ctr"/>
+            <a:r>
+              <a:rPr kumimoji="1" lang="en-US" altLang="ko-KR" sz="2000" b="1" spc="-100" dirty="0">
+                <a:solidFill>
+                  <a:srgbClr val="3ED7C4"/>
+                </a:solidFill>
+                <a:latin typeface="NanumSquare ExtraBold" panose="020B0600000101010101" pitchFamily="34" charset="-127"/>
+                <a:ea typeface="NanumSquare ExtraBold" panose="020B0600000101010101" pitchFamily="34" charset="-127"/>
+              </a:rPr>
+              <a:t>(recognition)</a:t>
+            </a:r>
+            <a:endParaRPr kumimoji="1" lang="ko-KR" altLang="en-US" sz="2000" b="1" spc="-100" dirty="0">
+              <a:solidFill>
+                <a:srgbClr val="3ED7C4"/>
+              </a:solidFill>
+              <a:latin typeface="NanumSquare ExtraBold" panose="020B0600000101010101" pitchFamily="34" charset="-127"/>
+              <a:ea typeface="NanumSquare ExtraBold" panose="020B0600000101010101" pitchFamily="34" charset="-127"/>
+            </a:endParaRPr>
+          </a:p>
+        </p:txBody>
+      </p:sp>
+      <p:sp>
+        <p:nvSpPr>
+          <p:cNvPr id="24" name="직사각형 23">
+            <a:extLst>
+              <a:ext uri="{FF2B5EF4-FFF2-40B4-BE49-F238E27FC236}">
+                <a16:creationId xmlns:a16="http://schemas.microsoft.com/office/drawing/2014/main" id="{E22B33D2-6F7C-4246-968B-B656298701FC}"/>
+              </a:ext>
+            </a:extLst>
+          </p:cNvPr>
+          <p:cNvSpPr/>
+          <p:nvPr/>
+        </p:nvSpPr>
+        <p:spPr>
+          <a:xfrm>
+            <a:off x="6571965" y="1299487"/>
+            <a:ext cx="5082454" cy="788693"/>
+          </a:xfrm>
+          <a:prstGeom prst="rect">
+            <a:avLst/>
+          </a:prstGeom>
+          <a:noFill/>
+          <a:ln>
+            <a:noFill/>
+          </a:ln>
+        </p:spPr>
+        <p:style>
+          <a:lnRef idx="2">
+            <a:schemeClr val="accent1">
+              <a:shade val="50000"/>
+            </a:schemeClr>
+          </a:lnRef>
+          <a:fillRef idx="1">
+            <a:schemeClr val="accent1"/>
+          </a:fillRef>
+          <a:effectRef idx="0">
+            <a:schemeClr val="accent1"/>
+          </a:effectRef>
+          <a:fontRef idx="minor">
+            <a:schemeClr val="lt1"/>
+          </a:fontRef>
+        </p:style>
+        <p:txBody>
+          <a:bodyPr rtlCol="0" anchor="ctr"/>
+          <a:lstStyle/>
+          <a:p>
+            <a:pPr>
+              <a:lnSpc>
+                <a:spcPct val="200000"/>
+              </a:lnSpc>
+            </a:pPr>
+            <a:r>
+              <a:rPr kumimoji="1" lang="en-US" altLang="ko-KR" sz="2400" b="1" spc="-100" dirty="0">
+                <a:solidFill>
+                  <a:srgbClr val="3ED7C4"/>
+                </a:solidFill>
+                <a:latin typeface="NanumSquare ExtraBold" panose="020B0600000101010101" pitchFamily="34" charset="-127"/>
+                <a:ea typeface="NanumSquare ExtraBold" panose="020B0600000101010101" pitchFamily="34" charset="-127"/>
+              </a:rPr>
+              <a:t>3.  </a:t>
+            </a:r>
+            <a:r>
+              <a:rPr kumimoji="1" lang="en-US" altLang="ko-KR" sz="2400" b="1" spc="-100" dirty="0" err="1">
+                <a:solidFill>
+                  <a:srgbClr val="3ED7C4"/>
+                </a:solidFill>
+                <a:latin typeface="NanumSquare ExtraBold" panose="020B0600000101010101" pitchFamily="34" charset="-127"/>
+                <a:ea typeface="NanumSquare ExtraBold" panose="020B0600000101010101" pitchFamily="34" charset="-127"/>
+              </a:rPr>
+              <a:t>Gausian</a:t>
+            </a:r>
+            <a:r>
+              <a:rPr kumimoji="1" lang="en-US" altLang="ko-KR" sz="2400" b="1" spc="-100" dirty="0">
+                <a:solidFill>
+                  <a:srgbClr val="3ED7C4"/>
+                </a:solidFill>
+                <a:latin typeface="NanumSquare ExtraBold" panose="020B0600000101010101" pitchFamily="34" charset="-127"/>
+                <a:ea typeface="NanumSquare ExtraBold" panose="020B0600000101010101" pitchFamily="34" charset="-127"/>
+              </a:rPr>
+              <a:t> &amp; Laplacian filter</a:t>
+            </a:r>
+          </a:p>
+          <a:p>
+            <a:pPr marL="457200" indent="-457200">
+              <a:lnSpc>
+                <a:spcPct val="200000"/>
+              </a:lnSpc>
+              <a:buAutoNum type="arabicPeriod"/>
+            </a:pPr>
+            <a:endParaRPr kumimoji="1" lang="ko-KR" altLang="en-US" sz="2400" b="1" spc="-100" dirty="0">
+              <a:solidFill>
+                <a:srgbClr val="3ED7C4"/>
+              </a:solidFill>
+              <a:latin typeface="NanumSquare ExtraBold" panose="020B0600000101010101" pitchFamily="34" charset="-127"/>
+              <a:ea typeface="NanumSquare ExtraBold" panose="020B0600000101010101" pitchFamily="34" charset="-127"/>
+            </a:endParaRPr>
+          </a:p>
+        </p:txBody>
+      </p:sp>
+      <p:sp>
+        <p:nvSpPr>
+          <p:cNvPr id="12" name="직사각형 11">
+            <a:extLst>
+              <a:ext uri="{FF2B5EF4-FFF2-40B4-BE49-F238E27FC236}">
+                <a16:creationId xmlns:a16="http://schemas.microsoft.com/office/drawing/2014/main" id="{5AB72D45-FB79-408B-B298-3A243124028F}"/>
+              </a:ext>
+            </a:extLst>
+          </p:cNvPr>
+          <p:cNvSpPr/>
+          <p:nvPr/>
+        </p:nvSpPr>
+        <p:spPr>
+          <a:xfrm>
+            <a:off x="6513304" y="2408835"/>
+            <a:ext cx="5082454" cy="788693"/>
+          </a:xfrm>
+          <a:prstGeom prst="rect">
+            <a:avLst/>
+          </a:prstGeom>
+          <a:noFill/>
+          <a:ln>
+            <a:noFill/>
+          </a:ln>
+        </p:spPr>
+        <p:style>
+          <a:lnRef idx="2">
+            <a:schemeClr val="accent1">
+              <a:shade val="50000"/>
+            </a:schemeClr>
+          </a:lnRef>
+          <a:fillRef idx="1">
+            <a:schemeClr val="accent1"/>
+          </a:fillRef>
+          <a:effectRef idx="0">
+            <a:schemeClr val="accent1"/>
+          </a:effectRef>
+          <a:fontRef idx="minor">
+            <a:schemeClr val="lt1"/>
+          </a:fontRef>
+        </p:style>
+        <p:txBody>
+          <a:bodyPr rtlCol="0" anchor="ctr"/>
+          <a:lstStyle/>
+          <a:p>
+            <a:pPr>
+              <a:lnSpc>
+                <a:spcPct val="200000"/>
+              </a:lnSpc>
+            </a:pPr>
+            <a:r>
+              <a:rPr kumimoji="1" lang="en-US" altLang="ko-KR" sz="2400" b="1" spc="-100" dirty="0" err="1">
+                <a:solidFill>
+                  <a:srgbClr val="3ED7C4"/>
+                </a:solidFill>
+                <a:latin typeface="NanumSquare ExtraBold" panose="020B0600000101010101" pitchFamily="34" charset="-127"/>
+                <a:ea typeface="NanumSquare ExtraBold" panose="020B0600000101010101" pitchFamily="34" charset="-127"/>
+              </a:rPr>
+              <a:t>Gausian</a:t>
+            </a:r>
+            <a:r>
+              <a:rPr kumimoji="1" lang="en-US" altLang="ko-KR" sz="2400" b="1" spc="-100" dirty="0">
+                <a:solidFill>
+                  <a:srgbClr val="3ED7C4"/>
+                </a:solidFill>
+                <a:latin typeface="NanumSquare ExtraBold" panose="020B0600000101010101" pitchFamily="34" charset="-127"/>
+                <a:ea typeface="NanumSquare ExtraBold" panose="020B0600000101010101" pitchFamily="34" charset="-127"/>
+              </a:rPr>
+              <a:t> filter : </a:t>
+            </a:r>
+            <a:r>
+              <a:rPr kumimoji="1" lang="ko-KR" altLang="en-US" sz="2400" b="1" spc="-100" dirty="0">
+                <a:solidFill>
+                  <a:srgbClr val="3ED7C4"/>
+                </a:solidFill>
+                <a:latin typeface="NanumSquare ExtraBold" panose="020B0600000101010101" pitchFamily="34" charset="-127"/>
+                <a:ea typeface="NanumSquare ExtraBold" panose="020B0600000101010101" pitchFamily="34" charset="-127"/>
+              </a:rPr>
+              <a:t>저주파 필터</a:t>
+            </a:r>
+            <a:r>
+              <a:rPr kumimoji="1" lang="en-US" altLang="ko-KR" sz="2400" b="1" spc="-100" dirty="0">
+                <a:solidFill>
+                  <a:srgbClr val="3ED7C4"/>
+                </a:solidFill>
+                <a:latin typeface="NanumSquare ExtraBold" panose="020B0600000101010101" pitchFamily="34" charset="-127"/>
+                <a:ea typeface="NanumSquare ExtraBold" panose="020B0600000101010101" pitchFamily="34" charset="-127"/>
+              </a:rPr>
+              <a:t>, blur</a:t>
+            </a:r>
+          </a:p>
+        </p:txBody>
+      </p:sp>
+      <p:sp>
+        <p:nvSpPr>
+          <p:cNvPr id="13" name="직사각형 12">
+            <a:extLst>
+              <a:ext uri="{FF2B5EF4-FFF2-40B4-BE49-F238E27FC236}">
+                <a16:creationId xmlns:a16="http://schemas.microsoft.com/office/drawing/2014/main" id="{985ECBAA-976C-43E9-ABF6-BEE387FB9FEB}"/>
+              </a:ext>
+            </a:extLst>
+          </p:cNvPr>
+          <p:cNvSpPr/>
+          <p:nvPr/>
+        </p:nvSpPr>
+        <p:spPr>
+          <a:xfrm>
+            <a:off x="6513304" y="3608545"/>
+            <a:ext cx="5500602" cy="788693"/>
+          </a:xfrm>
+          <a:prstGeom prst="rect">
+            <a:avLst/>
+          </a:prstGeom>
+          <a:noFill/>
+          <a:ln>
+            <a:noFill/>
+          </a:ln>
+        </p:spPr>
+        <p:style>
+          <a:lnRef idx="2">
+            <a:schemeClr val="accent1">
+              <a:shade val="50000"/>
+            </a:schemeClr>
+          </a:lnRef>
+          <a:fillRef idx="1">
+            <a:schemeClr val="accent1"/>
+          </a:fillRef>
+          <a:effectRef idx="0">
+            <a:schemeClr val="accent1"/>
+          </a:effectRef>
+          <a:fontRef idx="minor">
+            <a:schemeClr val="lt1"/>
+          </a:fontRef>
+        </p:style>
+        <p:txBody>
+          <a:bodyPr rtlCol="0" anchor="ctr"/>
+          <a:lstStyle/>
+          <a:p>
+            <a:pPr>
+              <a:lnSpc>
+                <a:spcPct val="200000"/>
+              </a:lnSpc>
+            </a:pPr>
+            <a:r>
+              <a:rPr kumimoji="1" lang="en-US" altLang="ko-KR" sz="2400" b="1" spc="-100" dirty="0">
+                <a:solidFill>
+                  <a:srgbClr val="3ED7C4"/>
+                </a:solidFill>
+                <a:latin typeface="NanumSquare ExtraBold" panose="020B0600000101010101" pitchFamily="34" charset="-127"/>
+                <a:ea typeface="NanumSquare ExtraBold" panose="020B0600000101010101" pitchFamily="34" charset="-127"/>
+              </a:rPr>
+              <a:t>Laplacian filter : </a:t>
+            </a:r>
+            <a:r>
+              <a:rPr kumimoji="1" lang="ko-KR" altLang="en-US" sz="2400" b="1" spc="-100" dirty="0">
+                <a:solidFill>
+                  <a:srgbClr val="3ED7C4"/>
+                </a:solidFill>
+                <a:latin typeface="NanumSquare ExtraBold" panose="020B0600000101010101" pitchFamily="34" charset="-127"/>
+                <a:ea typeface="NanumSquare ExtraBold" panose="020B0600000101010101" pitchFamily="34" charset="-127"/>
+              </a:rPr>
+              <a:t>고주파 필터</a:t>
+            </a:r>
+            <a:r>
+              <a:rPr kumimoji="1" lang="en-US" altLang="ko-KR" sz="2400" b="1" spc="-100" dirty="0">
+                <a:solidFill>
+                  <a:srgbClr val="3ED7C4"/>
+                </a:solidFill>
+                <a:latin typeface="NanumSquare ExtraBold" panose="020B0600000101010101" pitchFamily="34" charset="-127"/>
+                <a:ea typeface="NanumSquare ExtraBold" panose="020B0600000101010101" pitchFamily="34" charset="-127"/>
+              </a:rPr>
+              <a:t>, edge</a:t>
+            </a:r>
+            <a:r>
+              <a:rPr kumimoji="1" lang="ko-KR" altLang="en-US" sz="2400" b="1" spc="-100" dirty="0">
+                <a:solidFill>
+                  <a:srgbClr val="3ED7C4"/>
+                </a:solidFill>
+                <a:latin typeface="NanumSquare ExtraBold" panose="020B0600000101010101" pitchFamily="34" charset="-127"/>
+                <a:ea typeface="NanumSquare ExtraBold" panose="020B0600000101010101" pitchFamily="34" charset="-127"/>
+              </a:rPr>
+              <a:t>강조</a:t>
+            </a:r>
+            <a:endParaRPr kumimoji="1" lang="en-US" altLang="ko-KR" sz="2400" b="1" spc="-100" dirty="0">
+              <a:solidFill>
+                <a:srgbClr val="3ED7C4"/>
+              </a:solidFill>
+              <a:latin typeface="NanumSquare ExtraBold" panose="020B0600000101010101" pitchFamily="34" charset="-127"/>
+              <a:ea typeface="NanumSquare ExtraBold" panose="020B0600000101010101" pitchFamily="34" charset="-127"/>
+            </a:endParaRPr>
+          </a:p>
+          <a:p>
+            <a:pPr marL="457200" indent="-457200">
+              <a:lnSpc>
+                <a:spcPct val="200000"/>
+              </a:lnSpc>
+              <a:buAutoNum type="arabicPeriod"/>
+            </a:pPr>
+            <a:endParaRPr kumimoji="1" lang="ko-KR" altLang="en-US" sz="2400" b="1" spc="-100" dirty="0">
+              <a:solidFill>
+                <a:srgbClr val="3ED7C4"/>
+              </a:solidFill>
+              <a:latin typeface="NanumSquare ExtraBold" panose="020B0600000101010101" pitchFamily="34" charset="-127"/>
+              <a:ea typeface="NanumSquare ExtraBold" panose="020B0600000101010101" pitchFamily="34" charset="-127"/>
+            </a:endParaRPr>
+          </a:p>
+        </p:txBody>
+      </p:sp>
+    </p:spTree>
+    <p:extLst>
+      <p:ext uri="{BB962C8B-B14F-4D97-AF65-F5344CB8AC3E}">
+        <p14:creationId xmlns:p14="http://schemas.microsoft.com/office/powerpoint/2010/main" val="3920744202"/>
+      </p:ext>
+    </p:extLst>
+  </p:cSld>
+  <p:clrMapOvr>
+    <a:masterClrMapping/>
+  </p:clrMapOvr>
+  <mc:AlternateContent xmlns:mc="http://schemas.openxmlformats.org/markup-compatibility/2006">
+    <mc:Choice xmlns:p159="http://schemas.microsoft.com/office/powerpoint/2015/09/main" Requires="p159">
+      <p:transition xmlns:p14="http://schemas.microsoft.com/office/powerpoint/2010/main" spd="slow" p14:dur="2000">
+        <p159:morph option="byObject"/>
+      </p:transition>
+    </mc:Choice>
+    <mc:Fallback>
+      <p:transition spd="slow">
+        <p:fade/>
+      </p:transition>
+    </mc:Fallback>
+  </mc:AlternateContent>
+</p:sld>
+</file>
+
+<file path=ppt/slides/slide13.xml><?xml version="1.0" encoding="utf-8"?>
+<p:sld xmlns:a="http://schemas.openxmlformats.org/drawingml/2006/main" xmlns:r="http://schemas.openxmlformats.org/officeDocument/2006/relationships" xmlns:p="http://schemas.openxmlformats.org/presentationml/2006/main">
+  <p:cSld>
+    <p:spTree>
+      <p:nvGrpSpPr>
+        <p:cNvPr id="1" name=""/>
+        <p:cNvGrpSpPr/>
+        <p:nvPr/>
+      </p:nvGrpSpPr>
+      <p:grpSpPr>
+        <a:xfrm>
+          <a:off x="0" y="0"/>
+          <a:ext cx="0" cy="0"/>
+          <a:chOff x="0" y="0"/>
+          <a:chExt cx="0" cy="0"/>
+        </a:xfrm>
+      </p:grpSpPr>
+      <p:sp>
+        <p:nvSpPr>
+          <p:cNvPr id="4" name="직사각형 3">
+            <a:extLst>
+              <a:ext uri="{FF2B5EF4-FFF2-40B4-BE49-F238E27FC236}">
+                <a16:creationId xmlns:a16="http://schemas.microsoft.com/office/drawing/2014/main" id="{027812B0-4CDC-4E7E-B119-C1647F42E6C6}"/>
+              </a:ext>
+            </a:extLst>
+          </p:cNvPr>
+          <p:cNvSpPr/>
+          <p:nvPr/>
+        </p:nvSpPr>
+        <p:spPr>
+          <a:xfrm>
+            <a:off x="-2867" y="6036816"/>
+            <a:ext cx="12192000" cy="585926"/>
+          </a:xfrm>
+          <a:prstGeom prst="rect">
+            <a:avLst/>
+          </a:prstGeom>
+          <a:solidFill>
+            <a:srgbClr val="3ED7C4"/>
+          </a:solidFill>
+          <a:ln>
+            <a:noFill/>
+          </a:ln>
+        </p:spPr>
+        <p:style>
+          <a:lnRef idx="2">
+            <a:schemeClr val="accent1">
+              <a:shade val="50000"/>
+            </a:schemeClr>
+          </a:lnRef>
+          <a:fillRef idx="1">
+            <a:schemeClr val="accent1"/>
+          </a:fillRef>
+          <a:effectRef idx="0">
+            <a:schemeClr val="accent1"/>
+          </a:effectRef>
+          <a:fontRef idx="minor">
+            <a:schemeClr val="lt1"/>
+          </a:fontRef>
+        </p:style>
+        <p:txBody>
+          <a:bodyPr rtlCol="0" anchor="ctr"/>
+          <a:lstStyle/>
+          <a:p>
+            <a:pPr algn="ctr"/>
+            <a:endParaRPr kumimoji="1" lang="ko-KR" altLang="en-US" dirty="0"/>
+          </a:p>
+        </p:txBody>
+      </p:sp>
+      <p:sp>
+        <p:nvSpPr>
+          <p:cNvPr id="6" name="직사각형 5">
+            <a:extLst>
+              <a:ext uri="{FF2B5EF4-FFF2-40B4-BE49-F238E27FC236}">
+                <a16:creationId xmlns:a16="http://schemas.microsoft.com/office/drawing/2014/main" id="{9607AE92-47E0-4023-9729-7FCAC3FF8059}"/>
+              </a:ext>
+            </a:extLst>
+          </p:cNvPr>
+          <p:cNvSpPr/>
+          <p:nvPr/>
+        </p:nvSpPr>
+        <p:spPr>
+          <a:xfrm>
+            <a:off x="9436553" y="5974672"/>
+            <a:ext cx="2707689" cy="710213"/>
+          </a:xfrm>
+          <a:prstGeom prst="rect">
+            <a:avLst/>
+          </a:prstGeom>
+          <a:noFill/>
+          <a:ln>
+            <a:noFill/>
+          </a:ln>
+        </p:spPr>
+        <p:style>
+          <a:lnRef idx="2">
+            <a:schemeClr val="accent1">
+              <a:shade val="50000"/>
+            </a:schemeClr>
+          </a:lnRef>
+          <a:fillRef idx="1">
+            <a:schemeClr val="accent1"/>
+          </a:fillRef>
+          <a:effectRef idx="0">
+            <a:schemeClr val="accent1"/>
+          </a:effectRef>
+          <a:fontRef idx="minor">
+            <a:schemeClr val="lt1"/>
+          </a:fontRef>
+        </p:style>
+        <p:txBody>
+          <a:bodyPr rtlCol="0" anchor="ctr"/>
+          <a:lstStyle/>
+          <a:p>
+            <a:pPr algn="ctr"/>
+            <a:r>
+              <a:rPr kumimoji="1" lang="en-US" altLang="ko-KR" sz="3600" b="1" spc="-100" dirty="0">
+                <a:latin typeface="NanumSquare ExtraBold" panose="020B0600000101010101" pitchFamily="34" charset="-127"/>
+                <a:ea typeface="NanumSquare ExtraBold" panose="020B0600000101010101" pitchFamily="34" charset="-127"/>
+              </a:rPr>
+              <a:t>Develop</a:t>
+            </a:r>
+            <a:endParaRPr kumimoji="1" lang="ko-KR" altLang="en-US" sz="3600" b="1" spc="-100" dirty="0">
+              <a:latin typeface="NanumSquare ExtraBold" panose="020B0600000101010101" pitchFamily="34" charset="-127"/>
+              <a:ea typeface="NanumSquare ExtraBold" panose="020B0600000101010101" pitchFamily="34" charset="-127"/>
+            </a:endParaRPr>
+          </a:p>
+        </p:txBody>
+      </p:sp>
+      <p:sp>
+        <p:nvSpPr>
+          <p:cNvPr id="27" name="직사각형 26">
+            <a:extLst>
+              <a:ext uri="{FF2B5EF4-FFF2-40B4-BE49-F238E27FC236}">
+                <a16:creationId xmlns:a16="http://schemas.microsoft.com/office/drawing/2014/main" id="{2E416199-7732-4B12-8863-9642FE3203FB}"/>
+              </a:ext>
+            </a:extLst>
+          </p:cNvPr>
+          <p:cNvSpPr/>
+          <p:nvPr/>
+        </p:nvSpPr>
+        <p:spPr>
+          <a:xfrm>
+            <a:off x="425397" y="395674"/>
+            <a:ext cx="2502998" cy="710213"/>
+          </a:xfrm>
+          <a:prstGeom prst="rect">
+            <a:avLst/>
+          </a:prstGeom>
+          <a:noFill/>
+          <a:ln>
+            <a:noFill/>
+          </a:ln>
+        </p:spPr>
+        <p:style>
+          <a:lnRef idx="2">
+            <a:schemeClr val="accent1">
+              <a:shade val="50000"/>
+            </a:schemeClr>
+          </a:lnRef>
+          <a:fillRef idx="1">
+            <a:schemeClr val="accent1"/>
+          </a:fillRef>
+          <a:effectRef idx="0">
+            <a:schemeClr val="accent1"/>
+          </a:effectRef>
+          <a:fontRef idx="minor">
+            <a:schemeClr val="lt1"/>
+          </a:fontRef>
+        </p:style>
+        <p:txBody>
+          <a:bodyPr rtlCol="0" anchor="ctr"/>
+          <a:lstStyle/>
+          <a:p>
+            <a:pPr algn="ctr"/>
+            <a:r>
+              <a:rPr kumimoji="1" lang="ko-KR" altLang="en-US" sz="3600" b="1" spc="-100" dirty="0">
+                <a:solidFill>
+                  <a:srgbClr val="3ED7C4"/>
+                </a:solidFill>
+                <a:latin typeface="NanumSquare ExtraBold" panose="020B0600000101010101" pitchFamily="34" charset="-127"/>
+                <a:ea typeface="NanumSquare ExtraBold" panose="020B0600000101010101" pitchFamily="34" charset="-127"/>
+              </a:rPr>
+              <a:t>개발 순서</a:t>
+            </a:r>
+          </a:p>
+        </p:txBody>
+      </p:sp>
+      <p:pic>
+        <p:nvPicPr>
+          <p:cNvPr id="3" name="그림 2">
+            <a:extLst>
+              <a:ext uri="{FF2B5EF4-FFF2-40B4-BE49-F238E27FC236}">
+                <a16:creationId xmlns:a16="http://schemas.microsoft.com/office/drawing/2014/main" id="{B037A320-7754-4AD1-846E-03536FBBE889}"/>
+              </a:ext>
+            </a:extLst>
+          </p:cNvPr>
+          <p:cNvPicPr>
+            <a:picLocks noChangeAspect="1"/>
+          </p:cNvPicPr>
+          <p:nvPr/>
+        </p:nvPicPr>
+        <p:blipFill>
+          <a:blip r:embed="rId2">
+            <a:extLst>
+              <a:ext uri="{28A0092B-C50C-407E-A947-70E740481C1C}">
+                <a14:useLocalDpi xmlns:a14="http://schemas.microsoft.com/office/drawing/2010/main" val="0"/>
+              </a:ext>
+            </a:extLst>
+          </a:blip>
+          <a:stretch>
+            <a:fillRect/>
+          </a:stretch>
+        </p:blipFill>
+        <p:spPr>
+          <a:xfrm rot="11322843">
+            <a:off x="518202" y="2743200"/>
+            <a:ext cx="2524638" cy="1433447"/>
+          </a:xfrm>
+          <a:prstGeom prst="rect">
+            <a:avLst/>
+          </a:prstGeom>
+        </p:spPr>
+      </p:pic>
+      <p:pic>
+        <p:nvPicPr>
+          <p:cNvPr id="10" name="Picture 2" descr="openCV에 대한 이미지 검색결과">
+            <a:extLst>
+              <a:ext uri="{FF2B5EF4-FFF2-40B4-BE49-F238E27FC236}">
+                <a16:creationId xmlns:a16="http://schemas.microsoft.com/office/drawing/2014/main" id="{F1C46ADA-059A-4F0C-B188-1CF3021AED5A}"/>
+              </a:ext>
+            </a:extLst>
+          </p:cNvPr>
+          <p:cNvPicPr>
+            <a:picLocks noChangeAspect="1" noChangeArrowheads="1"/>
+          </p:cNvPicPr>
+          <p:nvPr/>
+        </p:nvPicPr>
+        <p:blipFill>
+          <a:blip r:embed="rId3">
+            <a:extLst>
+              <a:ext uri="{28A0092B-C50C-407E-A947-70E740481C1C}">
+                <a14:useLocalDpi xmlns:a14="http://schemas.microsoft.com/office/drawing/2010/main" val="0"/>
+              </a:ext>
+            </a:extLst>
+          </a:blip>
+          <a:srcRect/>
+          <a:stretch>
+            <a:fillRect/>
+          </a:stretch>
+        </p:blipFill>
+        <p:spPr bwMode="auto">
+          <a:xfrm>
+            <a:off x="4579717" y="552845"/>
+            <a:ext cx="1670612" cy="2059319"/>
+          </a:xfrm>
+          <a:prstGeom prst="rect">
+            <a:avLst/>
+          </a:prstGeom>
+          <a:noFill/>
+          <a:extLst>
+            <a:ext uri="{909E8E84-426E-40DD-AFC4-6F175D3DCCD1}">
+              <a14:hiddenFill xmlns:a14="http://schemas.microsoft.com/office/drawing/2010/main">
+                <a:solidFill>
+                  <a:srgbClr val="FFFFFF"/>
+                </a:solidFill>
+              </a14:hiddenFill>
+            </a:ext>
+          </a:extLst>
+        </p:spPr>
+      </p:pic>
+      <p:cxnSp>
+        <p:nvCxnSpPr>
+          <p:cNvPr id="11" name="직선 연결선 10">
+            <a:extLst>
+              <a:ext uri="{FF2B5EF4-FFF2-40B4-BE49-F238E27FC236}">
+                <a16:creationId xmlns:a16="http://schemas.microsoft.com/office/drawing/2014/main" id="{44BA1A41-15E5-4047-A3E4-8D80A82697DD}"/>
+              </a:ext>
+            </a:extLst>
+          </p:cNvPr>
+          <p:cNvCxnSpPr>
+            <a:cxnSpLocks/>
+            <a:endCxn id="10" idx="1"/>
+          </p:cNvCxnSpPr>
+          <p:nvPr/>
+        </p:nvCxnSpPr>
+        <p:spPr>
+          <a:xfrm flipV="1">
+            <a:off x="2928395" y="1582505"/>
+            <a:ext cx="1651322" cy="1507936"/>
+          </a:xfrm>
+          <a:prstGeom prst="line">
+            <a:avLst/>
+          </a:prstGeom>
+          <a:ln w="57150">
+            <a:solidFill>
+              <a:srgbClr val="3ED7C4"/>
+            </a:solidFill>
+            <a:headEnd type="none" w="med" len="med"/>
+            <a:tailEnd type="triangle" w="med" len="med"/>
+          </a:ln>
+        </p:spPr>
+        <p:style>
+          <a:lnRef idx="1">
+            <a:schemeClr val="accent1"/>
+          </a:lnRef>
+          <a:fillRef idx="0">
+            <a:schemeClr val="accent1"/>
+          </a:fillRef>
+          <a:effectRef idx="0">
+            <a:schemeClr val="accent1"/>
+          </a:effectRef>
+          <a:fontRef idx="minor">
+            <a:schemeClr val="tx1"/>
+          </a:fontRef>
+        </p:style>
+      </p:cxnSp>
+      <p:sp>
+        <p:nvSpPr>
+          <p:cNvPr id="20" name="직사각형 19">
+            <a:extLst>
+              <a:ext uri="{FF2B5EF4-FFF2-40B4-BE49-F238E27FC236}">
+                <a16:creationId xmlns:a16="http://schemas.microsoft.com/office/drawing/2014/main" id="{7A1252AC-02B9-4005-9A97-5F5435B5E72D}"/>
+              </a:ext>
+            </a:extLst>
+          </p:cNvPr>
+          <p:cNvSpPr/>
+          <p:nvPr/>
+        </p:nvSpPr>
+        <p:spPr>
+          <a:xfrm>
+            <a:off x="6558874" y="1717863"/>
+            <a:ext cx="1669789" cy="284802"/>
+          </a:xfrm>
+          <a:prstGeom prst="rect">
+            <a:avLst/>
+          </a:prstGeom>
+          <a:noFill/>
+          <a:ln>
+            <a:noFill/>
+          </a:ln>
+        </p:spPr>
+        <p:style>
+          <a:lnRef idx="2">
+            <a:schemeClr val="accent1">
+              <a:shade val="50000"/>
+            </a:schemeClr>
+          </a:lnRef>
+          <a:fillRef idx="1">
+            <a:schemeClr val="accent1"/>
+          </a:fillRef>
+          <a:effectRef idx="0">
+            <a:schemeClr val="accent1"/>
+          </a:effectRef>
+          <a:fontRef idx="minor">
+            <a:schemeClr val="lt1"/>
+          </a:fontRef>
+        </p:style>
+        <p:txBody>
+          <a:bodyPr rtlCol="0" anchor="ctr"/>
+          <a:lstStyle/>
+          <a:p>
+            <a:pPr algn="ctr"/>
+            <a:r>
+              <a:rPr kumimoji="1" lang="en-US" altLang="ko-KR" sz="2000" b="1" spc="-100" dirty="0">
+                <a:solidFill>
+                  <a:srgbClr val="3ED7C4"/>
+                </a:solidFill>
+                <a:latin typeface="NanumSquare ExtraBold" panose="020B0600000101010101" pitchFamily="34" charset="-127"/>
+                <a:ea typeface="NanumSquare ExtraBold" panose="020B0600000101010101" pitchFamily="34" charset="-127"/>
+              </a:rPr>
+              <a:t>(recognition)</a:t>
+            </a:r>
+            <a:endParaRPr kumimoji="1" lang="ko-KR" altLang="en-US" sz="2000" b="1" spc="-100" dirty="0">
+              <a:solidFill>
+                <a:srgbClr val="3ED7C4"/>
+              </a:solidFill>
+              <a:latin typeface="NanumSquare ExtraBold" panose="020B0600000101010101" pitchFamily="34" charset="-127"/>
+              <a:ea typeface="NanumSquare ExtraBold" panose="020B0600000101010101" pitchFamily="34" charset="-127"/>
+            </a:endParaRPr>
+          </a:p>
+        </p:txBody>
+      </p:sp>
+      <p:grpSp>
+        <p:nvGrpSpPr>
+          <p:cNvPr id="14" name="그룹 13">
+            <a:extLst>
+              <a:ext uri="{FF2B5EF4-FFF2-40B4-BE49-F238E27FC236}">
+                <a16:creationId xmlns:a16="http://schemas.microsoft.com/office/drawing/2014/main" id="{F590A685-70FA-46F5-90AA-8399DAED62DC}"/>
+              </a:ext>
+            </a:extLst>
+          </p:cNvPr>
+          <p:cNvGrpSpPr/>
+          <p:nvPr/>
+        </p:nvGrpSpPr>
+        <p:grpSpPr>
+          <a:xfrm>
+            <a:off x="7888166" y="2983664"/>
+            <a:ext cx="3096773" cy="1746412"/>
+            <a:chOff x="716538" y="2171217"/>
+            <a:chExt cx="3693263" cy="2107055"/>
+          </a:xfrm>
+        </p:grpSpPr>
+        <p:pic>
+          <p:nvPicPr>
+            <p:cNvPr id="15" name="그림 14">
+              <a:extLst>
+                <a:ext uri="{FF2B5EF4-FFF2-40B4-BE49-F238E27FC236}">
+                  <a16:creationId xmlns:a16="http://schemas.microsoft.com/office/drawing/2014/main" id="{B103FE70-507F-406E-88E1-D5DBDC6CDCB1}"/>
+                </a:ext>
+              </a:extLst>
+            </p:cNvPr>
+            <p:cNvPicPr>
+              <a:picLocks noChangeAspect="1"/>
+            </p:cNvPicPr>
+            <p:nvPr/>
+          </p:nvPicPr>
+          <p:blipFill>
+            <a:blip r:embed="rId4">
+              <a:extLst>
+                <a:ext uri="{28A0092B-C50C-407E-A947-70E740481C1C}">
+                  <a14:useLocalDpi xmlns:a14="http://schemas.microsoft.com/office/drawing/2010/main" val="0"/>
+                </a:ext>
+              </a:extLst>
+            </a:blip>
+            <a:stretch>
+              <a:fillRect/>
+            </a:stretch>
+          </p:blipFill>
+          <p:spPr>
+            <a:xfrm>
+              <a:off x="716538" y="2171217"/>
+              <a:ext cx="3693263" cy="2107055"/>
+            </a:xfrm>
+            <a:prstGeom prst="rect">
+              <a:avLst/>
+            </a:prstGeom>
+          </p:spPr>
+        </p:pic>
+        <p:pic>
+          <p:nvPicPr>
+            <p:cNvPr id="16" name="그림 15">
+              <a:extLst>
+                <a:ext uri="{FF2B5EF4-FFF2-40B4-BE49-F238E27FC236}">
+                  <a16:creationId xmlns:a16="http://schemas.microsoft.com/office/drawing/2014/main" id="{51107B49-B33A-4411-858F-AA41788C4907}"/>
+                </a:ext>
+              </a:extLst>
+            </p:cNvPr>
+            <p:cNvPicPr>
+              <a:picLocks noChangeAspect="1"/>
+            </p:cNvPicPr>
+            <p:nvPr/>
+          </p:nvPicPr>
+          <p:blipFill>
+            <a:blip r:embed="rId5">
+              <a:extLst>
+                <a:ext uri="{28A0092B-C50C-407E-A947-70E740481C1C}">
+                  <a14:useLocalDpi xmlns:a14="http://schemas.microsoft.com/office/drawing/2010/main" val="0"/>
+                </a:ext>
+              </a:extLst>
+            </a:blip>
+            <a:stretch>
+              <a:fillRect/>
+            </a:stretch>
+          </p:blipFill>
+          <p:spPr>
+            <a:xfrm rot="164354">
+              <a:off x="2205113" y="2203451"/>
+              <a:ext cx="1363666" cy="612863"/>
+            </a:xfrm>
+            <a:prstGeom prst="rect">
+              <a:avLst/>
+            </a:prstGeom>
+          </p:spPr>
+        </p:pic>
+      </p:grpSp>
+      <p:cxnSp>
+        <p:nvCxnSpPr>
+          <p:cNvPr id="17" name="직선 연결선 16">
+            <a:extLst>
+              <a:ext uri="{FF2B5EF4-FFF2-40B4-BE49-F238E27FC236}">
+                <a16:creationId xmlns:a16="http://schemas.microsoft.com/office/drawing/2014/main" id="{AAD1F058-7323-442D-944D-4125843B5A30}"/>
+              </a:ext>
+            </a:extLst>
+          </p:cNvPr>
+          <p:cNvCxnSpPr>
+            <a:cxnSpLocks/>
+            <a:stCxn id="10" idx="3"/>
+            <a:endCxn id="15" idx="1"/>
+          </p:cNvCxnSpPr>
+          <p:nvPr/>
+        </p:nvCxnSpPr>
+        <p:spPr>
+          <a:xfrm>
+            <a:off x="6250329" y="1582505"/>
+            <a:ext cx="1637837" cy="2274365"/>
+          </a:xfrm>
+          <a:prstGeom prst="line">
+            <a:avLst/>
+          </a:prstGeom>
+          <a:ln w="57150">
+            <a:solidFill>
+              <a:srgbClr val="3ED7C4"/>
+            </a:solidFill>
+            <a:headEnd type="none" w="med" len="med"/>
+            <a:tailEnd type="triangle" w="med" len="med"/>
+          </a:ln>
+        </p:spPr>
+        <p:style>
+          <a:lnRef idx="1">
+            <a:schemeClr val="accent1"/>
+          </a:lnRef>
+          <a:fillRef idx="0">
+            <a:schemeClr val="accent1"/>
+          </a:fillRef>
+          <a:effectRef idx="0">
+            <a:schemeClr val="accent1"/>
+          </a:effectRef>
+          <a:fontRef idx="minor">
+            <a:schemeClr val="tx1"/>
+          </a:fontRef>
+        </p:style>
+      </p:cxnSp>
+      <p:sp>
+        <p:nvSpPr>
+          <p:cNvPr id="21" name="직사각형 20">
+            <a:extLst>
+              <a:ext uri="{FF2B5EF4-FFF2-40B4-BE49-F238E27FC236}">
+                <a16:creationId xmlns:a16="http://schemas.microsoft.com/office/drawing/2014/main" id="{F18D15BB-53A1-41EB-B2B0-DE7FBA3B3BF4}"/>
+              </a:ext>
+            </a:extLst>
+          </p:cNvPr>
+          <p:cNvSpPr/>
+          <p:nvPr/>
+        </p:nvSpPr>
+        <p:spPr>
+          <a:xfrm>
+            <a:off x="6250329" y="3979615"/>
+            <a:ext cx="1669789" cy="284802"/>
+          </a:xfrm>
+          <a:prstGeom prst="rect">
+            <a:avLst/>
+          </a:prstGeom>
+          <a:noFill/>
+          <a:ln>
+            <a:noFill/>
+          </a:ln>
+        </p:spPr>
+        <p:style>
+          <a:lnRef idx="2">
+            <a:schemeClr val="accent1">
+              <a:shade val="50000"/>
+            </a:schemeClr>
+          </a:lnRef>
+          <a:fillRef idx="1">
+            <a:schemeClr val="accent1"/>
+          </a:fillRef>
+          <a:effectRef idx="0">
+            <a:schemeClr val="accent1"/>
+          </a:effectRef>
+          <a:fontRef idx="minor">
+            <a:schemeClr val="lt1"/>
+          </a:fontRef>
+        </p:style>
+        <p:txBody>
+          <a:bodyPr rtlCol="0" anchor="ctr"/>
+          <a:lstStyle/>
+          <a:p>
+            <a:pPr algn="ctr"/>
+            <a:r>
+              <a:rPr kumimoji="1" lang="en-US" altLang="ko-KR" sz="2000" b="1" spc="-100" dirty="0">
+                <a:solidFill>
+                  <a:srgbClr val="3ED7C4"/>
+                </a:solidFill>
+                <a:latin typeface="NanumSquare ExtraBold" panose="020B0600000101010101" pitchFamily="34" charset="-127"/>
+                <a:ea typeface="NanumSquare ExtraBold" panose="020B0600000101010101" pitchFamily="34" charset="-127"/>
+              </a:rPr>
+              <a:t>(control)</a:t>
+            </a:r>
+            <a:endParaRPr kumimoji="1" lang="ko-KR" altLang="en-US" sz="2000" b="1" spc="-100" dirty="0">
+              <a:solidFill>
+                <a:srgbClr val="3ED7C4"/>
+              </a:solidFill>
+              <a:latin typeface="NanumSquare ExtraBold" panose="020B0600000101010101" pitchFamily="34" charset="-127"/>
+              <a:ea typeface="NanumSquare ExtraBold" panose="020B0600000101010101" pitchFamily="34" charset="-127"/>
+            </a:endParaRPr>
+          </a:p>
+        </p:txBody>
+      </p:sp>
+      <p:sp>
+        <p:nvSpPr>
+          <p:cNvPr id="26" name="직사각형 25">
+            <a:extLst>
+              <a:ext uri="{FF2B5EF4-FFF2-40B4-BE49-F238E27FC236}">
+                <a16:creationId xmlns:a16="http://schemas.microsoft.com/office/drawing/2014/main" id="{C25BC380-B8BB-4EE1-9A51-06710079A739}"/>
+              </a:ext>
+            </a:extLst>
+          </p:cNvPr>
+          <p:cNvSpPr/>
+          <p:nvPr/>
+        </p:nvSpPr>
+        <p:spPr>
+          <a:xfrm>
+            <a:off x="2627338" y="1930478"/>
+            <a:ext cx="1238605" cy="306262"/>
+          </a:xfrm>
+          <a:prstGeom prst="rect">
+            <a:avLst/>
+          </a:prstGeom>
+          <a:noFill/>
+          <a:ln>
+            <a:noFill/>
+          </a:ln>
+        </p:spPr>
+        <p:style>
+          <a:lnRef idx="2">
+            <a:schemeClr val="accent1">
+              <a:shade val="50000"/>
+            </a:schemeClr>
+          </a:lnRef>
+          <a:fillRef idx="1">
+            <a:schemeClr val="accent1"/>
+          </a:fillRef>
+          <a:effectRef idx="0">
+            <a:schemeClr val="accent1"/>
+          </a:effectRef>
+          <a:fontRef idx="minor">
+            <a:schemeClr val="lt1"/>
+          </a:fontRef>
+        </p:style>
+        <p:txBody>
+          <a:bodyPr rtlCol="0" anchor="ctr"/>
+          <a:lstStyle/>
+          <a:p>
+            <a:pPr algn="ctr"/>
+            <a:r>
+              <a:rPr kumimoji="1" lang="en-US" altLang="ko-KR" sz="2000" b="1" spc="-100" dirty="0">
+                <a:solidFill>
+                  <a:srgbClr val="3ED7C4"/>
+                </a:solidFill>
+                <a:latin typeface="NanumSquare ExtraBold" panose="020B0600000101010101" pitchFamily="34" charset="-127"/>
+                <a:ea typeface="NanumSquare ExtraBold" panose="020B0600000101010101" pitchFamily="34" charset="-127"/>
+              </a:rPr>
+              <a:t>(sensing)</a:t>
+            </a:r>
+            <a:endParaRPr kumimoji="1" lang="ko-KR" altLang="en-US" sz="2000" b="1" spc="-100" dirty="0">
+              <a:solidFill>
+                <a:srgbClr val="3ED7C4"/>
+              </a:solidFill>
+              <a:latin typeface="NanumSquare ExtraBold" panose="020B0600000101010101" pitchFamily="34" charset="-127"/>
+              <a:ea typeface="NanumSquare ExtraBold" panose="020B0600000101010101" pitchFamily="34" charset="-127"/>
+            </a:endParaRPr>
+          </a:p>
+        </p:txBody>
+      </p:sp>
+    </p:spTree>
+    <p:extLst>
+      <p:ext uri="{BB962C8B-B14F-4D97-AF65-F5344CB8AC3E}">
+        <p14:creationId xmlns:p14="http://schemas.microsoft.com/office/powerpoint/2010/main" val="1936847414"/>
+      </p:ext>
+    </p:extLst>
+  </p:cSld>
+  <p:clrMapOvr>
+    <a:masterClrMapping/>
+  </p:clrMapOvr>
+  <mc:AlternateContent xmlns:mc="http://schemas.openxmlformats.org/markup-compatibility/2006">
+    <mc:Choice xmlns:p159="http://schemas.microsoft.com/office/powerpoint/2015/09/main" Requires="p159">
+      <p:transition xmlns:p14="http://schemas.microsoft.com/office/powerpoint/2010/main" spd="slow" p14:dur="2000">
+        <p159:morph option="byObject"/>
+      </p:transition>
+    </mc:Choice>
+    <mc:Fallback>
+      <p:transition spd="slow">
+        <p:fade/>
+      </p:transition>
+    </mc:Fallback>
+  </mc:AlternateContent>
+  <p:timing>
+    <p:tnLst>
+      <p:par>
+        <p:cTn id="1" dur="indefinite" restart="never" nodeType="tmRoot">
+          <p:childTnLst>
+            <p:seq concurrent="1" nextAc="seek">
+              <p:cTn id="2" dur="indefinite" nodeType="mainSeq">
+                <p:childTnLst>
+                  <p:par>
+                    <p:cTn id="3" fill="hold">
+                      <p:stCondLst>
+                        <p:cond delay="indefinite"/>
+                        <p:cond evt="onBegin" delay="0">
+                          <p:tn val="2"/>
+                        </p:cond>
+                      </p:stCondLst>
+                      <p:childTnLst>
+                        <p:par>
+                          <p:cTn id="4" fill="hold">
+                            <p:stCondLst>
+                              <p:cond delay="0"/>
+                            </p:stCondLst>
+                            <p:childTnLst>
+                              <p:par>
+                                <p:cTn id="5" presetID="22" presetClass="entr" presetSubtype="1" fill="hold" nodeType="withEffect">
+                                  <p:stCondLst>
+                                    <p:cond delay="0"/>
+                                  </p:stCondLst>
+                                  <p:childTnLst>
+                                    <p:set>
+                                      <p:cBhvr>
+                                        <p:cTn id="6" dur="1" fill="hold">
+                                          <p:stCondLst>
+                                            <p:cond delay="0"/>
+                                          </p:stCondLst>
+                                        </p:cTn>
+                                        <p:tgtEl>
+                                          <p:spTgt spid="17"/>
+                                        </p:tgtEl>
+                                        <p:attrNameLst>
+                                          <p:attrName>style.visibility</p:attrName>
+                                        </p:attrNameLst>
+                                      </p:cBhvr>
+                                      <p:to>
+                                        <p:strVal val="visible"/>
+                                      </p:to>
+                                    </p:set>
+                                    <p:animEffect transition="in" filter="wipe(up)">
+                                      <p:cBhvr>
+                                        <p:cTn id="7" dur="500"/>
+                                        <p:tgtEl>
+                                          <p:spTgt spid="17"/>
+                                        </p:tgtEl>
+                                      </p:cBhvr>
+                                    </p:animEffect>
+                                  </p:childTnLst>
+                                </p:cTn>
+                              </p:par>
+                            </p:childTnLst>
+                          </p:cTn>
+                        </p:par>
+                      </p:childTnLst>
+                    </p:cTn>
+                  </p:par>
+                </p:childTnLst>
+              </p:cTn>
+              <p:prevCondLst>
+                <p:cond evt="onPrev" delay="0">
+                  <p:tgtEl>
+                    <p:sldTgt/>
+                  </p:tgtEl>
+                </p:cond>
+              </p:prevCondLst>
+              <p:nextCondLst>
+                <p:cond evt="onNext" delay="0">
+                  <p:tgtEl>
+                    <p:sldTgt/>
+                  </p:tgtEl>
+                </p:cond>
+              </p:nextCondLst>
+            </p:seq>
+          </p:childTnLst>
+        </p:cTn>
+      </p:par>
+    </p:tnLst>
+  </p:timing>
+</p:sld>
+</file>
+
+<file path=ppt/slides/slide14.xml><?xml version="1.0" encoding="utf-8"?>
+<p:sld xmlns:a="http://schemas.openxmlformats.org/drawingml/2006/main" xmlns:r="http://schemas.openxmlformats.org/officeDocument/2006/relationships" xmlns:p="http://schemas.openxmlformats.org/presentationml/2006/main">
+  <p:cSld>
+    <p:spTree>
+      <p:nvGrpSpPr>
+        <p:cNvPr id="1" name=""/>
+        <p:cNvGrpSpPr/>
+        <p:nvPr/>
+      </p:nvGrpSpPr>
+      <p:grpSpPr>
+        <a:xfrm>
+          <a:off x="0" y="0"/>
+          <a:ext cx="0" cy="0"/>
+          <a:chOff x="0" y="0"/>
+          <a:chExt cx="0" cy="0"/>
+        </a:xfrm>
+      </p:grpSpPr>
+      <p:sp>
+        <p:nvSpPr>
+          <p:cNvPr id="4" name="직사각형 3">
+            <a:extLst>
+              <a:ext uri="{FF2B5EF4-FFF2-40B4-BE49-F238E27FC236}">
+                <a16:creationId xmlns:a16="http://schemas.microsoft.com/office/drawing/2014/main" id="{027812B0-4CDC-4E7E-B119-C1647F42E6C6}"/>
+              </a:ext>
+            </a:extLst>
+          </p:cNvPr>
+          <p:cNvSpPr/>
+          <p:nvPr/>
+        </p:nvSpPr>
+        <p:spPr>
+          <a:xfrm>
+            <a:off x="-2867" y="6036816"/>
+            <a:ext cx="12192000" cy="585926"/>
+          </a:xfrm>
+          <a:prstGeom prst="rect">
+            <a:avLst/>
+          </a:prstGeom>
+          <a:solidFill>
+            <a:srgbClr val="3ED7C4"/>
+          </a:solidFill>
+          <a:ln>
+            <a:noFill/>
+          </a:ln>
+        </p:spPr>
+        <p:style>
+          <a:lnRef idx="2">
+            <a:schemeClr val="accent1">
+              <a:shade val="50000"/>
+            </a:schemeClr>
+          </a:lnRef>
+          <a:fillRef idx="1">
+            <a:schemeClr val="accent1"/>
+          </a:fillRef>
+          <a:effectRef idx="0">
+            <a:schemeClr val="accent1"/>
+          </a:effectRef>
+          <a:fontRef idx="minor">
+            <a:schemeClr val="lt1"/>
+          </a:fontRef>
+        </p:style>
+        <p:txBody>
+          <a:bodyPr rtlCol="0" anchor="ctr"/>
+          <a:lstStyle/>
+          <a:p>
+            <a:pPr algn="ctr"/>
+            <a:endParaRPr kumimoji="1" lang="ko-KR" altLang="en-US" dirty="0"/>
+          </a:p>
+        </p:txBody>
+      </p:sp>
+      <p:sp>
+        <p:nvSpPr>
+          <p:cNvPr id="6" name="직사각형 5">
+            <a:extLst>
+              <a:ext uri="{FF2B5EF4-FFF2-40B4-BE49-F238E27FC236}">
+                <a16:creationId xmlns:a16="http://schemas.microsoft.com/office/drawing/2014/main" id="{9607AE92-47E0-4023-9729-7FCAC3FF8059}"/>
+              </a:ext>
+            </a:extLst>
+          </p:cNvPr>
+          <p:cNvSpPr/>
+          <p:nvPr/>
+        </p:nvSpPr>
+        <p:spPr>
+          <a:xfrm>
+            <a:off x="9436553" y="5974672"/>
+            <a:ext cx="2707689" cy="710213"/>
+          </a:xfrm>
+          <a:prstGeom prst="rect">
+            <a:avLst/>
+          </a:prstGeom>
+          <a:noFill/>
+          <a:ln>
+            <a:noFill/>
+          </a:ln>
+        </p:spPr>
+        <p:style>
+          <a:lnRef idx="2">
+            <a:schemeClr val="accent1">
+              <a:shade val="50000"/>
+            </a:schemeClr>
+          </a:lnRef>
+          <a:fillRef idx="1">
+            <a:schemeClr val="accent1"/>
+          </a:fillRef>
+          <a:effectRef idx="0">
+            <a:schemeClr val="accent1"/>
+          </a:effectRef>
+          <a:fontRef idx="minor">
+            <a:schemeClr val="lt1"/>
+          </a:fontRef>
+        </p:style>
+        <p:txBody>
+          <a:bodyPr rtlCol="0" anchor="ctr"/>
+          <a:lstStyle/>
+          <a:p>
+            <a:pPr algn="ctr"/>
+            <a:r>
+              <a:rPr kumimoji="1" lang="en-US" altLang="ko-KR" sz="3600" b="1" spc="-100" dirty="0">
+                <a:latin typeface="NanumSquare ExtraBold" panose="020B0600000101010101" pitchFamily="34" charset="-127"/>
+                <a:ea typeface="NanumSquare ExtraBold" panose="020B0600000101010101" pitchFamily="34" charset="-127"/>
+              </a:rPr>
+              <a:t>Upgrade</a:t>
+            </a:r>
+            <a:endParaRPr kumimoji="1" lang="ko-KR" altLang="en-US" sz="3600" b="1" spc="-100" dirty="0">
+              <a:latin typeface="NanumSquare ExtraBold" panose="020B0600000101010101" pitchFamily="34" charset="-127"/>
+              <a:ea typeface="NanumSquare ExtraBold" panose="020B0600000101010101" pitchFamily="34" charset="-127"/>
+            </a:endParaRPr>
+          </a:p>
+        </p:txBody>
+      </p:sp>
+      <p:sp>
+        <p:nvSpPr>
+          <p:cNvPr id="22" name="직사각형 21">
+            <a:extLst>
+              <a:ext uri="{FF2B5EF4-FFF2-40B4-BE49-F238E27FC236}">
+                <a16:creationId xmlns:a16="http://schemas.microsoft.com/office/drawing/2014/main" id="{A6D256B8-1C4F-4811-A0FB-CB2B94FED292}"/>
+              </a:ext>
+            </a:extLst>
+          </p:cNvPr>
+          <p:cNvSpPr/>
+          <p:nvPr/>
+        </p:nvSpPr>
+        <p:spPr>
+          <a:xfrm>
+            <a:off x="5820604" y="455373"/>
+            <a:ext cx="7999670" cy="710213"/>
+          </a:xfrm>
+          <a:prstGeom prst="rect">
+            <a:avLst/>
+          </a:prstGeom>
+          <a:noFill/>
+          <a:ln>
+            <a:noFill/>
+          </a:ln>
+        </p:spPr>
+        <p:style>
+          <a:lnRef idx="2">
+            <a:schemeClr val="accent1">
+              <a:shade val="50000"/>
+            </a:schemeClr>
+          </a:lnRef>
+          <a:fillRef idx="1">
+            <a:schemeClr val="accent1"/>
+          </a:fillRef>
+          <a:effectRef idx="0">
+            <a:schemeClr val="accent1"/>
+          </a:effectRef>
+          <a:fontRef idx="minor">
+            <a:schemeClr val="lt1"/>
+          </a:fontRef>
+        </p:style>
+        <p:txBody>
+          <a:bodyPr rtlCol="0" anchor="ctr"/>
+          <a:lstStyle/>
+          <a:p>
+            <a:pPr algn="ctr"/>
+            <a:r>
+              <a:rPr kumimoji="1" lang="en-US" altLang="ko-KR" sz="3600" b="1" spc="-100" dirty="0">
+                <a:solidFill>
+                  <a:srgbClr val="3ED7C4"/>
+                </a:solidFill>
+                <a:latin typeface="NanumSquare ExtraBold" panose="020B0600000101010101" pitchFamily="34" charset="-127"/>
+                <a:ea typeface="NanumSquare ExtraBold" panose="020B0600000101010101" pitchFamily="34" charset="-127"/>
+              </a:rPr>
+              <a:t>Autonomous Vehicles</a:t>
+            </a:r>
+            <a:endParaRPr kumimoji="1" lang="ko-KR" altLang="en-US" sz="3600" b="1" spc="-100" dirty="0">
+              <a:solidFill>
+                <a:srgbClr val="3ED7C4"/>
+              </a:solidFill>
+              <a:latin typeface="NanumSquare ExtraBold" panose="020B0600000101010101" pitchFamily="34" charset="-127"/>
+              <a:ea typeface="NanumSquare ExtraBold" panose="020B0600000101010101" pitchFamily="34" charset="-127"/>
+            </a:endParaRPr>
+          </a:p>
+        </p:txBody>
+      </p:sp>
+    </p:spTree>
+    <p:extLst>
+      <p:ext uri="{BB962C8B-B14F-4D97-AF65-F5344CB8AC3E}">
+        <p14:creationId xmlns:p14="http://schemas.microsoft.com/office/powerpoint/2010/main" val="1945888685"/>
+      </p:ext>
+    </p:extLst>
+  </p:cSld>
+  <p:clrMapOvr>
+    <a:masterClrMapping/>
+  </p:clrMapOvr>
+  <mc:AlternateContent xmlns:mc="http://schemas.openxmlformats.org/markup-compatibility/2006">
+    <mc:Choice xmlns:p159="http://schemas.microsoft.com/office/powerpoint/2015/09/main" Requires="p159">
+      <p:transition xmlns:p14="http://schemas.microsoft.com/office/powerpoint/2010/main" spd="slow" p14:dur="2000">
+        <p159:morph option="byObject"/>
+      </p:transition>
+    </mc:Choice>
+    <mc:Fallback>
+      <p:transition spd="slow">
+        <p:fade/>
+      </p:transition>
+    </mc:Fallback>
+  </mc:AlternateContent>
+</p:sld>
+</file>
+
+<file path=ppt/slides/slide15.xml><?xml version="1.0" encoding="utf-8"?>
+<p:sld xmlns:a="http://schemas.openxmlformats.org/drawingml/2006/main" xmlns:r="http://schemas.openxmlformats.org/officeDocument/2006/relationships" xmlns:p="http://schemas.openxmlformats.org/presentationml/2006/main">
+  <p:cSld>
+    <p:spTree>
+      <p:nvGrpSpPr>
+        <p:cNvPr id="1" name=""/>
+        <p:cNvGrpSpPr/>
+        <p:nvPr/>
+      </p:nvGrpSpPr>
+      <p:grpSpPr>
+        <a:xfrm>
+          <a:off x="0" y="0"/>
+          <a:ext cx="0" cy="0"/>
+          <a:chOff x="0" y="0"/>
+          <a:chExt cx="0" cy="0"/>
+        </a:xfrm>
+      </p:grpSpPr>
+      <p:sp>
+        <p:nvSpPr>
+          <p:cNvPr id="4" name="직사각형 3">
+            <a:extLst>
+              <a:ext uri="{FF2B5EF4-FFF2-40B4-BE49-F238E27FC236}">
+                <a16:creationId xmlns:a16="http://schemas.microsoft.com/office/drawing/2014/main" id="{027812B0-4CDC-4E7E-B119-C1647F42E6C6}"/>
+              </a:ext>
+            </a:extLst>
+          </p:cNvPr>
+          <p:cNvSpPr/>
+          <p:nvPr/>
+        </p:nvSpPr>
+        <p:spPr>
+          <a:xfrm>
+            <a:off x="-2867" y="6036816"/>
+            <a:ext cx="12192000" cy="585926"/>
+          </a:xfrm>
+          <a:prstGeom prst="rect">
+            <a:avLst/>
+          </a:prstGeom>
+          <a:solidFill>
+            <a:srgbClr val="3ED7C4"/>
+          </a:solidFill>
+          <a:ln>
+            <a:noFill/>
+          </a:ln>
+        </p:spPr>
+        <p:style>
+          <a:lnRef idx="2">
+            <a:schemeClr val="accent1">
+              <a:shade val="50000"/>
+            </a:schemeClr>
+          </a:lnRef>
+          <a:fillRef idx="1">
+            <a:schemeClr val="accent1"/>
+          </a:fillRef>
+          <a:effectRef idx="0">
+            <a:schemeClr val="accent1"/>
+          </a:effectRef>
+          <a:fontRef idx="minor">
+            <a:schemeClr val="lt1"/>
+          </a:fontRef>
+        </p:style>
+        <p:txBody>
+          <a:bodyPr rtlCol="0" anchor="ctr"/>
+          <a:lstStyle/>
+          <a:p>
+            <a:pPr algn="ctr"/>
+            <a:endParaRPr kumimoji="1" lang="ko-KR" altLang="en-US" dirty="0"/>
+          </a:p>
+        </p:txBody>
+      </p:sp>
+      <p:sp>
+        <p:nvSpPr>
+          <p:cNvPr id="6" name="직사각형 5">
+            <a:extLst>
+              <a:ext uri="{FF2B5EF4-FFF2-40B4-BE49-F238E27FC236}">
+                <a16:creationId xmlns:a16="http://schemas.microsoft.com/office/drawing/2014/main" id="{9607AE92-47E0-4023-9729-7FCAC3FF8059}"/>
+              </a:ext>
+            </a:extLst>
+          </p:cNvPr>
+          <p:cNvSpPr/>
+          <p:nvPr/>
+        </p:nvSpPr>
+        <p:spPr>
+          <a:xfrm>
+            <a:off x="9436553" y="5974672"/>
+            <a:ext cx="2707689" cy="710213"/>
+          </a:xfrm>
+          <a:prstGeom prst="rect">
+            <a:avLst/>
+          </a:prstGeom>
+          <a:noFill/>
+          <a:ln>
+            <a:noFill/>
+          </a:ln>
+        </p:spPr>
+        <p:style>
+          <a:lnRef idx="2">
+            <a:schemeClr val="accent1">
+              <a:shade val="50000"/>
+            </a:schemeClr>
+          </a:lnRef>
+          <a:fillRef idx="1">
+            <a:schemeClr val="accent1"/>
+          </a:fillRef>
+          <a:effectRef idx="0">
+            <a:schemeClr val="accent1"/>
+          </a:effectRef>
+          <a:fontRef idx="minor">
+            <a:schemeClr val="lt1"/>
+          </a:fontRef>
+        </p:style>
+        <p:txBody>
+          <a:bodyPr rtlCol="0" anchor="ctr"/>
+          <a:lstStyle/>
+          <a:p>
+            <a:pPr algn="ctr"/>
+            <a:r>
+              <a:rPr kumimoji="1" lang="en-US" altLang="ko-KR" sz="3600" b="1" spc="-100" dirty="0">
+                <a:latin typeface="NanumSquare ExtraBold" panose="020B0600000101010101" pitchFamily="34" charset="-127"/>
+                <a:ea typeface="NanumSquare ExtraBold" panose="020B0600000101010101" pitchFamily="34" charset="-127"/>
+              </a:rPr>
+              <a:t>Upgrade</a:t>
+            </a:r>
+            <a:endParaRPr kumimoji="1" lang="ko-KR" altLang="en-US" sz="3600" b="1" spc="-100" dirty="0">
+              <a:latin typeface="NanumSquare ExtraBold" panose="020B0600000101010101" pitchFamily="34" charset="-127"/>
+              <a:ea typeface="NanumSquare ExtraBold" panose="020B0600000101010101" pitchFamily="34" charset="-127"/>
+            </a:endParaRPr>
+          </a:p>
+        </p:txBody>
+      </p:sp>
+      <p:pic>
+        <p:nvPicPr>
+          <p:cNvPr id="19" name="그림 18">
+            <a:extLst>
+              <a:ext uri="{FF2B5EF4-FFF2-40B4-BE49-F238E27FC236}">
+                <a16:creationId xmlns:a16="http://schemas.microsoft.com/office/drawing/2014/main" id="{732A297A-407F-4463-AD21-DD584289E18D}"/>
+              </a:ext>
+            </a:extLst>
+          </p:cNvPr>
+          <p:cNvPicPr>
+            <a:picLocks noChangeAspect="1"/>
+          </p:cNvPicPr>
+          <p:nvPr/>
+        </p:nvPicPr>
+        <p:blipFill rotWithShape="1">
+          <a:blip r:embed="rId2">
+            <a:extLst>
+              <a:ext uri="{28A0092B-C50C-407E-A947-70E740481C1C}">
+                <a14:useLocalDpi xmlns:a14="http://schemas.microsoft.com/office/drawing/2010/main" val="0"/>
+              </a:ext>
+            </a:extLst>
+          </a:blip>
+          <a:srcRect b="51301"/>
+          <a:stretch/>
+        </p:blipFill>
+        <p:spPr>
+          <a:xfrm>
+            <a:off x="250885" y="1652722"/>
+            <a:ext cx="8193819" cy="3600000"/>
+          </a:xfrm>
+          <a:prstGeom prst="rect">
+            <a:avLst/>
+          </a:prstGeom>
+        </p:spPr>
+      </p:pic>
+      <p:sp>
+        <p:nvSpPr>
+          <p:cNvPr id="9" name="직사각형 8">
+            <a:extLst>
+              <a:ext uri="{FF2B5EF4-FFF2-40B4-BE49-F238E27FC236}">
+                <a16:creationId xmlns:a16="http://schemas.microsoft.com/office/drawing/2014/main" id="{405FF4A5-D37E-4C63-B717-297818921BD8}"/>
+              </a:ext>
+            </a:extLst>
+          </p:cNvPr>
+          <p:cNvSpPr/>
+          <p:nvPr/>
+        </p:nvSpPr>
+        <p:spPr>
+          <a:xfrm>
+            <a:off x="5820604" y="455373"/>
+            <a:ext cx="7999670" cy="710213"/>
+          </a:xfrm>
+          <a:prstGeom prst="rect">
+            <a:avLst/>
+          </a:prstGeom>
+          <a:noFill/>
+          <a:ln>
+            <a:noFill/>
+          </a:ln>
+        </p:spPr>
+        <p:style>
+          <a:lnRef idx="2">
+            <a:schemeClr val="accent1">
+              <a:shade val="50000"/>
+            </a:schemeClr>
+          </a:lnRef>
+          <a:fillRef idx="1">
+            <a:schemeClr val="accent1"/>
+          </a:fillRef>
+          <a:effectRef idx="0">
+            <a:schemeClr val="accent1"/>
+          </a:effectRef>
+          <a:fontRef idx="minor">
+            <a:schemeClr val="lt1"/>
+          </a:fontRef>
+        </p:style>
+        <p:txBody>
+          <a:bodyPr rtlCol="0" anchor="ctr"/>
+          <a:lstStyle/>
+          <a:p>
+            <a:pPr algn="ctr"/>
+            <a:r>
+              <a:rPr kumimoji="1" lang="en-US" altLang="ko-KR" sz="3600" b="1" spc="-100" dirty="0">
+                <a:solidFill>
+                  <a:srgbClr val="3ED7C4"/>
+                </a:solidFill>
+                <a:latin typeface="NanumSquare ExtraBold" panose="020B0600000101010101" pitchFamily="34" charset="-127"/>
+                <a:ea typeface="NanumSquare ExtraBold" panose="020B0600000101010101" pitchFamily="34" charset="-127"/>
+              </a:rPr>
+              <a:t>Autonomous Vehicles</a:t>
+            </a:r>
+            <a:endParaRPr kumimoji="1" lang="ko-KR" altLang="en-US" sz="3600" b="1" spc="-100" dirty="0">
+              <a:solidFill>
+                <a:srgbClr val="3ED7C4"/>
+              </a:solidFill>
+              <a:latin typeface="NanumSquare ExtraBold" panose="020B0600000101010101" pitchFamily="34" charset="-127"/>
+              <a:ea typeface="NanumSquare ExtraBold" panose="020B0600000101010101" pitchFamily="34" charset="-127"/>
+            </a:endParaRPr>
+          </a:p>
+        </p:txBody>
+      </p:sp>
+      <p:sp>
+        <p:nvSpPr>
+          <p:cNvPr id="10" name="직사각형 9">
+            <a:extLst>
+              <a:ext uri="{FF2B5EF4-FFF2-40B4-BE49-F238E27FC236}">
+                <a16:creationId xmlns:a16="http://schemas.microsoft.com/office/drawing/2014/main" id="{DC18E354-5F20-4C74-9F20-8ACE58F31856}"/>
+              </a:ext>
+            </a:extLst>
+          </p:cNvPr>
+          <p:cNvSpPr/>
+          <p:nvPr/>
+        </p:nvSpPr>
+        <p:spPr>
+          <a:xfrm>
+            <a:off x="4184310" y="471415"/>
+            <a:ext cx="3403606" cy="710213"/>
+          </a:xfrm>
+          <a:prstGeom prst="rect">
+            <a:avLst/>
+          </a:prstGeom>
+          <a:noFill/>
+          <a:ln>
+            <a:noFill/>
+          </a:ln>
+        </p:spPr>
+        <p:style>
+          <a:lnRef idx="2">
+            <a:schemeClr val="accent1">
+              <a:shade val="50000"/>
+            </a:schemeClr>
+          </a:lnRef>
+          <a:fillRef idx="1">
+            <a:schemeClr val="accent1"/>
+          </a:fillRef>
+          <a:effectRef idx="0">
+            <a:schemeClr val="accent1"/>
+          </a:effectRef>
+          <a:fontRef idx="minor">
+            <a:schemeClr val="lt1"/>
+          </a:fontRef>
+        </p:style>
+        <p:txBody>
+          <a:bodyPr rtlCol="0" anchor="ctr"/>
+          <a:lstStyle/>
+          <a:p>
+            <a:pPr algn="ctr"/>
+            <a:r>
+              <a:rPr kumimoji="1" lang="en-US" altLang="ko-KR" sz="3600" b="1" spc="-100" dirty="0">
+                <a:solidFill>
+                  <a:srgbClr val="3ED7C4"/>
+                </a:solidFill>
+                <a:latin typeface="NanumSquare ExtraBold" panose="020B0600000101010101" pitchFamily="34" charset="-127"/>
+                <a:ea typeface="NanumSquare ExtraBold" panose="020B0600000101010101" pitchFamily="34" charset="-127"/>
+              </a:rPr>
+              <a:t>The 6 Levels of</a:t>
+            </a:r>
+            <a:endParaRPr kumimoji="1" lang="ko-KR" altLang="en-US" sz="3600" b="1" spc="-100" dirty="0">
+              <a:solidFill>
+                <a:srgbClr val="3ED7C4"/>
+              </a:solidFill>
+              <a:latin typeface="NanumSquare ExtraBold" panose="020B0600000101010101" pitchFamily="34" charset="-127"/>
+              <a:ea typeface="NanumSquare ExtraBold" panose="020B0600000101010101" pitchFamily="34" charset="-127"/>
+            </a:endParaRPr>
+          </a:p>
+        </p:txBody>
+      </p:sp>
+    </p:spTree>
+    <p:extLst>
+      <p:ext uri="{BB962C8B-B14F-4D97-AF65-F5344CB8AC3E}">
+        <p14:creationId xmlns:p14="http://schemas.microsoft.com/office/powerpoint/2010/main" val="4092243903"/>
+      </p:ext>
+    </p:extLst>
+  </p:cSld>
+  <p:clrMapOvr>
+    <a:masterClrMapping/>
+  </p:clrMapOvr>
+  <mc:AlternateContent xmlns:mc="http://schemas.openxmlformats.org/markup-compatibility/2006">
+    <mc:Choice xmlns:p159="http://schemas.microsoft.com/office/powerpoint/2015/09/main" Requires="p159">
+      <p:transition xmlns:p14="http://schemas.microsoft.com/office/powerpoint/2010/main" spd="slow" p14:dur="2000">
+        <p159:morph option="byObject"/>
+      </p:transition>
+    </mc:Choice>
+    <mc:Fallback>
+      <p:transition spd="slow">
+        <p:fade/>
+      </p:transition>
+    </mc:Fallback>
+  </mc:AlternateContent>
+</p:sld>
+</file>
+
+<file path=ppt/slides/slide16.xml><?xml version="1.0" encoding="utf-8"?>
+<p:sld xmlns:a="http://schemas.openxmlformats.org/drawingml/2006/main" xmlns:r="http://schemas.openxmlformats.org/officeDocument/2006/relationships" xmlns:p="http://schemas.openxmlformats.org/presentationml/2006/main">
+  <p:cSld>
+    <p:spTree>
+      <p:nvGrpSpPr>
+        <p:cNvPr id="1" name=""/>
+        <p:cNvGrpSpPr/>
+        <p:nvPr/>
+      </p:nvGrpSpPr>
+      <p:grpSpPr>
+        <a:xfrm>
+          <a:off x="0" y="0"/>
+          <a:ext cx="0" cy="0"/>
+          <a:chOff x="0" y="0"/>
+          <a:chExt cx="0" cy="0"/>
+        </a:xfrm>
+      </p:grpSpPr>
+      <p:sp>
+        <p:nvSpPr>
+          <p:cNvPr id="4" name="직사각형 3">
+            <a:extLst>
+              <a:ext uri="{FF2B5EF4-FFF2-40B4-BE49-F238E27FC236}">
+                <a16:creationId xmlns:a16="http://schemas.microsoft.com/office/drawing/2014/main" id="{027812B0-4CDC-4E7E-B119-C1647F42E6C6}"/>
+              </a:ext>
+            </a:extLst>
+          </p:cNvPr>
+          <p:cNvSpPr/>
+          <p:nvPr/>
+        </p:nvSpPr>
+        <p:spPr>
+          <a:xfrm>
+            <a:off x="-2867" y="6036816"/>
+            <a:ext cx="12192000" cy="585926"/>
+          </a:xfrm>
+          <a:prstGeom prst="rect">
+            <a:avLst/>
+          </a:prstGeom>
+          <a:solidFill>
+            <a:srgbClr val="3ED7C4"/>
+          </a:solidFill>
+          <a:ln>
+            <a:noFill/>
+          </a:ln>
+        </p:spPr>
+        <p:style>
+          <a:lnRef idx="2">
+            <a:schemeClr val="accent1">
+              <a:shade val="50000"/>
+            </a:schemeClr>
+          </a:lnRef>
+          <a:fillRef idx="1">
+            <a:schemeClr val="accent1"/>
+          </a:fillRef>
+          <a:effectRef idx="0">
+            <a:schemeClr val="accent1"/>
+          </a:effectRef>
+          <a:fontRef idx="minor">
+            <a:schemeClr val="lt1"/>
+          </a:fontRef>
+        </p:style>
+        <p:txBody>
+          <a:bodyPr rtlCol="0" anchor="ctr"/>
+          <a:lstStyle/>
+          <a:p>
+            <a:pPr algn="ctr"/>
+            <a:endParaRPr kumimoji="1" lang="ko-KR" altLang="en-US" dirty="0"/>
+          </a:p>
+        </p:txBody>
+      </p:sp>
+      <p:sp>
+        <p:nvSpPr>
+          <p:cNvPr id="6" name="직사각형 5">
+            <a:extLst>
+              <a:ext uri="{FF2B5EF4-FFF2-40B4-BE49-F238E27FC236}">
+                <a16:creationId xmlns:a16="http://schemas.microsoft.com/office/drawing/2014/main" id="{9607AE92-47E0-4023-9729-7FCAC3FF8059}"/>
+              </a:ext>
+            </a:extLst>
+          </p:cNvPr>
+          <p:cNvSpPr/>
+          <p:nvPr/>
+        </p:nvSpPr>
+        <p:spPr>
+          <a:xfrm>
+            <a:off x="9436553" y="5974672"/>
+            <a:ext cx="2707689" cy="710213"/>
+          </a:xfrm>
+          <a:prstGeom prst="rect">
+            <a:avLst/>
+          </a:prstGeom>
+          <a:noFill/>
+          <a:ln>
+            <a:noFill/>
+          </a:ln>
+        </p:spPr>
+        <p:style>
+          <a:lnRef idx="2">
+            <a:schemeClr val="accent1">
+              <a:shade val="50000"/>
+            </a:schemeClr>
+          </a:lnRef>
+          <a:fillRef idx="1">
+            <a:schemeClr val="accent1"/>
+          </a:fillRef>
+          <a:effectRef idx="0">
+            <a:schemeClr val="accent1"/>
+          </a:effectRef>
+          <a:fontRef idx="minor">
+            <a:schemeClr val="lt1"/>
+          </a:fontRef>
+        </p:style>
+        <p:txBody>
+          <a:bodyPr rtlCol="0" anchor="ctr"/>
+          <a:lstStyle/>
+          <a:p>
+            <a:pPr algn="ctr"/>
+            <a:r>
+              <a:rPr kumimoji="1" lang="en-US" altLang="ko-KR" sz="3600" b="1" spc="-100" dirty="0">
+                <a:latin typeface="NanumSquare ExtraBold" panose="020B0600000101010101" pitchFamily="34" charset="-127"/>
+                <a:ea typeface="NanumSquare ExtraBold" panose="020B0600000101010101" pitchFamily="34" charset="-127"/>
+              </a:rPr>
+              <a:t>Upgrade</a:t>
+            </a:r>
+            <a:endParaRPr kumimoji="1" lang="ko-KR" altLang="en-US" sz="3600" b="1" spc="-100" dirty="0">
+              <a:latin typeface="NanumSquare ExtraBold" panose="020B0600000101010101" pitchFamily="34" charset="-127"/>
+              <a:ea typeface="NanumSquare ExtraBold" panose="020B0600000101010101" pitchFamily="34" charset="-127"/>
+            </a:endParaRPr>
+          </a:p>
+        </p:txBody>
+      </p:sp>
+      <p:pic>
+        <p:nvPicPr>
+          <p:cNvPr id="9" name="그림 8">
+            <a:extLst>
+              <a:ext uri="{FF2B5EF4-FFF2-40B4-BE49-F238E27FC236}">
+                <a16:creationId xmlns:a16="http://schemas.microsoft.com/office/drawing/2014/main" id="{AAA1F514-9815-4AE4-9FDE-D66C3DA3C8FE}"/>
+              </a:ext>
+            </a:extLst>
+          </p:cNvPr>
+          <p:cNvPicPr>
+            <a:picLocks noChangeAspect="1"/>
+          </p:cNvPicPr>
+          <p:nvPr/>
+        </p:nvPicPr>
+        <p:blipFill rotWithShape="1">
+          <a:blip r:embed="rId2">
+            <a:extLst>
+              <a:ext uri="{28A0092B-C50C-407E-A947-70E740481C1C}">
+                <a14:useLocalDpi xmlns:a14="http://schemas.microsoft.com/office/drawing/2010/main" val="0"/>
+              </a:ext>
+            </a:extLst>
+          </a:blip>
+          <a:srcRect t="51045"/>
+          <a:stretch/>
+        </p:blipFill>
+        <p:spPr>
+          <a:xfrm>
+            <a:off x="250884" y="1628319"/>
+            <a:ext cx="8193819" cy="3618923"/>
+          </a:xfrm>
+          <a:prstGeom prst="rect">
+            <a:avLst/>
+          </a:prstGeom>
+        </p:spPr>
+      </p:pic>
+      <p:sp>
+        <p:nvSpPr>
+          <p:cNvPr id="10" name="직사각형 9">
+            <a:extLst>
+              <a:ext uri="{FF2B5EF4-FFF2-40B4-BE49-F238E27FC236}">
+                <a16:creationId xmlns:a16="http://schemas.microsoft.com/office/drawing/2014/main" id="{1B9CFF3F-BDB2-4940-9C24-A7DF3EB775D0}"/>
+              </a:ext>
+            </a:extLst>
+          </p:cNvPr>
+          <p:cNvSpPr/>
+          <p:nvPr/>
+        </p:nvSpPr>
+        <p:spPr>
+          <a:xfrm>
+            <a:off x="5820604" y="455373"/>
+            <a:ext cx="7999670" cy="710213"/>
+          </a:xfrm>
+          <a:prstGeom prst="rect">
+            <a:avLst/>
+          </a:prstGeom>
+          <a:noFill/>
+          <a:ln>
+            <a:noFill/>
+          </a:ln>
+        </p:spPr>
+        <p:style>
+          <a:lnRef idx="2">
+            <a:schemeClr val="accent1">
+              <a:shade val="50000"/>
+            </a:schemeClr>
+          </a:lnRef>
+          <a:fillRef idx="1">
+            <a:schemeClr val="accent1"/>
+          </a:fillRef>
+          <a:effectRef idx="0">
+            <a:schemeClr val="accent1"/>
+          </a:effectRef>
+          <a:fontRef idx="minor">
+            <a:schemeClr val="lt1"/>
+          </a:fontRef>
+        </p:style>
+        <p:txBody>
+          <a:bodyPr rtlCol="0" anchor="ctr"/>
+          <a:lstStyle/>
+          <a:p>
+            <a:pPr algn="ctr"/>
+            <a:r>
+              <a:rPr kumimoji="1" lang="en-US" altLang="ko-KR" sz="3600" b="1" spc="-100" dirty="0">
+                <a:solidFill>
+                  <a:srgbClr val="3ED7C4"/>
+                </a:solidFill>
+                <a:latin typeface="NanumSquare ExtraBold" panose="020B0600000101010101" pitchFamily="34" charset="-127"/>
+                <a:ea typeface="NanumSquare ExtraBold" panose="020B0600000101010101" pitchFamily="34" charset="-127"/>
+              </a:rPr>
+              <a:t>Autonomous Vehicles</a:t>
+            </a:r>
+            <a:endParaRPr kumimoji="1" lang="ko-KR" altLang="en-US" sz="3600" b="1" spc="-100" dirty="0">
+              <a:solidFill>
+                <a:srgbClr val="3ED7C4"/>
+              </a:solidFill>
+              <a:latin typeface="NanumSquare ExtraBold" panose="020B0600000101010101" pitchFamily="34" charset="-127"/>
+              <a:ea typeface="NanumSquare ExtraBold" panose="020B0600000101010101" pitchFamily="34" charset="-127"/>
+            </a:endParaRPr>
+          </a:p>
+        </p:txBody>
+      </p:sp>
+      <p:sp>
+        <p:nvSpPr>
+          <p:cNvPr id="11" name="직사각형 10">
+            <a:extLst>
+              <a:ext uri="{FF2B5EF4-FFF2-40B4-BE49-F238E27FC236}">
+                <a16:creationId xmlns:a16="http://schemas.microsoft.com/office/drawing/2014/main" id="{86D6FB3B-4567-4E21-841A-F25E3C89904D}"/>
+              </a:ext>
+            </a:extLst>
+          </p:cNvPr>
+          <p:cNvSpPr/>
+          <p:nvPr/>
+        </p:nvSpPr>
+        <p:spPr>
+          <a:xfrm>
+            <a:off x="4184310" y="471415"/>
+            <a:ext cx="3403606" cy="710213"/>
+          </a:xfrm>
+          <a:prstGeom prst="rect">
+            <a:avLst/>
+          </a:prstGeom>
+          <a:noFill/>
+          <a:ln>
+            <a:noFill/>
+          </a:ln>
+        </p:spPr>
+        <p:style>
+          <a:lnRef idx="2">
+            <a:schemeClr val="accent1">
+              <a:shade val="50000"/>
+            </a:schemeClr>
+          </a:lnRef>
+          <a:fillRef idx="1">
+            <a:schemeClr val="accent1"/>
+          </a:fillRef>
+          <a:effectRef idx="0">
+            <a:schemeClr val="accent1"/>
+          </a:effectRef>
+          <a:fontRef idx="minor">
+            <a:schemeClr val="lt1"/>
+          </a:fontRef>
+        </p:style>
+        <p:txBody>
+          <a:bodyPr rtlCol="0" anchor="ctr"/>
+          <a:lstStyle/>
+          <a:p>
+            <a:pPr algn="ctr"/>
+            <a:r>
+              <a:rPr kumimoji="1" lang="en-US" altLang="ko-KR" sz="3600" b="1" spc="-100" dirty="0">
+                <a:solidFill>
+                  <a:srgbClr val="3ED7C4"/>
+                </a:solidFill>
+                <a:latin typeface="NanumSquare ExtraBold" panose="020B0600000101010101" pitchFamily="34" charset="-127"/>
+                <a:ea typeface="NanumSquare ExtraBold" panose="020B0600000101010101" pitchFamily="34" charset="-127"/>
+              </a:rPr>
+              <a:t>The 6 Levels of</a:t>
+            </a:r>
+            <a:endParaRPr kumimoji="1" lang="ko-KR" altLang="en-US" sz="3600" b="1" spc="-100" dirty="0">
+              <a:solidFill>
+                <a:srgbClr val="3ED7C4"/>
+              </a:solidFill>
+              <a:latin typeface="NanumSquare ExtraBold" panose="020B0600000101010101" pitchFamily="34" charset="-127"/>
+              <a:ea typeface="NanumSquare ExtraBold" panose="020B0600000101010101" pitchFamily="34" charset="-127"/>
+            </a:endParaRPr>
+          </a:p>
+        </p:txBody>
+      </p:sp>
+    </p:spTree>
+    <p:extLst>
+      <p:ext uri="{BB962C8B-B14F-4D97-AF65-F5344CB8AC3E}">
+        <p14:creationId xmlns:p14="http://schemas.microsoft.com/office/powerpoint/2010/main" val="3625012749"/>
+      </p:ext>
+    </p:extLst>
+  </p:cSld>
+  <p:clrMapOvr>
+    <a:masterClrMapping/>
+  </p:clrMapOvr>
+  <mc:AlternateContent xmlns:mc="http://schemas.openxmlformats.org/markup-compatibility/2006">
+    <mc:Choice xmlns:p159="http://schemas.microsoft.com/office/powerpoint/2015/09/main" Requires="p159">
+      <p:transition xmlns:p14="http://schemas.microsoft.com/office/powerpoint/2010/main" spd="slow" p14:dur="2000">
+        <p159:morph option="byObject"/>
+      </p:transition>
+    </mc:Choice>
+    <mc:Fallback>
+      <p:transition spd="slow">
+        <p:fade/>
+      </p:transition>
+    </mc:Fallback>
+  </mc:AlternateContent>
+</p:sld>
+</file>
+
+<file path=ppt/slides/slide17.xml><?xml version="1.0" encoding="utf-8"?>
+<p:sld xmlns:a="http://schemas.openxmlformats.org/drawingml/2006/main" xmlns:r="http://schemas.openxmlformats.org/officeDocument/2006/relationships" xmlns:p="http://schemas.openxmlformats.org/presentationml/2006/main">
+  <p:cSld>
+    <p:spTree>
+      <p:nvGrpSpPr>
+        <p:cNvPr id="1" name=""/>
+        <p:cNvGrpSpPr/>
+        <p:nvPr/>
+      </p:nvGrpSpPr>
+      <p:grpSpPr>
+        <a:xfrm>
+          <a:off x="0" y="0"/>
+          <a:ext cx="0" cy="0"/>
+          <a:chOff x="0" y="0"/>
+          <a:chExt cx="0" cy="0"/>
+        </a:xfrm>
+      </p:grpSpPr>
+      <p:sp>
+        <p:nvSpPr>
+          <p:cNvPr id="4" name="직사각형 3">
+            <a:extLst>
+              <a:ext uri="{FF2B5EF4-FFF2-40B4-BE49-F238E27FC236}">
+                <a16:creationId xmlns:a16="http://schemas.microsoft.com/office/drawing/2014/main" id="{027812B0-4CDC-4E7E-B119-C1647F42E6C6}"/>
+              </a:ext>
+            </a:extLst>
+          </p:cNvPr>
+          <p:cNvSpPr/>
+          <p:nvPr/>
+        </p:nvSpPr>
+        <p:spPr>
+          <a:xfrm>
+            <a:off x="-2867" y="6036816"/>
+            <a:ext cx="12192000" cy="585926"/>
+          </a:xfrm>
+          <a:prstGeom prst="rect">
+            <a:avLst/>
+          </a:prstGeom>
+          <a:solidFill>
+            <a:srgbClr val="3ED7C4"/>
+          </a:solidFill>
+          <a:ln>
+            <a:noFill/>
+          </a:ln>
+        </p:spPr>
+        <p:style>
+          <a:lnRef idx="2">
+            <a:schemeClr val="accent1">
+              <a:shade val="50000"/>
+            </a:schemeClr>
+          </a:lnRef>
+          <a:fillRef idx="1">
+            <a:schemeClr val="accent1"/>
+          </a:fillRef>
+          <a:effectRef idx="0">
+            <a:schemeClr val="accent1"/>
+          </a:effectRef>
+          <a:fontRef idx="minor">
+            <a:schemeClr val="lt1"/>
+          </a:fontRef>
+        </p:style>
+        <p:txBody>
+          <a:bodyPr rtlCol="0" anchor="ctr"/>
+          <a:lstStyle/>
+          <a:p>
+            <a:pPr algn="ctr"/>
+            <a:endParaRPr kumimoji="1" lang="ko-KR" altLang="en-US" dirty="0"/>
+          </a:p>
+        </p:txBody>
+      </p:sp>
+      <p:sp>
+        <p:nvSpPr>
+          <p:cNvPr id="6" name="직사각형 5">
+            <a:extLst>
+              <a:ext uri="{FF2B5EF4-FFF2-40B4-BE49-F238E27FC236}">
+                <a16:creationId xmlns:a16="http://schemas.microsoft.com/office/drawing/2014/main" id="{9607AE92-47E0-4023-9729-7FCAC3FF8059}"/>
+              </a:ext>
+            </a:extLst>
+          </p:cNvPr>
+          <p:cNvSpPr/>
+          <p:nvPr/>
+        </p:nvSpPr>
+        <p:spPr>
+          <a:xfrm>
+            <a:off x="9436553" y="5974672"/>
+            <a:ext cx="2707689" cy="710213"/>
+          </a:xfrm>
+          <a:prstGeom prst="rect">
+            <a:avLst/>
+          </a:prstGeom>
+          <a:noFill/>
+          <a:ln>
+            <a:noFill/>
+          </a:ln>
+        </p:spPr>
+        <p:style>
+          <a:lnRef idx="2">
+            <a:schemeClr val="accent1">
+              <a:shade val="50000"/>
+            </a:schemeClr>
+          </a:lnRef>
+          <a:fillRef idx="1">
+            <a:schemeClr val="accent1"/>
+          </a:fillRef>
+          <a:effectRef idx="0">
+            <a:schemeClr val="accent1"/>
+          </a:effectRef>
+          <a:fontRef idx="minor">
+            <a:schemeClr val="lt1"/>
+          </a:fontRef>
+        </p:style>
+        <p:txBody>
+          <a:bodyPr rtlCol="0" anchor="ctr"/>
+          <a:lstStyle/>
+          <a:p>
+            <a:pPr algn="ctr"/>
+            <a:r>
+              <a:rPr kumimoji="1" lang="en-US" altLang="ko-KR" sz="3600" b="1" spc="-100" dirty="0">
+                <a:latin typeface="NanumSquare ExtraBold" panose="020B0600000101010101" pitchFamily="34" charset="-127"/>
+                <a:ea typeface="NanumSquare ExtraBold" panose="020B0600000101010101" pitchFamily="34" charset="-127"/>
+              </a:rPr>
+              <a:t>Upgrade</a:t>
+            </a:r>
+            <a:endParaRPr kumimoji="1" lang="ko-KR" altLang="en-US" sz="3600" b="1" spc="-100" dirty="0">
+              <a:latin typeface="NanumSquare ExtraBold" panose="020B0600000101010101" pitchFamily="34" charset="-127"/>
+              <a:ea typeface="NanumSquare ExtraBold" panose="020B0600000101010101" pitchFamily="34" charset="-127"/>
+            </a:endParaRPr>
+          </a:p>
+        </p:txBody>
+      </p:sp>
+      <p:pic>
+        <p:nvPicPr>
+          <p:cNvPr id="7" name="그림 6">
+            <a:extLst>
+              <a:ext uri="{FF2B5EF4-FFF2-40B4-BE49-F238E27FC236}">
+                <a16:creationId xmlns:a16="http://schemas.microsoft.com/office/drawing/2014/main" id="{CB8B92ED-491E-4AC4-81CC-43F58C4C5E08}"/>
+              </a:ext>
+            </a:extLst>
+          </p:cNvPr>
+          <p:cNvPicPr>
+            <a:picLocks noChangeAspect="1"/>
+          </p:cNvPicPr>
+          <p:nvPr/>
+        </p:nvPicPr>
+        <p:blipFill rotWithShape="1">
+          <a:blip r:embed="rId2">
+            <a:extLst>
+              <a:ext uri="{28A0092B-C50C-407E-A947-70E740481C1C}">
+                <a14:useLocalDpi xmlns:a14="http://schemas.microsoft.com/office/drawing/2010/main" val="0"/>
+              </a:ext>
+            </a:extLst>
+          </a:blip>
+          <a:srcRect t="23374" b="24556"/>
+          <a:stretch/>
+        </p:blipFill>
+        <p:spPr>
+          <a:xfrm>
+            <a:off x="4646929" y="2052232"/>
+            <a:ext cx="2892407" cy="1506065"/>
+          </a:xfrm>
+          <a:prstGeom prst="rect">
+            <a:avLst/>
+          </a:prstGeom>
+        </p:spPr>
+      </p:pic>
+      <p:pic>
+        <p:nvPicPr>
+          <p:cNvPr id="8" name="그림 7">
+            <a:extLst>
+              <a:ext uri="{FF2B5EF4-FFF2-40B4-BE49-F238E27FC236}">
+                <a16:creationId xmlns:a16="http://schemas.microsoft.com/office/drawing/2014/main" id="{77D68002-3D9F-48AF-AE1F-C2B73AC0ED34}"/>
+              </a:ext>
+            </a:extLst>
+          </p:cNvPr>
+          <p:cNvPicPr>
+            <a:picLocks noChangeAspect="1"/>
+          </p:cNvPicPr>
+          <p:nvPr/>
+        </p:nvPicPr>
+        <p:blipFill>
+          <a:blip r:embed="rId3">
+            <a:extLst>
+              <a:ext uri="{28A0092B-C50C-407E-A947-70E740481C1C}">
+                <a14:useLocalDpi xmlns:a14="http://schemas.microsoft.com/office/drawing/2010/main" val="0"/>
+              </a:ext>
+            </a:extLst>
+          </a:blip>
+          <a:stretch>
+            <a:fillRect/>
+          </a:stretch>
+        </p:blipFill>
+        <p:spPr>
+          <a:xfrm>
+            <a:off x="9436553" y="2181530"/>
+            <a:ext cx="1247470" cy="1247470"/>
+          </a:xfrm>
+          <a:prstGeom prst="rect">
+            <a:avLst/>
+          </a:prstGeom>
+        </p:spPr>
+      </p:pic>
+      <p:pic>
+        <p:nvPicPr>
+          <p:cNvPr id="10" name="그림 9">
+            <a:extLst>
+              <a:ext uri="{FF2B5EF4-FFF2-40B4-BE49-F238E27FC236}">
+                <a16:creationId xmlns:a16="http://schemas.microsoft.com/office/drawing/2014/main" id="{E2CE37D8-8894-46CC-882E-10137F2F0CF5}"/>
+              </a:ext>
+            </a:extLst>
+          </p:cNvPr>
+          <p:cNvPicPr>
+            <a:picLocks noChangeAspect="1"/>
+          </p:cNvPicPr>
+          <p:nvPr/>
+        </p:nvPicPr>
+        <p:blipFill>
+          <a:blip r:embed="rId4">
+            <a:extLst>
+              <a:ext uri="{28A0092B-C50C-407E-A947-70E740481C1C}">
+                <a14:useLocalDpi xmlns:a14="http://schemas.microsoft.com/office/drawing/2010/main" val="0"/>
+              </a:ext>
+            </a:extLst>
+          </a:blip>
+          <a:stretch>
+            <a:fillRect/>
+          </a:stretch>
+        </p:blipFill>
+        <p:spPr>
+          <a:xfrm>
+            <a:off x="1507977" y="2052232"/>
+            <a:ext cx="1647520" cy="1647520"/>
+          </a:xfrm>
+          <a:prstGeom prst="rect">
+            <a:avLst/>
+          </a:prstGeom>
+        </p:spPr>
+      </p:pic>
+    </p:spTree>
+    <p:extLst>
+      <p:ext uri="{BB962C8B-B14F-4D97-AF65-F5344CB8AC3E}">
+        <p14:creationId xmlns:p14="http://schemas.microsoft.com/office/powerpoint/2010/main" val="209148390"/>
+      </p:ext>
+    </p:extLst>
+  </p:cSld>
+  <p:clrMapOvr>
+    <a:masterClrMapping/>
+  </p:clrMapOvr>
+  <mc:AlternateContent xmlns:mc="http://schemas.openxmlformats.org/markup-compatibility/2006">
+    <mc:Choice xmlns:p159="http://schemas.microsoft.com/office/powerpoint/2015/09/main" Requires="p159">
+      <p:transition xmlns:p14="http://schemas.microsoft.com/office/powerpoint/2010/main" spd="slow" p14:dur="2000">
+        <p159:morph option="byObject"/>
+      </p:transition>
+    </mc:Choice>
+    <mc:Fallback>
+      <p:transition spd="slow">
+        <p:fade/>
+      </p:transition>
+    </mc:Fallback>
+  </mc:AlternateContent>
+</p:sld>
+</file>
+
+<file path=ppt/slides/slide18.xml><?xml version="1.0" encoding="utf-8"?>
+<p:sld xmlns:a="http://schemas.openxmlformats.org/drawingml/2006/main" xmlns:r="http://schemas.openxmlformats.org/officeDocument/2006/relationships" xmlns:p="http://schemas.openxmlformats.org/presentationml/2006/main">
+  <p:cSld>
+    <p:spTree>
+      <p:nvGrpSpPr>
+        <p:cNvPr id="1" name=""/>
+        <p:cNvGrpSpPr/>
+        <p:nvPr/>
+      </p:nvGrpSpPr>
+      <p:grpSpPr>
+        <a:xfrm>
+          <a:off x="0" y="0"/>
+          <a:ext cx="0" cy="0"/>
+          <a:chOff x="0" y="0"/>
+          <a:chExt cx="0" cy="0"/>
+        </a:xfrm>
+      </p:grpSpPr>
+      <p:sp>
+        <p:nvSpPr>
+          <p:cNvPr id="4" name="직사각형 3">
+            <a:extLst>
+              <a:ext uri="{FF2B5EF4-FFF2-40B4-BE49-F238E27FC236}">
+                <a16:creationId xmlns:a16="http://schemas.microsoft.com/office/drawing/2014/main" id="{027812B0-4CDC-4E7E-B119-C1647F42E6C6}"/>
+              </a:ext>
+            </a:extLst>
+          </p:cNvPr>
+          <p:cNvSpPr/>
+          <p:nvPr/>
+        </p:nvSpPr>
+        <p:spPr>
+          <a:xfrm>
+            <a:off x="-2867" y="6036816"/>
+            <a:ext cx="12192000" cy="585926"/>
+          </a:xfrm>
+          <a:prstGeom prst="rect">
+            <a:avLst/>
+          </a:prstGeom>
+          <a:solidFill>
+            <a:srgbClr val="3ED7C4"/>
+          </a:solidFill>
+          <a:ln>
+            <a:noFill/>
+          </a:ln>
+        </p:spPr>
+        <p:style>
+          <a:lnRef idx="2">
+            <a:schemeClr val="accent1">
+              <a:shade val="50000"/>
+            </a:schemeClr>
+          </a:lnRef>
+          <a:fillRef idx="1">
+            <a:schemeClr val="accent1"/>
+          </a:fillRef>
+          <a:effectRef idx="0">
+            <a:schemeClr val="accent1"/>
+          </a:effectRef>
+          <a:fontRef idx="minor">
+            <a:schemeClr val="lt1"/>
+          </a:fontRef>
+        </p:style>
+        <p:txBody>
+          <a:bodyPr rtlCol="0" anchor="ctr"/>
+          <a:lstStyle/>
+          <a:p>
+            <a:pPr algn="ctr"/>
+            <a:endParaRPr kumimoji="1" lang="ko-KR" altLang="en-US" dirty="0"/>
+          </a:p>
+        </p:txBody>
+      </p:sp>
+      <p:sp>
+        <p:nvSpPr>
+          <p:cNvPr id="6" name="직사각형 5">
+            <a:extLst>
+              <a:ext uri="{FF2B5EF4-FFF2-40B4-BE49-F238E27FC236}">
+                <a16:creationId xmlns:a16="http://schemas.microsoft.com/office/drawing/2014/main" id="{9607AE92-47E0-4023-9729-7FCAC3FF8059}"/>
+              </a:ext>
+            </a:extLst>
+          </p:cNvPr>
+          <p:cNvSpPr/>
+          <p:nvPr/>
+        </p:nvSpPr>
+        <p:spPr>
+          <a:xfrm>
+            <a:off x="9436553" y="5974672"/>
+            <a:ext cx="2707689" cy="710213"/>
+          </a:xfrm>
+          <a:prstGeom prst="rect">
+            <a:avLst/>
+          </a:prstGeom>
+          <a:noFill/>
+          <a:ln>
+            <a:noFill/>
+          </a:ln>
+        </p:spPr>
+        <p:style>
+          <a:lnRef idx="2">
+            <a:schemeClr val="accent1">
+              <a:shade val="50000"/>
+            </a:schemeClr>
+          </a:lnRef>
+          <a:fillRef idx="1">
+            <a:schemeClr val="accent1"/>
+          </a:fillRef>
+          <a:effectRef idx="0">
+            <a:schemeClr val="accent1"/>
+          </a:effectRef>
+          <a:fontRef idx="minor">
+            <a:schemeClr val="lt1"/>
+          </a:fontRef>
+        </p:style>
+        <p:txBody>
+          <a:bodyPr rtlCol="0" anchor="ctr"/>
+          <a:lstStyle/>
+          <a:p>
+            <a:pPr algn="ctr"/>
+            <a:r>
+              <a:rPr kumimoji="1" lang="en-US" altLang="ko-KR" sz="3600" b="1" spc="-100" dirty="0">
+                <a:latin typeface="NanumSquare ExtraBold" panose="020B0600000101010101" pitchFamily="34" charset="-127"/>
+                <a:ea typeface="NanumSquare ExtraBold" panose="020B0600000101010101" pitchFamily="34" charset="-127"/>
+              </a:rPr>
+              <a:t>Upgrade</a:t>
+            </a:r>
+            <a:endParaRPr kumimoji="1" lang="ko-KR" altLang="en-US" sz="3600" b="1" spc="-100" dirty="0">
+              <a:latin typeface="NanumSquare ExtraBold" panose="020B0600000101010101" pitchFamily="34" charset="-127"/>
+              <a:ea typeface="NanumSquare ExtraBold" panose="020B0600000101010101" pitchFamily="34" charset="-127"/>
+            </a:endParaRPr>
+          </a:p>
+        </p:txBody>
+      </p:sp>
+      <p:pic>
+        <p:nvPicPr>
+          <p:cNvPr id="7" name="그림 6">
+            <a:extLst>
+              <a:ext uri="{FF2B5EF4-FFF2-40B4-BE49-F238E27FC236}">
+                <a16:creationId xmlns:a16="http://schemas.microsoft.com/office/drawing/2014/main" id="{CB8B92ED-491E-4AC4-81CC-43F58C4C5E08}"/>
+              </a:ext>
+            </a:extLst>
+          </p:cNvPr>
+          <p:cNvPicPr>
+            <a:picLocks noChangeAspect="1"/>
+          </p:cNvPicPr>
+          <p:nvPr/>
+        </p:nvPicPr>
+        <p:blipFill rotWithShape="1">
+          <a:blip r:embed="rId2">
+            <a:extLst>
+              <a:ext uri="{28A0092B-C50C-407E-A947-70E740481C1C}">
+                <a14:useLocalDpi xmlns:a14="http://schemas.microsoft.com/office/drawing/2010/main" val="0"/>
+              </a:ext>
+            </a:extLst>
+          </a:blip>
+          <a:srcRect t="23374" b="24556"/>
+          <a:stretch/>
+        </p:blipFill>
+        <p:spPr>
+          <a:xfrm>
+            <a:off x="4646929" y="2052232"/>
+            <a:ext cx="2892407" cy="1506065"/>
+          </a:xfrm>
+          <a:prstGeom prst="rect">
+            <a:avLst/>
+          </a:prstGeom>
+        </p:spPr>
+      </p:pic>
+      <p:pic>
+        <p:nvPicPr>
+          <p:cNvPr id="8" name="그림 7">
+            <a:extLst>
+              <a:ext uri="{FF2B5EF4-FFF2-40B4-BE49-F238E27FC236}">
+                <a16:creationId xmlns:a16="http://schemas.microsoft.com/office/drawing/2014/main" id="{77D68002-3D9F-48AF-AE1F-C2B73AC0ED34}"/>
+              </a:ext>
+            </a:extLst>
+          </p:cNvPr>
+          <p:cNvPicPr>
+            <a:picLocks noChangeAspect="1"/>
+          </p:cNvPicPr>
+          <p:nvPr/>
+        </p:nvPicPr>
+        <p:blipFill>
+          <a:blip r:embed="rId3">
+            <a:extLst>
+              <a:ext uri="{28A0092B-C50C-407E-A947-70E740481C1C}">
+                <a14:useLocalDpi xmlns:a14="http://schemas.microsoft.com/office/drawing/2010/main" val="0"/>
+              </a:ext>
+            </a:extLst>
+          </a:blip>
+          <a:stretch>
+            <a:fillRect/>
+          </a:stretch>
+        </p:blipFill>
+        <p:spPr>
+          <a:xfrm>
+            <a:off x="9436553" y="2181530"/>
+            <a:ext cx="1247470" cy="1247470"/>
+          </a:xfrm>
+          <a:prstGeom prst="rect">
+            <a:avLst/>
+          </a:prstGeom>
+        </p:spPr>
+      </p:pic>
+      <p:pic>
+        <p:nvPicPr>
+          <p:cNvPr id="3" name="그림 2">
+            <a:extLst>
+              <a:ext uri="{FF2B5EF4-FFF2-40B4-BE49-F238E27FC236}">
+                <a16:creationId xmlns:a16="http://schemas.microsoft.com/office/drawing/2014/main" id="{AF8441A0-0F52-4BB6-87D2-A7E13FBA71E2}"/>
+              </a:ext>
+            </a:extLst>
+          </p:cNvPr>
+          <p:cNvPicPr>
+            <a:picLocks noChangeAspect="1"/>
+          </p:cNvPicPr>
+          <p:nvPr/>
+        </p:nvPicPr>
+        <p:blipFill>
+          <a:blip r:embed="rId4">
+            <a:extLst>
+              <a:ext uri="{28A0092B-C50C-407E-A947-70E740481C1C}">
+                <a14:useLocalDpi xmlns:a14="http://schemas.microsoft.com/office/drawing/2010/main" val="0"/>
+              </a:ext>
+            </a:extLst>
+          </a:blip>
+          <a:stretch>
+            <a:fillRect/>
+          </a:stretch>
+        </p:blipFill>
+        <p:spPr>
+          <a:xfrm>
+            <a:off x="1507977" y="2052232"/>
+            <a:ext cx="1975412" cy="1975412"/>
+          </a:xfrm>
+          <a:prstGeom prst="rect">
+            <a:avLst/>
+          </a:prstGeom>
+        </p:spPr>
+      </p:pic>
+    </p:spTree>
+    <p:extLst>
+      <p:ext uri="{BB962C8B-B14F-4D97-AF65-F5344CB8AC3E}">
+        <p14:creationId xmlns:p14="http://schemas.microsoft.com/office/powerpoint/2010/main" val="579393120"/>
+      </p:ext>
+    </p:extLst>
+  </p:cSld>
+  <p:clrMapOvr>
+    <a:masterClrMapping/>
+  </p:clrMapOvr>
+  <mc:AlternateContent xmlns:mc="http://schemas.openxmlformats.org/markup-compatibility/2006">
+    <mc:Choice xmlns:p159="http://schemas.microsoft.com/office/powerpoint/2015/09/main" Requires="p159">
+      <p:transition xmlns:p14="http://schemas.microsoft.com/office/powerpoint/2010/main" spd="slow" p14:dur="2000">
+        <p159:morph option="byObject"/>
+      </p:transition>
+    </mc:Choice>
+    <mc:Fallback>
+      <p:transition spd="slow">
+        <p:fade/>
+      </p:transition>
+    </mc:Fallback>
+  </mc:AlternateContent>
+</p:sld>
+</file>
+
+<file path=ppt/slides/slide19.xml><?xml version="1.0" encoding="utf-8"?>
+<p:sld xmlns:a="http://schemas.openxmlformats.org/drawingml/2006/main" xmlns:r="http://schemas.openxmlformats.org/officeDocument/2006/relationships" xmlns:p="http://schemas.openxmlformats.org/presentationml/2006/main">
+  <p:cSld>
+    <p:spTree>
+      <p:nvGrpSpPr>
+        <p:cNvPr id="1" name=""/>
+        <p:cNvGrpSpPr/>
+        <p:nvPr/>
+      </p:nvGrpSpPr>
+      <p:grpSpPr>
+        <a:xfrm>
+          <a:off x="0" y="0"/>
+          <a:ext cx="0" cy="0"/>
+          <a:chOff x="0" y="0"/>
+          <a:chExt cx="0" cy="0"/>
+        </a:xfrm>
+      </p:grpSpPr>
+      <p:sp>
+        <p:nvSpPr>
+          <p:cNvPr id="4" name="직사각형 3">
+            <a:extLst>
+              <a:ext uri="{FF2B5EF4-FFF2-40B4-BE49-F238E27FC236}">
+                <a16:creationId xmlns:a16="http://schemas.microsoft.com/office/drawing/2014/main" id="{027812B0-4CDC-4E7E-B119-C1647F42E6C6}"/>
+              </a:ext>
+            </a:extLst>
+          </p:cNvPr>
+          <p:cNvSpPr/>
+          <p:nvPr/>
+        </p:nvSpPr>
+        <p:spPr>
+          <a:xfrm>
+            <a:off x="-2867" y="6036816"/>
+            <a:ext cx="12192000" cy="585926"/>
+          </a:xfrm>
+          <a:prstGeom prst="rect">
+            <a:avLst/>
+          </a:prstGeom>
+          <a:solidFill>
+            <a:srgbClr val="3ED7C4"/>
+          </a:solidFill>
+          <a:ln>
+            <a:noFill/>
+          </a:ln>
+        </p:spPr>
+        <p:style>
+          <a:lnRef idx="2">
+            <a:schemeClr val="accent1">
+              <a:shade val="50000"/>
+            </a:schemeClr>
+          </a:lnRef>
+          <a:fillRef idx="1">
+            <a:schemeClr val="accent1"/>
+          </a:fillRef>
+          <a:effectRef idx="0">
+            <a:schemeClr val="accent1"/>
+          </a:effectRef>
+          <a:fontRef idx="minor">
+            <a:schemeClr val="lt1"/>
+          </a:fontRef>
+        </p:style>
+        <p:txBody>
+          <a:bodyPr rtlCol="0" anchor="ctr"/>
+          <a:lstStyle/>
+          <a:p>
+            <a:pPr algn="ctr"/>
+            <a:endParaRPr kumimoji="1" lang="ko-KR" altLang="en-US" dirty="0"/>
+          </a:p>
+        </p:txBody>
+      </p:sp>
+      <p:sp>
+        <p:nvSpPr>
+          <p:cNvPr id="6" name="직사각형 5">
+            <a:extLst>
+              <a:ext uri="{FF2B5EF4-FFF2-40B4-BE49-F238E27FC236}">
+                <a16:creationId xmlns:a16="http://schemas.microsoft.com/office/drawing/2014/main" id="{9607AE92-47E0-4023-9729-7FCAC3FF8059}"/>
+              </a:ext>
+            </a:extLst>
+          </p:cNvPr>
+          <p:cNvSpPr/>
+          <p:nvPr/>
+        </p:nvSpPr>
+        <p:spPr>
+          <a:xfrm>
+            <a:off x="9436553" y="5974672"/>
+            <a:ext cx="2707689" cy="710213"/>
+          </a:xfrm>
+          <a:prstGeom prst="rect">
+            <a:avLst/>
+          </a:prstGeom>
+          <a:noFill/>
+          <a:ln>
+            <a:noFill/>
+          </a:ln>
+        </p:spPr>
+        <p:style>
+          <a:lnRef idx="2">
+            <a:schemeClr val="accent1">
+              <a:shade val="50000"/>
+            </a:schemeClr>
+          </a:lnRef>
+          <a:fillRef idx="1">
+            <a:schemeClr val="accent1"/>
+          </a:fillRef>
+          <a:effectRef idx="0">
+            <a:schemeClr val="accent1"/>
+          </a:effectRef>
+          <a:fontRef idx="minor">
+            <a:schemeClr val="lt1"/>
+          </a:fontRef>
+        </p:style>
+        <p:txBody>
+          <a:bodyPr rtlCol="0" anchor="ctr"/>
+          <a:lstStyle/>
+          <a:p>
+            <a:pPr algn="ctr"/>
+            <a:r>
+              <a:rPr kumimoji="1" lang="en-US" altLang="ko-KR" sz="3600" b="1" spc="-100" dirty="0">
+                <a:latin typeface="NanumSquare ExtraBold" panose="020B0600000101010101" pitchFamily="34" charset="-127"/>
+                <a:ea typeface="NanumSquare ExtraBold" panose="020B0600000101010101" pitchFamily="34" charset="-127"/>
+              </a:rPr>
+              <a:t>Upgrade</a:t>
+            </a:r>
+            <a:endParaRPr kumimoji="1" lang="ko-KR" altLang="en-US" sz="3600" b="1" spc="-100" dirty="0">
+              <a:latin typeface="NanumSquare ExtraBold" panose="020B0600000101010101" pitchFamily="34" charset="-127"/>
+              <a:ea typeface="NanumSquare ExtraBold" panose="020B0600000101010101" pitchFamily="34" charset="-127"/>
+            </a:endParaRPr>
+          </a:p>
+        </p:txBody>
+      </p:sp>
+      <p:pic>
+        <p:nvPicPr>
+          <p:cNvPr id="7" name="그림 6">
+            <a:extLst>
+              <a:ext uri="{FF2B5EF4-FFF2-40B4-BE49-F238E27FC236}">
+                <a16:creationId xmlns:a16="http://schemas.microsoft.com/office/drawing/2014/main" id="{CB8B92ED-491E-4AC4-81CC-43F58C4C5E08}"/>
+              </a:ext>
+            </a:extLst>
+          </p:cNvPr>
+          <p:cNvPicPr>
+            <a:picLocks noChangeAspect="1"/>
+          </p:cNvPicPr>
+          <p:nvPr/>
+        </p:nvPicPr>
+        <p:blipFill rotWithShape="1">
+          <a:blip r:embed="rId2">
+            <a:extLst>
+              <a:ext uri="{28A0092B-C50C-407E-A947-70E740481C1C}">
+                <a14:useLocalDpi xmlns:a14="http://schemas.microsoft.com/office/drawing/2010/main" val="0"/>
+              </a:ext>
+            </a:extLst>
+          </a:blip>
+          <a:srcRect t="23374" b="24556"/>
+          <a:stretch/>
+        </p:blipFill>
+        <p:spPr>
+          <a:xfrm>
+            <a:off x="1382868" y="2052232"/>
+            <a:ext cx="2892407" cy="1506065"/>
+          </a:xfrm>
+          <a:prstGeom prst="rect">
+            <a:avLst/>
+          </a:prstGeom>
+        </p:spPr>
+      </p:pic>
+      <p:pic>
+        <p:nvPicPr>
+          <p:cNvPr id="8" name="그림 7">
+            <a:extLst>
+              <a:ext uri="{FF2B5EF4-FFF2-40B4-BE49-F238E27FC236}">
+                <a16:creationId xmlns:a16="http://schemas.microsoft.com/office/drawing/2014/main" id="{77D68002-3D9F-48AF-AE1F-C2B73AC0ED34}"/>
+              </a:ext>
+            </a:extLst>
+          </p:cNvPr>
+          <p:cNvPicPr>
+            <a:picLocks noChangeAspect="1"/>
+          </p:cNvPicPr>
+          <p:nvPr/>
+        </p:nvPicPr>
+        <p:blipFill>
+          <a:blip r:embed="rId3">
+            <a:extLst>
+              <a:ext uri="{28A0092B-C50C-407E-A947-70E740481C1C}">
+                <a14:useLocalDpi xmlns:a14="http://schemas.microsoft.com/office/drawing/2010/main" val="0"/>
+              </a:ext>
+            </a:extLst>
+          </a:blip>
+          <a:stretch>
+            <a:fillRect/>
+          </a:stretch>
+        </p:blipFill>
+        <p:spPr>
+          <a:xfrm>
+            <a:off x="9436553" y="2181530"/>
+            <a:ext cx="1247470" cy="1247470"/>
+          </a:xfrm>
+          <a:prstGeom prst="rect">
+            <a:avLst/>
+          </a:prstGeom>
+        </p:spPr>
+      </p:pic>
+      <p:grpSp>
+        <p:nvGrpSpPr>
+          <p:cNvPr id="30" name="그룹 29">
+            <a:extLst>
+              <a:ext uri="{FF2B5EF4-FFF2-40B4-BE49-F238E27FC236}">
+                <a16:creationId xmlns:a16="http://schemas.microsoft.com/office/drawing/2014/main" id="{E7F68678-EEE3-40D1-8815-08C927EABD8D}"/>
+              </a:ext>
+            </a:extLst>
+          </p:cNvPr>
+          <p:cNvGrpSpPr/>
+          <p:nvPr/>
+        </p:nvGrpSpPr>
+        <p:grpSpPr>
+          <a:xfrm>
+            <a:off x="2829072" y="835895"/>
+            <a:ext cx="7231216" cy="1345635"/>
+            <a:chOff x="2829072" y="835895"/>
+            <a:chExt cx="7231216" cy="1345635"/>
+          </a:xfrm>
+        </p:grpSpPr>
+        <p:cxnSp>
+          <p:nvCxnSpPr>
+            <p:cNvPr id="19" name="연결선: 구부러짐 18">
+              <a:extLst>
+                <a:ext uri="{FF2B5EF4-FFF2-40B4-BE49-F238E27FC236}">
+                  <a16:creationId xmlns:a16="http://schemas.microsoft.com/office/drawing/2014/main" id="{309E180D-72F1-464E-81F7-468CCFD4381E}"/>
+                </a:ext>
+              </a:extLst>
+            </p:cNvPr>
+            <p:cNvCxnSpPr>
+              <a:cxnSpLocks/>
+              <a:stCxn id="7" idx="0"/>
+              <a:endCxn id="8" idx="0"/>
+            </p:cNvCxnSpPr>
+            <p:nvPr/>
+          </p:nvCxnSpPr>
+          <p:spPr>
+            <a:xfrm rot="16200000" flipH="1">
+              <a:off x="6380031" y="-1498727"/>
+              <a:ext cx="129298" cy="7231216"/>
+            </a:xfrm>
+            <a:prstGeom prst="curvedConnector3">
+              <a:avLst>
+                <a:gd name="adj1" fmla="val -577550"/>
+              </a:avLst>
+            </a:prstGeom>
+            <a:ln w="57150">
+              <a:solidFill>
+                <a:srgbClr val="3ED7C4"/>
+              </a:solidFill>
+              <a:tailEnd type="triangle"/>
+            </a:ln>
+          </p:spPr>
+          <p:style>
+            <a:lnRef idx="1">
+              <a:schemeClr val="accent1"/>
+            </a:lnRef>
+            <a:fillRef idx="0">
+              <a:schemeClr val="accent1"/>
+            </a:fillRef>
+            <a:effectRef idx="0">
+              <a:schemeClr val="accent1"/>
+            </a:effectRef>
+            <a:fontRef idx="minor">
+              <a:schemeClr val="tx1"/>
+            </a:fontRef>
+          </p:style>
+        </p:cxnSp>
+        <p:pic>
+          <p:nvPicPr>
+            <p:cNvPr id="3" name="그림 2">
+              <a:extLst>
+                <a:ext uri="{FF2B5EF4-FFF2-40B4-BE49-F238E27FC236}">
+                  <a16:creationId xmlns:a16="http://schemas.microsoft.com/office/drawing/2014/main" id="{CBFF29AA-4EF5-4A09-8AB9-8391A028627E}"/>
+                </a:ext>
+              </a:extLst>
+            </p:cNvPr>
+            <p:cNvPicPr>
+              <a:picLocks noChangeAspect="1"/>
+            </p:cNvPicPr>
+            <p:nvPr/>
+          </p:nvPicPr>
+          <p:blipFill>
+            <a:blip r:embed="rId4">
+              <a:extLst>
+                <a:ext uri="{28A0092B-C50C-407E-A947-70E740481C1C}">
+                  <a14:useLocalDpi xmlns:a14="http://schemas.microsoft.com/office/drawing/2010/main" val="0"/>
+                </a:ext>
+              </a:extLst>
+            </a:blip>
+            <a:stretch>
+              <a:fillRect/>
+            </a:stretch>
+          </p:blipFill>
+          <p:spPr>
+            <a:xfrm>
+              <a:off x="6151135" y="835895"/>
+              <a:ext cx="861758" cy="861758"/>
+            </a:xfrm>
+            <a:prstGeom prst="rect">
+              <a:avLst/>
+            </a:prstGeom>
+          </p:spPr>
+        </p:pic>
+      </p:grpSp>
+    </p:spTree>
+    <p:extLst>
+      <p:ext uri="{BB962C8B-B14F-4D97-AF65-F5344CB8AC3E}">
+        <p14:creationId xmlns:p14="http://schemas.microsoft.com/office/powerpoint/2010/main" val="3371719678"/>
+      </p:ext>
+    </p:extLst>
+  </p:cSld>
+  <p:clrMapOvr>
+    <a:masterClrMapping/>
+  </p:clrMapOvr>
+  <mc:AlternateContent xmlns:mc="http://schemas.openxmlformats.org/markup-compatibility/2006">
+    <mc:Choice xmlns:p159="http://schemas.microsoft.com/office/powerpoint/2015/09/main" Requires="p159">
+      <p:transition xmlns:p14="http://schemas.microsoft.com/office/powerpoint/2010/main" spd="slow" p14:dur="2000">
+        <p159:morph option="byObject"/>
+      </p:transition>
+    </mc:Choice>
+    <mc:Fallback>
+      <p:transition spd="slow">
+        <p:fade/>
+      </p:transition>
+    </mc:Fallback>
+  </mc:AlternateContent>
+  <p:timing>
+    <p:tnLst>
+      <p:par>
+        <p:cTn id="1" dur="indefinite" restart="never" nodeType="tmRoot">
+          <p:childTnLst>
+            <p:seq concurrent="1" nextAc="seek">
+              <p:cTn id="2" dur="indefinite" nodeType="mainSeq">
+                <p:childTnLst>
+                  <p:par>
+                    <p:cTn id="3" fill="hold">
+                      <p:stCondLst>
+                        <p:cond delay="indefinite"/>
+                      </p:stCondLst>
+                      <p:childTnLst>
+                        <p:par>
+                          <p:cTn id="4" fill="hold">
+                            <p:stCondLst>
+                              <p:cond delay="0"/>
+                            </p:stCondLst>
+                            <p:childTnLst>
+                              <p:par>
+                                <p:cTn id="5" presetID="22" presetClass="entr" presetSubtype="8" fill="hold" nodeType="clickEffect">
+                                  <p:stCondLst>
+                                    <p:cond delay="0"/>
+                                  </p:stCondLst>
+                                  <p:childTnLst>
+                                    <p:set>
+                                      <p:cBhvr>
+                                        <p:cTn id="6" dur="1" fill="hold">
+                                          <p:stCondLst>
+                                            <p:cond delay="0"/>
+                                          </p:stCondLst>
+                                        </p:cTn>
+                                        <p:tgtEl>
+                                          <p:spTgt spid="30"/>
+                                        </p:tgtEl>
+                                        <p:attrNameLst>
+                                          <p:attrName>style.visibility</p:attrName>
+                                        </p:attrNameLst>
+                                      </p:cBhvr>
+                                      <p:to>
+                                        <p:strVal val="visible"/>
+                                      </p:to>
+                                    </p:set>
+                                    <p:animEffect transition="in" filter="wipe(left)">
+                                      <p:cBhvr>
+                                        <p:cTn id="7" dur="500"/>
+                                        <p:tgtEl>
+                                          <p:spTgt spid="30"/>
+                                        </p:tgtEl>
+                                      </p:cBhvr>
+                                    </p:animEffect>
+                                  </p:childTnLst>
+                                </p:cTn>
+                              </p:par>
+                            </p:childTnLst>
+                          </p:cTn>
+                        </p:par>
+                      </p:childTnLst>
+                    </p:cTn>
+                  </p:par>
+                </p:childTnLst>
+              </p:cTn>
+              <p:prevCondLst>
+                <p:cond evt="onPrev" delay="0">
+                  <p:tgtEl>
+                    <p:sldTgt/>
+                  </p:tgtEl>
+                </p:cond>
+              </p:prevCondLst>
+              <p:nextCondLst>
+                <p:cond evt="onNext" delay="0">
+                  <p:tgtEl>
+                    <p:sldTgt/>
+                  </p:tgtEl>
+                </p:cond>
+              </p:nextCondLst>
+            </p:seq>
+          </p:childTnLst>
+        </p:cTn>
+      </p:par>
+    </p:tnLst>
+  </p:timing>
+</p:sld>
+</file>
+
+<file path=ppt/slides/slide2.xml><?xml version="1.0" encoding="utf-8"?>
+<p:sld xmlns:a="http://schemas.openxmlformats.org/drawingml/2006/main" xmlns:r="http://schemas.openxmlformats.org/officeDocument/2006/relationships" xmlns:p="http://schemas.openxmlformats.org/presentationml/2006/main">
+  <p:cSld>
+    <p:spTree>
+      <p:nvGrpSpPr>
+        <p:cNvPr id="1" name=""/>
+        <p:cNvGrpSpPr/>
+        <p:nvPr/>
+      </p:nvGrpSpPr>
+      <p:grpSpPr>
+        <a:xfrm>
+          <a:off x="0" y="0"/>
+          <a:ext cx="0" cy="0"/>
+          <a:chOff x="0" y="0"/>
+          <a:chExt cx="0" cy="0"/>
+        </a:xfrm>
+      </p:grpSpPr>
+      <p:sp>
+        <p:nvSpPr>
+          <p:cNvPr id="4" name="직사각형 3">
+            <a:extLst>
+              <a:ext uri="{FF2B5EF4-FFF2-40B4-BE49-F238E27FC236}">
+                <a16:creationId xmlns:a16="http://schemas.microsoft.com/office/drawing/2014/main" id="{027812B0-4CDC-4E7E-B119-C1647F42E6C6}"/>
+              </a:ext>
+            </a:extLst>
+          </p:cNvPr>
+          <p:cNvSpPr/>
+          <p:nvPr/>
+        </p:nvSpPr>
+        <p:spPr>
+          <a:xfrm>
+            <a:off x="-2867" y="6036816"/>
+            <a:ext cx="12192000" cy="585926"/>
+          </a:xfrm>
+          <a:prstGeom prst="rect">
+            <a:avLst/>
+          </a:prstGeom>
+          <a:solidFill>
+            <a:srgbClr val="3ED7C4"/>
+          </a:solidFill>
+          <a:ln>
+            <a:noFill/>
+          </a:ln>
+        </p:spPr>
+        <p:style>
+          <a:lnRef idx="2">
+            <a:schemeClr val="accent1">
+              <a:shade val="50000"/>
+            </a:schemeClr>
+          </a:lnRef>
+          <a:fillRef idx="1">
+            <a:schemeClr val="accent1"/>
+          </a:fillRef>
+          <a:effectRef idx="0">
+            <a:schemeClr val="accent1"/>
+          </a:effectRef>
+          <a:fontRef idx="minor">
+            <a:schemeClr val="lt1"/>
+          </a:fontRef>
+        </p:style>
+        <p:txBody>
+          <a:bodyPr rtlCol="0" anchor="ctr"/>
+          <a:lstStyle/>
+          <a:p>
+            <a:pPr algn="ctr"/>
+            <a:endParaRPr kumimoji="1" lang="ko-KR" altLang="en-US" dirty="0"/>
+          </a:p>
+        </p:txBody>
+      </p:sp>
+      <p:sp>
+        <p:nvSpPr>
+          <p:cNvPr id="6" name="직사각형 5">
+            <a:extLst>
+              <a:ext uri="{FF2B5EF4-FFF2-40B4-BE49-F238E27FC236}">
+                <a16:creationId xmlns:a16="http://schemas.microsoft.com/office/drawing/2014/main" id="{9607AE92-47E0-4023-9729-7FCAC3FF8059}"/>
+              </a:ext>
+            </a:extLst>
+          </p:cNvPr>
+          <p:cNvSpPr/>
+          <p:nvPr/>
+        </p:nvSpPr>
+        <p:spPr>
+          <a:xfrm>
+            <a:off x="9436553" y="5974672"/>
+            <a:ext cx="2707689" cy="710213"/>
+          </a:xfrm>
+          <a:prstGeom prst="rect">
+            <a:avLst/>
+          </a:prstGeom>
+          <a:noFill/>
+          <a:ln>
+            <a:noFill/>
+          </a:ln>
+        </p:spPr>
+        <p:style>
+          <a:lnRef idx="2">
+            <a:schemeClr val="accent1">
+              <a:shade val="50000"/>
+            </a:schemeClr>
+          </a:lnRef>
+          <a:fillRef idx="1">
+            <a:schemeClr val="accent1"/>
+          </a:fillRef>
+          <a:effectRef idx="0">
+            <a:schemeClr val="accent1"/>
+          </a:effectRef>
+          <a:fontRef idx="minor">
+            <a:schemeClr val="lt1"/>
+          </a:fontRef>
+        </p:style>
+        <p:txBody>
+          <a:bodyPr rtlCol="0" anchor="ctr"/>
+          <a:lstStyle/>
+          <a:p>
+            <a:pPr algn="ctr"/>
+            <a:r>
+              <a:rPr kumimoji="1" lang="en-US" altLang="ko-KR" sz="3600" b="1" spc="-100" dirty="0">
+                <a:latin typeface="NanumSquare ExtraBold" panose="020B0600000101010101" pitchFamily="34" charset="-127"/>
+                <a:ea typeface="NanumSquare ExtraBold" panose="020B0600000101010101" pitchFamily="34" charset="-127"/>
+              </a:rPr>
+              <a:t>Topic</a:t>
+            </a:r>
+            <a:endParaRPr kumimoji="1" lang="ko-KR" altLang="en-US" sz="3600" b="1" spc="-100" dirty="0">
+              <a:latin typeface="NanumSquare ExtraBold" panose="020B0600000101010101" pitchFamily="34" charset="-127"/>
+              <a:ea typeface="NanumSquare ExtraBold" panose="020B0600000101010101" pitchFamily="34" charset="-127"/>
+            </a:endParaRPr>
+          </a:p>
+        </p:txBody>
+      </p:sp>
+      <p:grpSp>
+        <p:nvGrpSpPr>
+          <p:cNvPr id="21" name="그룹 20">
+            <a:extLst>
+              <a:ext uri="{FF2B5EF4-FFF2-40B4-BE49-F238E27FC236}">
+                <a16:creationId xmlns:a16="http://schemas.microsoft.com/office/drawing/2014/main" id="{A96CF7B6-F40A-4CD6-8AFC-FD3946D499D9}"/>
+              </a:ext>
+            </a:extLst>
+          </p:cNvPr>
+          <p:cNvGrpSpPr/>
+          <p:nvPr/>
+        </p:nvGrpSpPr>
+        <p:grpSpPr>
+          <a:xfrm>
+            <a:off x="7888166" y="2983664"/>
+            <a:ext cx="3096773" cy="1746412"/>
+            <a:chOff x="716538" y="2171217"/>
+            <a:chExt cx="3693263" cy="2107055"/>
+          </a:xfrm>
+        </p:grpSpPr>
+        <p:pic>
+          <p:nvPicPr>
+            <p:cNvPr id="18" name="그림 17">
+              <a:extLst>
+                <a:ext uri="{FF2B5EF4-FFF2-40B4-BE49-F238E27FC236}">
+                  <a16:creationId xmlns:a16="http://schemas.microsoft.com/office/drawing/2014/main" id="{27202A28-E2EE-4436-BBE8-6BB0408FDF98}"/>
+                </a:ext>
+              </a:extLst>
+            </p:cNvPr>
+            <p:cNvPicPr>
+              <a:picLocks noChangeAspect="1"/>
+            </p:cNvPicPr>
+            <p:nvPr/>
+          </p:nvPicPr>
+          <p:blipFill>
+            <a:blip r:embed="rId2">
+              <a:extLst>
+                <a:ext uri="{28A0092B-C50C-407E-A947-70E740481C1C}">
+                  <a14:useLocalDpi xmlns:a14="http://schemas.microsoft.com/office/drawing/2010/main" val="0"/>
+                </a:ext>
+              </a:extLst>
+            </a:blip>
+            <a:stretch>
+              <a:fillRect/>
+            </a:stretch>
+          </p:blipFill>
+          <p:spPr>
+            <a:xfrm>
+              <a:off x="716538" y="2171217"/>
+              <a:ext cx="3693263" cy="2107055"/>
+            </a:xfrm>
+            <a:prstGeom prst="rect">
+              <a:avLst/>
+            </a:prstGeom>
+          </p:spPr>
+        </p:pic>
+        <p:pic>
+          <p:nvPicPr>
+            <p:cNvPr id="10" name="그림 9">
+              <a:extLst>
+                <a:ext uri="{FF2B5EF4-FFF2-40B4-BE49-F238E27FC236}">
+                  <a16:creationId xmlns:a16="http://schemas.microsoft.com/office/drawing/2014/main" id="{C93A9983-7866-41E6-A588-35F054E692BC}"/>
+                </a:ext>
+              </a:extLst>
+            </p:cNvPr>
+            <p:cNvPicPr>
+              <a:picLocks noChangeAspect="1"/>
+            </p:cNvPicPr>
+            <p:nvPr/>
+          </p:nvPicPr>
+          <p:blipFill>
+            <a:blip r:embed="rId3">
+              <a:extLst>
+                <a:ext uri="{28A0092B-C50C-407E-A947-70E740481C1C}">
+                  <a14:useLocalDpi xmlns:a14="http://schemas.microsoft.com/office/drawing/2010/main" val="0"/>
+                </a:ext>
+              </a:extLst>
+            </a:blip>
+            <a:stretch>
+              <a:fillRect/>
+            </a:stretch>
+          </p:blipFill>
+          <p:spPr>
+            <a:xfrm rot="164354">
+              <a:off x="2205113" y="2203451"/>
+              <a:ext cx="1363666" cy="612863"/>
+            </a:xfrm>
+            <a:prstGeom prst="rect">
+              <a:avLst/>
+            </a:prstGeom>
+          </p:spPr>
+        </p:pic>
+      </p:grpSp>
+      <p:sp>
+        <p:nvSpPr>
+          <p:cNvPr id="27" name="직사각형 26">
+            <a:extLst>
+              <a:ext uri="{FF2B5EF4-FFF2-40B4-BE49-F238E27FC236}">
+                <a16:creationId xmlns:a16="http://schemas.microsoft.com/office/drawing/2014/main" id="{2E416199-7732-4B12-8863-9642FE3203FB}"/>
+              </a:ext>
+            </a:extLst>
+          </p:cNvPr>
+          <p:cNvSpPr/>
+          <p:nvPr/>
+        </p:nvSpPr>
+        <p:spPr>
+          <a:xfrm>
+            <a:off x="147604" y="418824"/>
+            <a:ext cx="4066572" cy="710213"/>
+          </a:xfrm>
+          <a:prstGeom prst="rect">
+            <a:avLst/>
+          </a:prstGeom>
+          <a:noFill/>
+          <a:ln>
+            <a:noFill/>
+          </a:ln>
+        </p:spPr>
+        <p:style>
+          <a:lnRef idx="2">
+            <a:schemeClr val="accent1">
+              <a:shade val="50000"/>
+            </a:schemeClr>
+          </a:lnRef>
+          <a:fillRef idx="1">
+            <a:schemeClr val="accent1"/>
+          </a:fillRef>
+          <a:effectRef idx="0">
+            <a:schemeClr val="accent1"/>
+          </a:effectRef>
+          <a:fontRef idx="minor">
+            <a:schemeClr val="lt1"/>
+          </a:fontRef>
+        </p:style>
+        <p:txBody>
+          <a:bodyPr rtlCol="0" anchor="ctr"/>
+          <a:lstStyle/>
+          <a:p>
+            <a:pPr algn="ctr"/>
+            <a:r>
+              <a:rPr kumimoji="1" lang="ko-KR" altLang="en-US" sz="3600" b="1" spc="-100" dirty="0">
+                <a:solidFill>
+                  <a:srgbClr val="3ED7C4"/>
+                </a:solidFill>
+                <a:latin typeface="NanumSquare ExtraBold" panose="020B0600000101010101" pitchFamily="34" charset="-127"/>
+                <a:ea typeface="NanumSquare ExtraBold" panose="020B0600000101010101" pitchFamily="34" charset="-127"/>
+              </a:rPr>
+              <a:t>모범운전 </a:t>
+            </a:r>
+            <a:r>
+              <a:rPr kumimoji="1" lang="en-US" altLang="ko-KR" sz="3600" b="1" spc="-100" dirty="0" err="1">
+                <a:solidFill>
+                  <a:srgbClr val="3ED7C4"/>
+                </a:solidFill>
+                <a:latin typeface="NanumSquare ExtraBold" panose="020B0600000101010101" pitchFamily="34" charset="-127"/>
+                <a:ea typeface="NanumSquare ExtraBold" panose="020B0600000101010101" pitchFamily="34" charset="-127"/>
+              </a:rPr>
+              <a:t>xycar</a:t>
+            </a:r>
+            <a:endParaRPr kumimoji="1" lang="ko-KR" altLang="en-US" sz="3600" b="1" spc="-100" dirty="0">
+              <a:solidFill>
+                <a:srgbClr val="3ED7C4"/>
+              </a:solidFill>
+              <a:latin typeface="NanumSquare ExtraBold" panose="020B0600000101010101" pitchFamily="34" charset="-127"/>
+              <a:ea typeface="NanumSquare ExtraBold" panose="020B0600000101010101" pitchFamily="34" charset="-127"/>
+            </a:endParaRPr>
+          </a:p>
+        </p:txBody>
+      </p:sp>
+      <p:pic>
+        <p:nvPicPr>
+          <p:cNvPr id="28" name="그림 27">
+            <a:extLst>
+              <a:ext uri="{FF2B5EF4-FFF2-40B4-BE49-F238E27FC236}">
+                <a16:creationId xmlns:a16="http://schemas.microsoft.com/office/drawing/2014/main" id="{A781A465-216A-4853-AF42-4FEC0E9A8EAF}"/>
+              </a:ext>
+            </a:extLst>
+          </p:cNvPr>
+          <p:cNvPicPr>
+            <a:picLocks noChangeAspect="1"/>
+          </p:cNvPicPr>
+          <p:nvPr/>
+        </p:nvPicPr>
+        <p:blipFill>
+          <a:blip r:embed="rId4">
+            <a:extLst>
+              <a:ext uri="{28A0092B-C50C-407E-A947-70E740481C1C}">
+                <a14:useLocalDpi xmlns:a14="http://schemas.microsoft.com/office/drawing/2010/main" val="0"/>
+              </a:ext>
+            </a:extLst>
+          </a:blip>
+          <a:stretch>
+            <a:fillRect/>
+          </a:stretch>
+        </p:blipFill>
+        <p:spPr>
+          <a:xfrm>
+            <a:off x="1390382" y="1730661"/>
+            <a:ext cx="4836798" cy="3119840"/>
+          </a:xfrm>
+          <a:prstGeom prst="rect">
+            <a:avLst/>
+          </a:prstGeom>
+        </p:spPr>
+      </p:pic>
+      <p:grpSp>
+        <p:nvGrpSpPr>
+          <p:cNvPr id="20" name="그룹 19">
+            <a:extLst>
+              <a:ext uri="{FF2B5EF4-FFF2-40B4-BE49-F238E27FC236}">
+                <a16:creationId xmlns:a16="http://schemas.microsoft.com/office/drawing/2014/main" id="{9B2CC9E4-4AB0-4098-A559-5D3D119C9244}"/>
+              </a:ext>
+            </a:extLst>
+          </p:cNvPr>
+          <p:cNvGrpSpPr/>
+          <p:nvPr/>
+        </p:nvGrpSpPr>
+        <p:grpSpPr>
+          <a:xfrm>
+            <a:off x="5333473" y="2213324"/>
+            <a:ext cx="3295778" cy="1410386"/>
+            <a:chOff x="5333473" y="2213324"/>
+            <a:chExt cx="3295778" cy="1410386"/>
+          </a:xfrm>
+        </p:grpSpPr>
+        <p:cxnSp>
+          <p:nvCxnSpPr>
+            <p:cNvPr id="9" name="직선 연결선 8">
+              <a:extLst>
+                <a:ext uri="{FF2B5EF4-FFF2-40B4-BE49-F238E27FC236}">
+                  <a16:creationId xmlns:a16="http://schemas.microsoft.com/office/drawing/2014/main" id="{9F38810C-D5D7-461B-8EC0-ADA84B3275A3}"/>
+                </a:ext>
+              </a:extLst>
+            </p:cNvPr>
+            <p:cNvCxnSpPr>
+              <a:cxnSpLocks/>
+            </p:cNvCxnSpPr>
+            <p:nvPr/>
+          </p:nvCxnSpPr>
+          <p:spPr>
+            <a:xfrm flipH="1" flipV="1">
+              <a:off x="6093135" y="2836494"/>
+              <a:ext cx="2536116" cy="787216"/>
+            </a:xfrm>
+            <a:prstGeom prst="line">
+              <a:avLst/>
+            </a:prstGeom>
+            <a:ln w="38100">
+              <a:solidFill>
+                <a:srgbClr val="3ED7C4"/>
+              </a:solidFill>
+              <a:headEnd type="none" w="med" len="med"/>
+              <a:tailEnd type="triangle" w="med" len="med"/>
+            </a:ln>
+          </p:spPr>
+          <p:style>
+            <a:lnRef idx="1">
+              <a:schemeClr val="accent1"/>
+            </a:lnRef>
+            <a:fillRef idx="0">
+              <a:schemeClr val="accent1"/>
+            </a:fillRef>
+            <a:effectRef idx="0">
+              <a:schemeClr val="accent1"/>
+            </a:effectRef>
+            <a:fontRef idx="minor">
+              <a:schemeClr val="tx1"/>
+            </a:fontRef>
+          </p:style>
+        </p:cxnSp>
+        <p:cxnSp>
+          <p:nvCxnSpPr>
+            <p:cNvPr id="13" name="직선 연결선 12">
+              <a:extLst>
+                <a:ext uri="{FF2B5EF4-FFF2-40B4-BE49-F238E27FC236}">
+                  <a16:creationId xmlns:a16="http://schemas.microsoft.com/office/drawing/2014/main" id="{4581C73E-C432-4339-8BDB-AB83495E4B94}"/>
+                </a:ext>
+              </a:extLst>
+            </p:cNvPr>
+            <p:cNvCxnSpPr>
+              <a:cxnSpLocks/>
+            </p:cNvCxnSpPr>
+            <p:nvPr/>
+          </p:nvCxnSpPr>
+          <p:spPr>
+            <a:xfrm flipH="1" flipV="1">
+              <a:off x="5717895" y="2213324"/>
+              <a:ext cx="2893670" cy="1410386"/>
+            </a:xfrm>
+            <a:prstGeom prst="line">
+              <a:avLst/>
+            </a:prstGeom>
+            <a:ln w="38100">
+              <a:solidFill>
+                <a:srgbClr val="3ED7C4"/>
+              </a:solidFill>
+              <a:headEnd type="none" w="med" len="med"/>
+              <a:tailEnd type="triangle" w="med" len="med"/>
+            </a:ln>
+          </p:spPr>
+          <p:style>
+            <a:lnRef idx="1">
+              <a:schemeClr val="accent1"/>
+            </a:lnRef>
+            <a:fillRef idx="0">
+              <a:schemeClr val="accent1"/>
+            </a:fillRef>
+            <a:effectRef idx="0">
+              <a:schemeClr val="accent1"/>
+            </a:effectRef>
+            <a:fontRef idx="minor">
+              <a:schemeClr val="tx1"/>
+            </a:fontRef>
+          </p:style>
+        </p:cxnSp>
+        <p:cxnSp>
+          <p:nvCxnSpPr>
+            <p:cNvPr id="17" name="직선 연결선 16">
+              <a:extLst>
+                <a:ext uri="{FF2B5EF4-FFF2-40B4-BE49-F238E27FC236}">
+                  <a16:creationId xmlns:a16="http://schemas.microsoft.com/office/drawing/2014/main" id="{0DADB167-DBD2-42EE-BCBD-25720D9807D7}"/>
+                </a:ext>
+              </a:extLst>
+            </p:cNvPr>
+            <p:cNvCxnSpPr>
+              <a:cxnSpLocks/>
+            </p:cNvCxnSpPr>
+            <p:nvPr/>
+          </p:nvCxnSpPr>
+          <p:spPr>
+            <a:xfrm flipH="1" flipV="1">
+              <a:off x="5333473" y="2836494"/>
+              <a:ext cx="3197069" cy="787216"/>
+            </a:xfrm>
+            <a:prstGeom prst="line">
+              <a:avLst/>
+            </a:prstGeom>
+            <a:ln w="38100">
+              <a:solidFill>
+                <a:srgbClr val="3ED7C4"/>
+              </a:solidFill>
+              <a:headEnd type="none" w="med" len="med"/>
+              <a:tailEnd type="triangle" w="med" len="med"/>
+            </a:ln>
+          </p:spPr>
+          <p:style>
+            <a:lnRef idx="1">
+              <a:schemeClr val="accent1"/>
+            </a:lnRef>
+            <a:fillRef idx="0">
+              <a:schemeClr val="accent1"/>
+            </a:fillRef>
+            <a:effectRef idx="0">
+              <a:schemeClr val="accent1"/>
+            </a:effectRef>
+            <a:fontRef idx="minor">
+              <a:schemeClr val="tx1"/>
+            </a:fontRef>
+          </p:style>
+        </p:cxnSp>
+      </p:grpSp>
+    </p:spTree>
+    <p:extLst>
+      <p:ext uri="{BB962C8B-B14F-4D97-AF65-F5344CB8AC3E}">
+        <p14:creationId xmlns:p14="http://schemas.microsoft.com/office/powerpoint/2010/main" val="3001431517"/>
+      </p:ext>
+    </p:extLst>
+  </p:cSld>
+  <p:clrMapOvr>
+    <a:masterClrMapping/>
+  </p:clrMapOvr>
+  <mc:AlternateContent xmlns:mc="http://schemas.openxmlformats.org/markup-compatibility/2006">
+    <mc:Choice xmlns:p159="http://schemas.microsoft.com/office/powerpoint/2015/09/main" Requires="p159">
+      <p:transition xmlns:p14="http://schemas.microsoft.com/office/powerpoint/2010/main" spd="slow" p14:dur="2000">
+        <p159:morph option="byObject"/>
+      </p:transition>
+    </mc:Choice>
+    <mc:Fallback>
+      <p:transition spd="slow">
+        <p:fade/>
+      </p:transition>
+    </mc:Fallback>
+  </mc:AlternateContent>
+  <p:timing>
+    <p:tnLst>
+      <p:par>
+        <p:cTn id="1" dur="indefinite" restart="never" nodeType="tmRoot">
+          <p:childTnLst>
+            <p:seq concurrent="1" nextAc="seek">
+              <p:cTn id="2" dur="indefinite" nodeType="mainSeq">
+                <p:childTnLst>
+                  <p:par>
+                    <p:cTn id="3" fill="hold">
+                      <p:stCondLst>
+                        <p:cond delay="indefinite"/>
+                      </p:stCondLst>
+                      <p:childTnLst>
+                        <p:par>
+                          <p:cTn id="4" fill="hold">
+                            <p:stCondLst>
+                              <p:cond delay="0"/>
+                            </p:stCondLst>
+                            <p:childTnLst>
+                              <p:par>
+                                <p:cTn id="5" presetID="22" presetClass="entr" presetSubtype="4" fill="hold" nodeType="clickEffect">
+                                  <p:stCondLst>
+                                    <p:cond delay="0"/>
+                                  </p:stCondLst>
+                                  <p:childTnLst>
+                                    <p:set>
+                                      <p:cBhvr>
+                                        <p:cTn id="6" dur="1" fill="hold">
+                                          <p:stCondLst>
+                                            <p:cond delay="0"/>
+                                          </p:stCondLst>
+                                        </p:cTn>
+                                        <p:tgtEl>
+                                          <p:spTgt spid="20"/>
+                                        </p:tgtEl>
+                                        <p:attrNameLst>
+                                          <p:attrName>style.visibility</p:attrName>
+                                        </p:attrNameLst>
+                                      </p:cBhvr>
+                                      <p:to>
+                                        <p:strVal val="visible"/>
+                                      </p:to>
+                                    </p:set>
+                                    <p:animEffect transition="in" filter="wipe(down)">
+                                      <p:cBhvr>
+                                        <p:cTn id="7" dur="500"/>
+                                        <p:tgtEl>
+                                          <p:spTgt spid="20"/>
+                                        </p:tgtEl>
+                                      </p:cBhvr>
+                                    </p:animEffect>
+                                  </p:childTnLst>
+                                </p:cTn>
+                              </p:par>
+                            </p:childTnLst>
+                          </p:cTn>
+                        </p:par>
+                      </p:childTnLst>
+                    </p:cTn>
+                  </p:par>
+                </p:childTnLst>
+              </p:cTn>
+              <p:prevCondLst>
+                <p:cond evt="onPrev" delay="0">
+                  <p:tgtEl>
+                    <p:sldTgt/>
+                  </p:tgtEl>
+                </p:cond>
+              </p:prevCondLst>
+              <p:nextCondLst>
+                <p:cond evt="onNext" delay="0">
+                  <p:tgtEl>
+                    <p:sldTgt/>
+                  </p:tgtEl>
+                </p:cond>
+              </p:nextCondLst>
+            </p:seq>
+          </p:childTnLst>
+        </p:cTn>
+      </p:par>
+    </p:tnLst>
+  </p:timing>
+</p:sld>
+</file>
+
+<file path=ppt/slides/slide20.xml><?xml version="1.0" encoding="utf-8"?>
+<p:sld xmlns:a="http://schemas.openxmlformats.org/drawingml/2006/main" xmlns:r="http://schemas.openxmlformats.org/officeDocument/2006/relationships" xmlns:p="http://schemas.openxmlformats.org/presentationml/2006/main">
+  <p:cSld>
+    <p:spTree>
+      <p:nvGrpSpPr>
+        <p:cNvPr id="1" name=""/>
+        <p:cNvGrpSpPr/>
+        <p:nvPr/>
+      </p:nvGrpSpPr>
+      <p:grpSpPr>
+        <a:xfrm>
+          <a:off x="0" y="0"/>
+          <a:ext cx="0" cy="0"/>
+          <a:chOff x="0" y="0"/>
+          <a:chExt cx="0" cy="0"/>
+        </a:xfrm>
+      </p:grpSpPr>
+      <p:cxnSp>
+        <p:nvCxnSpPr>
+          <p:cNvPr id="19" name="연결선: 구부러짐 18">
+            <a:extLst>
+              <a:ext uri="{FF2B5EF4-FFF2-40B4-BE49-F238E27FC236}">
+                <a16:creationId xmlns:a16="http://schemas.microsoft.com/office/drawing/2014/main" id="{309E180D-72F1-464E-81F7-468CCFD4381E}"/>
+              </a:ext>
+            </a:extLst>
+          </p:cNvPr>
+          <p:cNvCxnSpPr>
+            <a:cxnSpLocks/>
+            <a:stCxn id="7" idx="0"/>
+            <a:endCxn id="8" idx="0"/>
+          </p:cNvCxnSpPr>
+          <p:nvPr/>
+        </p:nvCxnSpPr>
+        <p:spPr>
+          <a:xfrm rot="16200000" flipH="1">
+            <a:off x="6380031" y="-1498727"/>
+            <a:ext cx="129298" cy="7231216"/>
+          </a:xfrm>
+          <a:prstGeom prst="curvedConnector3">
+            <a:avLst>
+              <a:gd name="adj1" fmla="val -577550"/>
+            </a:avLst>
+          </a:prstGeom>
+          <a:ln w="57150">
+            <a:solidFill>
+              <a:srgbClr val="3ED7C4"/>
+            </a:solidFill>
+            <a:tailEnd type="triangle"/>
+          </a:ln>
+        </p:spPr>
+        <p:style>
+          <a:lnRef idx="1">
+            <a:schemeClr val="accent1"/>
+          </a:lnRef>
+          <a:fillRef idx="0">
+            <a:schemeClr val="accent1"/>
+          </a:fillRef>
+          <a:effectRef idx="0">
+            <a:schemeClr val="accent1"/>
+          </a:effectRef>
+          <a:fontRef idx="minor">
+            <a:schemeClr val="tx1"/>
+          </a:fontRef>
+        </p:style>
+      </p:cxnSp>
+      <p:sp>
+        <p:nvSpPr>
+          <p:cNvPr id="4" name="직사각형 3">
+            <a:extLst>
+              <a:ext uri="{FF2B5EF4-FFF2-40B4-BE49-F238E27FC236}">
+                <a16:creationId xmlns:a16="http://schemas.microsoft.com/office/drawing/2014/main" id="{027812B0-4CDC-4E7E-B119-C1647F42E6C6}"/>
+              </a:ext>
+            </a:extLst>
+          </p:cNvPr>
+          <p:cNvSpPr/>
+          <p:nvPr/>
+        </p:nvSpPr>
+        <p:spPr>
+          <a:xfrm>
+            <a:off x="-2867" y="6036816"/>
+            <a:ext cx="12192000" cy="585926"/>
+          </a:xfrm>
+          <a:prstGeom prst="rect">
+            <a:avLst/>
+          </a:prstGeom>
+          <a:solidFill>
+            <a:srgbClr val="3ED7C4"/>
+          </a:solidFill>
+          <a:ln>
+            <a:noFill/>
+          </a:ln>
+        </p:spPr>
+        <p:style>
+          <a:lnRef idx="2">
+            <a:schemeClr val="accent1">
+              <a:shade val="50000"/>
+            </a:schemeClr>
+          </a:lnRef>
+          <a:fillRef idx="1">
+            <a:schemeClr val="accent1"/>
+          </a:fillRef>
+          <a:effectRef idx="0">
+            <a:schemeClr val="accent1"/>
+          </a:effectRef>
+          <a:fontRef idx="minor">
+            <a:schemeClr val="lt1"/>
+          </a:fontRef>
+        </p:style>
+        <p:txBody>
+          <a:bodyPr rtlCol="0" anchor="ctr"/>
+          <a:lstStyle/>
+          <a:p>
+            <a:pPr algn="ctr"/>
+            <a:endParaRPr kumimoji="1" lang="ko-KR" altLang="en-US" dirty="0"/>
+          </a:p>
+        </p:txBody>
+      </p:sp>
+      <p:sp>
+        <p:nvSpPr>
+          <p:cNvPr id="6" name="직사각형 5">
+            <a:extLst>
+              <a:ext uri="{FF2B5EF4-FFF2-40B4-BE49-F238E27FC236}">
+                <a16:creationId xmlns:a16="http://schemas.microsoft.com/office/drawing/2014/main" id="{9607AE92-47E0-4023-9729-7FCAC3FF8059}"/>
+              </a:ext>
+            </a:extLst>
+          </p:cNvPr>
+          <p:cNvSpPr/>
+          <p:nvPr/>
+        </p:nvSpPr>
+        <p:spPr>
+          <a:xfrm>
+            <a:off x="9436553" y="5974672"/>
+            <a:ext cx="2707689" cy="710213"/>
+          </a:xfrm>
+          <a:prstGeom prst="rect">
+            <a:avLst/>
+          </a:prstGeom>
+          <a:noFill/>
+          <a:ln>
+            <a:noFill/>
+          </a:ln>
+        </p:spPr>
+        <p:style>
+          <a:lnRef idx="2">
+            <a:schemeClr val="accent1">
+              <a:shade val="50000"/>
+            </a:schemeClr>
+          </a:lnRef>
+          <a:fillRef idx="1">
+            <a:schemeClr val="accent1"/>
+          </a:fillRef>
+          <a:effectRef idx="0">
+            <a:schemeClr val="accent1"/>
+          </a:effectRef>
+          <a:fontRef idx="minor">
+            <a:schemeClr val="lt1"/>
+          </a:fontRef>
+        </p:style>
+        <p:txBody>
+          <a:bodyPr rtlCol="0" anchor="ctr"/>
+          <a:lstStyle/>
+          <a:p>
+            <a:pPr algn="ctr"/>
+            <a:r>
+              <a:rPr kumimoji="1" lang="en-US" altLang="ko-KR" sz="3600" b="1" spc="-100" dirty="0">
+                <a:latin typeface="NanumSquare ExtraBold" panose="020B0600000101010101" pitchFamily="34" charset="-127"/>
+                <a:ea typeface="NanumSquare ExtraBold" panose="020B0600000101010101" pitchFamily="34" charset="-127"/>
+              </a:rPr>
+              <a:t>Upgrade</a:t>
+            </a:r>
+            <a:endParaRPr kumimoji="1" lang="ko-KR" altLang="en-US" sz="3600" b="1" spc="-100" dirty="0">
+              <a:latin typeface="NanumSquare ExtraBold" panose="020B0600000101010101" pitchFamily="34" charset="-127"/>
+              <a:ea typeface="NanumSquare ExtraBold" panose="020B0600000101010101" pitchFamily="34" charset="-127"/>
+            </a:endParaRPr>
+          </a:p>
+        </p:txBody>
+      </p:sp>
+      <p:pic>
+        <p:nvPicPr>
+          <p:cNvPr id="7" name="그림 6">
+            <a:extLst>
+              <a:ext uri="{FF2B5EF4-FFF2-40B4-BE49-F238E27FC236}">
+                <a16:creationId xmlns:a16="http://schemas.microsoft.com/office/drawing/2014/main" id="{CB8B92ED-491E-4AC4-81CC-43F58C4C5E08}"/>
+              </a:ext>
+            </a:extLst>
+          </p:cNvPr>
+          <p:cNvPicPr>
+            <a:picLocks noChangeAspect="1"/>
+          </p:cNvPicPr>
+          <p:nvPr/>
+        </p:nvPicPr>
+        <p:blipFill rotWithShape="1">
+          <a:blip r:embed="rId2">
+            <a:extLst>
+              <a:ext uri="{28A0092B-C50C-407E-A947-70E740481C1C}">
+                <a14:useLocalDpi xmlns:a14="http://schemas.microsoft.com/office/drawing/2010/main" val="0"/>
+              </a:ext>
+            </a:extLst>
+          </a:blip>
+          <a:srcRect t="23374" b="24556"/>
+          <a:stretch/>
+        </p:blipFill>
+        <p:spPr>
+          <a:xfrm>
+            <a:off x="1382868" y="2052232"/>
+            <a:ext cx="2892407" cy="1506065"/>
+          </a:xfrm>
+          <a:prstGeom prst="rect">
+            <a:avLst/>
+          </a:prstGeom>
+        </p:spPr>
+      </p:pic>
+      <p:pic>
+        <p:nvPicPr>
+          <p:cNvPr id="8" name="그림 7">
+            <a:extLst>
+              <a:ext uri="{FF2B5EF4-FFF2-40B4-BE49-F238E27FC236}">
+                <a16:creationId xmlns:a16="http://schemas.microsoft.com/office/drawing/2014/main" id="{77D68002-3D9F-48AF-AE1F-C2B73AC0ED34}"/>
+              </a:ext>
+            </a:extLst>
+          </p:cNvPr>
+          <p:cNvPicPr>
+            <a:picLocks noChangeAspect="1"/>
+          </p:cNvPicPr>
+          <p:nvPr/>
+        </p:nvPicPr>
+        <p:blipFill>
+          <a:blip r:embed="rId3">
+            <a:extLst>
+              <a:ext uri="{28A0092B-C50C-407E-A947-70E740481C1C}">
+                <a14:useLocalDpi xmlns:a14="http://schemas.microsoft.com/office/drawing/2010/main" val="0"/>
+              </a:ext>
+            </a:extLst>
+          </a:blip>
+          <a:stretch>
+            <a:fillRect/>
+          </a:stretch>
+        </p:blipFill>
+        <p:spPr>
+          <a:xfrm>
+            <a:off x="9436553" y="2181530"/>
+            <a:ext cx="1247470" cy="1247470"/>
+          </a:xfrm>
+          <a:prstGeom prst="rect">
+            <a:avLst/>
+          </a:prstGeom>
+        </p:spPr>
+      </p:pic>
+      <p:pic>
+        <p:nvPicPr>
+          <p:cNvPr id="3" name="그림 2">
+            <a:extLst>
+              <a:ext uri="{FF2B5EF4-FFF2-40B4-BE49-F238E27FC236}">
+                <a16:creationId xmlns:a16="http://schemas.microsoft.com/office/drawing/2014/main" id="{CBFF29AA-4EF5-4A09-8AB9-8391A028627E}"/>
+              </a:ext>
+            </a:extLst>
+          </p:cNvPr>
+          <p:cNvPicPr>
+            <a:picLocks noChangeAspect="1"/>
+          </p:cNvPicPr>
+          <p:nvPr/>
+        </p:nvPicPr>
+        <p:blipFill>
+          <a:blip r:embed="rId4">
+            <a:extLst>
+              <a:ext uri="{28A0092B-C50C-407E-A947-70E740481C1C}">
+                <a14:useLocalDpi xmlns:a14="http://schemas.microsoft.com/office/drawing/2010/main" val="0"/>
+              </a:ext>
+            </a:extLst>
+          </a:blip>
+          <a:stretch>
+            <a:fillRect/>
+          </a:stretch>
+        </p:blipFill>
+        <p:spPr>
+          <a:xfrm>
+            <a:off x="6151135" y="835895"/>
+            <a:ext cx="861758" cy="861758"/>
+          </a:xfrm>
+          <a:prstGeom prst="rect">
+            <a:avLst/>
+          </a:prstGeom>
+        </p:spPr>
+      </p:pic>
+      <p:grpSp>
+        <p:nvGrpSpPr>
+          <p:cNvPr id="10" name="그룹 9">
+            <a:extLst>
+              <a:ext uri="{FF2B5EF4-FFF2-40B4-BE49-F238E27FC236}">
+                <a16:creationId xmlns:a16="http://schemas.microsoft.com/office/drawing/2014/main" id="{796A3521-5C04-466A-8769-965A41700448}"/>
+              </a:ext>
+            </a:extLst>
+          </p:cNvPr>
+          <p:cNvGrpSpPr/>
+          <p:nvPr/>
+        </p:nvGrpSpPr>
+        <p:grpSpPr>
+          <a:xfrm>
+            <a:off x="2829072" y="2533071"/>
+            <a:ext cx="7231216" cy="2595252"/>
+            <a:chOff x="2829072" y="2533071"/>
+            <a:chExt cx="7231216" cy="2595252"/>
+          </a:xfrm>
+        </p:grpSpPr>
+        <p:cxnSp>
+          <p:nvCxnSpPr>
+            <p:cNvPr id="15" name="직선 연결선 14">
+              <a:extLst>
+                <a:ext uri="{FF2B5EF4-FFF2-40B4-BE49-F238E27FC236}">
+                  <a16:creationId xmlns:a16="http://schemas.microsoft.com/office/drawing/2014/main" id="{C50EAF9E-1F08-47B9-9CC6-2595F7C7E3EA}"/>
+                </a:ext>
+              </a:extLst>
+            </p:cNvPr>
+            <p:cNvCxnSpPr>
+              <a:cxnSpLocks/>
+              <a:stCxn id="7" idx="3"/>
+              <a:endCxn id="8" idx="1"/>
+            </p:cNvCxnSpPr>
+            <p:nvPr/>
+          </p:nvCxnSpPr>
+          <p:spPr>
+            <a:xfrm>
+              <a:off x="4275275" y="2805265"/>
+              <a:ext cx="5161278" cy="0"/>
+            </a:xfrm>
+            <a:prstGeom prst="line">
+              <a:avLst/>
+            </a:prstGeom>
+            <a:ln w="57150">
+              <a:solidFill>
+                <a:srgbClr val="3ED7C4"/>
+              </a:solidFill>
+              <a:headEnd type="none" w="med" len="med"/>
+              <a:tailEnd type="triangle" w="med" len="med"/>
+            </a:ln>
+          </p:spPr>
+          <p:style>
+            <a:lnRef idx="1">
+              <a:schemeClr val="accent1"/>
+            </a:lnRef>
+            <a:fillRef idx="0">
+              <a:schemeClr val="accent1"/>
+            </a:fillRef>
+            <a:effectRef idx="0">
+              <a:schemeClr val="accent1"/>
+            </a:effectRef>
+            <a:fontRef idx="minor">
+              <a:schemeClr val="tx1"/>
+            </a:fontRef>
+          </p:style>
+        </p:cxnSp>
+        <p:cxnSp>
+          <p:nvCxnSpPr>
+            <p:cNvPr id="24" name="연결선: 구부러짐 23">
+              <a:extLst>
+                <a:ext uri="{FF2B5EF4-FFF2-40B4-BE49-F238E27FC236}">
+                  <a16:creationId xmlns:a16="http://schemas.microsoft.com/office/drawing/2014/main" id="{5CE2B456-A6E5-42A2-8A1D-2A77C9DC02C7}"/>
+                </a:ext>
+              </a:extLst>
+            </p:cNvPr>
+            <p:cNvCxnSpPr>
+              <a:cxnSpLocks/>
+              <a:stCxn id="7" idx="2"/>
+              <a:endCxn id="8" idx="2"/>
+            </p:cNvCxnSpPr>
+            <p:nvPr/>
+          </p:nvCxnSpPr>
+          <p:spPr>
+            <a:xfrm rot="5400000" flipH="1" flipV="1">
+              <a:off x="6380031" y="-121959"/>
+              <a:ext cx="129297" cy="7231216"/>
+            </a:xfrm>
+            <a:prstGeom prst="curvedConnector3">
+              <a:avLst>
+                <a:gd name="adj1" fmla="val -868297"/>
+              </a:avLst>
+            </a:prstGeom>
+            <a:ln w="57150">
+              <a:solidFill>
+                <a:srgbClr val="3ED7C4"/>
+              </a:solidFill>
+              <a:tailEnd type="triangle"/>
+            </a:ln>
+          </p:spPr>
+          <p:style>
+            <a:lnRef idx="1">
+              <a:schemeClr val="accent1"/>
+            </a:lnRef>
+            <a:fillRef idx="0">
+              <a:schemeClr val="accent1"/>
+            </a:fillRef>
+            <a:effectRef idx="0">
+              <a:schemeClr val="accent1"/>
+            </a:effectRef>
+            <a:fontRef idx="minor">
+              <a:schemeClr val="tx1"/>
+            </a:fontRef>
+          </p:style>
+        </p:cxnSp>
+        <p:grpSp>
+          <p:nvGrpSpPr>
+            <p:cNvPr id="14" name="그룹 13">
+              <a:extLst>
+                <a:ext uri="{FF2B5EF4-FFF2-40B4-BE49-F238E27FC236}">
+                  <a16:creationId xmlns:a16="http://schemas.microsoft.com/office/drawing/2014/main" id="{CCF28578-5EF9-4E4E-9C16-A9821D6CD011}"/>
+                </a:ext>
+              </a:extLst>
+            </p:cNvPr>
+            <p:cNvGrpSpPr/>
+            <p:nvPr/>
+          </p:nvGrpSpPr>
+          <p:grpSpPr>
+            <a:xfrm>
+              <a:off x="4603511" y="4149003"/>
+              <a:ext cx="3957005" cy="979320"/>
+              <a:chOff x="5369875" y="4343754"/>
+              <a:chExt cx="3957005" cy="726587"/>
+            </a:xfrm>
+          </p:grpSpPr>
+          <p:sp>
+            <p:nvSpPr>
+              <p:cNvPr id="12" name="직사각형 11">
+                <a:extLst>
+                  <a:ext uri="{FF2B5EF4-FFF2-40B4-BE49-F238E27FC236}">
+                    <a16:creationId xmlns:a16="http://schemas.microsoft.com/office/drawing/2014/main" id="{CC517A6F-BF57-4C4C-9841-423FC0425843}"/>
+                  </a:ext>
+                </a:extLst>
+              </p:cNvPr>
+              <p:cNvSpPr/>
+              <p:nvPr/>
+            </p:nvSpPr>
+            <p:spPr>
+              <a:xfrm>
+                <a:off x="5950219" y="4343754"/>
+                <a:ext cx="3376661" cy="726587"/>
+              </a:xfrm>
+              <a:prstGeom prst="rect">
+                <a:avLst/>
+              </a:prstGeom>
+              <a:noFill/>
+              <a:ln>
+                <a:noFill/>
+              </a:ln>
+            </p:spPr>
+            <p:style>
+              <a:lnRef idx="2">
+                <a:schemeClr val="accent1">
+                  <a:shade val="50000"/>
+                </a:schemeClr>
+              </a:lnRef>
+              <a:fillRef idx="1">
+                <a:schemeClr val="accent1"/>
+              </a:fillRef>
+              <a:effectRef idx="0">
+                <a:schemeClr val="accent1"/>
+              </a:effectRef>
+              <a:fontRef idx="minor">
+                <a:schemeClr val="lt1"/>
+              </a:fontRef>
+            </p:style>
+            <p:txBody>
+              <a:bodyPr rtlCol="0" anchor="ctr"/>
+              <a:lstStyle/>
+              <a:p>
+                <a:pPr algn="ctr"/>
+                <a:r>
+                  <a:rPr kumimoji="1" lang="ko-KR" altLang="en-US" spc="-100" dirty="0">
+                    <a:solidFill>
+                      <a:schemeClr val="tx1"/>
+                    </a:solidFill>
+                    <a:latin typeface="NanumSquare ExtraBold" panose="020B0600000101010101" pitchFamily="34" charset="-127"/>
+                    <a:ea typeface="NanumSquare ExtraBold" panose="020B0600000101010101" pitchFamily="34" charset="-127"/>
+                  </a:rPr>
+                  <a:t>어린이 보호구역 입니다</a:t>
+                </a:r>
+                <a:r>
+                  <a:rPr kumimoji="1" lang="en-US" altLang="ko-KR" spc="-100" dirty="0">
+                    <a:solidFill>
+                      <a:schemeClr val="tx1"/>
+                    </a:solidFill>
+                    <a:latin typeface="NanumSquare ExtraBold" panose="020B0600000101010101" pitchFamily="34" charset="-127"/>
+                    <a:ea typeface="NanumSquare ExtraBold" panose="020B0600000101010101" pitchFamily="34" charset="-127"/>
+                  </a:rPr>
+                  <a:t>.</a:t>
+                </a:r>
+              </a:p>
+              <a:p>
+                <a:pPr algn="ctr"/>
+                <a:r>
+                  <a:rPr kumimoji="1" lang="ko-KR" altLang="en-US" spc="-100" dirty="0">
+                    <a:solidFill>
+                      <a:schemeClr val="tx1"/>
+                    </a:solidFill>
+                    <a:latin typeface="NanumSquare ExtraBold" panose="020B0600000101010101" pitchFamily="34" charset="-127"/>
+                    <a:ea typeface="NanumSquare ExtraBold" panose="020B0600000101010101" pitchFamily="34" charset="-127"/>
+                  </a:rPr>
+                  <a:t>지정 속도인 </a:t>
+                </a:r>
+                <a:r>
+                  <a:rPr kumimoji="1" lang="en-US" altLang="ko-KR" spc="-100" dirty="0">
+                    <a:solidFill>
+                      <a:schemeClr val="tx1"/>
+                    </a:solidFill>
+                    <a:latin typeface="NanumSquare ExtraBold" panose="020B0600000101010101" pitchFamily="34" charset="-127"/>
+                    <a:ea typeface="NanumSquare ExtraBold" panose="020B0600000101010101" pitchFamily="34" charset="-127"/>
+                  </a:rPr>
+                  <a:t>30km</a:t>
+                </a:r>
+                <a:r>
+                  <a:rPr kumimoji="1" lang="ko-KR" altLang="en-US" spc="-100" dirty="0">
+                    <a:solidFill>
+                      <a:schemeClr val="tx1"/>
+                    </a:solidFill>
+                    <a:latin typeface="NanumSquare ExtraBold" panose="020B0600000101010101" pitchFamily="34" charset="-127"/>
+                    <a:ea typeface="NanumSquare ExtraBold" panose="020B0600000101010101" pitchFamily="34" charset="-127"/>
+                  </a:rPr>
+                  <a:t>로 주행합니다</a:t>
+                </a:r>
+                <a:r>
+                  <a:rPr kumimoji="1" lang="en-US" altLang="ko-KR" spc="-100" dirty="0">
+                    <a:solidFill>
+                      <a:schemeClr val="tx1"/>
+                    </a:solidFill>
+                    <a:latin typeface="NanumSquare ExtraBold" panose="020B0600000101010101" pitchFamily="34" charset="-127"/>
+                    <a:ea typeface="NanumSquare ExtraBold" panose="020B0600000101010101" pitchFamily="34" charset="-127"/>
+                  </a:rPr>
+                  <a:t>.</a:t>
+                </a:r>
+                <a:endParaRPr kumimoji="1" lang="ko-KR" altLang="en-US" spc="-100" dirty="0">
+                  <a:solidFill>
+                    <a:schemeClr val="tx1"/>
+                  </a:solidFill>
+                  <a:latin typeface="NanumSquare ExtraBold" panose="020B0600000101010101" pitchFamily="34" charset="-127"/>
+                  <a:ea typeface="NanumSquare ExtraBold" panose="020B0600000101010101" pitchFamily="34" charset="-127"/>
+                </a:endParaRPr>
+              </a:p>
+            </p:txBody>
+          </p:sp>
+          <p:pic>
+            <p:nvPicPr>
+              <p:cNvPr id="13" name="그림 12">
+                <a:extLst>
+                  <a:ext uri="{FF2B5EF4-FFF2-40B4-BE49-F238E27FC236}">
+                    <a16:creationId xmlns:a16="http://schemas.microsoft.com/office/drawing/2014/main" id="{48FA0E50-EE57-46D3-8D16-9FE1E1036457}"/>
+                  </a:ext>
+                </a:extLst>
+              </p:cNvPr>
+              <p:cNvPicPr>
+                <a:picLocks noChangeAspect="1"/>
+              </p:cNvPicPr>
+              <p:nvPr/>
+            </p:nvPicPr>
+            <p:blipFill>
+              <a:blip r:embed="rId5">
+                <a:extLst>
+                  <a:ext uri="{28A0092B-C50C-407E-A947-70E740481C1C}">
+                    <a14:useLocalDpi xmlns:a14="http://schemas.microsoft.com/office/drawing/2010/main" val="0"/>
+                  </a:ext>
+                </a:extLst>
+              </a:blip>
+              <a:stretch>
+                <a:fillRect/>
+              </a:stretch>
+            </p:blipFill>
+            <p:spPr>
+              <a:xfrm>
+                <a:off x="5369875" y="4460819"/>
+                <a:ext cx="492455" cy="492455"/>
+              </a:xfrm>
+              <a:prstGeom prst="rect">
+                <a:avLst/>
+              </a:prstGeom>
+            </p:spPr>
+          </p:pic>
+        </p:grpSp>
+        <p:pic>
+          <p:nvPicPr>
+            <p:cNvPr id="17" name="그림 16">
+              <a:extLst>
+                <a:ext uri="{FF2B5EF4-FFF2-40B4-BE49-F238E27FC236}">
+                  <a16:creationId xmlns:a16="http://schemas.microsoft.com/office/drawing/2014/main" id="{C8C96C41-2498-4B89-945A-549B9713E62E}"/>
+                </a:ext>
+              </a:extLst>
+            </p:cNvPr>
+            <p:cNvPicPr>
+              <a:picLocks noChangeAspect="1"/>
+            </p:cNvPicPr>
+            <p:nvPr/>
+          </p:nvPicPr>
+          <p:blipFill rotWithShape="1">
+            <a:blip r:embed="rId6">
+              <a:extLst>
+                <a:ext uri="{28A0092B-C50C-407E-A947-70E740481C1C}">
+                  <a14:useLocalDpi xmlns:a14="http://schemas.microsoft.com/office/drawing/2010/main" val="0"/>
+                </a:ext>
+              </a:extLst>
+            </a:blip>
+            <a:srcRect l="27679" t="1216" r="52713" b="88221"/>
+            <a:stretch/>
+          </p:blipFill>
+          <p:spPr>
+            <a:xfrm>
+              <a:off x="5798678" y="2533071"/>
+              <a:ext cx="1566672" cy="544386"/>
+            </a:xfrm>
+            <a:prstGeom prst="rect">
+              <a:avLst/>
+            </a:prstGeom>
+          </p:spPr>
+        </p:pic>
+      </p:grpSp>
+    </p:spTree>
+    <p:extLst>
+      <p:ext uri="{BB962C8B-B14F-4D97-AF65-F5344CB8AC3E}">
+        <p14:creationId xmlns:p14="http://schemas.microsoft.com/office/powerpoint/2010/main" val="4272228920"/>
+      </p:ext>
+    </p:extLst>
+  </p:cSld>
+  <p:clrMapOvr>
+    <a:masterClrMapping/>
+  </p:clrMapOvr>
+  <mc:AlternateContent xmlns:mc="http://schemas.openxmlformats.org/markup-compatibility/2006">
+    <mc:Choice xmlns:p159="http://schemas.microsoft.com/office/powerpoint/2015/09/main" Requires="p159">
+      <p:transition xmlns:p14="http://schemas.microsoft.com/office/powerpoint/2010/main" spd="slow" p14:dur="2000">
+        <p159:morph option="byObject"/>
+      </p:transition>
+    </mc:Choice>
+    <mc:Fallback>
+      <p:transition spd="slow">
+        <p:fade/>
+      </p:transition>
+    </mc:Fallback>
+  </mc:AlternateContent>
+  <p:timing>
+    <p:tnLst>
+      <p:par>
+        <p:cTn id="1" dur="indefinite" restart="never" nodeType="tmRoot">
+          <p:childTnLst>
+            <p:seq concurrent="1" nextAc="seek">
+              <p:cTn id="2" dur="indefinite" nodeType="mainSeq">
+                <p:childTnLst>
+                  <p:par>
+                    <p:cTn id="3" fill="hold">
+                      <p:stCondLst>
+                        <p:cond delay="indefinite"/>
+                      </p:stCondLst>
+                      <p:childTnLst>
+                        <p:par>
+                          <p:cTn id="4" fill="hold">
+                            <p:stCondLst>
+                              <p:cond delay="0"/>
+                            </p:stCondLst>
+                            <p:childTnLst>
+                              <p:par>
+                                <p:cTn id="5" presetID="22" presetClass="entr" presetSubtype="8" fill="hold" nodeType="clickEffect">
+                                  <p:stCondLst>
+                                    <p:cond delay="0"/>
+                                  </p:stCondLst>
+                                  <p:childTnLst>
+                                    <p:set>
+                                      <p:cBhvr>
+                                        <p:cTn id="6" dur="1" fill="hold">
+                                          <p:stCondLst>
+                                            <p:cond delay="0"/>
+                                          </p:stCondLst>
+                                        </p:cTn>
+                                        <p:tgtEl>
+                                          <p:spTgt spid="10"/>
+                                        </p:tgtEl>
+                                        <p:attrNameLst>
+                                          <p:attrName>style.visibility</p:attrName>
+                                        </p:attrNameLst>
+                                      </p:cBhvr>
+                                      <p:to>
+                                        <p:strVal val="visible"/>
+                                      </p:to>
+                                    </p:set>
+                                    <p:animEffect transition="in" filter="wipe(left)">
+                                      <p:cBhvr>
+                                        <p:cTn id="7" dur="500"/>
+                                        <p:tgtEl>
+                                          <p:spTgt spid="10"/>
+                                        </p:tgtEl>
+                                      </p:cBhvr>
+                                    </p:animEffect>
+                                  </p:childTnLst>
+                                </p:cTn>
+                              </p:par>
+                            </p:childTnLst>
+                          </p:cTn>
+                        </p:par>
+                      </p:childTnLst>
+                    </p:cTn>
+                  </p:par>
+                </p:childTnLst>
+              </p:cTn>
+              <p:prevCondLst>
+                <p:cond evt="onPrev" delay="0">
+                  <p:tgtEl>
+                    <p:sldTgt/>
+                  </p:tgtEl>
+                </p:cond>
+              </p:prevCondLst>
+              <p:nextCondLst>
+                <p:cond evt="onNext" delay="0">
+                  <p:tgtEl>
+                    <p:sldTgt/>
+                  </p:tgtEl>
+                </p:cond>
+              </p:nextCondLst>
+            </p:seq>
+          </p:childTnLst>
+        </p:cTn>
+      </p:par>
+    </p:tnLst>
+  </p:timing>
+</p:sld>
+</file>
+
+<file path=ppt/slides/slide21.xml><?xml version="1.0" encoding="utf-8"?>
+<p:sld xmlns:a="http://schemas.openxmlformats.org/drawingml/2006/main" xmlns:r="http://schemas.openxmlformats.org/officeDocument/2006/relationships" xmlns:p="http://schemas.openxmlformats.org/presentationml/2006/main">
+  <p:cSld>
+    <p:spTree>
+      <p:nvGrpSpPr>
+        <p:cNvPr id="1" name=""/>
+        <p:cNvGrpSpPr/>
+        <p:nvPr/>
+      </p:nvGrpSpPr>
+      <p:grpSpPr>
+        <a:xfrm>
+          <a:off x="0" y="0"/>
+          <a:ext cx="0" cy="0"/>
+          <a:chOff x="0" y="0"/>
+          <a:chExt cx="0" cy="0"/>
+        </a:xfrm>
+      </p:grpSpPr>
+      <p:sp>
+        <p:nvSpPr>
+          <p:cNvPr id="4" name="직사각형 3">
+            <a:extLst>
+              <a:ext uri="{FF2B5EF4-FFF2-40B4-BE49-F238E27FC236}">
+                <a16:creationId xmlns:a16="http://schemas.microsoft.com/office/drawing/2014/main" id="{027812B0-4CDC-4E7E-B119-C1647F42E6C6}"/>
+              </a:ext>
+            </a:extLst>
+          </p:cNvPr>
+          <p:cNvSpPr/>
+          <p:nvPr/>
+        </p:nvSpPr>
+        <p:spPr>
+          <a:xfrm>
+            <a:off x="-2867" y="6036816"/>
+            <a:ext cx="12192000" cy="585926"/>
+          </a:xfrm>
+          <a:prstGeom prst="rect">
+            <a:avLst/>
+          </a:prstGeom>
+          <a:solidFill>
+            <a:srgbClr val="3ED7C4"/>
+          </a:solidFill>
+          <a:ln>
+            <a:noFill/>
+          </a:ln>
+        </p:spPr>
+        <p:style>
+          <a:lnRef idx="2">
+            <a:schemeClr val="accent1">
+              <a:shade val="50000"/>
+            </a:schemeClr>
+          </a:lnRef>
+          <a:fillRef idx="1">
+            <a:schemeClr val="accent1"/>
+          </a:fillRef>
+          <a:effectRef idx="0">
+            <a:schemeClr val="accent1"/>
+          </a:effectRef>
+          <a:fontRef idx="minor">
+            <a:schemeClr val="lt1"/>
+          </a:fontRef>
+        </p:style>
+        <p:txBody>
+          <a:bodyPr rtlCol="0" anchor="ctr"/>
+          <a:lstStyle/>
+          <a:p>
+            <a:pPr algn="ctr"/>
+            <a:endParaRPr kumimoji="1" lang="ko-KR" altLang="en-US" dirty="0"/>
+          </a:p>
+        </p:txBody>
+      </p:sp>
+      <p:sp>
+        <p:nvSpPr>
+          <p:cNvPr id="6" name="직사각형 5">
+            <a:extLst>
+              <a:ext uri="{FF2B5EF4-FFF2-40B4-BE49-F238E27FC236}">
+                <a16:creationId xmlns:a16="http://schemas.microsoft.com/office/drawing/2014/main" id="{9607AE92-47E0-4023-9729-7FCAC3FF8059}"/>
+              </a:ext>
+            </a:extLst>
+          </p:cNvPr>
+          <p:cNvSpPr/>
+          <p:nvPr/>
+        </p:nvSpPr>
+        <p:spPr>
+          <a:xfrm>
+            <a:off x="9436553" y="5974672"/>
+            <a:ext cx="2707689" cy="710213"/>
+          </a:xfrm>
+          <a:prstGeom prst="rect">
+            <a:avLst/>
+          </a:prstGeom>
+          <a:noFill/>
+          <a:ln>
+            <a:noFill/>
+          </a:ln>
+        </p:spPr>
+        <p:style>
+          <a:lnRef idx="2">
+            <a:schemeClr val="accent1">
+              <a:shade val="50000"/>
+            </a:schemeClr>
+          </a:lnRef>
+          <a:fillRef idx="1">
+            <a:schemeClr val="accent1"/>
+          </a:fillRef>
+          <a:effectRef idx="0">
+            <a:schemeClr val="accent1"/>
+          </a:effectRef>
+          <a:fontRef idx="minor">
+            <a:schemeClr val="lt1"/>
+          </a:fontRef>
+        </p:style>
+        <p:txBody>
+          <a:bodyPr rtlCol="0" anchor="ctr"/>
+          <a:lstStyle/>
+          <a:p>
+            <a:pPr algn="ctr"/>
+            <a:r>
+              <a:rPr kumimoji="1" lang="en-US" altLang="ko-KR" sz="3600" b="1" spc="-100" dirty="0">
+                <a:latin typeface="NanumSquare ExtraBold" panose="020B0600000101010101" pitchFamily="34" charset="-127"/>
+                <a:ea typeface="NanumSquare ExtraBold" panose="020B0600000101010101" pitchFamily="34" charset="-127"/>
+              </a:rPr>
+              <a:t>Upgrade</a:t>
+            </a:r>
+            <a:endParaRPr kumimoji="1" lang="ko-KR" altLang="en-US" sz="3600" b="1" spc="-100" dirty="0">
+              <a:latin typeface="NanumSquare ExtraBold" panose="020B0600000101010101" pitchFamily="34" charset="-127"/>
+              <a:ea typeface="NanumSquare ExtraBold" panose="020B0600000101010101" pitchFamily="34" charset="-127"/>
+            </a:endParaRPr>
+          </a:p>
+        </p:txBody>
+      </p:sp>
+      <p:pic>
+        <p:nvPicPr>
+          <p:cNvPr id="8" name="그림 7">
+            <a:extLst>
+              <a:ext uri="{FF2B5EF4-FFF2-40B4-BE49-F238E27FC236}">
+                <a16:creationId xmlns:a16="http://schemas.microsoft.com/office/drawing/2014/main" id="{77D68002-3D9F-48AF-AE1F-C2B73AC0ED34}"/>
+              </a:ext>
+            </a:extLst>
+          </p:cNvPr>
+          <p:cNvPicPr>
+            <a:picLocks noChangeAspect="1"/>
+          </p:cNvPicPr>
+          <p:nvPr/>
+        </p:nvPicPr>
+        <p:blipFill>
+          <a:blip r:embed="rId2">
+            <a:extLst>
+              <a:ext uri="{28A0092B-C50C-407E-A947-70E740481C1C}">
+                <a14:useLocalDpi xmlns:a14="http://schemas.microsoft.com/office/drawing/2010/main" val="0"/>
+              </a:ext>
+            </a:extLst>
+          </a:blip>
+          <a:stretch>
+            <a:fillRect/>
+          </a:stretch>
+        </p:blipFill>
+        <p:spPr>
+          <a:xfrm>
+            <a:off x="8020092" y="2181530"/>
+            <a:ext cx="1247470" cy="1247470"/>
+          </a:xfrm>
+          <a:prstGeom prst="rect">
+            <a:avLst/>
+          </a:prstGeom>
+        </p:spPr>
+      </p:pic>
+      <p:pic>
+        <p:nvPicPr>
+          <p:cNvPr id="18" name="그림 17">
+            <a:extLst>
+              <a:ext uri="{FF2B5EF4-FFF2-40B4-BE49-F238E27FC236}">
+                <a16:creationId xmlns:a16="http://schemas.microsoft.com/office/drawing/2014/main" id="{E12FB017-8DAA-4D89-B624-30FD076ACD7E}"/>
+              </a:ext>
+            </a:extLst>
+          </p:cNvPr>
+          <p:cNvPicPr>
+            <a:picLocks noChangeAspect="1"/>
+          </p:cNvPicPr>
+          <p:nvPr/>
+        </p:nvPicPr>
+        <p:blipFill rotWithShape="1">
+          <a:blip r:embed="rId3">
+            <a:extLst>
+              <a:ext uri="{28A0092B-C50C-407E-A947-70E740481C1C}">
+                <a14:useLocalDpi xmlns:a14="http://schemas.microsoft.com/office/drawing/2010/main" val="0"/>
+              </a:ext>
+            </a:extLst>
+          </a:blip>
+          <a:srcRect l="15427" r="15185"/>
+          <a:stretch/>
+        </p:blipFill>
+        <p:spPr>
+          <a:xfrm>
+            <a:off x="2924438" y="1906351"/>
+            <a:ext cx="1247471" cy="1797827"/>
+          </a:xfrm>
+          <a:prstGeom prst="rect">
+            <a:avLst/>
+          </a:prstGeom>
+        </p:spPr>
+      </p:pic>
+    </p:spTree>
+    <p:extLst>
+      <p:ext uri="{BB962C8B-B14F-4D97-AF65-F5344CB8AC3E}">
+        <p14:creationId xmlns:p14="http://schemas.microsoft.com/office/powerpoint/2010/main" val="953286226"/>
+      </p:ext>
+    </p:extLst>
+  </p:cSld>
+  <p:clrMapOvr>
+    <a:masterClrMapping/>
+  </p:clrMapOvr>
+  <mc:AlternateContent xmlns:mc="http://schemas.openxmlformats.org/markup-compatibility/2006">
+    <mc:Choice xmlns:p159="http://schemas.microsoft.com/office/powerpoint/2015/09/main" Requires="p159">
+      <p:transition xmlns:p14="http://schemas.microsoft.com/office/powerpoint/2010/main" spd="slow" p14:dur="2000">
+        <p159:morph option="byObject"/>
+      </p:transition>
+    </mc:Choice>
+    <mc:Fallback>
+      <p:transition spd="slow">
+        <p:fade/>
+      </p:transition>
+    </mc:Fallback>
+  </mc:AlternateContent>
+</p:sld>
+</file>
+
+<file path=ppt/slides/slide22.xml><?xml version="1.0" encoding="utf-8"?>
+<p:sld xmlns:a="http://schemas.openxmlformats.org/drawingml/2006/main" xmlns:r="http://schemas.openxmlformats.org/officeDocument/2006/relationships" xmlns:p="http://schemas.openxmlformats.org/presentationml/2006/main">
+  <p:cSld>
+    <p:spTree>
+      <p:nvGrpSpPr>
+        <p:cNvPr id="1" name=""/>
+        <p:cNvGrpSpPr/>
+        <p:nvPr/>
+      </p:nvGrpSpPr>
+      <p:grpSpPr>
+        <a:xfrm>
+          <a:off x="0" y="0"/>
+          <a:ext cx="0" cy="0"/>
+          <a:chOff x="0" y="0"/>
+          <a:chExt cx="0" cy="0"/>
+        </a:xfrm>
+      </p:grpSpPr>
+      <p:sp>
+        <p:nvSpPr>
+          <p:cNvPr id="2" name="제목 1">
+            <a:extLst>
+              <a:ext uri="{FF2B5EF4-FFF2-40B4-BE49-F238E27FC236}">
+                <a16:creationId xmlns:a16="http://schemas.microsoft.com/office/drawing/2014/main" id="{46F21623-081D-4EAE-BDAF-8E49B0929CDE}"/>
+              </a:ext>
+            </a:extLst>
+          </p:cNvPr>
+          <p:cNvSpPr>
+            <a:spLocks noGrp="1"/>
+          </p:cNvSpPr>
+          <p:nvPr>
+            <p:ph type="ctrTitle"/>
+          </p:nvPr>
+        </p:nvSpPr>
+        <p:spPr/>
+        <p:txBody>
+          <a:bodyPr/>
+          <a:lstStyle/>
+          <a:p>
+            <a:endParaRPr lang="ko-KR" altLang="en-US" dirty="0"/>
+          </a:p>
+        </p:txBody>
+      </p:sp>
+      <p:sp>
+        <p:nvSpPr>
+          <p:cNvPr id="3" name="부제목 2">
+            <a:extLst>
+              <a:ext uri="{FF2B5EF4-FFF2-40B4-BE49-F238E27FC236}">
+                <a16:creationId xmlns:a16="http://schemas.microsoft.com/office/drawing/2014/main" id="{3A9453D3-5BF5-4268-A5BE-EE1BE795414E}"/>
+              </a:ext>
+            </a:extLst>
+          </p:cNvPr>
+          <p:cNvSpPr>
+            <a:spLocks noGrp="1"/>
+          </p:cNvSpPr>
+          <p:nvPr>
+            <p:ph type="subTitle" idx="1"/>
+          </p:nvPr>
+        </p:nvSpPr>
+        <p:spPr/>
+        <p:txBody>
+          <a:bodyPr/>
+          <a:lstStyle/>
+          <a:p>
+            <a:endParaRPr lang="ko-KR" altLang="en-US"/>
+          </a:p>
+        </p:txBody>
+      </p:sp>
+      <p:sp>
+        <p:nvSpPr>
+          <p:cNvPr id="4" name="직사각형 3">
+            <a:extLst>
+              <a:ext uri="{FF2B5EF4-FFF2-40B4-BE49-F238E27FC236}">
+                <a16:creationId xmlns:a16="http://schemas.microsoft.com/office/drawing/2014/main" id="{027812B0-4CDC-4E7E-B119-C1647F42E6C6}"/>
+              </a:ext>
+            </a:extLst>
+          </p:cNvPr>
+          <p:cNvSpPr/>
+          <p:nvPr/>
+        </p:nvSpPr>
+        <p:spPr>
+          <a:xfrm>
+            <a:off x="0" y="0"/>
+            <a:ext cx="12192000" cy="6858000"/>
+          </a:xfrm>
+          <a:prstGeom prst="rect">
+            <a:avLst/>
+          </a:prstGeom>
+          <a:solidFill>
+            <a:srgbClr val="3ED7C4"/>
+          </a:solidFill>
+          <a:ln>
+            <a:noFill/>
+          </a:ln>
+        </p:spPr>
+        <p:style>
+          <a:lnRef idx="2">
+            <a:schemeClr val="accent1">
+              <a:shade val="50000"/>
+            </a:schemeClr>
+          </a:lnRef>
+          <a:fillRef idx="1">
+            <a:schemeClr val="accent1"/>
+          </a:fillRef>
+          <a:effectRef idx="0">
+            <a:schemeClr val="accent1"/>
+          </a:effectRef>
+          <a:fontRef idx="minor">
+            <a:schemeClr val="lt1"/>
+          </a:fontRef>
+        </p:style>
+        <p:txBody>
+          <a:bodyPr rtlCol="0" anchor="ctr"/>
+          <a:lstStyle/>
+          <a:p>
+            <a:pPr algn="ctr"/>
+            <a:endParaRPr kumimoji="1" lang="ko-KR" altLang="en-US" dirty="0"/>
+          </a:p>
+        </p:txBody>
+      </p:sp>
+      <p:sp>
+        <p:nvSpPr>
+          <p:cNvPr id="5" name="직사각형 4">
+            <a:extLst>
+              <a:ext uri="{FF2B5EF4-FFF2-40B4-BE49-F238E27FC236}">
+                <a16:creationId xmlns:a16="http://schemas.microsoft.com/office/drawing/2014/main" id="{98044BE6-F6AD-4EF9-8C58-6ED39CE33C3F}"/>
+              </a:ext>
+            </a:extLst>
+          </p:cNvPr>
+          <p:cNvSpPr/>
+          <p:nvPr/>
+        </p:nvSpPr>
+        <p:spPr>
+          <a:xfrm>
+            <a:off x="847725" y="2547418"/>
+            <a:ext cx="10496550" cy="974794"/>
+          </a:xfrm>
+          <a:prstGeom prst="rect">
+            <a:avLst/>
+          </a:prstGeom>
+          <a:noFill/>
+          <a:ln>
+            <a:noFill/>
+          </a:ln>
+        </p:spPr>
+        <p:style>
+          <a:lnRef idx="2">
+            <a:schemeClr val="accent1">
+              <a:shade val="50000"/>
+            </a:schemeClr>
+          </a:lnRef>
+          <a:fillRef idx="1">
+            <a:schemeClr val="accent1"/>
+          </a:fillRef>
+          <a:effectRef idx="0">
+            <a:schemeClr val="accent1"/>
+          </a:effectRef>
+          <a:fontRef idx="minor">
+            <a:schemeClr val="lt1"/>
+          </a:fontRef>
+        </p:style>
+        <p:txBody>
+          <a:bodyPr rtlCol="0" anchor="ctr"/>
+          <a:lstStyle/>
+          <a:p>
+            <a:pPr algn="ctr"/>
+            <a:r>
+              <a:rPr kumimoji="1" lang="en-US" altLang="ko-KR" sz="8800" b="1" spc="-100" dirty="0">
+                <a:latin typeface="NanumSquare ExtraBold" panose="020B0600000101010101" pitchFamily="34" charset="-127"/>
+                <a:ea typeface="NanumSquare ExtraBold" panose="020B0600000101010101" pitchFamily="34" charset="-127"/>
+              </a:rPr>
+              <a:t>AD project</a:t>
+            </a:r>
+            <a:endParaRPr kumimoji="1" lang="ko-KR" altLang="en-US" sz="8800" b="1" spc="-100" dirty="0">
+              <a:latin typeface="NanumSquare ExtraBold" panose="020B0600000101010101" pitchFamily="34" charset="-127"/>
+              <a:ea typeface="NanumSquare ExtraBold" panose="020B0600000101010101" pitchFamily="34" charset="-127"/>
+            </a:endParaRPr>
+          </a:p>
+        </p:txBody>
+      </p:sp>
+      <p:sp>
+        <p:nvSpPr>
+          <p:cNvPr id="6" name="직사각형 5">
+            <a:extLst>
+              <a:ext uri="{FF2B5EF4-FFF2-40B4-BE49-F238E27FC236}">
+                <a16:creationId xmlns:a16="http://schemas.microsoft.com/office/drawing/2014/main" id="{0B584D30-B03E-4EFB-8868-C01BC7451148}"/>
+              </a:ext>
+            </a:extLst>
+          </p:cNvPr>
+          <p:cNvSpPr/>
+          <p:nvPr/>
+        </p:nvSpPr>
+        <p:spPr>
+          <a:xfrm>
+            <a:off x="4444753" y="4065931"/>
+            <a:ext cx="3302493" cy="762740"/>
+          </a:xfrm>
+          <a:prstGeom prst="rect">
+            <a:avLst/>
+          </a:prstGeom>
+          <a:noFill/>
+          <a:ln>
+            <a:noFill/>
+          </a:ln>
+        </p:spPr>
+        <p:style>
+          <a:lnRef idx="2">
+            <a:schemeClr val="accent1">
+              <a:shade val="50000"/>
+            </a:schemeClr>
+          </a:lnRef>
+          <a:fillRef idx="1">
+            <a:schemeClr val="accent1"/>
+          </a:fillRef>
+          <a:effectRef idx="0">
+            <a:schemeClr val="accent1"/>
+          </a:effectRef>
+          <a:fontRef idx="minor">
+            <a:schemeClr val="lt1"/>
+          </a:fontRef>
+        </p:style>
+        <p:txBody>
+          <a:bodyPr rtlCol="0" anchor="ctr"/>
+          <a:lstStyle/>
+          <a:p>
+            <a:pPr algn="ctr"/>
+            <a:r>
+              <a:rPr kumimoji="1" lang="en-US" altLang="ko-KR" sz="4400" b="1" spc="-100" dirty="0">
+                <a:latin typeface="NanumSquare ExtraBold" panose="020B0600000101010101" pitchFamily="34" charset="-127"/>
+                <a:ea typeface="NanumSquare ExtraBold" panose="020B0600000101010101" pitchFamily="34" charset="-127"/>
+              </a:rPr>
+              <a:t>- </a:t>
+            </a:r>
+            <a:r>
+              <a:rPr kumimoji="1" lang="ko-KR" altLang="en-US" sz="4400" b="1" spc="-100" dirty="0">
+                <a:latin typeface="NanumSquare ExtraBold" panose="020B0600000101010101" pitchFamily="34" charset="-127"/>
+                <a:ea typeface="NanumSquare ExtraBold" panose="020B0600000101010101" pitchFamily="34" charset="-127"/>
+              </a:rPr>
+              <a:t>제안발표 </a:t>
+            </a:r>
+            <a:r>
+              <a:rPr kumimoji="1" lang="en-US" altLang="ko-KR" sz="4400" b="1" spc="-100" dirty="0">
+                <a:latin typeface="NanumSquare ExtraBold" panose="020B0600000101010101" pitchFamily="34" charset="-127"/>
+                <a:ea typeface="NanumSquare ExtraBold" panose="020B0600000101010101" pitchFamily="34" charset="-127"/>
+              </a:rPr>
+              <a:t>-</a:t>
+            </a:r>
+            <a:endParaRPr kumimoji="1" lang="ko-KR" altLang="en-US" sz="4400" b="1" spc="-100" dirty="0">
+              <a:latin typeface="NanumSquare ExtraBold" panose="020B0600000101010101" pitchFamily="34" charset="-127"/>
+              <a:ea typeface="NanumSquare ExtraBold" panose="020B0600000101010101" pitchFamily="34" charset="-127"/>
+            </a:endParaRPr>
+          </a:p>
+        </p:txBody>
+      </p:sp>
+    </p:spTree>
+    <p:extLst>
+      <p:ext uri="{BB962C8B-B14F-4D97-AF65-F5344CB8AC3E}">
+        <p14:creationId xmlns:p14="http://schemas.microsoft.com/office/powerpoint/2010/main" val="2013083892"/>
+      </p:ext>
+    </p:extLst>
+  </p:cSld>
+  <p:clrMapOvr>
+    <a:masterClrMapping/>
+  </p:clrMapOvr>
+  <mc:AlternateContent xmlns:mc="http://schemas.openxmlformats.org/markup-compatibility/2006">
+    <mc:Choice xmlns:p159="http://schemas.microsoft.com/office/powerpoint/2015/09/main" Requires="p159">
+      <p:transition xmlns:p14="http://schemas.microsoft.com/office/powerpoint/2010/main" spd="slow" p14:dur="2000">
+        <p159:morph option="byObject"/>
+      </p:transition>
+    </mc:Choice>
+    <mc:Fallback>
+      <p:transition spd="slow">
+        <p:fade/>
+      </p:transition>
+    </mc:Fallback>
+  </mc:AlternateContent>
+</p:sld>
+</file>
+
+<file path=ppt/slides/slide3.xml><?xml version="1.0" encoding="utf-8"?>
+<p:sld xmlns:a="http://schemas.openxmlformats.org/drawingml/2006/main" xmlns:r="http://schemas.openxmlformats.org/officeDocument/2006/relationships" xmlns:p="http://schemas.openxmlformats.org/presentationml/2006/main">
+  <p:cSld>
+    <p:spTree>
+      <p:nvGrpSpPr>
+        <p:cNvPr id="1" name=""/>
+        <p:cNvGrpSpPr/>
+        <p:nvPr/>
+      </p:nvGrpSpPr>
+      <p:grpSpPr>
+        <a:xfrm>
+          <a:off x="0" y="0"/>
+          <a:ext cx="0" cy="0"/>
+          <a:chOff x="0" y="0"/>
+          <a:chExt cx="0" cy="0"/>
+        </a:xfrm>
+      </p:grpSpPr>
+      <p:sp>
+        <p:nvSpPr>
+          <p:cNvPr id="4" name="직사각형 3">
+            <a:extLst>
+              <a:ext uri="{FF2B5EF4-FFF2-40B4-BE49-F238E27FC236}">
+                <a16:creationId xmlns:a16="http://schemas.microsoft.com/office/drawing/2014/main" id="{027812B0-4CDC-4E7E-B119-C1647F42E6C6}"/>
+              </a:ext>
+            </a:extLst>
+          </p:cNvPr>
+          <p:cNvSpPr/>
+          <p:nvPr/>
+        </p:nvSpPr>
+        <p:spPr>
+          <a:xfrm>
+            <a:off x="-2867" y="6036816"/>
+            <a:ext cx="12192000" cy="585926"/>
+          </a:xfrm>
+          <a:prstGeom prst="rect">
+            <a:avLst/>
+          </a:prstGeom>
+          <a:solidFill>
+            <a:srgbClr val="3ED7C4"/>
+          </a:solidFill>
+          <a:ln>
+            <a:noFill/>
+          </a:ln>
+        </p:spPr>
+        <p:style>
+          <a:lnRef idx="2">
+            <a:schemeClr val="accent1">
+              <a:shade val="50000"/>
+            </a:schemeClr>
+          </a:lnRef>
+          <a:fillRef idx="1">
+            <a:schemeClr val="accent1"/>
+          </a:fillRef>
+          <a:effectRef idx="0">
+            <a:schemeClr val="accent1"/>
+          </a:effectRef>
+          <a:fontRef idx="minor">
+            <a:schemeClr val="lt1"/>
+          </a:fontRef>
+        </p:style>
+        <p:txBody>
+          <a:bodyPr rtlCol="0" anchor="ctr"/>
+          <a:lstStyle/>
+          <a:p>
+            <a:pPr algn="ctr"/>
+            <a:endParaRPr kumimoji="1" lang="ko-KR" altLang="en-US" dirty="0"/>
+          </a:p>
+        </p:txBody>
+      </p:sp>
+      <p:sp>
+        <p:nvSpPr>
+          <p:cNvPr id="6" name="직사각형 5">
+            <a:extLst>
+              <a:ext uri="{FF2B5EF4-FFF2-40B4-BE49-F238E27FC236}">
+                <a16:creationId xmlns:a16="http://schemas.microsoft.com/office/drawing/2014/main" id="{9607AE92-47E0-4023-9729-7FCAC3FF8059}"/>
+              </a:ext>
+            </a:extLst>
+          </p:cNvPr>
+          <p:cNvSpPr/>
+          <p:nvPr/>
+        </p:nvSpPr>
+        <p:spPr>
+          <a:xfrm>
+            <a:off x="9436553" y="5974672"/>
+            <a:ext cx="2707689" cy="710213"/>
+          </a:xfrm>
+          <a:prstGeom prst="rect">
+            <a:avLst/>
+          </a:prstGeom>
+          <a:noFill/>
+          <a:ln>
+            <a:noFill/>
+          </a:ln>
+        </p:spPr>
+        <p:style>
+          <a:lnRef idx="2">
+            <a:schemeClr val="accent1">
+              <a:shade val="50000"/>
+            </a:schemeClr>
+          </a:lnRef>
+          <a:fillRef idx="1">
+            <a:schemeClr val="accent1"/>
+          </a:fillRef>
+          <a:effectRef idx="0">
+            <a:schemeClr val="accent1"/>
+          </a:effectRef>
+          <a:fontRef idx="minor">
+            <a:schemeClr val="lt1"/>
+          </a:fontRef>
+        </p:style>
+        <p:txBody>
+          <a:bodyPr rtlCol="0" anchor="ctr"/>
+          <a:lstStyle/>
+          <a:p>
+            <a:pPr algn="ctr"/>
+            <a:r>
+              <a:rPr kumimoji="1" lang="en-US" altLang="ko-KR" sz="3600" b="1" spc="-100" dirty="0">
+                <a:latin typeface="NanumSquare ExtraBold" panose="020B0600000101010101" pitchFamily="34" charset="-127"/>
+                <a:ea typeface="NanumSquare ExtraBold" panose="020B0600000101010101" pitchFamily="34" charset="-127"/>
+              </a:rPr>
+              <a:t>Develop</a:t>
+            </a:r>
+            <a:endParaRPr kumimoji="1" lang="ko-KR" altLang="en-US" sz="3600" b="1" spc="-100" dirty="0">
+              <a:latin typeface="NanumSquare ExtraBold" panose="020B0600000101010101" pitchFamily="34" charset="-127"/>
+              <a:ea typeface="NanumSquare ExtraBold" panose="020B0600000101010101" pitchFamily="34" charset="-127"/>
+            </a:endParaRPr>
+          </a:p>
+        </p:txBody>
+      </p:sp>
+      <p:sp>
+        <p:nvSpPr>
+          <p:cNvPr id="27" name="직사각형 26">
+            <a:extLst>
+              <a:ext uri="{FF2B5EF4-FFF2-40B4-BE49-F238E27FC236}">
+                <a16:creationId xmlns:a16="http://schemas.microsoft.com/office/drawing/2014/main" id="{2E416199-7732-4B12-8863-9642FE3203FB}"/>
+              </a:ext>
+            </a:extLst>
+          </p:cNvPr>
+          <p:cNvSpPr/>
+          <p:nvPr/>
+        </p:nvSpPr>
+        <p:spPr>
+          <a:xfrm>
+            <a:off x="425397" y="395674"/>
+            <a:ext cx="3243778" cy="710213"/>
+          </a:xfrm>
+          <a:prstGeom prst="rect">
+            <a:avLst/>
+          </a:prstGeom>
+          <a:noFill/>
+          <a:ln>
+            <a:noFill/>
+          </a:ln>
+        </p:spPr>
+        <p:style>
+          <a:lnRef idx="2">
+            <a:schemeClr val="accent1">
+              <a:shade val="50000"/>
+            </a:schemeClr>
+          </a:lnRef>
+          <a:fillRef idx="1">
+            <a:schemeClr val="accent1"/>
+          </a:fillRef>
+          <a:effectRef idx="0">
+            <a:schemeClr val="accent1"/>
+          </a:effectRef>
+          <a:fontRef idx="minor">
+            <a:schemeClr val="lt1"/>
+          </a:fontRef>
+        </p:style>
+        <p:txBody>
+          <a:bodyPr rtlCol="0" anchor="ctr"/>
+          <a:lstStyle/>
+          <a:p>
+            <a:pPr algn="ctr"/>
+            <a:r>
+              <a:rPr kumimoji="1" lang="ko-KR" altLang="en-US" sz="3600" b="1" spc="-100" dirty="0">
+                <a:solidFill>
+                  <a:srgbClr val="3ED7C4"/>
+                </a:solidFill>
+                <a:latin typeface="NanumSquare ExtraBold" panose="020B0600000101010101" pitchFamily="34" charset="-127"/>
+                <a:ea typeface="NanumSquare ExtraBold" panose="020B0600000101010101" pitchFamily="34" charset="-127"/>
+              </a:rPr>
+              <a:t>개발환경 </a:t>
+            </a:r>
+            <a:r>
+              <a:rPr kumimoji="1" lang="en-US" altLang="ko-KR" sz="3600" b="1" spc="-100" dirty="0">
+                <a:solidFill>
+                  <a:srgbClr val="3ED7C4"/>
+                </a:solidFill>
+                <a:latin typeface="NanumSquare ExtraBold" panose="020B0600000101010101" pitchFamily="34" charset="-127"/>
+                <a:ea typeface="NanumSquare ExtraBold" panose="020B0600000101010101" pitchFamily="34" charset="-127"/>
+              </a:rPr>
+              <a:t>- HW</a:t>
+            </a:r>
+            <a:endParaRPr kumimoji="1" lang="ko-KR" altLang="en-US" sz="3600" b="1" spc="-100" dirty="0">
+              <a:solidFill>
+                <a:srgbClr val="3ED7C4"/>
+              </a:solidFill>
+              <a:latin typeface="NanumSquare ExtraBold" panose="020B0600000101010101" pitchFamily="34" charset="-127"/>
+              <a:ea typeface="NanumSquare ExtraBold" panose="020B0600000101010101" pitchFamily="34" charset="-127"/>
+            </a:endParaRPr>
+          </a:p>
+        </p:txBody>
+      </p:sp>
+      <p:pic>
+        <p:nvPicPr>
+          <p:cNvPr id="14" name="그림 13">
+            <a:extLst>
+              <a:ext uri="{FF2B5EF4-FFF2-40B4-BE49-F238E27FC236}">
+                <a16:creationId xmlns:a16="http://schemas.microsoft.com/office/drawing/2014/main" id="{6EFCBD33-1ABE-479D-A299-D75A1E6C57E4}"/>
+              </a:ext>
+            </a:extLst>
+          </p:cNvPr>
+          <p:cNvPicPr>
+            <a:picLocks noChangeAspect="1"/>
+          </p:cNvPicPr>
+          <p:nvPr/>
+        </p:nvPicPr>
+        <p:blipFill rotWithShape="1">
+          <a:blip r:embed="rId2">
+            <a:extLst>
+              <a:ext uri="{28A0092B-C50C-407E-A947-70E740481C1C}">
+                <a14:useLocalDpi xmlns:a14="http://schemas.microsoft.com/office/drawing/2010/main" val="0"/>
+              </a:ext>
+            </a:extLst>
+          </a:blip>
+          <a:srcRect l="26080" r="51321" b="41604"/>
+          <a:stretch/>
+        </p:blipFill>
+        <p:spPr>
+          <a:xfrm>
+            <a:off x="2396037" y="1794816"/>
+            <a:ext cx="1805573" cy="3009420"/>
+          </a:xfrm>
+          <a:prstGeom prst="rect">
+            <a:avLst/>
+          </a:prstGeom>
+        </p:spPr>
+      </p:pic>
+      <p:pic>
+        <p:nvPicPr>
+          <p:cNvPr id="6146" name="Picture 2" descr="철도건널목에 대한 이미지 검색결과">
+            <a:extLst>
+              <a:ext uri="{FF2B5EF4-FFF2-40B4-BE49-F238E27FC236}">
+                <a16:creationId xmlns:a16="http://schemas.microsoft.com/office/drawing/2014/main" id="{5E162419-B014-4D9F-B686-6A3ECEA37429}"/>
+              </a:ext>
+            </a:extLst>
+          </p:cNvPr>
+          <p:cNvPicPr>
+            <a:picLocks noChangeAspect="1" noChangeArrowheads="1"/>
+          </p:cNvPicPr>
+          <p:nvPr/>
+        </p:nvPicPr>
+        <p:blipFill>
+          <a:blip r:embed="rId3">
+            <a:extLst>
+              <a:ext uri="{28A0092B-C50C-407E-A947-70E740481C1C}">
+                <a14:useLocalDpi xmlns:a14="http://schemas.microsoft.com/office/drawing/2010/main" val="0"/>
+              </a:ext>
+            </a:extLst>
+          </a:blip>
+          <a:srcRect/>
+          <a:stretch>
+            <a:fillRect/>
+          </a:stretch>
+        </p:blipFill>
+        <p:spPr bwMode="auto">
+          <a:xfrm>
+            <a:off x="5769678" y="1725553"/>
+            <a:ext cx="5011936" cy="3147945"/>
+          </a:xfrm>
+          <a:prstGeom prst="rect">
+            <a:avLst/>
+          </a:prstGeom>
+          <a:ln>
+            <a:noFill/>
+          </a:ln>
+          <a:effectLst>
+            <a:softEdge rad="112500"/>
+          </a:effectLst>
+          <a:extLst>
+            <a:ext uri="{909E8E84-426E-40DD-AFC4-6F175D3DCCD1}">
+              <a14:hiddenFill xmlns:a14="http://schemas.microsoft.com/office/drawing/2010/main">
+                <a:solidFill>
+                  <a:srgbClr val="FFFFFF"/>
+                </a:solidFill>
+              </a14:hiddenFill>
+            </a:ext>
+          </a:extLst>
+        </p:spPr>
+      </p:pic>
+    </p:spTree>
+    <p:extLst>
+      <p:ext uri="{BB962C8B-B14F-4D97-AF65-F5344CB8AC3E}">
+        <p14:creationId xmlns:p14="http://schemas.microsoft.com/office/powerpoint/2010/main" val="3040964893"/>
+      </p:ext>
+    </p:extLst>
+  </p:cSld>
+  <p:clrMapOvr>
+    <a:masterClrMapping/>
+  </p:clrMapOvr>
+  <mc:AlternateContent xmlns:mc="http://schemas.openxmlformats.org/markup-compatibility/2006">
+    <mc:Choice xmlns:p159="http://schemas.microsoft.com/office/powerpoint/2015/09/main" Requires="p159">
+      <p:transition xmlns:p14="http://schemas.microsoft.com/office/powerpoint/2010/main" spd="slow" p14:dur="2000">
+        <p159:morph option="byObject"/>
+      </p:transition>
+    </mc:Choice>
+    <mc:Fallback>
+      <p:transition spd="slow">
+        <p:fade/>
+      </p:transition>
+    </mc:Fallback>
+  </mc:AlternateContent>
+</p:sld>
+</file>
+
+<file path=ppt/slides/slide4.xml><?xml version="1.0" encoding="utf-8"?>
+<p:sld xmlns:a="http://schemas.openxmlformats.org/drawingml/2006/main" xmlns:r="http://schemas.openxmlformats.org/officeDocument/2006/relationships" xmlns:p="http://schemas.openxmlformats.org/presentationml/2006/main">
+  <p:cSld>
+    <p:spTree>
+      <p:nvGrpSpPr>
+        <p:cNvPr id="1" name=""/>
+        <p:cNvGrpSpPr/>
+        <p:nvPr/>
+      </p:nvGrpSpPr>
+      <p:grpSpPr>
+        <a:xfrm>
+          <a:off x="0" y="0"/>
+          <a:ext cx="0" cy="0"/>
+          <a:chOff x="0" y="0"/>
+          <a:chExt cx="0" cy="0"/>
+        </a:xfrm>
+      </p:grpSpPr>
+      <p:sp>
+        <p:nvSpPr>
+          <p:cNvPr id="4" name="직사각형 3">
+            <a:extLst>
+              <a:ext uri="{FF2B5EF4-FFF2-40B4-BE49-F238E27FC236}">
+                <a16:creationId xmlns:a16="http://schemas.microsoft.com/office/drawing/2014/main" id="{027812B0-4CDC-4E7E-B119-C1647F42E6C6}"/>
+              </a:ext>
+            </a:extLst>
+          </p:cNvPr>
+          <p:cNvSpPr/>
+          <p:nvPr/>
+        </p:nvSpPr>
+        <p:spPr>
+          <a:xfrm>
+            <a:off x="-2867" y="6036816"/>
+            <a:ext cx="12192000" cy="585926"/>
+          </a:xfrm>
+          <a:prstGeom prst="rect">
+            <a:avLst/>
+          </a:prstGeom>
+          <a:solidFill>
+            <a:srgbClr val="3ED7C4"/>
+          </a:solidFill>
+          <a:ln>
+            <a:noFill/>
+          </a:ln>
+        </p:spPr>
+        <p:style>
+          <a:lnRef idx="2">
+            <a:schemeClr val="accent1">
+              <a:shade val="50000"/>
+            </a:schemeClr>
+          </a:lnRef>
+          <a:fillRef idx="1">
+            <a:schemeClr val="accent1"/>
+          </a:fillRef>
+          <a:effectRef idx="0">
+            <a:schemeClr val="accent1"/>
+          </a:effectRef>
+          <a:fontRef idx="minor">
+            <a:schemeClr val="lt1"/>
+          </a:fontRef>
+        </p:style>
+        <p:txBody>
+          <a:bodyPr rtlCol="0" anchor="ctr"/>
+          <a:lstStyle/>
+          <a:p>
+            <a:pPr algn="ctr"/>
+            <a:endParaRPr kumimoji="1" lang="ko-KR" altLang="en-US" dirty="0"/>
+          </a:p>
+        </p:txBody>
+      </p:sp>
+      <p:sp>
+        <p:nvSpPr>
+          <p:cNvPr id="6" name="직사각형 5">
+            <a:extLst>
+              <a:ext uri="{FF2B5EF4-FFF2-40B4-BE49-F238E27FC236}">
+                <a16:creationId xmlns:a16="http://schemas.microsoft.com/office/drawing/2014/main" id="{9607AE92-47E0-4023-9729-7FCAC3FF8059}"/>
+              </a:ext>
+            </a:extLst>
+          </p:cNvPr>
+          <p:cNvSpPr/>
+          <p:nvPr/>
+        </p:nvSpPr>
+        <p:spPr>
+          <a:xfrm>
+            <a:off x="9436553" y="5974672"/>
+            <a:ext cx="2707689" cy="710213"/>
+          </a:xfrm>
+          <a:prstGeom prst="rect">
+            <a:avLst/>
+          </a:prstGeom>
+          <a:noFill/>
+          <a:ln>
+            <a:noFill/>
+          </a:ln>
+        </p:spPr>
+        <p:style>
+          <a:lnRef idx="2">
+            <a:schemeClr val="accent1">
+              <a:shade val="50000"/>
+            </a:schemeClr>
+          </a:lnRef>
+          <a:fillRef idx="1">
+            <a:schemeClr val="accent1"/>
+          </a:fillRef>
+          <a:effectRef idx="0">
+            <a:schemeClr val="accent1"/>
+          </a:effectRef>
+          <a:fontRef idx="minor">
+            <a:schemeClr val="lt1"/>
+          </a:fontRef>
+        </p:style>
+        <p:txBody>
+          <a:bodyPr rtlCol="0" anchor="ctr"/>
+          <a:lstStyle/>
+          <a:p>
+            <a:pPr algn="ctr"/>
+            <a:r>
+              <a:rPr kumimoji="1" lang="en-US" altLang="ko-KR" sz="3600" b="1" spc="-100" dirty="0">
+                <a:latin typeface="NanumSquare ExtraBold" panose="020B0600000101010101" pitchFamily="34" charset="-127"/>
+                <a:ea typeface="NanumSquare ExtraBold" panose="020B0600000101010101" pitchFamily="34" charset="-127"/>
+              </a:rPr>
+              <a:t>Develop</a:t>
+            </a:r>
+            <a:endParaRPr kumimoji="1" lang="ko-KR" altLang="en-US" sz="3600" b="1" spc="-100" dirty="0">
+              <a:latin typeface="NanumSquare ExtraBold" panose="020B0600000101010101" pitchFamily="34" charset="-127"/>
+              <a:ea typeface="NanumSquare ExtraBold" panose="020B0600000101010101" pitchFamily="34" charset="-127"/>
+            </a:endParaRPr>
+          </a:p>
+        </p:txBody>
+      </p:sp>
+      <p:sp>
+        <p:nvSpPr>
+          <p:cNvPr id="27" name="직사각형 26">
+            <a:extLst>
+              <a:ext uri="{FF2B5EF4-FFF2-40B4-BE49-F238E27FC236}">
+                <a16:creationId xmlns:a16="http://schemas.microsoft.com/office/drawing/2014/main" id="{2E416199-7732-4B12-8863-9642FE3203FB}"/>
+              </a:ext>
+            </a:extLst>
+          </p:cNvPr>
+          <p:cNvSpPr/>
+          <p:nvPr/>
+        </p:nvSpPr>
+        <p:spPr>
+          <a:xfrm>
+            <a:off x="425397" y="395674"/>
+            <a:ext cx="3243778" cy="710213"/>
+          </a:xfrm>
+          <a:prstGeom prst="rect">
+            <a:avLst/>
+          </a:prstGeom>
+          <a:noFill/>
+          <a:ln>
+            <a:noFill/>
+          </a:ln>
+        </p:spPr>
+        <p:style>
+          <a:lnRef idx="2">
+            <a:schemeClr val="accent1">
+              <a:shade val="50000"/>
+            </a:schemeClr>
+          </a:lnRef>
+          <a:fillRef idx="1">
+            <a:schemeClr val="accent1"/>
+          </a:fillRef>
+          <a:effectRef idx="0">
+            <a:schemeClr val="accent1"/>
+          </a:effectRef>
+          <a:fontRef idx="minor">
+            <a:schemeClr val="lt1"/>
+          </a:fontRef>
+        </p:style>
+        <p:txBody>
+          <a:bodyPr rtlCol="0" anchor="ctr"/>
+          <a:lstStyle/>
+          <a:p>
+            <a:pPr algn="ctr"/>
+            <a:r>
+              <a:rPr kumimoji="1" lang="ko-KR" altLang="en-US" sz="3600" b="1" spc="-100" dirty="0">
+                <a:solidFill>
+                  <a:srgbClr val="3ED7C4"/>
+                </a:solidFill>
+                <a:latin typeface="NanumSquare ExtraBold" panose="020B0600000101010101" pitchFamily="34" charset="-127"/>
+                <a:ea typeface="NanumSquare ExtraBold" panose="020B0600000101010101" pitchFamily="34" charset="-127"/>
+              </a:rPr>
+              <a:t>개발환경 </a:t>
+            </a:r>
+            <a:r>
+              <a:rPr kumimoji="1" lang="en-US" altLang="ko-KR" sz="3600" b="1" spc="-100" dirty="0">
+                <a:solidFill>
+                  <a:srgbClr val="3ED7C4"/>
+                </a:solidFill>
+                <a:latin typeface="NanumSquare ExtraBold" panose="020B0600000101010101" pitchFamily="34" charset="-127"/>
+                <a:ea typeface="NanumSquare ExtraBold" panose="020B0600000101010101" pitchFamily="34" charset="-127"/>
+              </a:rPr>
+              <a:t>- HW</a:t>
+            </a:r>
+            <a:endParaRPr kumimoji="1" lang="ko-KR" altLang="en-US" sz="3600" b="1" spc="-100" dirty="0">
+              <a:solidFill>
+                <a:srgbClr val="3ED7C4"/>
+              </a:solidFill>
+              <a:latin typeface="NanumSquare ExtraBold" panose="020B0600000101010101" pitchFamily="34" charset="-127"/>
+              <a:ea typeface="NanumSquare ExtraBold" panose="020B0600000101010101" pitchFamily="34" charset="-127"/>
+            </a:endParaRPr>
+          </a:p>
+        </p:txBody>
+      </p:sp>
+      <p:pic>
+        <p:nvPicPr>
+          <p:cNvPr id="14" name="그림 13">
+            <a:extLst>
+              <a:ext uri="{FF2B5EF4-FFF2-40B4-BE49-F238E27FC236}">
+                <a16:creationId xmlns:a16="http://schemas.microsoft.com/office/drawing/2014/main" id="{6EFCBD33-1ABE-479D-A299-D75A1E6C57E4}"/>
+              </a:ext>
+            </a:extLst>
+          </p:cNvPr>
+          <p:cNvPicPr>
+            <a:picLocks noChangeAspect="1"/>
+          </p:cNvPicPr>
+          <p:nvPr/>
+        </p:nvPicPr>
+        <p:blipFill rotWithShape="1">
+          <a:blip r:embed="rId2">
+            <a:extLst>
+              <a:ext uri="{28A0092B-C50C-407E-A947-70E740481C1C}">
+                <a14:useLocalDpi xmlns:a14="http://schemas.microsoft.com/office/drawing/2010/main" val="0"/>
+              </a:ext>
+            </a:extLst>
+          </a:blip>
+          <a:srcRect l="26080" r="51321" b="41604"/>
+          <a:stretch/>
+        </p:blipFill>
+        <p:spPr>
+          <a:xfrm>
+            <a:off x="2141394" y="3966839"/>
+            <a:ext cx="1087943" cy="1813318"/>
+          </a:xfrm>
+          <a:prstGeom prst="rect">
+            <a:avLst/>
+          </a:prstGeom>
+        </p:spPr>
+      </p:pic>
+      <p:pic>
+        <p:nvPicPr>
+          <p:cNvPr id="6146" name="Picture 2" descr="철도건널목에 대한 이미지 검색결과">
+            <a:extLst>
+              <a:ext uri="{FF2B5EF4-FFF2-40B4-BE49-F238E27FC236}">
+                <a16:creationId xmlns:a16="http://schemas.microsoft.com/office/drawing/2014/main" id="{5E162419-B014-4D9F-B686-6A3ECEA37429}"/>
+              </a:ext>
+            </a:extLst>
+          </p:cNvPr>
+          <p:cNvPicPr>
+            <a:picLocks noChangeAspect="1" noChangeArrowheads="1"/>
+          </p:cNvPicPr>
+          <p:nvPr/>
+        </p:nvPicPr>
+        <p:blipFill>
+          <a:blip r:embed="rId3">
+            <a:extLst>
+              <a:ext uri="{28A0092B-C50C-407E-A947-70E740481C1C}">
+                <a14:useLocalDpi xmlns:a14="http://schemas.microsoft.com/office/drawing/2010/main" val="0"/>
+              </a:ext>
+            </a:extLst>
+          </a:blip>
+          <a:srcRect/>
+          <a:stretch>
+            <a:fillRect/>
+          </a:stretch>
+        </p:blipFill>
+        <p:spPr bwMode="auto">
+          <a:xfrm>
+            <a:off x="8522827" y="647308"/>
+            <a:ext cx="2766904" cy="1737864"/>
+          </a:xfrm>
+          <a:prstGeom prst="rect">
+            <a:avLst/>
+          </a:prstGeom>
+          <a:ln>
+            <a:noFill/>
+          </a:ln>
+          <a:effectLst>
+            <a:softEdge rad="112500"/>
+          </a:effectLst>
+          <a:extLst>
+            <a:ext uri="{909E8E84-426E-40DD-AFC4-6F175D3DCCD1}">
+              <a14:hiddenFill xmlns:a14="http://schemas.microsoft.com/office/drawing/2010/main">
+                <a:solidFill>
+                  <a:srgbClr val="FFFFFF"/>
+                </a:solidFill>
+              </a14:hiddenFill>
+            </a:ext>
+          </a:extLst>
+        </p:spPr>
+      </p:pic>
+      <p:pic>
+        <p:nvPicPr>
+          <p:cNvPr id="15" name="그림 14">
+            <a:extLst>
+              <a:ext uri="{FF2B5EF4-FFF2-40B4-BE49-F238E27FC236}">
+                <a16:creationId xmlns:a16="http://schemas.microsoft.com/office/drawing/2014/main" id="{3881FF6D-A033-48C2-949E-89EC7F756A81}"/>
+              </a:ext>
+            </a:extLst>
+          </p:cNvPr>
+          <p:cNvPicPr>
+            <a:picLocks noChangeAspect="1"/>
+          </p:cNvPicPr>
+          <p:nvPr/>
+        </p:nvPicPr>
+        <p:blipFill>
+          <a:blip r:embed="rId4">
+            <a:extLst>
+              <a:ext uri="{28A0092B-C50C-407E-A947-70E740481C1C}">
+                <a14:useLocalDpi xmlns:a14="http://schemas.microsoft.com/office/drawing/2010/main" val="0"/>
+              </a:ext>
+            </a:extLst>
+          </a:blip>
+          <a:stretch>
+            <a:fillRect/>
+          </a:stretch>
+        </p:blipFill>
+        <p:spPr>
+          <a:xfrm>
+            <a:off x="3646637" y="903967"/>
+            <a:ext cx="4876190" cy="4876190"/>
+          </a:xfrm>
+          <a:prstGeom prst="rect">
+            <a:avLst/>
+          </a:prstGeom>
+        </p:spPr>
+      </p:pic>
+      <p:cxnSp>
+        <p:nvCxnSpPr>
+          <p:cNvPr id="16" name="직선 연결선 15">
+            <a:extLst>
+              <a:ext uri="{FF2B5EF4-FFF2-40B4-BE49-F238E27FC236}">
+                <a16:creationId xmlns:a16="http://schemas.microsoft.com/office/drawing/2014/main" id="{08C2A38E-6E91-40D6-9DD3-A851E1247406}"/>
+              </a:ext>
+            </a:extLst>
+          </p:cNvPr>
+          <p:cNvCxnSpPr>
+            <a:cxnSpLocks/>
+          </p:cNvCxnSpPr>
+          <p:nvPr/>
+        </p:nvCxnSpPr>
+        <p:spPr>
+          <a:xfrm flipH="1">
+            <a:off x="7755038" y="1516284"/>
+            <a:ext cx="767790" cy="1296364"/>
+          </a:xfrm>
+          <a:prstGeom prst="line">
+            <a:avLst/>
+          </a:prstGeom>
+          <a:ln w="47625">
+            <a:solidFill>
+              <a:srgbClr val="3ED7C4"/>
+            </a:solidFill>
+            <a:headEnd type="none" w="med" len="med"/>
+            <a:tailEnd type="triangle" w="med" len="med"/>
+          </a:ln>
+        </p:spPr>
+        <p:style>
+          <a:lnRef idx="1">
+            <a:schemeClr val="accent1"/>
+          </a:lnRef>
+          <a:fillRef idx="0">
+            <a:schemeClr val="accent1"/>
+          </a:fillRef>
+          <a:effectRef idx="0">
+            <a:schemeClr val="accent1"/>
+          </a:effectRef>
+          <a:fontRef idx="minor">
+            <a:schemeClr val="tx1"/>
+          </a:fontRef>
+        </p:style>
+      </p:cxnSp>
+      <p:cxnSp>
+        <p:nvCxnSpPr>
+          <p:cNvPr id="22" name="직선 연결선 21">
+            <a:extLst>
+              <a:ext uri="{FF2B5EF4-FFF2-40B4-BE49-F238E27FC236}">
+                <a16:creationId xmlns:a16="http://schemas.microsoft.com/office/drawing/2014/main" id="{57DF5DA5-B1E3-4273-BB2F-B86E4268FE53}"/>
+              </a:ext>
+            </a:extLst>
+          </p:cNvPr>
+          <p:cNvCxnSpPr>
+            <a:cxnSpLocks/>
+            <a:stCxn id="14" idx="3"/>
+          </p:cNvCxnSpPr>
+          <p:nvPr/>
+        </p:nvCxnSpPr>
+        <p:spPr>
+          <a:xfrm flipV="1">
+            <a:off x="3229337" y="4294208"/>
+            <a:ext cx="1875098" cy="579290"/>
+          </a:xfrm>
+          <a:prstGeom prst="line">
+            <a:avLst/>
+          </a:prstGeom>
+          <a:ln w="47625">
+            <a:solidFill>
+              <a:srgbClr val="3ED7C4"/>
+            </a:solidFill>
+            <a:headEnd type="none" w="med" len="med"/>
+            <a:tailEnd type="triangle" w="med" len="med"/>
+          </a:ln>
+        </p:spPr>
+        <p:style>
+          <a:lnRef idx="1">
+            <a:schemeClr val="accent1"/>
+          </a:lnRef>
+          <a:fillRef idx="0">
+            <a:schemeClr val="accent1"/>
+          </a:fillRef>
+          <a:effectRef idx="0">
+            <a:schemeClr val="accent1"/>
+          </a:effectRef>
+          <a:fontRef idx="minor">
+            <a:schemeClr val="tx1"/>
+          </a:fontRef>
+        </p:style>
+      </p:cxnSp>
+    </p:spTree>
+    <p:extLst>
+      <p:ext uri="{BB962C8B-B14F-4D97-AF65-F5344CB8AC3E}">
+        <p14:creationId xmlns:p14="http://schemas.microsoft.com/office/powerpoint/2010/main" val="1114493431"/>
+      </p:ext>
+    </p:extLst>
+  </p:cSld>
+  <p:clrMapOvr>
+    <a:masterClrMapping/>
+  </p:clrMapOvr>
+  <mc:AlternateContent xmlns:mc="http://schemas.openxmlformats.org/markup-compatibility/2006">
+    <mc:Choice xmlns:p159="http://schemas.microsoft.com/office/powerpoint/2015/09/main" Requires="p159">
+      <p:transition xmlns:p14="http://schemas.microsoft.com/office/powerpoint/2010/main" spd="slow" p14:dur="2000">
+        <p159:morph option="byObject"/>
+      </p:transition>
+    </mc:Choice>
+    <mc:Fallback>
+      <p:transition spd="slow">
+        <p:fade/>
+      </p:transition>
+    </mc:Fallback>
+  </mc:AlternateContent>
+</p:sld>
+</file>
+
+<file path=ppt/slides/slide5.xml><?xml version="1.0" encoding="utf-8"?>
+<p:sld xmlns:a="http://schemas.openxmlformats.org/drawingml/2006/main" xmlns:r="http://schemas.openxmlformats.org/officeDocument/2006/relationships" xmlns:p="http://schemas.openxmlformats.org/presentationml/2006/main">
+  <p:cSld>
+    <p:spTree>
+      <p:nvGrpSpPr>
+        <p:cNvPr id="1" name=""/>
+        <p:cNvGrpSpPr/>
+        <p:nvPr/>
+      </p:nvGrpSpPr>
+      <p:grpSpPr>
+        <a:xfrm>
+          <a:off x="0" y="0"/>
+          <a:ext cx="0" cy="0"/>
+          <a:chOff x="0" y="0"/>
+          <a:chExt cx="0" cy="0"/>
+        </a:xfrm>
+      </p:grpSpPr>
+      <p:sp>
+        <p:nvSpPr>
+          <p:cNvPr id="4" name="직사각형 3">
+            <a:extLst>
+              <a:ext uri="{FF2B5EF4-FFF2-40B4-BE49-F238E27FC236}">
+                <a16:creationId xmlns:a16="http://schemas.microsoft.com/office/drawing/2014/main" id="{027812B0-4CDC-4E7E-B119-C1647F42E6C6}"/>
+              </a:ext>
+            </a:extLst>
+          </p:cNvPr>
+          <p:cNvSpPr/>
+          <p:nvPr/>
+        </p:nvSpPr>
+        <p:spPr>
+          <a:xfrm>
+            <a:off x="-2867" y="6036816"/>
+            <a:ext cx="12192000" cy="585926"/>
+          </a:xfrm>
+          <a:prstGeom prst="rect">
+            <a:avLst/>
+          </a:prstGeom>
+          <a:solidFill>
+            <a:srgbClr val="3ED7C4"/>
+          </a:solidFill>
+          <a:ln>
+            <a:noFill/>
+          </a:ln>
+        </p:spPr>
+        <p:style>
+          <a:lnRef idx="2">
+            <a:schemeClr val="accent1">
+              <a:shade val="50000"/>
+            </a:schemeClr>
+          </a:lnRef>
+          <a:fillRef idx="1">
+            <a:schemeClr val="accent1"/>
+          </a:fillRef>
+          <a:effectRef idx="0">
+            <a:schemeClr val="accent1"/>
+          </a:effectRef>
+          <a:fontRef idx="minor">
+            <a:schemeClr val="lt1"/>
+          </a:fontRef>
+        </p:style>
+        <p:txBody>
+          <a:bodyPr rtlCol="0" anchor="ctr"/>
+          <a:lstStyle/>
+          <a:p>
+            <a:pPr algn="ctr"/>
+            <a:endParaRPr kumimoji="1" lang="ko-KR" altLang="en-US" dirty="0"/>
+          </a:p>
+        </p:txBody>
+      </p:sp>
+      <p:sp>
+        <p:nvSpPr>
+          <p:cNvPr id="6" name="직사각형 5">
+            <a:extLst>
+              <a:ext uri="{FF2B5EF4-FFF2-40B4-BE49-F238E27FC236}">
+                <a16:creationId xmlns:a16="http://schemas.microsoft.com/office/drawing/2014/main" id="{9607AE92-47E0-4023-9729-7FCAC3FF8059}"/>
+              </a:ext>
+            </a:extLst>
+          </p:cNvPr>
+          <p:cNvSpPr/>
+          <p:nvPr/>
+        </p:nvSpPr>
+        <p:spPr>
+          <a:xfrm>
+            <a:off x="9436553" y="5974672"/>
+            <a:ext cx="2707689" cy="710213"/>
+          </a:xfrm>
+          <a:prstGeom prst="rect">
+            <a:avLst/>
+          </a:prstGeom>
+          <a:noFill/>
+          <a:ln>
+            <a:noFill/>
+          </a:ln>
+        </p:spPr>
+        <p:style>
+          <a:lnRef idx="2">
+            <a:schemeClr val="accent1">
+              <a:shade val="50000"/>
+            </a:schemeClr>
+          </a:lnRef>
+          <a:fillRef idx="1">
+            <a:schemeClr val="accent1"/>
+          </a:fillRef>
+          <a:effectRef idx="0">
+            <a:schemeClr val="accent1"/>
+          </a:effectRef>
+          <a:fontRef idx="minor">
+            <a:schemeClr val="lt1"/>
+          </a:fontRef>
+        </p:style>
+        <p:txBody>
+          <a:bodyPr rtlCol="0" anchor="ctr"/>
+          <a:lstStyle/>
+          <a:p>
+            <a:pPr algn="ctr"/>
+            <a:r>
+              <a:rPr kumimoji="1" lang="en-US" altLang="ko-KR" sz="3600" b="1" spc="-100" dirty="0">
+                <a:latin typeface="NanumSquare ExtraBold" panose="020B0600000101010101" pitchFamily="34" charset="-127"/>
+                <a:ea typeface="NanumSquare ExtraBold" panose="020B0600000101010101" pitchFamily="34" charset="-127"/>
+              </a:rPr>
+              <a:t>Develop</a:t>
+            </a:r>
+            <a:endParaRPr kumimoji="1" lang="ko-KR" altLang="en-US" sz="3600" b="1" spc="-100" dirty="0">
+              <a:latin typeface="NanumSquare ExtraBold" panose="020B0600000101010101" pitchFamily="34" charset="-127"/>
+              <a:ea typeface="NanumSquare ExtraBold" panose="020B0600000101010101" pitchFamily="34" charset="-127"/>
+            </a:endParaRPr>
+          </a:p>
+        </p:txBody>
+      </p:sp>
+      <p:sp>
+        <p:nvSpPr>
+          <p:cNvPr id="27" name="직사각형 26">
+            <a:extLst>
+              <a:ext uri="{FF2B5EF4-FFF2-40B4-BE49-F238E27FC236}">
+                <a16:creationId xmlns:a16="http://schemas.microsoft.com/office/drawing/2014/main" id="{2E416199-7732-4B12-8863-9642FE3203FB}"/>
+              </a:ext>
+            </a:extLst>
+          </p:cNvPr>
+          <p:cNvSpPr/>
+          <p:nvPr/>
+        </p:nvSpPr>
+        <p:spPr>
+          <a:xfrm>
+            <a:off x="425397" y="395674"/>
+            <a:ext cx="3243778" cy="710213"/>
+          </a:xfrm>
+          <a:prstGeom prst="rect">
+            <a:avLst/>
+          </a:prstGeom>
+          <a:noFill/>
+          <a:ln>
+            <a:noFill/>
+          </a:ln>
+        </p:spPr>
+        <p:style>
+          <a:lnRef idx="2">
+            <a:schemeClr val="accent1">
+              <a:shade val="50000"/>
+            </a:schemeClr>
+          </a:lnRef>
+          <a:fillRef idx="1">
+            <a:schemeClr val="accent1"/>
+          </a:fillRef>
+          <a:effectRef idx="0">
+            <a:schemeClr val="accent1"/>
+          </a:effectRef>
+          <a:fontRef idx="minor">
+            <a:schemeClr val="lt1"/>
+          </a:fontRef>
+        </p:style>
+        <p:txBody>
+          <a:bodyPr rtlCol="0" anchor="ctr"/>
+          <a:lstStyle/>
+          <a:p>
+            <a:pPr algn="ctr"/>
+            <a:r>
+              <a:rPr kumimoji="1" lang="ko-KR" altLang="en-US" sz="3600" b="1" spc="-100" dirty="0">
+                <a:solidFill>
+                  <a:srgbClr val="3ED7C4"/>
+                </a:solidFill>
+                <a:latin typeface="NanumSquare ExtraBold" panose="020B0600000101010101" pitchFamily="34" charset="-127"/>
+                <a:ea typeface="NanumSquare ExtraBold" panose="020B0600000101010101" pitchFamily="34" charset="-127"/>
+              </a:rPr>
+              <a:t>개발환경 </a:t>
+            </a:r>
+            <a:r>
+              <a:rPr kumimoji="1" lang="en-US" altLang="ko-KR" sz="3600" b="1" spc="-100" dirty="0">
+                <a:solidFill>
+                  <a:srgbClr val="3ED7C4"/>
+                </a:solidFill>
+                <a:latin typeface="NanumSquare ExtraBold" panose="020B0600000101010101" pitchFamily="34" charset="-127"/>
+                <a:ea typeface="NanumSquare ExtraBold" panose="020B0600000101010101" pitchFamily="34" charset="-127"/>
+              </a:rPr>
+              <a:t>- SW</a:t>
+            </a:r>
+            <a:endParaRPr kumimoji="1" lang="ko-KR" altLang="en-US" sz="3600" b="1" spc="-100" dirty="0">
+              <a:solidFill>
+                <a:srgbClr val="3ED7C4"/>
+              </a:solidFill>
+              <a:latin typeface="NanumSquare ExtraBold" panose="020B0600000101010101" pitchFamily="34" charset="-127"/>
+              <a:ea typeface="NanumSquare ExtraBold" panose="020B0600000101010101" pitchFamily="34" charset="-127"/>
+            </a:endParaRPr>
+          </a:p>
+        </p:txBody>
+      </p:sp>
+      <p:pic>
+        <p:nvPicPr>
+          <p:cNvPr id="8194" name="Picture 2" descr="openCV에 대한 이미지 검색결과">
+            <a:extLst>
+              <a:ext uri="{FF2B5EF4-FFF2-40B4-BE49-F238E27FC236}">
+                <a16:creationId xmlns:a16="http://schemas.microsoft.com/office/drawing/2014/main" id="{A7C42D87-89A7-4542-AFC6-555295C639EC}"/>
+              </a:ext>
+            </a:extLst>
+          </p:cNvPr>
+          <p:cNvPicPr>
+            <a:picLocks noChangeAspect="1" noChangeArrowheads="1"/>
+          </p:cNvPicPr>
+          <p:nvPr/>
+        </p:nvPicPr>
+        <p:blipFill>
+          <a:blip r:embed="rId2">
+            <a:extLst>
+              <a:ext uri="{28A0092B-C50C-407E-A947-70E740481C1C}">
+                <a14:useLocalDpi xmlns:a14="http://schemas.microsoft.com/office/drawing/2010/main" val="0"/>
+              </a:ext>
+            </a:extLst>
+          </a:blip>
+          <a:srcRect/>
+          <a:stretch>
+            <a:fillRect/>
+          </a:stretch>
+        </p:blipFill>
+        <p:spPr bwMode="auto">
+          <a:xfrm>
+            <a:off x="1745126" y="2150540"/>
+            <a:ext cx="1924050" cy="2371725"/>
+          </a:xfrm>
+          <a:prstGeom prst="rect">
+            <a:avLst/>
+          </a:prstGeom>
+          <a:noFill/>
+          <a:extLst>
+            <a:ext uri="{909E8E84-426E-40DD-AFC4-6F175D3DCCD1}">
+              <a14:hiddenFill xmlns:a14="http://schemas.microsoft.com/office/drawing/2010/main">
+                <a:solidFill>
+                  <a:srgbClr val="FFFFFF"/>
+                </a:solidFill>
+              </a14:hiddenFill>
+            </a:ext>
+          </a:extLst>
+        </p:spPr>
+      </p:pic>
+      <p:pic>
+        <p:nvPicPr>
+          <p:cNvPr id="8196" name="Picture 4" descr="python3에 대한 이미지 검색결과">
+            <a:extLst>
+              <a:ext uri="{FF2B5EF4-FFF2-40B4-BE49-F238E27FC236}">
+                <a16:creationId xmlns:a16="http://schemas.microsoft.com/office/drawing/2014/main" id="{FBDE0A46-8129-4078-BF4D-BA4B950D0928}"/>
+              </a:ext>
+            </a:extLst>
+          </p:cNvPr>
+          <p:cNvPicPr>
+            <a:picLocks noChangeAspect="1" noChangeArrowheads="1"/>
+          </p:cNvPicPr>
+          <p:nvPr/>
+        </p:nvPicPr>
+        <p:blipFill>
+          <a:blip r:embed="rId3">
+            <a:extLst>
+              <a:ext uri="{28A0092B-C50C-407E-A947-70E740481C1C}">
+                <a14:useLocalDpi xmlns:a14="http://schemas.microsoft.com/office/drawing/2010/main" val="0"/>
+              </a:ext>
+            </a:extLst>
+          </a:blip>
+          <a:srcRect/>
+          <a:stretch>
+            <a:fillRect/>
+          </a:stretch>
+        </p:blipFill>
+        <p:spPr bwMode="auto">
+          <a:xfrm>
+            <a:off x="5043799" y="2312464"/>
+            <a:ext cx="2228850" cy="2047875"/>
+          </a:xfrm>
+          <a:prstGeom prst="rect">
+            <a:avLst/>
+          </a:prstGeom>
+          <a:noFill/>
+          <a:extLst>
+            <a:ext uri="{909E8E84-426E-40DD-AFC4-6F175D3DCCD1}">
+              <a14:hiddenFill xmlns:a14="http://schemas.microsoft.com/office/drawing/2010/main">
+                <a:solidFill>
+                  <a:srgbClr val="FFFFFF"/>
+                </a:solidFill>
+              </a14:hiddenFill>
+            </a:ext>
+          </a:extLst>
+        </p:spPr>
+      </p:pic>
+      <p:pic>
+        <p:nvPicPr>
+          <p:cNvPr id="8200" name="Picture 8" descr="github에 대한 이미지 검색결과">
+            <a:extLst>
+              <a:ext uri="{FF2B5EF4-FFF2-40B4-BE49-F238E27FC236}">
+                <a16:creationId xmlns:a16="http://schemas.microsoft.com/office/drawing/2014/main" id="{F854ACE1-6B83-4457-9CD1-15BB501F6084}"/>
+              </a:ext>
+            </a:extLst>
+          </p:cNvPr>
+          <p:cNvPicPr>
+            <a:picLocks noChangeAspect="1" noChangeArrowheads="1"/>
+          </p:cNvPicPr>
+          <p:nvPr/>
+        </p:nvPicPr>
+        <p:blipFill>
+          <a:blip r:embed="rId4">
+            <a:extLst>
+              <a:ext uri="{28A0092B-C50C-407E-A947-70E740481C1C}">
+                <a14:useLocalDpi xmlns:a14="http://schemas.microsoft.com/office/drawing/2010/main" val="0"/>
+              </a:ext>
+            </a:extLst>
+          </a:blip>
+          <a:srcRect/>
+          <a:stretch>
+            <a:fillRect/>
+          </a:stretch>
+        </p:blipFill>
+        <p:spPr bwMode="auto">
+          <a:xfrm>
+            <a:off x="8647272" y="2258930"/>
+            <a:ext cx="2143125" cy="2143125"/>
+          </a:xfrm>
+          <a:prstGeom prst="rect">
+            <a:avLst/>
+          </a:prstGeom>
+          <a:noFill/>
+          <a:extLst>
+            <a:ext uri="{909E8E84-426E-40DD-AFC4-6F175D3DCCD1}">
+              <a14:hiddenFill xmlns:a14="http://schemas.microsoft.com/office/drawing/2010/main">
+                <a:solidFill>
+                  <a:srgbClr val="FFFFFF"/>
+                </a:solidFill>
+              </a14:hiddenFill>
+            </a:ext>
+          </a:extLst>
+        </p:spPr>
+      </p:pic>
+    </p:spTree>
+    <p:extLst>
+      <p:ext uri="{BB962C8B-B14F-4D97-AF65-F5344CB8AC3E}">
+        <p14:creationId xmlns:p14="http://schemas.microsoft.com/office/powerpoint/2010/main" val="3750478408"/>
+      </p:ext>
+    </p:extLst>
+  </p:cSld>
+  <p:clrMapOvr>
+    <a:masterClrMapping/>
+  </p:clrMapOvr>
+  <mc:AlternateContent xmlns:mc="http://schemas.openxmlformats.org/markup-compatibility/2006">
+    <mc:Choice xmlns:p159="http://schemas.microsoft.com/office/powerpoint/2015/09/main" Requires="p159">
+      <p:transition xmlns:p14="http://schemas.microsoft.com/office/powerpoint/2010/main" spd="slow" p14:dur="2000">
+        <p159:morph option="byObject"/>
+      </p:transition>
+    </mc:Choice>
+    <mc:Fallback>
+      <p:transition spd="slow">
+        <p:fade/>
+      </p:transition>
+    </mc:Fallback>
+  </mc:AlternateContent>
+</p:sld>
+</file>
+
+<file path=ppt/slides/slide6.xml><?xml version="1.0" encoding="utf-8"?>
+<p:sld xmlns:a="http://schemas.openxmlformats.org/drawingml/2006/main" xmlns:r="http://schemas.openxmlformats.org/officeDocument/2006/relationships" xmlns:p="http://schemas.openxmlformats.org/presentationml/2006/main">
+  <p:cSld>
+    <p:spTree>
+      <p:nvGrpSpPr>
+        <p:cNvPr id="1" name=""/>
+        <p:cNvGrpSpPr/>
+        <p:nvPr/>
+      </p:nvGrpSpPr>
+      <p:grpSpPr>
+        <a:xfrm>
+          <a:off x="0" y="0"/>
+          <a:ext cx="0" cy="0"/>
+          <a:chOff x="0" y="0"/>
+          <a:chExt cx="0" cy="0"/>
+        </a:xfrm>
+      </p:grpSpPr>
+      <p:sp>
+        <p:nvSpPr>
+          <p:cNvPr id="4" name="직사각형 3">
+            <a:extLst>
+              <a:ext uri="{FF2B5EF4-FFF2-40B4-BE49-F238E27FC236}">
+                <a16:creationId xmlns:a16="http://schemas.microsoft.com/office/drawing/2014/main" id="{027812B0-4CDC-4E7E-B119-C1647F42E6C6}"/>
+              </a:ext>
+            </a:extLst>
+          </p:cNvPr>
+          <p:cNvSpPr/>
+          <p:nvPr/>
+        </p:nvSpPr>
+        <p:spPr>
+          <a:xfrm>
+            <a:off x="-2867" y="6036816"/>
+            <a:ext cx="12192000" cy="585926"/>
+          </a:xfrm>
+          <a:prstGeom prst="rect">
+            <a:avLst/>
+          </a:prstGeom>
+          <a:solidFill>
+            <a:srgbClr val="3ED7C4"/>
+          </a:solidFill>
+          <a:ln>
+            <a:noFill/>
+          </a:ln>
+        </p:spPr>
+        <p:style>
+          <a:lnRef idx="2">
+            <a:schemeClr val="accent1">
+              <a:shade val="50000"/>
+            </a:schemeClr>
+          </a:lnRef>
+          <a:fillRef idx="1">
+            <a:schemeClr val="accent1"/>
+          </a:fillRef>
+          <a:effectRef idx="0">
+            <a:schemeClr val="accent1"/>
+          </a:effectRef>
+          <a:fontRef idx="minor">
+            <a:schemeClr val="lt1"/>
+          </a:fontRef>
+        </p:style>
+        <p:txBody>
+          <a:bodyPr rtlCol="0" anchor="ctr"/>
+          <a:lstStyle/>
+          <a:p>
+            <a:pPr algn="ctr"/>
+            <a:endParaRPr kumimoji="1" lang="ko-KR" altLang="en-US" dirty="0"/>
+          </a:p>
+        </p:txBody>
+      </p:sp>
+      <p:sp>
+        <p:nvSpPr>
+          <p:cNvPr id="6" name="직사각형 5">
+            <a:extLst>
+              <a:ext uri="{FF2B5EF4-FFF2-40B4-BE49-F238E27FC236}">
+                <a16:creationId xmlns:a16="http://schemas.microsoft.com/office/drawing/2014/main" id="{9607AE92-47E0-4023-9729-7FCAC3FF8059}"/>
+              </a:ext>
+            </a:extLst>
+          </p:cNvPr>
+          <p:cNvSpPr/>
+          <p:nvPr/>
+        </p:nvSpPr>
+        <p:spPr>
+          <a:xfrm>
+            <a:off x="9436553" y="5974672"/>
+            <a:ext cx="2707689" cy="710213"/>
+          </a:xfrm>
+          <a:prstGeom prst="rect">
+            <a:avLst/>
+          </a:prstGeom>
+          <a:noFill/>
+          <a:ln>
+            <a:noFill/>
+          </a:ln>
+        </p:spPr>
+        <p:style>
+          <a:lnRef idx="2">
+            <a:schemeClr val="accent1">
+              <a:shade val="50000"/>
+            </a:schemeClr>
+          </a:lnRef>
+          <a:fillRef idx="1">
+            <a:schemeClr val="accent1"/>
+          </a:fillRef>
+          <a:effectRef idx="0">
+            <a:schemeClr val="accent1"/>
+          </a:effectRef>
+          <a:fontRef idx="minor">
+            <a:schemeClr val="lt1"/>
+          </a:fontRef>
+        </p:style>
+        <p:txBody>
+          <a:bodyPr rtlCol="0" anchor="ctr"/>
+          <a:lstStyle/>
+          <a:p>
+            <a:pPr algn="ctr"/>
+            <a:r>
+              <a:rPr kumimoji="1" lang="en-US" altLang="ko-KR" sz="3600" b="1" spc="-100" dirty="0">
+                <a:latin typeface="NanumSquare ExtraBold" panose="020B0600000101010101" pitchFamily="34" charset="-127"/>
+                <a:ea typeface="NanumSquare ExtraBold" panose="020B0600000101010101" pitchFamily="34" charset="-127"/>
+              </a:rPr>
+              <a:t>Develop</a:t>
+            </a:r>
+            <a:endParaRPr kumimoji="1" lang="ko-KR" altLang="en-US" sz="3600" b="1" spc="-100" dirty="0">
+              <a:latin typeface="NanumSquare ExtraBold" panose="020B0600000101010101" pitchFamily="34" charset="-127"/>
+              <a:ea typeface="NanumSquare ExtraBold" panose="020B0600000101010101" pitchFamily="34" charset="-127"/>
+            </a:endParaRPr>
+          </a:p>
+        </p:txBody>
+      </p:sp>
+      <p:sp>
+        <p:nvSpPr>
+          <p:cNvPr id="27" name="직사각형 26">
+            <a:extLst>
+              <a:ext uri="{FF2B5EF4-FFF2-40B4-BE49-F238E27FC236}">
+                <a16:creationId xmlns:a16="http://schemas.microsoft.com/office/drawing/2014/main" id="{2E416199-7732-4B12-8863-9642FE3203FB}"/>
+              </a:ext>
+            </a:extLst>
+          </p:cNvPr>
+          <p:cNvSpPr/>
+          <p:nvPr/>
+        </p:nvSpPr>
+        <p:spPr>
+          <a:xfrm>
+            <a:off x="425397" y="395674"/>
+            <a:ext cx="3243778" cy="710213"/>
+          </a:xfrm>
+          <a:prstGeom prst="rect">
+            <a:avLst/>
+          </a:prstGeom>
+          <a:noFill/>
+          <a:ln>
+            <a:noFill/>
+          </a:ln>
+        </p:spPr>
+        <p:style>
+          <a:lnRef idx="2">
+            <a:schemeClr val="accent1">
+              <a:shade val="50000"/>
+            </a:schemeClr>
+          </a:lnRef>
+          <a:fillRef idx="1">
+            <a:schemeClr val="accent1"/>
+          </a:fillRef>
+          <a:effectRef idx="0">
+            <a:schemeClr val="accent1"/>
+          </a:effectRef>
+          <a:fontRef idx="minor">
+            <a:schemeClr val="lt1"/>
+          </a:fontRef>
+        </p:style>
+        <p:txBody>
+          <a:bodyPr rtlCol="0" anchor="ctr"/>
+          <a:lstStyle/>
+          <a:p>
+            <a:pPr algn="ctr"/>
+            <a:r>
+              <a:rPr kumimoji="1" lang="ko-KR" altLang="en-US" sz="3600" b="1" spc="-100" dirty="0">
+                <a:solidFill>
+                  <a:srgbClr val="3ED7C4"/>
+                </a:solidFill>
+                <a:latin typeface="NanumSquare ExtraBold" panose="020B0600000101010101" pitchFamily="34" charset="-127"/>
+                <a:ea typeface="NanumSquare ExtraBold" panose="020B0600000101010101" pitchFamily="34" charset="-127"/>
+              </a:rPr>
+              <a:t>개발환경 </a:t>
+            </a:r>
+            <a:r>
+              <a:rPr kumimoji="1" lang="en-US" altLang="ko-KR" sz="3600" b="1" spc="-100" dirty="0">
+                <a:solidFill>
+                  <a:srgbClr val="3ED7C4"/>
+                </a:solidFill>
+                <a:latin typeface="NanumSquare ExtraBold" panose="020B0600000101010101" pitchFamily="34" charset="-127"/>
+                <a:ea typeface="NanumSquare ExtraBold" panose="020B0600000101010101" pitchFamily="34" charset="-127"/>
+              </a:rPr>
+              <a:t>- SW</a:t>
+            </a:r>
+            <a:endParaRPr kumimoji="1" lang="ko-KR" altLang="en-US" sz="3600" b="1" spc="-100" dirty="0">
+              <a:solidFill>
+                <a:srgbClr val="3ED7C4"/>
+              </a:solidFill>
+              <a:latin typeface="NanumSquare ExtraBold" panose="020B0600000101010101" pitchFamily="34" charset="-127"/>
+              <a:ea typeface="NanumSquare ExtraBold" panose="020B0600000101010101" pitchFamily="34" charset="-127"/>
+            </a:endParaRPr>
+          </a:p>
+        </p:txBody>
+      </p:sp>
+      <p:pic>
+        <p:nvPicPr>
+          <p:cNvPr id="8194" name="Picture 2" descr="openCV에 대한 이미지 검색결과">
+            <a:extLst>
+              <a:ext uri="{FF2B5EF4-FFF2-40B4-BE49-F238E27FC236}">
+                <a16:creationId xmlns:a16="http://schemas.microsoft.com/office/drawing/2014/main" id="{A7C42D87-89A7-4542-AFC6-555295C639EC}"/>
+              </a:ext>
+            </a:extLst>
+          </p:cNvPr>
+          <p:cNvPicPr>
+            <a:picLocks noChangeAspect="1" noChangeArrowheads="1"/>
+          </p:cNvPicPr>
+          <p:nvPr/>
+        </p:nvPicPr>
+        <p:blipFill>
+          <a:blip r:embed="rId2">
+            <a:extLst>
+              <a:ext uri="{28A0092B-C50C-407E-A947-70E740481C1C}">
+                <a14:useLocalDpi xmlns:a14="http://schemas.microsoft.com/office/drawing/2010/main" val="0"/>
+              </a:ext>
+            </a:extLst>
+          </a:blip>
+          <a:srcRect/>
+          <a:stretch>
+            <a:fillRect/>
+          </a:stretch>
+        </p:blipFill>
+        <p:spPr bwMode="auto">
+          <a:xfrm>
+            <a:off x="1085261" y="2138965"/>
+            <a:ext cx="1924050" cy="2371725"/>
+          </a:xfrm>
+          <a:prstGeom prst="rect">
+            <a:avLst/>
+          </a:prstGeom>
+          <a:noFill/>
+          <a:extLst>
+            <a:ext uri="{909E8E84-426E-40DD-AFC4-6F175D3DCCD1}">
+              <a14:hiddenFill xmlns:a14="http://schemas.microsoft.com/office/drawing/2010/main">
+                <a:solidFill>
+                  <a:srgbClr val="FFFFFF"/>
+                </a:solidFill>
+              </a14:hiddenFill>
+            </a:ext>
+          </a:extLst>
+        </p:spPr>
+      </p:pic>
+      <p:pic>
+        <p:nvPicPr>
+          <p:cNvPr id="8198" name="Picture 6" descr="openCV imutils에 대한 이미지 검색결과">
+            <a:extLst>
+              <a:ext uri="{FF2B5EF4-FFF2-40B4-BE49-F238E27FC236}">
+                <a16:creationId xmlns:a16="http://schemas.microsoft.com/office/drawing/2014/main" id="{8492EF9D-260C-4262-8EF6-CB925E4BED86}"/>
+              </a:ext>
+            </a:extLst>
+          </p:cNvPr>
+          <p:cNvPicPr>
+            <a:picLocks noChangeAspect="1" noChangeArrowheads="1"/>
+          </p:cNvPicPr>
+          <p:nvPr/>
+        </p:nvPicPr>
+        <p:blipFill>
+          <a:blip r:embed="rId3">
+            <a:extLst>
+              <a:ext uri="{28A0092B-C50C-407E-A947-70E740481C1C}">
+                <a14:useLocalDpi xmlns:a14="http://schemas.microsoft.com/office/drawing/2010/main" val="0"/>
+              </a:ext>
+            </a:extLst>
+          </a:blip>
+          <a:srcRect/>
+          <a:stretch>
+            <a:fillRect/>
+          </a:stretch>
+        </p:blipFill>
+        <p:spPr bwMode="auto">
+          <a:xfrm>
+            <a:off x="4065848" y="2407714"/>
+            <a:ext cx="7501372" cy="2042571"/>
+          </a:xfrm>
+          <a:prstGeom prst="rect">
+            <a:avLst/>
+          </a:prstGeom>
+          <a:noFill/>
+          <a:extLst>
+            <a:ext uri="{909E8E84-426E-40DD-AFC4-6F175D3DCCD1}">
+              <a14:hiddenFill xmlns:a14="http://schemas.microsoft.com/office/drawing/2010/main">
+                <a:solidFill>
+                  <a:srgbClr val="FFFFFF"/>
+                </a:solidFill>
+              </a14:hiddenFill>
+            </a:ext>
+          </a:extLst>
+        </p:spPr>
+      </p:pic>
+      <p:sp>
+        <p:nvSpPr>
+          <p:cNvPr id="2" name="직사각형 1">
+            <a:extLst>
+              <a:ext uri="{FF2B5EF4-FFF2-40B4-BE49-F238E27FC236}">
+                <a16:creationId xmlns:a16="http://schemas.microsoft.com/office/drawing/2014/main" id="{FBC2FF03-A5D2-4C1F-8143-5E96D58F8334}"/>
+              </a:ext>
+            </a:extLst>
+          </p:cNvPr>
+          <p:cNvSpPr/>
+          <p:nvPr/>
+        </p:nvSpPr>
+        <p:spPr>
+          <a:xfrm>
+            <a:off x="6004560" y="3606800"/>
+            <a:ext cx="1371600" cy="375920"/>
+          </a:xfrm>
+          <a:prstGeom prst="rect">
+            <a:avLst/>
+          </a:prstGeom>
+          <a:noFill/>
+          <a:ln w="76200">
+            <a:solidFill>
+              <a:srgbClr val="3ED7C4"/>
+            </a:solidFill>
+            <a:prstDash val="lgDash"/>
+          </a:ln>
+        </p:spPr>
+        <p:style>
+          <a:lnRef idx="2">
+            <a:schemeClr val="accent1">
+              <a:shade val="50000"/>
+            </a:schemeClr>
+          </a:lnRef>
+          <a:fillRef idx="1">
+            <a:schemeClr val="accent1"/>
+          </a:fillRef>
+          <a:effectRef idx="0">
+            <a:schemeClr val="accent1"/>
+          </a:effectRef>
+          <a:fontRef idx="minor">
+            <a:schemeClr val="lt1"/>
+          </a:fontRef>
+        </p:style>
+        <p:txBody>
+          <a:bodyPr rtlCol="0" anchor="ctr"/>
+          <a:lstStyle/>
+          <a:p>
+            <a:pPr algn="ctr"/>
+            <a:endParaRPr lang="ko-KR" altLang="en-US"/>
+          </a:p>
+        </p:txBody>
+      </p:sp>
+    </p:spTree>
+    <p:extLst>
+      <p:ext uri="{BB962C8B-B14F-4D97-AF65-F5344CB8AC3E}">
+        <p14:creationId xmlns:p14="http://schemas.microsoft.com/office/powerpoint/2010/main" val="1312992687"/>
+      </p:ext>
+    </p:extLst>
+  </p:cSld>
+  <p:clrMapOvr>
+    <a:masterClrMapping/>
+  </p:clrMapOvr>
+  <mc:AlternateContent xmlns:mc="http://schemas.openxmlformats.org/markup-compatibility/2006">
+    <mc:Choice xmlns:p159="http://schemas.microsoft.com/office/powerpoint/2015/09/main" Requires="p159">
+      <p:transition xmlns:p14="http://schemas.microsoft.com/office/powerpoint/2010/main" spd="slow" p14:dur="2000">
+        <p159:morph option="byObject"/>
+      </p:transition>
+    </mc:Choice>
+    <mc:Fallback>
+      <p:transition spd="slow">
+        <p:fade/>
+      </p:transition>
+    </mc:Fallback>
+  </mc:AlternateContent>
+</p:sld>
+</file>
+
+<file path=ppt/slides/slide7.xml><?xml version="1.0" encoding="utf-8"?>
+<p:sld xmlns:a="http://schemas.openxmlformats.org/drawingml/2006/main" xmlns:r="http://schemas.openxmlformats.org/officeDocument/2006/relationships" xmlns:p="http://schemas.openxmlformats.org/presentationml/2006/main">
+  <p:cSld>
+    <p:spTree>
+      <p:nvGrpSpPr>
+        <p:cNvPr id="1" name=""/>
+        <p:cNvGrpSpPr/>
+        <p:nvPr/>
+      </p:nvGrpSpPr>
+      <p:grpSpPr>
+        <a:xfrm>
+          <a:off x="0" y="0"/>
+          <a:ext cx="0" cy="0"/>
+          <a:chOff x="0" y="0"/>
+          <a:chExt cx="0" cy="0"/>
+        </a:xfrm>
+      </p:grpSpPr>
+      <p:sp>
+        <p:nvSpPr>
+          <p:cNvPr id="4" name="직사각형 3">
+            <a:extLst>
+              <a:ext uri="{FF2B5EF4-FFF2-40B4-BE49-F238E27FC236}">
+                <a16:creationId xmlns:a16="http://schemas.microsoft.com/office/drawing/2014/main" id="{027812B0-4CDC-4E7E-B119-C1647F42E6C6}"/>
+              </a:ext>
+            </a:extLst>
+          </p:cNvPr>
+          <p:cNvSpPr/>
+          <p:nvPr/>
+        </p:nvSpPr>
+        <p:spPr>
+          <a:xfrm>
+            <a:off x="-2867" y="6036816"/>
+            <a:ext cx="12192000" cy="585926"/>
+          </a:xfrm>
+          <a:prstGeom prst="rect">
+            <a:avLst/>
+          </a:prstGeom>
+          <a:solidFill>
+            <a:srgbClr val="3ED7C4"/>
+          </a:solidFill>
+          <a:ln>
+            <a:noFill/>
+          </a:ln>
+        </p:spPr>
+        <p:style>
+          <a:lnRef idx="2">
+            <a:schemeClr val="accent1">
+              <a:shade val="50000"/>
+            </a:schemeClr>
+          </a:lnRef>
+          <a:fillRef idx="1">
+            <a:schemeClr val="accent1"/>
+          </a:fillRef>
+          <a:effectRef idx="0">
+            <a:schemeClr val="accent1"/>
+          </a:effectRef>
+          <a:fontRef idx="minor">
+            <a:schemeClr val="lt1"/>
+          </a:fontRef>
+        </p:style>
+        <p:txBody>
+          <a:bodyPr rtlCol="0" anchor="ctr"/>
+          <a:lstStyle/>
+          <a:p>
+            <a:pPr algn="ctr"/>
+            <a:endParaRPr kumimoji="1" lang="ko-KR" altLang="en-US" dirty="0"/>
+          </a:p>
+        </p:txBody>
+      </p:sp>
+      <p:sp>
+        <p:nvSpPr>
+          <p:cNvPr id="6" name="직사각형 5">
+            <a:extLst>
+              <a:ext uri="{FF2B5EF4-FFF2-40B4-BE49-F238E27FC236}">
+                <a16:creationId xmlns:a16="http://schemas.microsoft.com/office/drawing/2014/main" id="{9607AE92-47E0-4023-9729-7FCAC3FF8059}"/>
+              </a:ext>
+            </a:extLst>
+          </p:cNvPr>
+          <p:cNvSpPr/>
+          <p:nvPr/>
+        </p:nvSpPr>
+        <p:spPr>
+          <a:xfrm>
+            <a:off x="9436553" y="5974672"/>
+            <a:ext cx="2707689" cy="710213"/>
+          </a:xfrm>
+          <a:prstGeom prst="rect">
+            <a:avLst/>
+          </a:prstGeom>
+          <a:noFill/>
+          <a:ln>
+            <a:noFill/>
+          </a:ln>
+        </p:spPr>
+        <p:style>
+          <a:lnRef idx="2">
+            <a:schemeClr val="accent1">
+              <a:shade val="50000"/>
+            </a:schemeClr>
+          </a:lnRef>
+          <a:fillRef idx="1">
+            <a:schemeClr val="accent1"/>
+          </a:fillRef>
+          <a:effectRef idx="0">
+            <a:schemeClr val="accent1"/>
+          </a:effectRef>
+          <a:fontRef idx="minor">
+            <a:schemeClr val="lt1"/>
+          </a:fontRef>
+        </p:style>
+        <p:txBody>
+          <a:bodyPr rtlCol="0" anchor="ctr"/>
+          <a:lstStyle/>
+          <a:p>
+            <a:pPr algn="ctr"/>
+            <a:r>
+              <a:rPr kumimoji="1" lang="en-US" altLang="ko-KR" sz="3600" b="1" spc="-100" dirty="0">
+                <a:latin typeface="NanumSquare ExtraBold" panose="020B0600000101010101" pitchFamily="34" charset="-127"/>
+                <a:ea typeface="NanumSquare ExtraBold" panose="020B0600000101010101" pitchFamily="34" charset="-127"/>
+              </a:rPr>
+              <a:t>Develop</a:t>
+            </a:r>
+            <a:endParaRPr kumimoji="1" lang="ko-KR" altLang="en-US" sz="3600" b="1" spc="-100" dirty="0">
+              <a:latin typeface="NanumSquare ExtraBold" panose="020B0600000101010101" pitchFamily="34" charset="-127"/>
+              <a:ea typeface="NanumSquare ExtraBold" panose="020B0600000101010101" pitchFamily="34" charset="-127"/>
+            </a:endParaRPr>
+          </a:p>
+        </p:txBody>
+      </p:sp>
+      <p:sp>
+        <p:nvSpPr>
+          <p:cNvPr id="27" name="직사각형 26">
+            <a:extLst>
+              <a:ext uri="{FF2B5EF4-FFF2-40B4-BE49-F238E27FC236}">
+                <a16:creationId xmlns:a16="http://schemas.microsoft.com/office/drawing/2014/main" id="{2E416199-7732-4B12-8863-9642FE3203FB}"/>
+              </a:ext>
+            </a:extLst>
+          </p:cNvPr>
+          <p:cNvSpPr/>
+          <p:nvPr/>
+        </p:nvSpPr>
+        <p:spPr>
+          <a:xfrm>
+            <a:off x="425397" y="395674"/>
+            <a:ext cx="2502998" cy="710213"/>
+          </a:xfrm>
+          <a:prstGeom prst="rect">
+            <a:avLst/>
+          </a:prstGeom>
+          <a:noFill/>
+          <a:ln>
+            <a:noFill/>
+          </a:ln>
+        </p:spPr>
+        <p:style>
+          <a:lnRef idx="2">
+            <a:schemeClr val="accent1">
+              <a:shade val="50000"/>
+            </a:schemeClr>
+          </a:lnRef>
+          <a:fillRef idx="1">
+            <a:schemeClr val="accent1"/>
+          </a:fillRef>
+          <a:effectRef idx="0">
+            <a:schemeClr val="accent1"/>
+          </a:effectRef>
+          <a:fontRef idx="minor">
+            <a:schemeClr val="lt1"/>
+          </a:fontRef>
+        </p:style>
+        <p:txBody>
+          <a:bodyPr rtlCol="0" anchor="ctr"/>
+          <a:lstStyle/>
+          <a:p>
+            <a:pPr algn="ctr"/>
+            <a:r>
+              <a:rPr kumimoji="1" lang="ko-KR" altLang="en-US" sz="3600" b="1" spc="-100" dirty="0">
+                <a:solidFill>
+                  <a:srgbClr val="3ED7C4"/>
+                </a:solidFill>
+                <a:latin typeface="NanumSquare ExtraBold" panose="020B0600000101010101" pitchFamily="34" charset="-127"/>
+                <a:ea typeface="NanumSquare ExtraBold" panose="020B0600000101010101" pitchFamily="34" charset="-127"/>
+              </a:rPr>
+              <a:t>개발 순서</a:t>
+            </a:r>
+          </a:p>
+        </p:txBody>
+      </p:sp>
+    </p:spTree>
+    <p:extLst>
+      <p:ext uri="{BB962C8B-B14F-4D97-AF65-F5344CB8AC3E}">
+        <p14:creationId xmlns:p14="http://schemas.microsoft.com/office/powerpoint/2010/main" val="2724385242"/>
+      </p:ext>
+    </p:extLst>
+  </p:cSld>
+  <p:clrMapOvr>
+    <a:masterClrMapping/>
+  </p:clrMapOvr>
+  <mc:AlternateContent xmlns:mc="http://schemas.openxmlformats.org/markup-compatibility/2006">
+    <mc:Choice xmlns:p159="http://schemas.microsoft.com/office/powerpoint/2015/09/main" Requires="p159">
+      <p:transition xmlns:p14="http://schemas.microsoft.com/office/powerpoint/2010/main" spd="slow" p14:dur="2000">
+        <p159:morph option="byObject"/>
+      </p:transition>
+    </mc:Choice>
+    <mc:Fallback>
+      <p:transition spd="slow">
+        <p:fade/>
+      </p:transition>
+    </mc:Fallback>
+  </mc:AlternateContent>
+</p:sld>
+</file>
+
+<file path=ppt/slides/slide8.xml><?xml version="1.0" encoding="utf-8"?>
+<p:sld xmlns:a="http://schemas.openxmlformats.org/drawingml/2006/main" xmlns:r="http://schemas.openxmlformats.org/officeDocument/2006/relationships" xmlns:p="http://schemas.openxmlformats.org/presentationml/2006/main">
+  <p:cSld>
+    <p:spTree>
+      <p:nvGrpSpPr>
+        <p:cNvPr id="1" name=""/>
+        <p:cNvGrpSpPr/>
+        <p:nvPr/>
+      </p:nvGrpSpPr>
+      <p:grpSpPr>
+        <a:xfrm>
+          <a:off x="0" y="0"/>
+          <a:ext cx="0" cy="0"/>
+          <a:chOff x="0" y="0"/>
+          <a:chExt cx="0" cy="0"/>
+        </a:xfrm>
+      </p:grpSpPr>
+      <p:sp>
+        <p:nvSpPr>
+          <p:cNvPr id="4" name="직사각형 3">
+            <a:extLst>
+              <a:ext uri="{FF2B5EF4-FFF2-40B4-BE49-F238E27FC236}">
+                <a16:creationId xmlns:a16="http://schemas.microsoft.com/office/drawing/2014/main" id="{027812B0-4CDC-4E7E-B119-C1647F42E6C6}"/>
+              </a:ext>
+            </a:extLst>
+          </p:cNvPr>
+          <p:cNvSpPr/>
+          <p:nvPr/>
+        </p:nvSpPr>
+        <p:spPr>
+          <a:xfrm>
+            <a:off x="-2867" y="6036816"/>
+            <a:ext cx="12192000" cy="585926"/>
+          </a:xfrm>
+          <a:prstGeom prst="rect">
+            <a:avLst/>
+          </a:prstGeom>
+          <a:solidFill>
+            <a:srgbClr val="3ED7C4"/>
+          </a:solidFill>
+          <a:ln>
+            <a:noFill/>
+          </a:ln>
+        </p:spPr>
+        <p:style>
+          <a:lnRef idx="2">
+            <a:schemeClr val="accent1">
+              <a:shade val="50000"/>
+            </a:schemeClr>
+          </a:lnRef>
+          <a:fillRef idx="1">
+            <a:schemeClr val="accent1"/>
+          </a:fillRef>
+          <a:effectRef idx="0">
+            <a:schemeClr val="accent1"/>
+          </a:effectRef>
+          <a:fontRef idx="minor">
+            <a:schemeClr val="lt1"/>
+          </a:fontRef>
+        </p:style>
+        <p:txBody>
+          <a:bodyPr rtlCol="0" anchor="ctr"/>
+          <a:lstStyle/>
+          <a:p>
+            <a:pPr algn="ctr"/>
+            <a:endParaRPr kumimoji="1" lang="ko-KR" altLang="en-US" dirty="0"/>
+          </a:p>
+        </p:txBody>
+      </p:sp>
+      <p:sp>
+        <p:nvSpPr>
+          <p:cNvPr id="6" name="직사각형 5">
+            <a:extLst>
+              <a:ext uri="{FF2B5EF4-FFF2-40B4-BE49-F238E27FC236}">
+                <a16:creationId xmlns:a16="http://schemas.microsoft.com/office/drawing/2014/main" id="{9607AE92-47E0-4023-9729-7FCAC3FF8059}"/>
+              </a:ext>
+            </a:extLst>
+          </p:cNvPr>
+          <p:cNvSpPr/>
+          <p:nvPr/>
+        </p:nvSpPr>
+        <p:spPr>
+          <a:xfrm>
+            <a:off x="9436553" y="5974672"/>
+            <a:ext cx="2707689" cy="710213"/>
+          </a:xfrm>
+          <a:prstGeom prst="rect">
+            <a:avLst/>
+          </a:prstGeom>
+          <a:noFill/>
+          <a:ln>
+            <a:noFill/>
+          </a:ln>
+        </p:spPr>
+        <p:style>
+          <a:lnRef idx="2">
+            <a:schemeClr val="accent1">
+              <a:shade val="50000"/>
+            </a:schemeClr>
+          </a:lnRef>
+          <a:fillRef idx="1">
+            <a:schemeClr val="accent1"/>
+          </a:fillRef>
+          <a:effectRef idx="0">
+            <a:schemeClr val="accent1"/>
+          </a:effectRef>
+          <a:fontRef idx="minor">
+            <a:schemeClr val="lt1"/>
+          </a:fontRef>
+        </p:style>
+        <p:txBody>
+          <a:bodyPr rtlCol="0" anchor="ctr"/>
+          <a:lstStyle/>
+          <a:p>
+            <a:pPr algn="ctr"/>
+            <a:r>
+              <a:rPr kumimoji="1" lang="en-US" altLang="ko-KR" sz="3600" b="1" spc="-100" dirty="0">
+                <a:latin typeface="NanumSquare ExtraBold" panose="020B0600000101010101" pitchFamily="34" charset="-127"/>
+                <a:ea typeface="NanumSquare ExtraBold" panose="020B0600000101010101" pitchFamily="34" charset="-127"/>
+              </a:rPr>
+              <a:t>Develop</a:t>
+            </a:r>
+            <a:endParaRPr kumimoji="1" lang="ko-KR" altLang="en-US" sz="3600" b="1" spc="-100" dirty="0">
+              <a:latin typeface="NanumSquare ExtraBold" panose="020B0600000101010101" pitchFamily="34" charset="-127"/>
+              <a:ea typeface="NanumSquare ExtraBold" panose="020B0600000101010101" pitchFamily="34" charset="-127"/>
+            </a:endParaRPr>
+          </a:p>
+        </p:txBody>
+      </p:sp>
+      <p:sp>
+        <p:nvSpPr>
+          <p:cNvPr id="27" name="직사각형 26">
+            <a:extLst>
+              <a:ext uri="{FF2B5EF4-FFF2-40B4-BE49-F238E27FC236}">
+                <a16:creationId xmlns:a16="http://schemas.microsoft.com/office/drawing/2014/main" id="{2E416199-7732-4B12-8863-9642FE3203FB}"/>
+              </a:ext>
+            </a:extLst>
+          </p:cNvPr>
+          <p:cNvSpPr/>
+          <p:nvPr/>
+        </p:nvSpPr>
+        <p:spPr>
+          <a:xfrm>
+            <a:off x="425397" y="395674"/>
+            <a:ext cx="2502998" cy="710213"/>
+          </a:xfrm>
+          <a:prstGeom prst="rect">
+            <a:avLst/>
+          </a:prstGeom>
+          <a:noFill/>
+          <a:ln>
+            <a:noFill/>
+          </a:ln>
+        </p:spPr>
+        <p:style>
+          <a:lnRef idx="2">
+            <a:schemeClr val="accent1">
+              <a:shade val="50000"/>
+            </a:schemeClr>
+          </a:lnRef>
+          <a:fillRef idx="1">
+            <a:schemeClr val="accent1"/>
+          </a:fillRef>
+          <a:effectRef idx="0">
+            <a:schemeClr val="accent1"/>
+          </a:effectRef>
+          <a:fontRef idx="minor">
+            <a:schemeClr val="lt1"/>
+          </a:fontRef>
+        </p:style>
+        <p:txBody>
+          <a:bodyPr rtlCol="0" anchor="ctr"/>
+          <a:lstStyle/>
+          <a:p>
+            <a:pPr algn="ctr"/>
+            <a:r>
+              <a:rPr kumimoji="1" lang="ko-KR" altLang="en-US" sz="3600" b="1" spc="-100" dirty="0">
+                <a:solidFill>
+                  <a:srgbClr val="3ED7C4"/>
+                </a:solidFill>
+                <a:latin typeface="NanumSquare ExtraBold" panose="020B0600000101010101" pitchFamily="34" charset="-127"/>
+                <a:ea typeface="NanumSquare ExtraBold" panose="020B0600000101010101" pitchFamily="34" charset="-127"/>
+              </a:rPr>
+              <a:t>개발 순서</a:t>
+            </a:r>
+          </a:p>
+        </p:txBody>
+      </p:sp>
+      <p:pic>
+        <p:nvPicPr>
+          <p:cNvPr id="3" name="그림 2">
+            <a:extLst>
+              <a:ext uri="{FF2B5EF4-FFF2-40B4-BE49-F238E27FC236}">
+                <a16:creationId xmlns:a16="http://schemas.microsoft.com/office/drawing/2014/main" id="{B037A320-7754-4AD1-846E-03536FBBE889}"/>
+              </a:ext>
+            </a:extLst>
+          </p:cNvPr>
+          <p:cNvPicPr>
+            <a:picLocks noChangeAspect="1"/>
+          </p:cNvPicPr>
+          <p:nvPr/>
+        </p:nvPicPr>
+        <p:blipFill>
+          <a:blip r:embed="rId2">
+            <a:extLst>
+              <a:ext uri="{28A0092B-C50C-407E-A947-70E740481C1C}">
+                <a14:useLocalDpi xmlns:a14="http://schemas.microsoft.com/office/drawing/2010/main" val="0"/>
+              </a:ext>
+            </a:extLst>
+          </a:blip>
+          <a:stretch>
+            <a:fillRect/>
+          </a:stretch>
+        </p:blipFill>
+        <p:spPr>
+          <a:xfrm rot="11322843">
+            <a:off x="518202" y="2743200"/>
+            <a:ext cx="2524638" cy="1433447"/>
+          </a:xfrm>
+          <a:prstGeom prst="rect">
+            <a:avLst/>
+          </a:prstGeom>
+        </p:spPr>
+      </p:pic>
+    </p:spTree>
+    <p:extLst>
+      <p:ext uri="{BB962C8B-B14F-4D97-AF65-F5344CB8AC3E}">
+        <p14:creationId xmlns:p14="http://schemas.microsoft.com/office/powerpoint/2010/main" val="1045051847"/>
+      </p:ext>
+    </p:extLst>
+  </p:cSld>
+  <p:clrMapOvr>
+    <a:masterClrMapping/>
+  </p:clrMapOvr>
+  <mc:AlternateContent xmlns:mc="http://schemas.openxmlformats.org/markup-compatibility/2006">
+    <mc:Choice xmlns:p159="http://schemas.microsoft.com/office/powerpoint/2015/09/main" Requires="p159">
+      <p:transition xmlns:p14="http://schemas.microsoft.com/office/powerpoint/2010/main" spd="slow" p14:dur="2000">
+        <p159:morph option="byObject"/>
+      </p:transition>
+    </mc:Choice>
+    <mc:Fallback>
+      <p:transition spd="slow">
+        <p:fade/>
+      </p:transition>
+    </mc:Fallback>
+  </mc:AlternateContent>
+</p:sld>
+</file>
+
+<file path=ppt/slides/slide9.xml><?xml version="1.0" encoding="utf-8"?>
+<p:sld xmlns:a="http://schemas.openxmlformats.org/drawingml/2006/main" xmlns:r="http://schemas.openxmlformats.org/officeDocument/2006/relationships" xmlns:p="http://schemas.openxmlformats.org/presentationml/2006/main">
+  <p:cSld>
+    <p:spTree>
+      <p:nvGrpSpPr>
+        <p:cNvPr id="1" name=""/>
+        <p:cNvGrpSpPr/>
+        <p:nvPr/>
+      </p:nvGrpSpPr>
+      <p:grpSpPr>
+        <a:xfrm>
+          <a:off x="0" y="0"/>
+          <a:ext cx="0" cy="0"/>
+          <a:chOff x="0" y="0"/>
+          <a:chExt cx="0" cy="0"/>
+        </a:xfrm>
+      </p:grpSpPr>
+      <p:sp>
+        <p:nvSpPr>
+          <p:cNvPr id="4" name="직사각형 3">
+            <a:extLst>
+              <a:ext uri="{FF2B5EF4-FFF2-40B4-BE49-F238E27FC236}">
+                <a16:creationId xmlns:a16="http://schemas.microsoft.com/office/drawing/2014/main" id="{027812B0-4CDC-4E7E-B119-C1647F42E6C6}"/>
+              </a:ext>
+            </a:extLst>
+          </p:cNvPr>
+          <p:cNvSpPr/>
+          <p:nvPr/>
+        </p:nvSpPr>
+        <p:spPr>
+          <a:xfrm>
+            <a:off x="-2867" y="6036816"/>
+            <a:ext cx="12192000" cy="585926"/>
+          </a:xfrm>
+          <a:prstGeom prst="rect">
+            <a:avLst/>
+          </a:prstGeom>
+          <a:solidFill>
+            <a:srgbClr val="3ED7C4"/>
+          </a:solidFill>
+          <a:ln>
+            <a:noFill/>
+          </a:ln>
+        </p:spPr>
+        <p:style>
+          <a:lnRef idx="2">
+            <a:schemeClr val="accent1">
+              <a:shade val="50000"/>
+            </a:schemeClr>
+          </a:lnRef>
+          <a:fillRef idx="1">
+            <a:schemeClr val="accent1"/>
+          </a:fillRef>
+          <a:effectRef idx="0">
+            <a:schemeClr val="accent1"/>
+          </a:effectRef>
+          <a:fontRef idx="minor">
+            <a:schemeClr val="lt1"/>
+          </a:fontRef>
+        </p:style>
+        <p:txBody>
+          <a:bodyPr rtlCol="0" anchor="ctr"/>
+          <a:lstStyle/>
+          <a:p>
+            <a:pPr algn="ctr"/>
+            <a:endParaRPr kumimoji="1" lang="ko-KR" altLang="en-US" dirty="0"/>
+          </a:p>
+        </p:txBody>
+      </p:sp>
+      <p:sp>
+        <p:nvSpPr>
+          <p:cNvPr id="6" name="직사각형 5">
+            <a:extLst>
+              <a:ext uri="{FF2B5EF4-FFF2-40B4-BE49-F238E27FC236}">
+                <a16:creationId xmlns:a16="http://schemas.microsoft.com/office/drawing/2014/main" id="{9607AE92-47E0-4023-9729-7FCAC3FF8059}"/>
+              </a:ext>
+            </a:extLst>
+          </p:cNvPr>
+          <p:cNvSpPr/>
+          <p:nvPr/>
+        </p:nvSpPr>
+        <p:spPr>
+          <a:xfrm>
+            <a:off x="9436553" y="5974672"/>
+            <a:ext cx="2707689" cy="710213"/>
+          </a:xfrm>
+          <a:prstGeom prst="rect">
+            <a:avLst/>
+          </a:prstGeom>
+          <a:noFill/>
+          <a:ln>
+            <a:noFill/>
+          </a:ln>
+        </p:spPr>
+        <p:style>
+          <a:lnRef idx="2">
+            <a:schemeClr val="accent1">
+              <a:shade val="50000"/>
+            </a:schemeClr>
+          </a:lnRef>
+          <a:fillRef idx="1">
+            <a:schemeClr val="accent1"/>
+          </a:fillRef>
+          <a:effectRef idx="0">
+            <a:schemeClr val="accent1"/>
+          </a:effectRef>
+          <a:fontRef idx="minor">
+            <a:schemeClr val="lt1"/>
+          </a:fontRef>
+        </p:style>
+        <p:txBody>
+          <a:bodyPr rtlCol="0" anchor="ctr"/>
+          <a:lstStyle/>
+          <a:p>
+            <a:pPr algn="ctr"/>
+            <a:r>
+              <a:rPr kumimoji="1" lang="en-US" altLang="ko-KR" sz="3600" b="1" spc="-100" dirty="0">
+                <a:latin typeface="NanumSquare ExtraBold" panose="020B0600000101010101" pitchFamily="34" charset="-127"/>
+                <a:ea typeface="NanumSquare ExtraBold" panose="020B0600000101010101" pitchFamily="34" charset="-127"/>
+              </a:rPr>
+              <a:t>Develop</a:t>
+            </a:r>
+            <a:endParaRPr kumimoji="1" lang="ko-KR" altLang="en-US" sz="3600" b="1" spc="-100" dirty="0">
+              <a:latin typeface="NanumSquare ExtraBold" panose="020B0600000101010101" pitchFamily="34" charset="-127"/>
+              <a:ea typeface="NanumSquare ExtraBold" panose="020B0600000101010101" pitchFamily="34" charset="-127"/>
+            </a:endParaRPr>
+          </a:p>
+        </p:txBody>
+      </p:sp>
+      <p:sp>
+        <p:nvSpPr>
+          <p:cNvPr id="27" name="직사각형 26">
+            <a:extLst>
+              <a:ext uri="{FF2B5EF4-FFF2-40B4-BE49-F238E27FC236}">
+                <a16:creationId xmlns:a16="http://schemas.microsoft.com/office/drawing/2014/main" id="{2E416199-7732-4B12-8863-9642FE3203FB}"/>
+              </a:ext>
+            </a:extLst>
+          </p:cNvPr>
+          <p:cNvSpPr/>
+          <p:nvPr/>
+        </p:nvSpPr>
+        <p:spPr>
+          <a:xfrm>
+            <a:off x="425397" y="395674"/>
+            <a:ext cx="2502998" cy="710213"/>
+          </a:xfrm>
+          <a:prstGeom prst="rect">
+            <a:avLst/>
+          </a:prstGeom>
+          <a:noFill/>
+          <a:ln>
+            <a:noFill/>
+          </a:ln>
+        </p:spPr>
+        <p:style>
+          <a:lnRef idx="2">
+            <a:schemeClr val="accent1">
+              <a:shade val="50000"/>
+            </a:schemeClr>
+          </a:lnRef>
+          <a:fillRef idx="1">
+            <a:schemeClr val="accent1"/>
+          </a:fillRef>
+          <a:effectRef idx="0">
+            <a:schemeClr val="accent1"/>
+          </a:effectRef>
+          <a:fontRef idx="minor">
+            <a:schemeClr val="lt1"/>
+          </a:fontRef>
+        </p:style>
+        <p:txBody>
+          <a:bodyPr rtlCol="0" anchor="ctr"/>
+          <a:lstStyle/>
+          <a:p>
+            <a:pPr algn="ctr"/>
+            <a:r>
+              <a:rPr kumimoji="1" lang="ko-KR" altLang="en-US" sz="3600" b="1" spc="-100" dirty="0">
+                <a:solidFill>
+                  <a:srgbClr val="3ED7C4"/>
+                </a:solidFill>
+                <a:latin typeface="NanumSquare ExtraBold" panose="020B0600000101010101" pitchFamily="34" charset="-127"/>
+                <a:ea typeface="NanumSquare ExtraBold" panose="020B0600000101010101" pitchFamily="34" charset="-127"/>
+              </a:rPr>
+              <a:t>개발 순서</a:t>
+            </a:r>
+          </a:p>
+        </p:txBody>
+      </p:sp>
+      <p:pic>
+        <p:nvPicPr>
+          <p:cNvPr id="3" name="그림 2">
+            <a:extLst>
+              <a:ext uri="{FF2B5EF4-FFF2-40B4-BE49-F238E27FC236}">
+                <a16:creationId xmlns:a16="http://schemas.microsoft.com/office/drawing/2014/main" id="{B037A320-7754-4AD1-846E-03536FBBE889}"/>
+              </a:ext>
+            </a:extLst>
+          </p:cNvPr>
+          <p:cNvPicPr>
+            <a:picLocks noChangeAspect="1"/>
+          </p:cNvPicPr>
+          <p:nvPr/>
+        </p:nvPicPr>
+        <p:blipFill>
+          <a:blip r:embed="rId2">
+            <a:extLst>
+              <a:ext uri="{28A0092B-C50C-407E-A947-70E740481C1C}">
+                <a14:useLocalDpi xmlns:a14="http://schemas.microsoft.com/office/drawing/2010/main" val="0"/>
+              </a:ext>
+            </a:extLst>
+          </a:blip>
+          <a:stretch>
+            <a:fillRect/>
+          </a:stretch>
+        </p:blipFill>
+        <p:spPr>
+          <a:xfrm rot="11322843">
+            <a:off x="518202" y="2743200"/>
+            <a:ext cx="2524638" cy="1433447"/>
+          </a:xfrm>
+          <a:prstGeom prst="rect">
+            <a:avLst/>
+          </a:prstGeom>
+        </p:spPr>
+      </p:pic>
+      <p:pic>
+        <p:nvPicPr>
+          <p:cNvPr id="10" name="Picture 2" descr="openCV에 대한 이미지 검색결과">
+            <a:extLst>
+              <a:ext uri="{FF2B5EF4-FFF2-40B4-BE49-F238E27FC236}">
+                <a16:creationId xmlns:a16="http://schemas.microsoft.com/office/drawing/2014/main" id="{F1C46ADA-059A-4F0C-B188-1CF3021AED5A}"/>
+              </a:ext>
+            </a:extLst>
+          </p:cNvPr>
+          <p:cNvPicPr>
+            <a:picLocks noChangeAspect="1" noChangeArrowheads="1"/>
+          </p:cNvPicPr>
+          <p:nvPr/>
+        </p:nvPicPr>
+        <p:blipFill>
+          <a:blip r:embed="rId3">
+            <a:extLst>
+              <a:ext uri="{28A0092B-C50C-407E-A947-70E740481C1C}">
+                <a14:useLocalDpi xmlns:a14="http://schemas.microsoft.com/office/drawing/2010/main" val="0"/>
+              </a:ext>
+            </a:extLst>
+          </a:blip>
+          <a:srcRect/>
+          <a:stretch>
+            <a:fillRect/>
+          </a:stretch>
+        </p:blipFill>
+        <p:spPr bwMode="auto">
+          <a:xfrm>
+            <a:off x="4579717" y="552845"/>
+            <a:ext cx="1670612" cy="2059319"/>
+          </a:xfrm>
+          <a:prstGeom prst="rect">
+            <a:avLst/>
+          </a:prstGeom>
+          <a:noFill/>
+          <a:extLst>
+            <a:ext uri="{909E8E84-426E-40DD-AFC4-6F175D3DCCD1}">
+              <a14:hiddenFill xmlns:a14="http://schemas.microsoft.com/office/drawing/2010/main">
+                <a:solidFill>
+                  <a:srgbClr val="FFFFFF"/>
+                </a:solidFill>
+              </a14:hiddenFill>
+            </a:ext>
+          </a:extLst>
+        </p:spPr>
+      </p:pic>
+      <p:cxnSp>
+        <p:nvCxnSpPr>
+          <p:cNvPr id="11" name="직선 연결선 10">
+            <a:extLst>
+              <a:ext uri="{FF2B5EF4-FFF2-40B4-BE49-F238E27FC236}">
+                <a16:creationId xmlns:a16="http://schemas.microsoft.com/office/drawing/2014/main" id="{44BA1A41-15E5-4047-A3E4-8D80A82697DD}"/>
+              </a:ext>
+            </a:extLst>
+          </p:cNvPr>
+          <p:cNvCxnSpPr>
+            <a:cxnSpLocks/>
+            <a:endCxn id="10" idx="1"/>
+          </p:cNvCxnSpPr>
+          <p:nvPr/>
+        </p:nvCxnSpPr>
+        <p:spPr>
+          <a:xfrm flipV="1">
+            <a:off x="2928395" y="1582505"/>
+            <a:ext cx="1651322" cy="1507936"/>
+          </a:xfrm>
+          <a:prstGeom prst="line">
+            <a:avLst/>
+          </a:prstGeom>
+          <a:ln w="57150">
+            <a:solidFill>
+              <a:srgbClr val="3ED7C4"/>
+            </a:solidFill>
+            <a:headEnd type="none" w="med" len="med"/>
+            <a:tailEnd type="triangle" w="med" len="med"/>
+          </a:ln>
+        </p:spPr>
+        <p:style>
+          <a:lnRef idx="1">
+            <a:schemeClr val="accent1"/>
+          </a:lnRef>
+          <a:fillRef idx="0">
+            <a:schemeClr val="accent1"/>
+          </a:fillRef>
+          <a:effectRef idx="0">
+            <a:schemeClr val="accent1"/>
+          </a:effectRef>
+          <a:fontRef idx="minor">
+            <a:schemeClr val="tx1"/>
+          </a:fontRef>
+        </p:style>
+      </p:cxnSp>
+      <p:sp>
+        <p:nvSpPr>
+          <p:cNvPr id="28" name="직사각형 27">
+            <a:extLst>
+              <a:ext uri="{FF2B5EF4-FFF2-40B4-BE49-F238E27FC236}">
+                <a16:creationId xmlns:a16="http://schemas.microsoft.com/office/drawing/2014/main" id="{66427D98-45E2-4A2E-B6FA-BA4A710F75C9}"/>
+              </a:ext>
+            </a:extLst>
+          </p:cNvPr>
+          <p:cNvSpPr/>
+          <p:nvPr/>
+        </p:nvSpPr>
+        <p:spPr>
+          <a:xfrm>
+            <a:off x="2089008" y="2305902"/>
+            <a:ext cx="1238605" cy="306262"/>
+          </a:xfrm>
+          <a:prstGeom prst="rect">
+            <a:avLst/>
+          </a:prstGeom>
+          <a:noFill/>
+          <a:ln>
+            <a:noFill/>
+          </a:ln>
+        </p:spPr>
+        <p:style>
+          <a:lnRef idx="2">
+            <a:schemeClr val="accent1">
+              <a:shade val="50000"/>
+            </a:schemeClr>
+          </a:lnRef>
+          <a:fillRef idx="1">
+            <a:schemeClr val="accent1"/>
+          </a:fillRef>
+          <a:effectRef idx="0">
+            <a:schemeClr val="accent1"/>
+          </a:effectRef>
+          <a:fontRef idx="minor">
+            <a:schemeClr val="lt1"/>
+          </a:fontRef>
+        </p:style>
+        <p:txBody>
+          <a:bodyPr rtlCol="0" anchor="ctr"/>
+          <a:lstStyle/>
+          <a:p>
+            <a:pPr algn="ctr"/>
+            <a:r>
+              <a:rPr kumimoji="1" lang="en-US" altLang="ko-KR" sz="2000" b="1" spc="-100" dirty="0">
+                <a:solidFill>
+                  <a:srgbClr val="3ED7C4"/>
+                </a:solidFill>
+                <a:latin typeface="NanumSquare ExtraBold" panose="020B0600000101010101" pitchFamily="34" charset="-127"/>
+                <a:ea typeface="NanumSquare ExtraBold" panose="020B0600000101010101" pitchFamily="34" charset="-127"/>
+              </a:rPr>
+              <a:t>(sensing)</a:t>
+            </a:r>
+            <a:endParaRPr kumimoji="1" lang="ko-KR" altLang="en-US" sz="2000" b="1" spc="-100" dirty="0">
+              <a:solidFill>
+                <a:srgbClr val="3ED7C4"/>
+              </a:solidFill>
+              <a:latin typeface="NanumSquare ExtraBold" panose="020B0600000101010101" pitchFamily="34" charset="-127"/>
+              <a:ea typeface="NanumSquare ExtraBold" panose="020B0600000101010101" pitchFamily="34" charset="-127"/>
+            </a:endParaRPr>
+          </a:p>
+        </p:txBody>
+      </p:sp>
+    </p:spTree>
+    <p:extLst>
+      <p:ext uri="{BB962C8B-B14F-4D97-AF65-F5344CB8AC3E}">
+        <p14:creationId xmlns:p14="http://schemas.microsoft.com/office/powerpoint/2010/main" val="3643515811"/>
+      </p:ext>
+    </p:extLst>
+  </p:cSld>
+  <p:clrMapOvr>
+    <a:masterClrMapping/>
+  </p:clrMapOvr>
+  <mc:AlternateContent xmlns:mc="http://schemas.openxmlformats.org/markup-compatibility/2006">
+    <mc:Choice xmlns:p159="http://schemas.microsoft.com/office/powerpoint/2015/09/main" Requires="p159">
+      <p:transition xmlns:p14="http://schemas.microsoft.com/office/powerpoint/2010/main" spd="slow" p14:dur="2000">
+        <p159:morph option="byObject"/>
+      </p:transition>
+    </mc:Choice>
+    <mc:Fallback>
+      <p:transition spd="slow">
+        <p:fade/>
+      </p:transition>
+    </mc:Fallback>
+  </mc:AlternateContent>
+  <p:timing>
+    <p:tnLst>
+      <p:par>
+        <p:cTn id="1" dur="indefinite" restart="never" nodeType="tmRoot">
+          <p:childTnLst>
+            <p:seq concurrent="1" nextAc="seek">
+              <p:cTn id="2" dur="indefinite" nodeType="mainSeq">
+                <p:childTnLst>
+                  <p:par>
+                    <p:cTn id="3" fill="hold">
+                      <p:stCondLst>
+                        <p:cond delay="indefinite"/>
+                        <p:cond evt="onBegin" delay="0">
+                          <p:tn val="2"/>
+                        </p:cond>
+                      </p:stCondLst>
+                      <p:childTnLst>
+                        <p:par>
+                          <p:cTn id="4" fill="hold">
+                            <p:stCondLst>
+                              <p:cond delay="0"/>
+                            </p:stCondLst>
+                            <p:childTnLst>
+                              <p:par>
+                                <p:cTn id="5" presetID="22" presetClass="entr" presetSubtype="4" fill="hold" nodeType="withEffect">
+                                  <p:stCondLst>
+                                    <p:cond delay="0"/>
+                                  </p:stCondLst>
+                                  <p:childTnLst>
+                                    <p:set>
+                                      <p:cBhvr>
+                                        <p:cTn id="6" dur="1" fill="hold">
+                                          <p:stCondLst>
+                                            <p:cond delay="0"/>
+                                          </p:stCondLst>
+                                        </p:cTn>
+                                        <p:tgtEl>
+                                          <p:spTgt spid="11"/>
+                                        </p:tgtEl>
+                                        <p:attrNameLst>
+                                          <p:attrName>style.visibility</p:attrName>
+                                        </p:attrNameLst>
+                                      </p:cBhvr>
+                                      <p:to>
+                                        <p:strVal val="visible"/>
+                                      </p:to>
+                                    </p:set>
+                                    <p:animEffect transition="in" filter="wipe(down)">
+                                      <p:cBhvr>
+                                        <p:cTn id="7" dur="500"/>
+                                        <p:tgtEl>
+                                          <p:spTgt spid="11"/>
+                                        </p:tgtEl>
+                                      </p:cBhvr>
+                                    </p:animEffect>
+                                  </p:childTnLst>
+                                </p:cTn>
+                              </p:par>
+                            </p:childTnLst>
+                          </p:cTn>
+                        </p:par>
+                      </p:childTnLst>
+                    </p:cTn>
+                  </p:par>
+                </p:childTnLst>
+              </p:cTn>
+              <p:prevCondLst>
+                <p:cond evt="onPrev" delay="0">
+                  <p:tgtEl>
+                    <p:sldTgt/>
+                  </p:tgtEl>
+                </p:cond>
+              </p:prevCondLst>
+              <p:nextCondLst>
+                <p:cond evt="onNext" delay="0">
+                  <p:tgtEl>
+                    <p:sldTgt/>
+                  </p:tgtEl>
+                </p:cond>
+              </p:nextCondLst>
+            </p:seq>
+          </p:childTnLst>
+        </p:cTn>
+      </p:par>
+    </p:tnLst>
+  </p:timing>
 </p:sld>
 </file>
 

--- a/AD_project_proposal_PT.pptx
+++ b/AD_project_proposal_PT.pptx
@@ -22,9 +22,9 @@
     <p:sldId id="283" r:id="rId16"/>
     <p:sldId id="271" r:id="rId17"/>
     <p:sldId id="272" r:id="rId18"/>
-    <p:sldId id="275" r:id="rId19"/>
-    <p:sldId id="273" r:id="rId20"/>
-    <p:sldId id="277" r:id="rId21"/>
+    <p:sldId id="273" r:id="rId19"/>
+    <p:sldId id="284" r:id="rId20"/>
+    <p:sldId id="285" r:id="rId21"/>
     <p:sldId id="278" r:id="rId22"/>
     <p:sldId id="280" r:id="rId23"/>
   </p:sldIdLst>
@@ -280,7 +280,7 @@
           <a:p>
             <a:fld id="{877A101C-329B-4D6D-B565-699C6EAC95AD}" type="datetimeFigureOut">
               <a:rPr lang="ko-KR" altLang="en-US" smtClean="0"/>
-              <a:t>2019-11-24</a:t>
+              <a:t>2019-11-25</a:t>
             </a:fld>
             <a:endParaRPr lang="ko-KR" altLang="en-US"/>
           </a:p>
@@ -478,7 +478,7 @@
           <a:p>
             <a:fld id="{877A101C-329B-4D6D-B565-699C6EAC95AD}" type="datetimeFigureOut">
               <a:rPr lang="ko-KR" altLang="en-US" smtClean="0"/>
-              <a:t>2019-11-24</a:t>
+              <a:t>2019-11-25</a:t>
             </a:fld>
             <a:endParaRPr lang="ko-KR" altLang="en-US"/>
           </a:p>
@@ -686,7 +686,7 @@
           <a:p>
             <a:fld id="{877A101C-329B-4D6D-B565-699C6EAC95AD}" type="datetimeFigureOut">
               <a:rPr lang="ko-KR" altLang="en-US" smtClean="0"/>
-              <a:t>2019-11-24</a:t>
+              <a:t>2019-11-25</a:t>
             </a:fld>
             <a:endParaRPr lang="ko-KR" altLang="en-US"/>
           </a:p>
@@ -884,7 +884,7 @@
           <a:p>
             <a:fld id="{877A101C-329B-4D6D-B565-699C6EAC95AD}" type="datetimeFigureOut">
               <a:rPr lang="ko-KR" altLang="en-US" smtClean="0"/>
-              <a:t>2019-11-24</a:t>
+              <a:t>2019-11-25</a:t>
             </a:fld>
             <a:endParaRPr lang="ko-KR" altLang="en-US"/>
           </a:p>
@@ -1159,7 +1159,7 @@
           <a:p>
             <a:fld id="{877A101C-329B-4D6D-B565-699C6EAC95AD}" type="datetimeFigureOut">
               <a:rPr lang="ko-KR" altLang="en-US" smtClean="0"/>
-              <a:t>2019-11-24</a:t>
+              <a:t>2019-11-25</a:t>
             </a:fld>
             <a:endParaRPr lang="ko-KR" altLang="en-US"/>
           </a:p>
@@ -1424,7 +1424,7 @@
           <a:p>
             <a:fld id="{877A101C-329B-4D6D-B565-699C6EAC95AD}" type="datetimeFigureOut">
               <a:rPr lang="ko-KR" altLang="en-US" smtClean="0"/>
-              <a:t>2019-11-24</a:t>
+              <a:t>2019-11-25</a:t>
             </a:fld>
             <a:endParaRPr lang="ko-KR" altLang="en-US"/>
           </a:p>
@@ -1836,7 +1836,7 @@
           <a:p>
             <a:fld id="{877A101C-329B-4D6D-B565-699C6EAC95AD}" type="datetimeFigureOut">
               <a:rPr lang="ko-KR" altLang="en-US" smtClean="0"/>
-              <a:t>2019-11-24</a:t>
+              <a:t>2019-11-25</a:t>
             </a:fld>
             <a:endParaRPr lang="ko-KR" altLang="en-US"/>
           </a:p>
@@ -1977,7 +1977,7 @@
           <a:p>
             <a:fld id="{877A101C-329B-4D6D-B565-699C6EAC95AD}" type="datetimeFigureOut">
               <a:rPr lang="ko-KR" altLang="en-US" smtClean="0"/>
-              <a:t>2019-11-24</a:t>
+              <a:t>2019-11-25</a:t>
             </a:fld>
             <a:endParaRPr lang="ko-KR" altLang="en-US"/>
           </a:p>
@@ -2090,7 +2090,7 @@
           <a:p>
             <a:fld id="{877A101C-329B-4D6D-B565-699C6EAC95AD}" type="datetimeFigureOut">
               <a:rPr lang="ko-KR" altLang="en-US" smtClean="0"/>
-              <a:t>2019-11-24</a:t>
+              <a:t>2019-11-25</a:t>
             </a:fld>
             <a:endParaRPr lang="ko-KR" altLang="en-US"/>
           </a:p>
@@ -2401,7 +2401,7 @@
           <a:p>
             <a:fld id="{877A101C-329B-4D6D-B565-699C6EAC95AD}" type="datetimeFigureOut">
               <a:rPr lang="ko-KR" altLang="en-US" smtClean="0"/>
-              <a:t>2019-11-24</a:t>
+              <a:t>2019-11-25</a:t>
             </a:fld>
             <a:endParaRPr lang="ko-KR" altLang="en-US"/>
           </a:p>
@@ -2689,7 +2689,7 @@
           <a:p>
             <a:fld id="{877A101C-329B-4D6D-B565-699C6EAC95AD}" type="datetimeFigureOut">
               <a:rPr lang="ko-KR" altLang="en-US" smtClean="0"/>
-              <a:t>2019-11-24</a:t>
+              <a:t>2019-11-25</a:t>
             </a:fld>
             <a:endParaRPr lang="ko-KR" altLang="en-US"/>
           </a:p>
@@ -2930,7 +2930,7 @@
           <a:p>
             <a:fld id="{877A101C-329B-4D6D-B565-699C6EAC95AD}" type="datetimeFigureOut">
               <a:rPr lang="ko-KR" altLang="en-US" smtClean="0"/>
-              <a:t>2019-11-24</a:t>
+              <a:t>2019-11-25</a:t>
             </a:fld>
             <a:endParaRPr lang="ko-KR" altLang="en-US"/>
           </a:p>
@@ -3593,13 +3593,13 @@
   <p:clrMapOvr>
     <a:masterClrMapping/>
   </p:clrMapOvr>
-  <mc:AlternateContent xmlns:mc="http://schemas.openxmlformats.org/markup-compatibility/2006">
-    <mc:Choice xmlns:p159="http://schemas.microsoft.com/office/powerpoint/2015/09/main" Requires="p159">
+  <mc:AlternateContent xmlns:mc="http://schemas.openxmlformats.org/markup-compatibility/2006" xmlns:p159="http://schemas.microsoft.com/office/powerpoint/2015/09/main">
+    <mc:Choice Requires="p159">
       <p:transition xmlns:p14="http://schemas.microsoft.com/office/powerpoint/2010/main" spd="slow" p14:dur="2000">
         <p159:morph option="byObject"/>
       </p:transition>
     </mc:Choice>
-    <mc:Fallback>
+    <mc:Fallback xmlns="">
       <p:transition spd="slow">
         <p:fade/>
       </p:transition>
@@ -4371,13 +4371,13 @@
   <p:clrMapOvr>
     <a:masterClrMapping/>
   </p:clrMapOvr>
-  <mc:AlternateContent xmlns:mc="http://schemas.openxmlformats.org/markup-compatibility/2006">
-    <mc:Choice xmlns:p159="http://schemas.microsoft.com/office/powerpoint/2015/09/main" Requires="p159">
+  <mc:AlternateContent xmlns:mc="http://schemas.openxmlformats.org/markup-compatibility/2006" xmlns:p159="http://schemas.microsoft.com/office/powerpoint/2015/09/main">
+    <mc:Choice Requires="p159">
       <p:transition xmlns:p14="http://schemas.microsoft.com/office/powerpoint/2010/main" spd="slow" p14:dur="2000">
         <p159:morph option="byObject"/>
       </p:transition>
     </mc:Choice>
-    <mc:Fallback>
+    <mc:Fallback xmlns="">
       <p:transition spd="slow">
         <p:fade/>
       </p:transition>
@@ -5220,13 +5220,13 @@
   <p:clrMapOvr>
     <a:masterClrMapping/>
   </p:clrMapOvr>
-  <mc:AlternateContent xmlns:mc="http://schemas.openxmlformats.org/markup-compatibility/2006">
-    <mc:Choice xmlns:p159="http://schemas.microsoft.com/office/powerpoint/2015/09/main" Requires="p159">
+  <mc:AlternateContent xmlns:mc="http://schemas.openxmlformats.org/markup-compatibility/2006" xmlns:p159="http://schemas.microsoft.com/office/powerpoint/2015/09/main">
+    <mc:Choice Requires="p159">
       <p:transition xmlns:p14="http://schemas.microsoft.com/office/powerpoint/2010/main" spd="slow" p14:dur="2000">
         <p159:morph option="byObject"/>
       </p:transition>
     </mc:Choice>
-    <mc:Fallback>
+    <mc:Fallback xmlns="">
       <p:transition spd="slow">
         <p:fade/>
       </p:transition>
@@ -6000,13 +6000,13 @@
   <p:clrMapOvr>
     <a:masterClrMapping/>
   </p:clrMapOvr>
-  <mc:AlternateContent xmlns:mc="http://schemas.openxmlformats.org/markup-compatibility/2006">
-    <mc:Choice xmlns:p159="http://schemas.microsoft.com/office/powerpoint/2015/09/main" Requires="p159">
+  <mc:AlternateContent xmlns:mc="http://schemas.openxmlformats.org/markup-compatibility/2006" xmlns:p159="http://schemas.microsoft.com/office/powerpoint/2015/09/main">
+    <mc:Choice Requires="p159">
       <p:transition xmlns:p14="http://schemas.microsoft.com/office/powerpoint/2010/main" spd="slow" p14:dur="2000">
         <p159:morph option="byObject"/>
       </p:transition>
     </mc:Choice>
-    <mc:Fallback>
+    <mc:Fallback xmlns="">
       <p:transition spd="slow">
         <p:fade/>
       </p:transition>
@@ -6680,13 +6680,13 @@
   <p:clrMapOvr>
     <a:masterClrMapping/>
   </p:clrMapOvr>
-  <mc:AlternateContent xmlns:mc="http://schemas.openxmlformats.org/markup-compatibility/2006">
-    <mc:Choice xmlns:p159="http://schemas.microsoft.com/office/powerpoint/2015/09/main" Requires="p159">
+  <mc:AlternateContent xmlns:mc="http://schemas.openxmlformats.org/markup-compatibility/2006" xmlns:p159="http://schemas.microsoft.com/office/powerpoint/2015/09/main">
+    <mc:Choice Requires="p159">
       <p:transition xmlns:p14="http://schemas.microsoft.com/office/powerpoint/2010/main" spd="slow" p14:dur="2000">
         <p159:morph option="byObject"/>
       </p:transition>
     </mc:Choice>
-    <mc:Fallback>
+    <mc:Fallback xmlns="">
       <p:transition spd="slow">
         <p:fade/>
       </p:transition>
@@ -6986,13 +6986,13 @@
   <p:clrMapOvr>
     <a:masterClrMapping/>
   </p:clrMapOvr>
-  <mc:AlternateContent xmlns:mc="http://schemas.openxmlformats.org/markup-compatibility/2006">
-    <mc:Choice xmlns:p159="http://schemas.microsoft.com/office/powerpoint/2015/09/main" Requires="p159">
+  <mc:AlternateContent xmlns:mc="http://schemas.openxmlformats.org/markup-compatibility/2006" xmlns:p159="http://schemas.microsoft.com/office/powerpoint/2015/09/main">
+    <mc:Choice Requires="p159">
       <p:transition xmlns:p14="http://schemas.microsoft.com/office/powerpoint/2010/main" spd="slow" p14:dur="2000">
         <p159:morph option="byObject"/>
       </p:transition>
     </mc:Choice>
-    <mc:Fallback>
+    <mc:Fallback xmlns="">
       <p:transition spd="slow">
         <p:fade/>
       </p:transition>
@@ -7307,13 +7307,13 @@
   <p:clrMapOvr>
     <a:masterClrMapping/>
   </p:clrMapOvr>
-  <mc:AlternateContent xmlns:mc="http://schemas.openxmlformats.org/markup-compatibility/2006">
-    <mc:Choice xmlns:p159="http://schemas.microsoft.com/office/powerpoint/2015/09/main" Requires="p159">
+  <mc:AlternateContent xmlns:mc="http://schemas.openxmlformats.org/markup-compatibility/2006" xmlns:p159="http://schemas.microsoft.com/office/powerpoint/2015/09/main">
+    <mc:Choice Requires="p159">
       <p:transition xmlns:p14="http://schemas.microsoft.com/office/powerpoint/2010/main" spd="slow" p14:dur="2000">
         <p159:morph option="byObject"/>
       </p:transition>
     </mc:Choice>
-    <mc:Fallback>
+    <mc:Fallback xmlns="">
       <p:transition spd="slow">
         <p:fade/>
       </p:transition>
@@ -7628,13 +7628,13 @@
   <p:clrMapOvr>
     <a:masterClrMapping/>
   </p:clrMapOvr>
-  <mc:AlternateContent xmlns:mc="http://schemas.openxmlformats.org/markup-compatibility/2006">
-    <mc:Choice xmlns:p159="http://schemas.microsoft.com/office/powerpoint/2015/09/main" Requires="p159">
+  <mc:AlternateContent xmlns:mc="http://schemas.openxmlformats.org/markup-compatibility/2006" xmlns:p159="http://schemas.microsoft.com/office/powerpoint/2015/09/main">
+    <mc:Choice Requires="p159">
       <p:transition xmlns:p14="http://schemas.microsoft.com/office/powerpoint/2010/main" spd="slow" p14:dur="2000">
         <p159:morph option="byObject"/>
       </p:transition>
     </mc:Choice>
-    <mc:Fallback>
+    <mc:Fallback xmlns="">
       <p:transition spd="slow">
         <p:fade/>
       </p:transition>
@@ -7889,13 +7889,13 @@
   <p:clrMapOvr>
     <a:masterClrMapping/>
   </p:clrMapOvr>
-  <mc:AlternateContent xmlns:mc="http://schemas.openxmlformats.org/markup-compatibility/2006">
-    <mc:Choice xmlns:p159="http://schemas.microsoft.com/office/powerpoint/2015/09/main" Requires="p159">
+  <mc:AlternateContent xmlns:mc="http://schemas.openxmlformats.org/markup-compatibility/2006" xmlns:p159="http://schemas.microsoft.com/office/powerpoint/2015/09/main">
+    <mc:Choice Requires="p159">
       <p:transition xmlns:p14="http://schemas.microsoft.com/office/powerpoint/2010/main" spd="slow" p14:dur="2000">
         <p159:morph option="byObject"/>
       </p:transition>
     </mc:Choice>
-    <mc:Fallback>
+    <mc:Fallback xmlns="">
       <p:transition spd="slow">
         <p:fade/>
       </p:transition>
@@ -8060,7 +8060,7 @@
         </p:blipFill>
         <p:spPr>
           <a:xfrm>
-            <a:off x="4646929" y="2052232"/>
+            <a:off x="1382868" y="2052232"/>
             <a:ext cx="2892407" cy="1506065"/>
           </a:xfrm>
           <a:prstGeom prst="rect">
@@ -8104,59 +8104,23 @@
           </a:prstGeom>
         </p:spPr>
       </p:pic>
-      <p:pic>
-        <p:nvPicPr>
-          <p:cNvPr id="3" name="그림 2">
-            <a:extLst>
-              <a:ext uri="{FF2B5EF4-FFF2-40B4-BE49-F238E27FC236}">
-                <a16:creationId xmlns:a16="http://schemas.microsoft.com/office/drawing/2014/main" id="{AF8441A0-0F52-4BB6-87D2-A7E13FBA71E2}"/>
-              </a:ext>
-            </a:extLst>
-          </p:cNvPr>
-          <p:cNvPicPr>
-            <a:picLocks noChangeAspect="1"/>
-          </p:cNvPicPr>
-          <p:nvPr/>
-        </p:nvPicPr>
-        <p:blipFill>
-          <a:blip r:embed="rId4">
-            <a:extLst>
-              <a:ext uri="{28A0092B-C50C-407E-A947-70E740481C1C}">
-                <a14:useLocalDpi xmlns:a14="http://schemas.microsoft.com/office/drawing/2010/main" val="0"/>
-              </a:ext>
-            </a:extLst>
-          </a:blip>
-          <a:stretch>
-            <a:fillRect/>
-          </a:stretch>
-        </p:blipFill>
-        <p:spPr>
-          <a:xfrm>
-            <a:off x="1507977" y="2052232"/>
-            <a:ext cx="1975412" cy="1975412"/>
-          </a:xfrm>
-          <a:prstGeom prst="rect">
-            <a:avLst/>
-          </a:prstGeom>
-        </p:spPr>
-      </p:pic>
     </p:spTree>
     <p:extLst>
       <p:ext uri="{BB962C8B-B14F-4D97-AF65-F5344CB8AC3E}">
-        <p14:creationId xmlns:p14="http://schemas.microsoft.com/office/powerpoint/2010/main" val="579393120"/>
+        <p14:creationId xmlns:p14="http://schemas.microsoft.com/office/powerpoint/2010/main" val="3371719678"/>
       </p:ext>
     </p:extLst>
   </p:cSld>
   <p:clrMapOvr>
     <a:masterClrMapping/>
   </p:clrMapOvr>
-  <mc:AlternateContent xmlns:mc="http://schemas.openxmlformats.org/markup-compatibility/2006">
-    <mc:Choice xmlns:p159="http://schemas.microsoft.com/office/powerpoint/2015/09/main" Requires="p159">
+  <mc:AlternateContent xmlns:mc="http://schemas.openxmlformats.org/markup-compatibility/2006" xmlns:p159="http://schemas.microsoft.com/office/powerpoint/2015/09/main">
+    <mc:Choice Requires="p159">
       <p:transition xmlns:p14="http://schemas.microsoft.com/office/powerpoint/2010/main" spd="slow" p14:dur="2000">
         <p159:morph option="byObject"/>
       </p:transition>
     </mc:Choice>
-    <mc:Fallback>
+    <mc:Fallback xmlns="">
       <p:transition spd="slow">
         <p:fade/>
       </p:transition>
@@ -8473,108 +8437,25 @@
     </p:spTree>
     <p:extLst>
       <p:ext uri="{BB962C8B-B14F-4D97-AF65-F5344CB8AC3E}">
-        <p14:creationId xmlns:p14="http://schemas.microsoft.com/office/powerpoint/2010/main" val="3371719678"/>
+        <p14:creationId xmlns:p14="http://schemas.microsoft.com/office/powerpoint/2010/main" val="1424742172"/>
       </p:ext>
     </p:extLst>
   </p:cSld>
   <p:clrMapOvr>
     <a:masterClrMapping/>
   </p:clrMapOvr>
-  <mc:AlternateContent xmlns:mc="http://schemas.openxmlformats.org/markup-compatibility/2006">
-    <mc:Choice xmlns:p159="http://schemas.microsoft.com/office/powerpoint/2015/09/main" Requires="p159">
+  <mc:AlternateContent xmlns:mc="http://schemas.openxmlformats.org/markup-compatibility/2006" xmlns:p159="http://schemas.microsoft.com/office/powerpoint/2015/09/main">
+    <mc:Choice Requires="p159">
       <p:transition xmlns:p14="http://schemas.microsoft.com/office/powerpoint/2010/main" spd="slow" p14:dur="2000">
         <p159:morph option="byObject"/>
       </p:transition>
     </mc:Choice>
-    <mc:Fallback>
+    <mc:Fallback xmlns="">
       <p:transition spd="slow">
         <p:fade/>
       </p:transition>
     </mc:Fallback>
   </mc:AlternateContent>
-  <p:timing>
-    <p:tnLst>
-      <p:par>
-        <p:cTn id="1" dur="indefinite" restart="never" nodeType="tmRoot">
-          <p:childTnLst>
-            <p:seq concurrent="1" nextAc="seek">
-              <p:cTn id="2" dur="indefinite" nodeType="mainSeq">
-                <p:childTnLst>
-                  <p:par>
-                    <p:cTn id="3" fill="hold">
-                      <p:stCondLst>
-                        <p:cond delay="indefinite"/>
-                      </p:stCondLst>
-                      <p:childTnLst>
-                        <p:par>
-                          <p:cTn id="4" fill="hold">
-                            <p:stCondLst>
-                              <p:cond delay="0"/>
-                            </p:stCondLst>
-                            <p:childTnLst>
-                              <p:par>
-                                <p:cTn id="5" presetID="22" presetClass="entr" presetSubtype="8" fill="hold" nodeType="clickEffect">
-                                  <p:stCondLst>
-                                    <p:cond delay="0"/>
-                                  </p:stCondLst>
-                                  <p:childTnLst>
-                                    <p:set>
-                                      <p:cBhvr>
-                                        <p:cTn id="6" dur="1" fill="hold">
-                                          <p:stCondLst>
-                                            <p:cond delay="0"/>
-                                          </p:stCondLst>
-                                        </p:cTn>
-                                        <p:tgtEl>
-                                          <p:spTgt spid="30"/>
-                                        </p:tgtEl>
-                                        <p:attrNameLst>
-                                          <p:attrName>style.visibility</p:attrName>
-                                        </p:attrNameLst>
-                                      </p:cBhvr>
-                                      <p:to>
-                                        <p:strVal val="visible"/>
-                                      </p:to>
-                                    </p:set>
-                                    <p:animEffect transition="in" filter="wipe(left)">
-                                      <p:cBhvr>
-                                        <p:cTn id="7" dur="500"/>
-                                        <p:tgtEl>
-                                          <p:spTgt spid="30"/>
-                                        </p:tgtEl>
-                                      </p:cBhvr>
-                                    </p:animEffect>
-                                  </p:childTnLst>
-                                </p:cTn>
-                              </p:par>
-                            </p:childTnLst>
-                          </p:cTn>
-                        </p:par>
-                      </p:childTnLst>
-                    </p:cTn>
-                  </p:par>
-                </p:childTnLst>
-              </p:cTn>
-              <p:prevCondLst>
-                <p:cond evt="onPrev" delay="0">
-                  <p:tgtEl>
-                    <p:sldTgt/>
-                  </p:tgtEl>
-                </p:cond>
-              </p:prevCondLst>
-              <p:nextCondLst>
-                <p:cond evt="onNext" delay="0">
-                  <p:tgtEl>
-                    <p:sldTgt/>
-                  </p:tgtEl>
-                </p:cond>
-              </p:nextCondLst>
-            </p:seq>
-          </p:childTnLst>
-        </p:cTn>
-      </p:par>
-    </p:tnLst>
-  </p:timing>
 </p:sld>
 </file>
 
@@ -9078,13 +8959,13 @@
   <p:clrMapOvr>
     <a:masterClrMapping/>
   </p:clrMapOvr>
-  <mc:AlternateContent xmlns:mc="http://schemas.openxmlformats.org/markup-compatibility/2006">
-    <mc:Choice xmlns:p159="http://schemas.microsoft.com/office/powerpoint/2015/09/main" Requires="p159">
+  <mc:AlternateContent xmlns:mc="http://schemas.openxmlformats.org/markup-compatibility/2006" xmlns:p159="http://schemas.microsoft.com/office/powerpoint/2015/09/main">
+    <mc:Choice Requires="p159">
       <p:transition xmlns:p14="http://schemas.microsoft.com/office/powerpoint/2010/main" spd="slow" p14:dur="2000">
         <p159:morph option="byObject"/>
       </p:transition>
     </mc:Choice>
-    <mc:Fallback>
+    <mc:Fallback xmlns="">
       <p:transition spd="slow">
         <p:fade/>
       </p:transition>
@@ -9193,54 +9074,6 @@
           <a:chExt cx="0" cy="0"/>
         </a:xfrm>
       </p:grpSpPr>
-      <p:cxnSp>
-        <p:nvCxnSpPr>
-          <p:cNvPr id="19" name="연결선: 구부러짐 18">
-            <a:extLst>
-              <a:ext uri="{FF2B5EF4-FFF2-40B4-BE49-F238E27FC236}">
-                <a16:creationId xmlns:a16="http://schemas.microsoft.com/office/drawing/2014/main" id="{309E180D-72F1-464E-81F7-468CCFD4381E}"/>
-              </a:ext>
-            </a:extLst>
-          </p:cNvPr>
-          <p:cNvCxnSpPr>
-            <a:cxnSpLocks/>
-            <a:stCxn id="7" idx="0"/>
-            <a:endCxn id="8" idx="0"/>
-          </p:cNvCxnSpPr>
-          <p:nvPr/>
-        </p:nvCxnSpPr>
-        <p:spPr>
-          <a:xfrm rot="16200000" flipH="1">
-            <a:off x="6380031" y="-1498727"/>
-            <a:ext cx="129298" cy="7231216"/>
-          </a:xfrm>
-          <a:prstGeom prst="curvedConnector3">
-            <a:avLst>
-              <a:gd name="adj1" fmla="val -577550"/>
-            </a:avLst>
-          </a:prstGeom>
-          <a:ln w="57150">
-            <a:solidFill>
-              <a:srgbClr val="3ED7C4"/>
-            </a:solidFill>
-            <a:tailEnd type="triangle"/>
-          </a:ln>
-        </p:spPr>
-        <p:style>
-          <a:lnRef idx="1">
-            <a:schemeClr val="accent1"/>
-          </a:lnRef>
-          <a:fillRef idx="0">
-            <a:schemeClr val="accent1"/>
-          </a:fillRef>
-          <a:effectRef idx="0">
-            <a:schemeClr val="accent1"/>
-          </a:effectRef>
-          <a:fontRef idx="minor">
-            <a:schemeClr val="tx1"/>
-          </a:fontRef>
-        </p:style>
-      </p:cxnSp>
       <p:sp>
         <p:nvSpPr>
           <p:cNvPr id="4" name="직사각형 3">
@@ -9424,48 +9257,12 @@
           </a:prstGeom>
         </p:spPr>
       </p:pic>
-      <p:pic>
-        <p:nvPicPr>
-          <p:cNvPr id="3" name="그림 2">
-            <a:extLst>
-              <a:ext uri="{FF2B5EF4-FFF2-40B4-BE49-F238E27FC236}">
-                <a16:creationId xmlns:a16="http://schemas.microsoft.com/office/drawing/2014/main" id="{CBFF29AA-4EF5-4A09-8AB9-8391A028627E}"/>
-              </a:ext>
-            </a:extLst>
-          </p:cNvPr>
-          <p:cNvPicPr>
-            <a:picLocks noChangeAspect="1"/>
-          </p:cNvPicPr>
-          <p:nvPr/>
-        </p:nvPicPr>
-        <p:blipFill>
-          <a:blip r:embed="rId4">
-            <a:extLst>
-              <a:ext uri="{28A0092B-C50C-407E-A947-70E740481C1C}">
-                <a14:useLocalDpi xmlns:a14="http://schemas.microsoft.com/office/drawing/2010/main" val="0"/>
-              </a:ext>
-            </a:extLst>
-          </a:blip>
-          <a:stretch>
-            <a:fillRect/>
-          </a:stretch>
-        </p:blipFill>
-        <p:spPr>
-          <a:xfrm>
-            <a:off x="6151135" y="835895"/>
-            <a:ext cx="861758" cy="861758"/>
-          </a:xfrm>
-          <a:prstGeom prst="rect">
-            <a:avLst/>
-          </a:prstGeom>
-        </p:spPr>
-      </p:pic>
       <p:grpSp>
         <p:nvGrpSpPr>
-          <p:cNvPr id="10" name="그룹 9">
-            <a:extLst>
-              <a:ext uri="{FF2B5EF4-FFF2-40B4-BE49-F238E27FC236}">
-                <a16:creationId xmlns:a16="http://schemas.microsoft.com/office/drawing/2014/main" id="{796A3521-5C04-466A-8769-965A41700448}"/>
+          <p:cNvPr id="30" name="그룹 29">
+            <a:extLst>
+              <a:ext uri="{FF2B5EF4-FFF2-40B4-BE49-F238E27FC236}">
+                <a16:creationId xmlns:a16="http://schemas.microsoft.com/office/drawing/2014/main" id="{E7F68678-EEE3-40D1-8815-08C927EABD8D}"/>
               </a:ext>
             </a:extLst>
           </p:cNvPr>
@@ -9474,25 +9271,128 @@
         </p:nvGrpSpPr>
         <p:grpSpPr>
           <a:xfrm>
-            <a:off x="2829072" y="2533071"/>
-            <a:ext cx="7231216" cy="2595252"/>
-            <a:chOff x="2829072" y="2533071"/>
-            <a:chExt cx="7231216" cy="2595252"/>
+            <a:off x="2829072" y="835895"/>
+            <a:ext cx="7231216" cy="1345635"/>
+            <a:chOff x="2829072" y="835895"/>
+            <a:chExt cx="7231216" cy="1345635"/>
           </a:xfrm>
         </p:grpSpPr>
         <p:cxnSp>
           <p:nvCxnSpPr>
-            <p:cNvPr id="15" name="직선 연결선 14">
+            <p:cNvPr id="19" name="연결선: 구부러짐 18">
               <a:extLst>
                 <a:ext uri="{FF2B5EF4-FFF2-40B4-BE49-F238E27FC236}">
-                  <a16:creationId xmlns:a16="http://schemas.microsoft.com/office/drawing/2014/main" id="{C50EAF9E-1F08-47B9-9CC6-2595F7C7E3EA}"/>
+                  <a16:creationId xmlns:a16="http://schemas.microsoft.com/office/drawing/2014/main" id="{309E180D-72F1-464E-81F7-468CCFD4381E}"/>
                 </a:ext>
               </a:extLst>
             </p:cNvPr>
             <p:cNvCxnSpPr>
               <a:cxnSpLocks/>
-              <a:stCxn id="7" idx="3"/>
-              <a:endCxn id="8" idx="1"/>
+              <a:stCxn id="7" idx="0"/>
+              <a:endCxn id="8" idx="0"/>
+            </p:cNvCxnSpPr>
+            <p:nvPr/>
+          </p:nvCxnSpPr>
+          <p:spPr>
+            <a:xfrm rot="16200000" flipH="1">
+              <a:off x="6380031" y="-1498727"/>
+              <a:ext cx="129298" cy="7231216"/>
+            </a:xfrm>
+            <a:prstGeom prst="curvedConnector3">
+              <a:avLst>
+                <a:gd name="adj1" fmla="val -577550"/>
+              </a:avLst>
+            </a:prstGeom>
+            <a:ln w="57150">
+              <a:solidFill>
+                <a:srgbClr val="3ED7C4"/>
+              </a:solidFill>
+              <a:tailEnd type="triangle"/>
+            </a:ln>
+          </p:spPr>
+          <p:style>
+            <a:lnRef idx="1">
+              <a:schemeClr val="accent1"/>
+            </a:lnRef>
+            <a:fillRef idx="0">
+              <a:schemeClr val="accent1"/>
+            </a:fillRef>
+            <a:effectRef idx="0">
+              <a:schemeClr val="accent1"/>
+            </a:effectRef>
+            <a:fontRef idx="minor">
+              <a:schemeClr val="tx1"/>
+            </a:fontRef>
+          </p:style>
+        </p:cxnSp>
+        <p:pic>
+          <p:nvPicPr>
+            <p:cNvPr id="3" name="그림 2">
+              <a:extLst>
+                <a:ext uri="{FF2B5EF4-FFF2-40B4-BE49-F238E27FC236}">
+                  <a16:creationId xmlns:a16="http://schemas.microsoft.com/office/drawing/2014/main" id="{CBFF29AA-4EF5-4A09-8AB9-8391A028627E}"/>
+                </a:ext>
+              </a:extLst>
+            </p:cNvPr>
+            <p:cNvPicPr>
+              <a:picLocks noChangeAspect="1"/>
+            </p:cNvPicPr>
+            <p:nvPr/>
+          </p:nvPicPr>
+          <p:blipFill>
+            <a:blip r:embed="rId4">
+              <a:extLst>
+                <a:ext uri="{28A0092B-C50C-407E-A947-70E740481C1C}">
+                  <a14:useLocalDpi xmlns:a14="http://schemas.microsoft.com/office/drawing/2010/main" val="0"/>
+                </a:ext>
+              </a:extLst>
+            </a:blip>
+            <a:stretch>
+              <a:fillRect/>
+            </a:stretch>
+          </p:blipFill>
+          <p:spPr>
+            <a:xfrm>
+              <a:off x="6151135" y="835895"/>
+              <a:ext cx="861758" cy="861758"/>
+            </a:xfrm>
+            <a:prstGeom prst="rect">
+              <a:avLst/>
+            </a:prstGeom>
+          </p:spPr>
+        </p:pic>
+      </p:grpSp>
+      <p:grpSp>
+        <p:nvGrpSpPr>
+          <p:cNvPr id="9" name="그룹 8">
+            <a:extLst>
+              <a:ext uri="{FF2B5EF4-FFF2-40B4-BE49-F238E27FC236}">
+                <a16:creationId xmlns:a16="http://schemas.microsoft.com/office/drawing/2014/main" id="{D2F318D6-6C27-48FA-80DF-0AA2CAC80AE7}"/>
+              </a:ext>
+            </a:extLst>
+          </p:cNvPr>
+          <p:cNvGrpSpPr/>
+          <p:nvPr/>
+        </p:nvGrpSpPr>
+        <p:grpSpPr>
+          <a:xfrm>
+            <a:off x="2829072" y="2533071"/>
+            <a:ext cx="7231216" cy="2595252"/>
+            <a:chOff x="2829072" y="2533071"/>
+            <a:chExt cx="7231216" cy="2595252"/>
+          </a:xfrm>
+        </p:grpSpPr>
+        <p:cxnSp>
+          <p:nvCxnSpPr>
+            <p:cNvPr id="10" name="직선 연결선 9">
+              <a:extLst>
+                <a:ext uri="{FF2B5EF4-FFF2-40B4-BE49-F238E27FC236}">
+                  <a16:creationId xmlns:a16="http://schemas.microsoft.com/office/drawing/2014/main" id="{A0959582-8D10-47B8-82F2-2E8AEBB02594}"/>
+                </a:ext>
+              </a:extLst>
+            </p:cNvPr>
+            <p:cNvCxnSpPr>
+              <a:cxnSpLocks/>
             </p:cNvCxnSpPr>
             <p:nvPr/>
           </p:nvCxnSpPr>
@@ -9529,17 +9429,15 @@
         </p:cxnSp>
         <p:cxnSp>
           <p:nvCxnSpPr>
-            <p:cNvPr id="24" name="연결선: 구부러짐 23">
+            <p:cNvPr id="11" name="연결선: 구부러짐 10">
               <a:extLst>
                 <a:ext uri="{FF2B5EF4-FFF2-40B4-BE49-F238E27FC236}">
-                  <a16:creationId xmlns:a16="http://schemas.microsoft.com/office/drawing/2014/main" id="{5CE2B456-A6E5-42A2-8A1D-2A77C9DC02C7}"/>
+                  <a16:creationId xmlns:a16="http://schemas.microsoft.com/office/drawing/2014/main" id="{59171980-F20F-46A5-A45C-350BB5EF8901}"/>
                 </a:ext>
               </a:extLst>
             </p:cNvPr>
             <p:cNvCxnSpPr>
               <a:cxnSpLocks/>
-              <a:stCxn id="7" idx="2"/>
-              <a:endCxn id="8" idx="2"/>
             </p:cNvCxnSpPr>
             <p:nvPr/>
           </p:nvCxnSpPr>
@@ -9577,10 +9475,10 @@
         </p:cxnSp>
         <p:grpSp>
           <p:nvGrpSpPr>
-            <p:cNvPr id="14" name="그룹 13">
+            <p:cNvPr id="12" name="그룹 11">
               <a:extLst>
                 <a:ext uri="{FF2B5EF4-FFF2-40B4-BE49-F238E27FC236}">
-                  <a16:creationId xmlns:a16="http://schemas.microsoft.com/office/drawing/2014/main" id="{CCF28578-5EF9-4E4E-9C16-A9821D6CD011}"/>
+                  <a16:creationId xmlns:a16="http://schemas.microsoft.com/office/drawing/2014/main" id="{19B27057-962B-4BBC-AE12-57C64E508AB1}"/>
                 </a:ext>
               </a:extLst>
             </p:cNvPr>
@@ -9597,10 +9495,10 @@
           </p:grpSpPr>
           <p:sp>
             <p:nvSpPr>
-              <p:cNvPr id="12" name="직사각형 11">
+              <p:cNvPr id="14" name="직사각형 13">
                 <a:extLst>
                   <a:ext uri="{FF2B5EF4-FFF2-40B4-BE49-F238E27FC236}">
-                    <a16:creationId xmlns:a16="http://schemas.microsoft.com/office/drawing/2014/main" id="{CC517A6F-BF57-4C4C-9841-423FC0425843}"/>
+                    <a16:creationId xmlns:a16="http://schemas.microsoft.com/office/drawing/2014/main" id="{09188AA8-B65B-48CF-A85B-4A6880A2E230}"/>
                   </a:ext>
                 </a:extLst>
               </p:cNvPr>
@@ -9716,10 +9614,10 @@
           </p:sp>
           <p:pic>
             <p:nvPicPr>
-              <p:cNvPr id="13" name="그림 12">
+              <p:cNvPr id="15" name="그림 14">
                 <a:extLst>
                   <a:ext uri="{FF2B5EF4-FFF2-40B4-BE49-F238E27FC236}">
-                    <a16:creationId xmlns:a16="http://schemas.microsoft.com/office/drawing/2014/main" id="{48FA0E50-EE57-46D3-8D16-9FE1E1036457}"/>
+                    <a16:creationId xmlns:a16="http://schemas.microsoft.com/office/drawing/2014/main" id="{AF3C443D-2511-44DB-A161-AC27776B3ADE}"/>
                   </a:ext>
                 </a:extLst>
               </p:cNvPr>
@@ -9753,10 +9651,10 @@
         </p:grpSp>
         <p:pic>
           <p:nvPicPr>
-            <p:cNvPr id="17" name="그림 16">
+            <p:cNvPr id="13" name="그림 12">
               <a:extLst>
                 <a:ext uri="{FF2B5EF4-FFF2-40B4-BE49-F238E27FC236}">
-                  <a16:creationId xmlns:a16="http://schemas.microsoft.com/office/drawing/2014/main" id="{C8C96C41-2498-4B89-945A-549B9713E62E}"/>
+                  <a16:creationId xmlns:a16="http://schemas.microsoft.com/office/drawing/2014/main" id="{1FAF65DC-79F4-4612-A259-DBEFD1D06690}"/>
                 </a:ext>
               </a:extLst>
             </p:cNvPr>
@@ -9790,20 +9688,20 @@
     </p:spTree>
     <p:extLst>
       <p:ext uri="{BB962C8B-B14F-4D97-AF65-F5344CB8AC3E}">
-        <p14:creationId xmlns:p14="http://schemas.microsoft.com/office/powerpoint/2010/main" val="4272228920"/>
+        <p14:creationId xmlns:p14="http://schemas.microsoft.com/office/powerpoint/2010/main" val="1164747347"/>
       </p:ext>
     </p:extLst>
   </p:cSld>
   <p:clrMapOvr>
     <a:masterClrMapping/>
   </p:clrMapOvr>
-  <mc:AlternateContent xmlns:mc="http://schemas.openxmlformats.org/markup-compatibility/2006">
-    <mc:Choice xmlns:p159="http://schemas.microsoft.com/office/powerpoint/2015/09/main" Requires="p159">
+  <mc:AlternateContent xmlns:mc="http://schemas.openxmlformats.org/markup-compatibility/2006" xmlns:p159="http://schemas.microsoft.com/office/powerpoint/2015/09/main">
+    <mc:Choice Requires="p159">
       <p:transition xmlns:p14="http://schemas.microsoft.com/office/powerpoint/2010/main" spd="slow" p14:dur="2000">
         <p159:morph option="byObject"/>
       </p:transition>
     </mc:Choice>
-    <mc:Fallback>
+    <mc:Fallback xmlns="">
       <p:transition spd="slow">
         <p:fade/>
       </p:transition>
@@ -9843,7 +9741,7 @@
                                           </p:stCondLst>
                                         </p:cTn>
                                         <p:tgtEl>
-                                          <p:spTgt spid="10"/>
+                                          <p:spTgt spid="9"/>
                                         </p:tgtEl>
                                         <p:attrNameLst>
                                           <p:attrName>style.visibility</p:attrName>
@@ -9857,7 +9755,7 @@
                                       <p:cBhvr>
                                         <p:cTn id="7" dur="500"/>
                                         <p:tgtEl>
-                                          <p:spTgt spid="10"/>
+                                          <p:spTgt spid="9"/>
                                         </p:tgtEl>
                                       </p:cBhvr>
                                     </p:animEffect>
@@ -10105,13 +10003,13 @@
   <p:clrMapOvr>
     <a:masterClrMapping/>
   </p:clrMapOvr>
-  <mc:AlternateContent xmlns:mc="http://schemas.openxmlformats.org/markup-compatibility/2006">
-    <mc:Choice xmlns:p159="http://schemas.microsoft.com/office/powerpoint/2015/09/main" Requires="p159">
+  <mc:AlternateContent xmlns:mc="http://schemas.openxmlformats.org/markup-compatibility/2006" xmlns:p159="http://schemas.microsoft.com/office/powerpoint/2015/09/main">
+    <mc:Choice Requires="p159">
       <p:transition xmlns:p14="http://schemas.microsoft.com/office/powerpoint/2010/main" spd="slow" p14:dur="2000">
         <p159:morph option="byObject"/>
       </p:transition>
     </mc:Choice>
-    <mc:Fallback>
+    <mc:Fallback xmlns="">
       <p:transition spd="slow">
         <p:fade/>
       </p:transition>
@@ -10383,13 +10281,13 @@
   <p:clrMapOvr>
     <a:masterClrMapping/>
   </p:clrMapOvr>
-  <mc:AlternateContent xmlns:mc="http://schemas.openxmlformats.org/markup-compatibility/2006">
-    <mc:Choice xmlns:p159="http://schemas.microsoft.com/office/powerpoint/2015/09/main" Requires="p159">
+  <mc:AlternateContent xmlns:mc="http://schemas.openxmlformats.org/markup-compatibility/2006" xmlns:p159="http://schemas.microsoft.com/office/powerpoint/2015/09/main">
+    <mc:Choice Requires="p159">
       <p:transition xmlns:p14="http://schemas.microsoft.com/office/powerpoint/2010/main" spd="slow" p14:dur="2000">
         <p159:morph option="byObject"/>
       </p:transition>
     </mc:Choice>
-    <mc:Fallback>
+    <mc:Fallback xmlns="">
       <p:transition spd="slow">
         <p:fade/>
       </p:transition>
@@ -10700,13 +10598,13 @@
   <p:clrMapOvr>
     <a:masterClrMapping/>
   </p:clrMapOvr>
-  <mc:AlternateContent xmlns:mc="http://schemas.openxmlformats.org/markup-compatibility/2006">
-    <mc:Choice xmlns:p159="http://schemas.microsoft.com/office/powerpoint/2015/09/main" Requires="p159">
+  <mc:AlternateContent xmlns:mc="http://schemas.openxmlformats.org/markup-compatibility/2006" xmlns:p159="http://schemas.microsoft.com/office/powerpoint/2015/09/main">
+    <mc:Choice Requires="p159">
       <p:transition xmlns:p14="http://schemas.microsoft.com/office/powerpoint/2010/main" spd="slow" p14:dur="2000">
         <p159:morph option="byObject"/>
       </p:transition>
     </mc:Choice>
-    <mc:Fallback>
+    <mc:Fallback xmlns="">
       <p:transition spd="slow">
         <p:fade/>
       </p:transition>
@@ -11144,13 +11042,13 @@
   <p:clrMapOvr>
     <a:masterClrMapping/>
   </p:clrMapOvr>
-  <mc:AlternateContent xmlns:mc="http://schemas.openxmlformats.org/markup-compatibility/2006">
-    <mc:Choice xmlns:p159="http://schemas.microsoft.com/office/powerpoint/2015/09/main" Requires="p159">
+  <mc:AlternateContent xmlns:mc="http://schemas.openxmlformats.org/markup-compatibility/2006" xmlns:p159="http://schemas.microsoft.com/office/powerpoint/2015/09/main">
+    <mc:Choice Requires="p159">
       <p:transition xmlns:p14="http://schemas.microsoft.com/office/powerpoint/2010/main" spd="slow" p14:dur="2000">
         <p159:morph option="byObject"/>
       </p:transition>
     </mc:Choice>
-    <mc:Fallback>
+    <mc:Fallback xmlns="">
       <p:transition spd="slow">
         <p:fade/>
       </p:transition>
@@ -11515,13 +11413,13 @@
   <p:clrMapOvr>
     <a:masterClrMapping/>
   </p:clrMapOvr>
-  <mc:AlternateContent xmlns:mc="http://schemas.openxmlformats.org/markup-compatibility/2006">
-    <mc:Choice xmlns:p159="http://schemas.microsoft.com/office/powerpoint/2015/09/main" Requires="p159">
+  <mc:AlternateContent xmlns:mc="http://schemas.openxmlformats.org/markup-compatibility/2006" xmlns:p159="http://schemas.microsoft.com/office/powerpoint/2015/09/main">
+    <mc:Choice Requires="p159">
       <p:transition xmlns:p14="http://schemas.microsoft.com/office/powerpoint/2010/main" spd="slow" p14:dur="2000">
         <p159:morph option="byObject"/>
       </p:transition>
     </mc:Choice>
-    <mc:Fallback>
+    <mc:Fallback xmlns="">
       <p:transition spd="slow">
         <p:fade/>
       </p:transition>
@@ -11892,13 +11790,13 @@
   <p:clrMapOvr>
     <a:masterClrMapping/>
   </p:clrMapOvr>
-  <mc:AlternateContent xmlns:mc="http://schemas.openxmlformats.org/markup-compatibility/2006">
-    <mc:Choice xmlns:p159="http://schemas.microsoft.com/office/powerpoint/2015/09/main" Requires="p159">
+  <mc:AlternateContent xmlns:mc="http://schemas.openxmlformats.org/markup-compatibility/2006" xmlns:p159="http://schemas.microsoft.com/office/powerpoint/2015/09/main">
+    <mc:Choice Requires="p159">
       <p:transition xmlns:p14="http://schemas.microsoft.com/office/powerpoint/2010/main" spd="slow" p14:dur="2000">
         <p159:morph option="byObject"/>
       </p:transition>
     </mc:Choice>
-    <mc:Fallback>
+    <mc:Fallback xmlns="">
       <p:transition spd="slow">
         <p:fade/>
       </p:transition>
@@ -12105,13 +12003,13 @@
   <p:clrMapOvr>
     <a:masterClrMapping/>
   </p:clrMapOvr>
-  <mc:AlternateContent xmlns:mc="http://schemas.openxmlformats.org/markup-compatibility/2006">
-    <mc:Choice xmlns:p159="http://schemas.microsoft.com/office/powerpoint/2015/09/main" Requires="p159">
+  <mc:AlternateContent xmlns:mc="http://schemas.openxmlformats.org/markup-compatibility/2006" xmlns:p159="http://schemas.microsoft.com/office/powerpoint/2015/09/main">
+    <mc:Choice Requires="p159">
       <p:transition xmlns:p14="http://schemas.microsoft.com/office/powerpoint/2010/main" spd="slow" p14:dur="2000">
         <p159:morph option="byObject"/>
       </p:transition>
     </mc:Choice>
-    <mc:Fallback>
+    <mc:Fallback xmlns="">
       <p:transition spd="slow">
         <p:fade/>
       </p:transition>
@@ -12354,13 +12252,13 @@
   <p:clrMapOvr>
     <a:masterClrMapping/>
   </p:clrMapOvr>
-  <mc:AlternateContent xmlns:mc="http://schemas.openxmlformats.org/markup-compatibility/2006">
-    <mc:Choice xmlns:p159="http://schemas.microsoft.com/office/powerpoint/2015/09/main" Requires="p159">
+  <mc:AlternateContent xmlns:mc="http://schemas.openxmlformats.org/markup-compatibility/2006" xmlns:p159="http://schemas.microsoft.com/office/powerpoint/2015/09/main">
+    <mc:Choice Requires="p159">
       <p:transition xmlns:p14="http://schemas.microsoft.com/office/powerpoint/2010/main" spd="slow" p14:dur="2000">
         <p159:morph option="byObject"/>
       </p:transition>
     </mc:Choice>
-    <mc:Fallback>
+    <mc:Fallback xmlns="">
       <p:transition spd="slow">
         <p:fade/>
       </p:transition>
@@ -12762,13 +12660,13 @@
   <p:clrMapOvr>
     <a:masterClrMapping/>
   </p:clrMapOvr>
-  <mc:AlternateContent xmlns:mc="http://schemas.openxmlformats.org/markup-compatibility/2006">
-    <mc:Choice xmlns:p159="http://schemas.microsoft.com/office/powerpoint/2015/09/main" Requires="p159">
+  <mc:AlternateContent xmlns:mc="http://schemas.openxmlformats.org/markup-compatibility/2006" xmlns:p159="http://schemas.microsoft.com/office/powerpoint/2015/09/main">
+    <mc:Choice Requires="p159">
       <p:transition xmlns:p14="http://schemas.microsoft.com/office/powerpoint/2010/main" spd="slow" p14:dur="2000">
         <p159:morph option="byObject"/>
       </p:transition>
     </mc:Choice>
-    <mc:Fallback>
+    <mc:Fallback xmlns="">
       <p:transition spd="slow">
         <p:fade/>
       </p:transition>
